--- a/output/Figures/Figs.pptx
+++ b/output/Figures/Figs.pptx
@@ -5,7 +5,7 @@
     <p:sldMasterId id="2147483648" r:id="rId1"/>
   </p:sldMasterIdLst>
   <p:notesMasterIdLst>
-    <p:notesMasterId r:id="rId12"/>
+    <p:notesMasterId r:id="rId19"/>
   </p:notesMasterIdLst>
   <p:sldIdLst>
     <p:sldId id="256" r:id="rId2"/>
@@ -14,10 +14,17 @@
     <p:sldId id="261" r:id="rId5"/>
     <p:sldId id="262" r:id="rId6"/>
     <p:sldId id="260" r:id="rId7"/>
-    <p:sldId id="257" r:id="rId8"/>
-    <p:sldId id="263" r:id="rId9"/>
-    <p:sldId id="264" r:id="rId10"/>
-    <p:sldId id="265" r:id="rId11"/>
+    <p:sldId id="268" r:id="rId8"/>
+    <p:sldId id="269" r:id="rId9"/>
+    <p:sldId id="272" r:id="rId10"/>
+    <p:sldId id="270" r:id="rId11"/>
+    <p:sldId id="271" r:id="rId12"/>
+    <p:sldId id="257" r:id="rId13"/>
+    <p:sldId id="263" r:id="rId14"/>
+    <p:sldId id="266" r:id="rId15"/>
+    <p:sldId id="267" r:id="rId16"/>
+    <p:sldId id="264" r:id="rId17"/>
+    <p:sldId id="265" r:id="rId18"/>
   </p:sldIdLst>
   <p:sldSz cx="12192000" cy="6858000"/>
   <p:notesSz cx="6858000" cy="9144000"/>
@@ -206,7 +213,7 @@
           <a:p>
             <a:fld id="{F32F4F65-7D4C-48C3-BBC4-C7E0D1368BE3}" type="datetimeFigureOut">
               <a:rPr lang="en-US" smtClean="0"/>
-              <a:t>12/6/2021</a:t>
+              <a:t>1/14/2022</a:t>
             </a:fld>
             <a:endParaRPr lang="en-US"/>
           </a:p>
@@ -872,7 +879,7 @@
           <a:p>
             <a:fld id="{E05F9EE4-F6CF-43BF-807F-E37C8E7F1AC9}" type="datetimeFigureOut">
               <a:rPr lang="en-US" smtClean="0"/>
-              <a:t>12/6/2021</a:t>
+              <a:t>1/14/2022</a:t>
             </a:fld>
             <a:endParaRPr lang="en-US"/>
           </a:p>
@@ -1070,7 +1077,7 @@
           <a:p>
             <a:fld id="{E05F9EE4-F6CF-43BF-807F-E37C8E7F1AC9}" type="datetimeFigureOut">
               <a:rPr lang="en-US" smtClean="0"/>
-              <a:t>12/6/2021</a:t>
+              <a:t>1/14/2022</a:t>
             </a:fld>
             <a:endParaRPr lang="en-US"/>
           </a:p>
@@ -1278,7 +1285,7 @@
           <a:p>
             <a:fld id="{E05F9EE4-F6CF-43BF-807F-E37C8E7F1AC9}" type="datetimeFigureOut">
               <a:rPr lang="en-US" smtClean="0"/>
-              <a:t>12/6/2021</a:t>
+              <a:t>1/14/2022</a:t>
             </a:fld>
             <a:endParaRPr lang="en-US"/>
           </a:p>
@@ -1476,7 +1483,7 @@
           <a:p>
             <a:fld id="{E05F9EE4-F6CF-43BF-807F-E37C8E7F1AC9}" type="datetimeFigureOut">
               <a:rPr lang="en-US" smtClean="0"/>
-              <a:t>12/6/2021</a:t>
+              <a:t>1/14/2022</a:t>
             </a:fld>
             <a:endParaRPr lang="en-US"/>
           </a:p>
@@ -1751,7 +1758,7 @@
           <a:p>
             <a:fld id="{E05F9EE4-F6CF-43BF-807F-E37C8E7F1AC9}" type="datetimeFigureOut">
               <a:rPr lang="en-US" smtClean="0"/>
-              <a:t>12/6/2021</a:t>
+              <a:t>1/14/2022</a:t>
             </a:fld>
             <a:endParaRPr lang="en-US"/>
           </a:p>
@@ -2016,7 +2023,7 @@
           <a:p>
             <a:fld id="{E05F9EE4-F6CF-43BF-807F-E37C8E7F1AC9}" type="datetimeFigureOut">
               <a:rPr lang="en-US" smtClean="0"/>
-              <a:t>12/6/2021</a:t>
+              <a:t>1/14/2022</a:t>
             </a:fld>
             <a:endParaRPr lang="en-US"/>
           </a:p>
@@ -2428,7 +2435,7 @@
           <a:p>
             <a:fld id="{E05F9EE4-F6CF-43BF-807F-E37C8E7F1AC9}" type="datetimeFigureOut">
               <a:rPr lang="en-US" smtClean="0"/>
-              <a:t>12/6/2021</a:t>
+              <a:t>1/14/2022</a:t>
             </a:fld>
             <a:endParaRPr lang="en-US"/>
           </a:p>
@@ -2569,7 +2576,7 @@
           <a:p>
             <a:fld id="{E05F9EE4-F6CF-43BF-807F-E37C8E7F1AC9}" type="datetimeFigureOut">
               <a:rPr lang="en-US" smtClean="0"/>
-              <a:t>12/6/2021</a:t>
+              <a:t>1/14/2022</a:t>
             </a:fld>
             <a:endParaRPr lang="en-US"/>
           </a:p>
@@ -2682,7 +2689,7 @@
           <a:p>
             <a:fld id="{E05F9EE4-F6CF-43BF-807F-E37C8E7F1AC9}" type="datetimeFigureOut">
               <a:rPr lang="en-US" smtClean="0"/>
-              <a:t>12/6/2021</a:t>
+              <a:t>1/14/2022</a:t>
             </a:fld>
             <a:endParaRPr lang="en-US"/>
           </a:p>
@@ -2993,7 +3000,7 @@
           <a:p>
             <a:fld id="{E05F9EE4-F6CF-43BF-807F-E37C8E7F1AC9}" type="datetimeFigureOut">
               <a:rPr lang="en-US" smtClean="0"/>
-              <a:t>12/6/2021</a:t>
+              <a:t>1/14/2022</a:t>
             </a:fld>
             <a:endParaRPr lang="en-US"/>
           </a:p>
@@ -3281,7 +3288,7 @@
           <a:p>
             <a:fld id="{E05F9EE4-F6CF-43BF-807F-E37C8E7F1AC9}" type="datetimeFigureOut">
               <a:rPr lang="en-US" smtClean="0"/>
-              <a:t>12/6/2021</a:t>
+              <a:t>1/14/2022</a:t>
             </a:fld>
             <a:endParaRPr lang="en-US"/>
           </a:p>
@@ -3522,7 +3529,7 @@
           <a:p>
             <a:fld id="{E05F9EE4-F6CF-43BF-807F-E37C8E7F1AC9}" type="datetimeFigureOut">
               <a:rPr lang="en-US" smtClean="0"/>
-              <a:t>12/6/2021</a:t>
+              <a:t>1/14/2022</a:t>
             </a:fld>
             <a:endParaRPr lang="en-US"/>
           </a:p>
@@ -4171,6 +4178,2397 @@
 </file>
 
 <file path=ppt/slides/slide10.xml><?xml version="1.0" encoding="utf-8"?>
+<p:sld xmlns:a="http://schemas.openxmlformats.org/drawingml/2006/main" xmlns:r="http://schemas.openxmlformats.org/officeDocument/2006/relationships" xmlns:p="http://schemas.openxmlformats.org/presentationml/2006/main">
+  <p:cSld>
+    <p:spTree>
+      <p:nvGrpSpPr>
+        <p:cNvPr id="1" name=""/>
+        <p:cNvGrpSpPr/>
+        <p:nvPr/>
+      </p:nvGrpSpPr>
+      <p:grpSpPr>
+        <a:xfrm>
+          <a:off x="0" y="0"/>
+          <a:ext cx="0" cy="0"/>
+          <a:chOff x="0" y="0"/>
+          <a:chExt cx="0" cy="0"/>
+        </a:xfrm>
+      </p:grpSpPr>
+      <p:pic>
+        <p:nvPicPr>
+          <p:cNvPr id="3" name="Picture 2" descr="Chart&#10;&#10;Description automatically generated">
+            <a:extLst>
+              <a:ext uri="{FF2B5EF4-FFF2-40B4-BE49-F238E27FC236}">
+                <a16:creationId xmlns:a16="http://schemas.microsoft.com/office/drawing/2014/main" id="{F9057353-9A5B-40E6-83AF-E82B3CB90FCE}"/>
+              </a:ext>
+            </a:extLst>
+          </p:cNvPr>
+          <p:cNvPicPr>
+            <a:picLocks noChangeAspect="1"/>
+          </p:cNvPicPr>
+          <p:nvPr/>
+        </p:nvPicPr>
+        <p:blipFill>
+          <a:blip r:embed="rId2">
+            <a:extLst>
+              <a:ext uri="{28A0092B-C50C-407E-A947-70E740481C1C}">
+                <a14:useLocalDpi xmlns:a14="http://schemas.microsoft.com/office/drawing/2010/main" val="0"/>
+              </a:ext>
+            </a:extLst>
+          </a:blip>
+          <a:stretch>
+            <a:fillRect/>
+          </a:stretch>
+        </p:blipFill>
+        <p:spPr>
+          <a:xfrm>
+            <a:off x="3809995" y="1600196"/>
+            <a:ext cx="4572009" cy="3657607"/>
+          </a:xfrm>
+          <a:prstGeom prst="rect">
+            <a:avLst/>
+          </a:prstGeom>
+        </p:spPr>
+      </p:pic>
+      <p:pic>
+        <p:nvPicPr>
+          <p:cNvPr id="5" name="Picture 4" descr="Chart&#10;&#10;Description automatically generated">
+            <a:extLst>
+              <a:ext uri="{FF2B5EF4-FFF2-40B4-BE49-F238E27FC236}">
+                <a16:creationId xmlns:a16="http://schemas.microsoft.com/office/drawing/2014/main" id="{1DF74326-A556-4A09-BF94-59543054C932}"/>
+              </a:ext>
+            </a:extLst>
+          </p:cNvPr>
+          <p:cNvPicPr>
+            <a:picLocks noChangeAspect="1"/>
+          </p:cNvPicPr>
+          <p:nvPr/>
+        </p:nvPicPr>
+        <p:blipFill>
+          <a:blip r:embed="rId3">
+            <a:extLst>
+              <a:ext uri="{28A0092B-C50C-407E-A947-70E740481C1C}">
+                <a14:useLocalDpi xmlns:a14="http://schemas.microsoft.com/office/drawing/2010/main" val="0"/>
+              </a:ext>
+            </a:extLst>
+          </a:blip>
+          <a:stretch>
+            <a:fillRect/>
+          </a:stretch>
+        </p:blipFill>
+        <p:spPr>
+          <a:xfrm>
+            <a:off x="3959995" y="1750196"/>
+            <a:ext cx="4572009" cy="3657607"/>
+          </a:xfrm>
+          <a:prstGeom prst="rect">
+            <a:avLst/>
+          </a:prstGeom>
+        </p:spPr>
+      </p:pic>
+      <p:pic>
+        <p:nvPicPr>
+          <p:cNvPr id="7" name="Picture 6" descr="Chart&#10;&#10;Description automatically generated">
+            <a:extLst>
+              <a:ext uri="{FF2B5EF4-FFF2-40B4-BE49-F238E27FC236}">
+                <a16:creationId xmlns:a16="http://schemas.microsoft.com/office/drawing/2014/main" id="{DDC96B18-C5D9-46BC-9FF6-D42D7027B458}"/>
+              </a:ext>
+            </a:extLst>
+          </p:cNvPr>
+          <p:cNvPicPr>
+            <a:picLocks noChangeAspect="1"/>
+          </p:cNvPicPr>
+          <p:nvPr/>
+        </p:nvPicPr>
+        <p:blipFill>
+          <a:blip r:embed="rId4">
+            <a:extLst>
+              <a:ext uri="{28A0092B-C50C-407E-A947-70E740481C1C}">
+                <a14:useLocalDpi xmlns:a14="http://schemas.microsoft.com/office/drawing/2010/main" val="0"/>
+              </a:ext>
+            </a:extLst>
+          </a:blip>
+          <a:stretch>
+            <a:fillRect/>
+          </a:stretch>
+        </p:blipFill>
+        <p:spPr>
+          <a:xfrm>
+            <a:off x="4109995" y="1900196"/>
+            <a:ext cx="4572009" cy="3657607"/>
+          </a:xfrm>
+          <a:prstGeom prst="rect">
+            <a:avLst/>
+          </a:prstGeom>
+        </p:spPr>
+      </p:pic>
+      <p:pic>
+        <p:nvPicPr>
+          <p:cNvPr id="9" name="Picture 8" descr="Chart&#10;&#10;Description automatically generated">
+            <a:extLst>
+              <a:ext uri="{FF2B5EF4-FFF2-40B4-BE49-F238E27FC236}">
+                <a16:creationId xmlns:a16="http://schemas.microsoft.com/office/drawing/2014/main" id="{19F85957-5089-4094-8FB0-63E09475AD48}"/>
+              </a:ext>
+            </a:extLst>
+          </p:cNvPr>
+          <p:cNvPicPr>
+            <a:picLocks noChangeAspect="1"/>
+          </p:cNvPicPr>
+          <p:nvPr/>
+        </p:nvPicPr>
+        <p:blipFill>
+          <a:blip r:embed="rId5">
+            <a:extLst>
+              <a:ext uri="{28A0092B-C50C-407E-A947-70E740481C1C}">
+                <a14:useLocalDpi xmlns:a14="http://schemas.microsoft.com/office/drawing/2010/main" val="0"/>
+              </a:ext>
+            </a:extLst>
+          </a:blip>
+          <a:stretch>
+            <a:fillRect/>
+          </a:stretch>
+        </p:blipFill>
+        <p:spPr>
+          <a:xfrm>
+            <a:off x="4259995" y="2050196"/>
+            <a:ext cx="4572009" cy="3657607"/>
+          </a:xfrm>
+          <a:prstGeom prst="rect">
+            <a:avLst/>
+          </a:prstGeom>
+        </p:spPr>
+      </p:pic>
+    </p:spTree>
+    <p:extLst>
+      <p:ext uri="{BB962C8B-B14F-4D97-AF65-F5344CB8AC3E}">
+        <p14:creationId xmlns:p14="http://schemas.microsoft.com/office/powerpoint/2010/main" val="1915133092"/>
+      </p:ext>
+    </p:extLst>
+  </p:cSld>
+  <p:clrMapOvr>
+    <a:masterClrMapping/>
+  </p:clrMapOvr>
+</p:sld>
+</file>
+
+<file path=ppt/slides/slide11.xml><?xml version="1.0" encoding="utf-8"?>
+<p:sld xmlns:a="http://schemas.openxmlformats.org/drawingml/2006/main" xmlns:r="http://schemas.openxmlformats.org/officeDocument/2006/relationships" xmlns:p="http://schemas.openxmlformats.org/presentationml/2006/main">
+  <p:cSld>
+    <p:spTree>
+      <p:nvGrpSpPr>
+        <p:cNvPr id="1" name=""/>
+        <p:cNvGrpSpPr/>
+        <p:nvPr/>
+      </p:nvGrpSpPr>
+      <p:grpSpPr>
+        <a:xfrm>
+          <a:off x="0" y="0"/>
+          <a:ext cx="0" cy="0"/>
+          <a:chOff x="0" y="0"/>
+          <a:chExt cx="0" cy="0"/>
+        </a:xfrm>
+      </p:grpSpPr>
+      <p:pic>
+        <p:nvPicPr>
+          <p:cNvPr id="5" name="Picture 4" descr="Chart, box and whisker chart&#10;&#10;Description automatically generated">
+            <a:extLst>
+              <a:ext uri="{FF2B5EF4-FFF2-40B4-BE49-F238E27FC236}">
+                <a16:creationId xmlns:a16="http://schemas.microsoft.com/office/drawing/2014/main" id="{040ECF0C-04E1-458B-A3B9-1F12EA5EBDF1}"/>
+              </a:ext>
+            </a:extLst>
+          </p:cNvPr>
+          <p:cNvPicPr>
+            <a:picLocks noChangeAspect="1"/>
+          </p:cNvPicPr>
+          <p:nvPr/>
+        </p:nvPicPr>
+        <p:blipFill>
+          <a:blip r:embed="rId2">
+            <a:extLst>
+              <a:ext uri="{28A0092B-C50C-407E-A947-70E740481C1C}">
+                <a14:useLocalDpi xmlns:a14="http://schemas.microsoft.com/office/drawing/2010/main" val="0"/>
+              </a:ext>
+            </a:extLst>
+          </a:blip>
+          <a:stretch>
+            <a:fillRect/>
+          </a:stretch>
+        </p:blipFill>
+        <p:spPr>
+          <a:xfrm>
+            <a:off x="1523990" y="1142995"/>
+            <a:ext cx="9144019" cy="4572009"/>
+          </a:xfrm>
+          <a:prstGeom prst="rect">
+            <a:avLst/>
+          </a:prstGeom>
+        </p:spPr>
+      </p:pic>
+    </p:spTree>
+    <p:extLst>
+      <p:ext uri="{BB962C8B-B14F-4D97-AF65-F5344CB8AC3E}">
+        <p14:creationId xmlns:p14="http://schemas.microsoft.com/office/powerpoint/2010/main" val="1940379294"/>
+      </p:ext>
+    </p:extLst>
+  </p:cSld>
+  <p:clrMapOvr>
+    <a:masterClrMapping/>
+  </p:clrMapOvr>
+</p:sld>
+</file>
+
+<file path=ppt/slides/slide12.xml><?xml version="1.0" encoding="utf-8"?>
+<p:sld xmlns:a="http://schemas.openxmlformats.org/drawingml/2006/main" xmlns:r="http://schemas.openxmlformats.org/officeDocument/2006/relationships" xmlns:p="http://schemas.openxmlformats.org/presentationml/2006/main">
+  <p:cSld>
+    <p:spTree>
+      <p:nvGrpSpPr>
+        <p:cNvPr id="1" name=""/>
+        <p:cNvGrpSpPr/>
+        <p:nvPr/>
+      </p:nvGrpSpPr>
+      <p:grpSpPr>
+        <a:xfrm>
+          <a:off x="0" y="0"/>
+          <a:ext cx="0" cy="0"/>
+          <a:chOff x="0" y="0"/>
+          <a:chExt cx="0" cy="0"/>
+        </a:xfrm>
+      </p:grpSpPr>
+      <p:grpSp>
+        <p:nvGrpSpPr>
+          <p:cNvPr id="10" name="Group 9">
+            <a:extLst>
+              <a:ext uri="{FF2B5EF4-FFF2-40B4-BE49-F238E27FC236}">
+                <a16:creationId xmlns:a16="http://schemas.microsoft.com/office/drawing/2014/main" id="{B80A4323-15A7-43E2-B1F0-9C1A4F5FA670}"/>
+              </a:ext>
+            </a:extLst>
+          </p:cNvPr>
+          <p:cNvGrpSpPr/>
+          <p:nvPr/>
+        </p:nvGrpSpPr>
+        <p:grpSpPr>
+          <a:xfrm>
+            <a:off x="71047" y="0"/>
+            <a:ext cx="8197158" cy="6858000"/>
+            <a:chOff x="71047" y="0"/>
+            <a:chExt cx="8197158" cy="6858000"/>
+          </a:xfrm>
+        </p:grpSpPr>
+        <p:pic>
+          <p:nvPicPr>
+            <p:cNvPr id="7" name="Picture 6" descr="Shape&#10;&#10;Description automatically generated">
+              <a:extLst>
+                <a:ext uri="{FF2B5EF4-FFF2-40B4-BE49-F238E27FC236}">
+                  <a16:creationId xmlns:a16="http://schemas.microsoft.com/office/drawing/2014/main" id="{B5E2B5A2-E21C-4BB3-91E0-447126E9FCFF}"/>
+                </a:ext>
+              </a:extLst>
+            </p:cNvPr>
+            <p:cNvPicPr>
+              <a:picLocks noChangeAspect="1"/>
+            </p:cNvPicPr>
+            <p:nvPr/>
+          </p:nvPicPr>
+          <p:blipFill>
+            <a:blip r:embed="rId2">
+              <a:extLst>
+                <a:ext uri="{28A0092B-C50C-407E-A947-70E740481C1C}">
+                  <a14:useLocalDpi xmlns:a14="http://schemas.microsoft.com/office/drawing/2010/main" val="0"/>
+                </a:ext>
+              </a:extLst>
+            </a:blip>
+            <a:stretch>
+              <a:fillRect/>
+            </a:stretch>
+          </p:blipFill>
+          <p:spPr>
+            <a:xfrm>
+              <a:off x="71047" y="2697755"/>
+              <a:ext cx="4160245" cy="4160245"/>
+            </a:xfrm>
+            <a:prstGeom prst="rect">
+              <a:avLst/>
+            </a:prstGeom>
+          </p:spPr>
+        </p:pic>
+        <p:pic>
+          <p:nvPicPr>
+            <p:cNvPr id="5" name="Picture 4" descr="Chart&#10;&#10;Description automatically generated">
+              <a:extLst>
+                <a:ext uri="{FF2B5EF4-FFF2-40B4-BE49-F238E27FC236}">
+                  <a16:creationId xmlns:a16="http://schemas.microsoft.com/office/drawing/2014/main" id="{62212AF3-1643-4B8E-ACA4-A40C6C4015DB}"/>
+                </a:ext>
+              </a:extLst>
+            </p:cNvPr>
+            <p:cNvPicPr>
+              <a:picLocks noChangeAspect="1"/>
+            </p:cNvPicPr>
+            <p:nvPr/>
+          </p:nvPicPr>
+          <p:blipFill rotWithShape="1">
+            <a:blip r:embed="rId3">
+              <a:extLst>
+                <a:ext uri="{28A0092B-C50C-407E-A947-70E740481C1C}">
+                  <a14:useLocalDpi xmlns:a14="http://schemas.microsoft.com/office/drawing/2010/main" val="0"/>
+                </a:ext>
+              </a:extLst>
+            </a:blip>
+            <a:srcRect t="18260" r="21074" b="20630"/>
+            <a:stretch/>
+          </p:blipFill>
+          <p:spPr>
+            <a:xfrm>
+              <a:off x="71047" y="0"/>
+              <a:ext cx="3858430" cy="2987420"/>
+            </a:xfrm>
+            <a:prstGeom prst="rect">
+              <a:avLst/>
+            </a:prstGeom>
+          </p:spPr>
+        </p:pic>
+        <p:pic>
+          <p:nvPicPr>
+            <p:cNvPr id="9" name="Picture 8" descr="Chart, bar chart&#10;&#10;Description automatically generated">
+              <a:extLst>
+                <a:ext uri="{FF2B5EF4-FFF2-40B4-BE49-F238E27FC236}">
+                  <a16:creationId xmlns:a16="http://schemas.microsoft.com/office/drawing/2014/main" id="{3F2BA2C2-436E-40A8-A450-829600676AE7}"/>
+                </a:ext>
+              </a:extLst>
+            </p:cNvPr>
+            <p:cNvPicPr>
+              <a:picLocks noChangeAspect="1"/>
+            </p:cNvPicPr>
+            <p:nvPr/>
+          </p:nvPicPr>
+          <p:blipFill>
+            <a:blip r:embed="rId4">
+              <a:extLst>
+                <a:ext uri="{28A0092B-C50C-407E-A947-70E740481C1C}">
+                  <a14:useLocalDpi xmlns:a14="http://schemas.microsoft.com/office/drawing/2010/main" val="0"/>
+                </a:ext>
+              </a:extLst>
+            </a:blip>
+            <a:stretch>
+              <a:fillRect/>
+            </a:stretch>
+          </p:blipFill>
+          <p:spPr>
+            <a:xfrm>
+              <a:off x="4091151" y="151940"/>
+              <a:ext cx="4177054" cy="4177054"/>
+            </a:xfrm>
+            <a:prstGeom prst="rect">
+              <a:avLst/>
+            </a:prstGeom>
+          </p:spPr>
+        </p:pic>
+      </p:grpSp>
+      <p:pic>
+        <p:nvPicPr>
+          <p:cNvPr id="3" name="Picture 2" descr="Chart, shape&#10;&#10;Description automatically generated">
+            <a:extLst>
+              <a:ext uri="{FF2B5EF4-FFF2-40B4-BE49-F238E27FC236}">
+                <a16:creationId xmlns:a16="http://schemas.microsoft.com/office/drawing/2014/main" id="{48070633-C0F3-47AD-949F-E9885420C3E3}"/>
+              </a:ext>
+            </a:extLst>
+          </p:cNvPr>
+          <p:cNvPicPr>
+            <a:picLocks noChangeAspect="1"/>
+          </p:cNvPicPr>
+          <p:nvPr/>
+        </p:nvPicPr>
+        <p:blipFill rotWithShape="1">
+          <a:blip r:embed="rId5">
+            <a:extLst>
+              <a:ext uri="{28A0092B-C50C-407E-A947-70E740481C1C}">
+                <a14:useLocalDpi xmlns:a14="http://schemas.microsoft.com/office/drawing/2010/main" val="0"/>
+              </a:ext>
+            </a:extLst>
+          </a:blip>
+          <a:srcRect t="9622"/>
+          <a:stretch/>
+        </p:blipFill>
+        <p:spPr>
+          <a:xfrm>
+            <a:off x="8358634" y="-166079"/>
+            <a:ext cx="2479007" cy="2240467"/>
+          </a:xfrm>
+          <a:prstGeom prst="rect">
+            <a:avLst/>
+          </a:prstGeom>
+        </p:spPr>
+      </p:pic>
+    </p:spTree>
+    <p:extLst>
+      <p:ext uri="{BB962C8B-B14F-4D97-AF65-F5344CB8AC3E}">
+        <p14:creationId xmlns:p14="http://schemas.microsoft.com/office/powerpoint/2010/main" val="2037376003"/>
+      </p:ext>
+    </p:extLst>
+  </p:cSld>
+  <p:clrMapOvr>
+    <a:masterClrMapping/>
+  </p:clrMapOvr>
+</p:sld>
+</file>
+
+<file path=ppt/slides/slide13.xml><?xml version="1.0" encoding="utf-8"?>
+<p:sld xmlns:a="http://schemas.openxmlformats.org/drawingml/2006/main" xmlns:r="http://schemas.openxmlformats.org/officeDocument/2006/relationships" xmlns:p="http://schemas.openxmlformats.org/presentationml/2006/main">
+  <p:cSld>
+    <p:spTree>
+      <p:nvGrpSpPr>
+        <p:cNvPr id="1" name=""/>
+        <p:cNvGrpSpPr/>
+        <p:nvPr/>
+      </p:nvGrpSpPr>
+      <p:grpSpPr>
+        <a:xfrm>
+          <a:off x="0" y="0"/>
+          <a:ext cx="0" cy="0"/>
+          <a:chOff x="0" y="0"/>
+          <a:chExt cx="0" cy="0"/>
+        </a:xfrm>
+      </p:grpSpPr>
+      <p:grpSp>
+        <p:nvGrpSpPr>
+          <p:cNvPr id="24" name="Group 23">
+            <a:extLst>
+              <a:ext uri="{FF2B5EF4-FFF2-40B4-BE49-F238E27FC236}">
+                <a16:creationId xmlns:a16="http://schemas.microsoft.com/office/drawing/2014/main" id="{FDA38EA0-E292-4FD6-922B-9E7AD7B5ED44}"/>
+              </a:ext>
+            </a:extLst>
+          </p:cNvPr>
+          <p:cNvGrpSpPr/>
+          <p:nvPr/>
+        </p:nvGrpSpPr>
+        <p:grpSpPr>
+          <a:xfrm>
+            <a:off x="1113844" y="-3311613"/>
+            <a:ext cx="6830111" cy="17114124"/>
+            <a:chOff x="1113844" y="-3311613"/>
+            <a:chExt cx="6830111" cy="17114124"/>
+          </a:xfrm>
+        </p:grpSpPr>
+        <p:pic>
+          <p:nvPicPr>
+            <p:cNvPr id="7" name="Picture 6" descr="Shape&#10;&#10;Description automatically generated">
+              <a:extLst>
+                <a:ext uri="{FF2B5EF4-FFF2-40B4-BE49-F238E27FC236}">
+                  <a16:creationId xmlns:a16="http://schemas.microsoft.com/office/drawing/2014/main" id="{CF73D72A-8976-4B04-BA4A-E23C2D4E731D}"/>
+                </a:ext>
+              </a:extLst>
+            </p:cNvPr>
+            <p:cNvPicPr>
+              <a:picLocks noChangeAspect="1"/>
+            </p:cNvPicPr>
+            <p:nvPr/>
+          </p:nvPicPr>
+          <p:blipFill rotWithShape="1">
+            <a:blip r:embed="rId2">
+              <a:extLst>
+                <a:ext uri="{28A0092B-C50C-407E-A947-70E740481C1C}">
+                  <a14:useLocalDpi xmlns:a14="http://schemas.microsoft.com/office/drawing/2010/main" val="0"/>
+                </a:ext>
+              </a:extLst>
+            </a:blip>
+            <a:srcRect r="14451"/>
+            <a:stretch/>
+          </p:blipFill>
+          <p:spPr>
+            <a:xfrm>
+              <a:off x="1149106" y="-3311613"/>
+              <a:ext cx="5202267" cy="6081029"/>
+            </a:xfrm>
+            <a:prstGeom prst="rect">
+              <a:avLst/>
+            </a:prstGeom>
+          </p:spPr>
+        </p:pic>
+        <p:pic>
+          <p:nvPicPr>
+            <p:cNvPr id="10" name="Picture 9" descr="Shape&#10;&#10;Description automatically generated">
+              <a:extLst>
+                <a:ext uri="{FF2B5EF4-FFF2-40B4-BE49-F238E27FC236}">
+                  <a16:creationId xmlns:a16="http://schemas.microsoft.com/office/drawing/2014/main" id="{D4B8190B-DF2E-4153-889F-EDDB1A5A808F}"/>
+                </a:ext>
+              </a:extLst>
+            </p:cNvPr>
+            <p:cNvPicPr>
+              <a:picLocks noChangeAspect="1"/>
+            </p:cNvPicPr>
+            <p:nvPr/>
+          </p:nvPicPr>
+          <p:blipFill rotWithShape="1">
+            <a:blip r:embed="rId3">
+              <a:extLst>
+                <a:ext uri="{28A0092B-C50C-407E-A947-70E740481C1C}">
+                  <a14:useLocalDpi xmlns:a14="http://schemas.microsoft.com/office/drawing/2010/main" val="0"/>
+                </a:ext>
+              </a:extLst>
+            </a:blip>
+            <a:srcRect t="9292" r="13266" b="16139"/>
+            <a:stretch/>
+          </p:blipFill>
+          <p:spPr>
+            <a:xfrm>
+              <a:off x="1144242" y="2285600"/>
+              <a:ext cx="5318342" cy="4572400"/>
+            </a:xfrm>
+            <a:prstGeom prst="rect">
+              <a:avLst/>
+            </a:prstGeom>
+          </p:spPr>
+        </p:pic>
+        <p:pic>
+          <p:nvPicPr>
+            <p:cNvPr id="12" name="Picture 11" descr="Chart, bar chart&#10;&#10;Description automatically generated">
+              <a:extLst>
+                <a:ext uri="{FF2B5EF4-FFF2-40B4-BE49-F238E27FC236}">
+                  <a16:creationId xmlns:a16="http://schemas.microsoft.com/office/drawing/2014/main" id="{AFBD0492-BE67-4CE6-B7B4-CD45722F61B7}"/>
+                </a:ext>
+              </a:extLst>
+            </p:cNvPr>
+            <p:cNvPicPr>
+              <a:picLocks noChangeAspect="1"/>
+            </p:cNvPicPr>
+            <p:nvPr/>
+          </p:nvPicPr>
+          <p:blipFill rotWithShape="1">
+            <a:blip r:embed="rId4">
+              <a:extLst>
+                <a:ext uri="{28A0092B-C50C-407E-A947-70E740481C1C}">
+                  <a14:useLocalDpi xmlns:a14="http://schemas.microsoft.com/office/drawing/2010/main" val="0"/>
+                </a:ext>
+              </a:extLst>
+            </a:blip>
+            <a:srcRect t="1179" r="20124"/>
+            <a:stretch/>
+          </p:blipFill>
+          <p:spPr>
+            <a:xfrm>
+              <a:off x="1113844" y="7322818"/>
+              <a:ext cx="5237529" cy="6479693"/>
+            </a:xfrm>
+            <a:prstGeom prst="rect">
+              <a:avLst/>
+            </a:prstGeom>
+          </p:spPr>
+        </p:pic>
+        <p:sp>
+          <p:nvSpPr>
+            <p:cNvPr id="14" name="Rectangle 13">
+              <a:extLst>
+                <a:ext uri="{FF2B5EF4-FFF2-40B4-BE49-F238E27FC236}">
+                  <a16:creationId xmlns:a16="http://schemas.microsoft.com/office/drawing/2014/main" id="{910149E6-9285-4B73-BC64-B0B9EBFDEE6D}"/>
+                </a:ext>
+              </a:extLst>
+            </p:cNvPr>
+            <p:cNvSpPr/>
+            <p:nvPr/>
+          </p:nvSpPr>
+          <p:spPr>
+            <a:xfrm>
+              <a:off x="1911177" y="6870353"/>
+              <a:ext cx="4307181" cy="508769"/>
+            </a:xfrm>
+            <a:prstGeom prst="rect">
+              <a:avLst/>
+            </a:prstGeom>
+            <a:solidFill>
+              <a:srgbClr val="81A1B1"/>
+            </a:solidFill>
+            <a:ln>
+              <a:solidFill>
+                <a:schemeClr val="bg1"/>
+              </a:solidFill>
+            </a:ln>
+          </p:spPr>
+          <p:style>
+            <a:lnRef idx="2">
+              <a:schemeClr val="accent1">
+                <a:shade val="50000"/>
+              </a:schemeClr>
+            </a:lnRef>
+            <a:fillRef idx="1">
+              <a:schemeClr val="accent1"/>
+            </a:fillRef>
+            <a:effectRef idx="0">
+              <a:schemeClr val="accent1"/>
+            </a:effectRef>
+            <a:fontRef idx="minor">
+              <a:schemeClr val="lt1"/>
+            </a:fontRef>
+          </p:style>
+          <p:txBody>
+            <a:bodyPr rtlCol="0" anchor="ctr"/>
+            <a:lstStyle/>
+            <a:p>
+              <a:pPr algn="ctr"/>
+              <a:r>
+                <a:rPr lang="en-US" b="1" dirty="0">
+                  <a:solidFill>
+                    <a:schemeClr val="tx1"/>
+                  </a:solidFill>
+                </a:rPr>
+                <a:t>Lambda Slope over initial 20 years</a:t>
+              </a:r>
+            </a:p>
+          </p:txBody>
+        </p:sp>
+        <p:sp>
+          <p:nvSpPr>
+            <p:cNvPr id="15" name="Rectangle 14">
+              <a:extLst>
+                <a:ext uri="{FF2B5EF4-FFF2-40B4-BE49-F238E27FC236}">
+                  <a16:creationId xmlns:a16="http://schemas.microsoft.com/office/drawing/2014/main" id="{8AA17C0F-344A-4CD0-8DB7-A30DB199043B}"/>
+                </a:ext>
+              </a:extLst>
+            </p:cNvPr>
+            <p:cNvSpPr/>
+            <p:nvPr/>
+          </p:nvSpPr>
+          <p:spPr>
+            <a:xfrm>
+              <a:off x="1911177" y="1770820"/>
+              <a:ext cx="4307181" cy="508769"/>
+            </a:xfrm>
+            <a:prstGeom prst="rect">
+              <a:avLst/>
+            </a:prstGeom>
+            <a:solidFill>
+              <a:srgbClr val="81A1B1"/>
+            </a:solidFill>
+            <a:ln>
+              <a:solidFill>
+                <a:schemeClr val="bg1"/>
+              </a:solidFill>
+            </a:ln>
+          </p:spPr>
+          <p:style>
+            <a:lnRef idx="2">
+              <a:schemeClr val="accent1">
+                <a:shade val="50000"/>
+              </a:schemeClr>
+            </a:lnRef>
+            <a:fillRef idx="1">
+              <a:schemeClr val="accent1"/>
+            </a:fillRef>
+            <a:effectRef idx="0">
+              <a:schemeClr val="accent1"/>
+            </a:effectRef>
+            <a:fontRef idx="minor">
+              <a:schemeClr val="lt1"/>
+            </a:fontRef>
+          </p:style>
+          <p:txBody>
+            <a:bodyPr rtlCol="0" anchor="ctr"/>
+            <a:lstStyle/>
+            <a:p>
+              <a:pPr algn="ctr"/>
+              <a:r>
+                <a:rPr lang="en-US" b="1" dirty="0">
+                  <a:solidFill>
+                    <a:schemeClr val="tx1"/>
+                  </a:solidFill>
+                </a:rPr>
+                <a:t>Harvest Slope over initial 20 years</a:t>
+              </a:r>
+            </a:p>
+          </p:txBody>
+        </p:sp>
+        <p:sp>
+          <p:nvSpPr>
+            <p:cNvPr id="16" name="Rectangle 15">
+              <a:extLst>
+                <a:ext uri="{FF2B5EF4-FFF2-40B4-BE49-F238E27FC236}">
+                  <a16:creationId xmlns:a16="http://schemas.microsoft.com/office/drawing/2014/main" id="{129E80C1-1F2B-49FD-B2ED-448242E8A737}"/>
+                </a:ext>
+              </a:extLst>
+            </p:cNvPr>
+            <p:cNvSpPr/>
+            <p:nvPr/>
+          </p:nvSpPr>
+          <p:spPr>
+            <a:xfrm>
+              <a:off x="1911177" y="-3254280"/>
+              <a:ext cx="4307181" cy="508769"/>
+            </a:xfrm>
+            <a:prstGeom prst="rect">
+              <a:avLst/>
+            </a:prstGeom>
+            <a:solidFill>
+              <a:srgbClr val="81A1B1"/>
+            </a:solidFill>
+            <a:ln>
+              <a:solidFill>
+                <a:schemeClr val="bg1"/>
+              </a:solidFill>
+            </a:ln>
+          </p:spPr>
+          <p:style>
+            <a:lnRef idx="2">
+              <a:schemeClr val="accent1">
+                <a:shade val="50000"/>
+              </a:schemeClr>
+            </a:lnRef>
+            <a:fillRef idx="1">
+              <a:schemeClr val="accent1"/>
+            </a:fillRef>
+            <a:effectRef idx="0">
+              <a:schemeClr val="accent1"/>
+            </a:effectRef>
+            <a:fontRef idx="minor">
+              <a:schemeClr val="lt1"/>
+            </a:fontRef>
+          </p:style>
+          <p:txBody>
+            <a:bodyPr rtlCol="0" anchor="ctr"/>
+            <a:lstStyle/>
+            <a:p>
+              <a:pPr algn="ctr"/>
+              <a:r>
+                <a:rPr lang="en-US" b="1" dirty="0">
+                  <a:solidFill>
+                    <a:schemeClr val="tx1"/>
+                  </a:solidFill>
+                </a:rPr>
+                <a:t>Fish Population Slope over initial 20 years</a:t>
+              </a:r>
+            </a:p>
+          </p:txBody>
+        </p:sp>
+        <p:pic>
+          <p:nvPicPr>
+            <p:cNvPr id="17" name="Picture 16" descr="Chart, bar chart&#10;&#10;Description automatically generated">
+              <a:extLst>
+                <a:ext uri="{FF2B5EF4-FFF2-40B4-BE49-F238E27FC236}">
+                  <a16:creationId xmlns:a16="http://schemas.microsoft.com/office/drawing/2014/main" id="{8583EBB3-224D-493A-B37C-727D8A899621}"/>
+                </a:ext>
+              </a:extLst>
+            </p:cNvPr>
+            <p:cNvPicPr>
+              <a:picLocks noChangeAspect="1"/>
+            </p:cNvPicPr>
+            <p:nvPr/>
+          </p:nvPicPr>
+          <p:blipFill rotWithShape="1">
+            <a:blip r:embed="rId4">
+              <a:extLst>
+                <a:ext uri="{28A0092B-C50C-407E-A947-70E740481C1C}">
+                  <a14:useLocalDpi xmlns:a14="http://schemas.microsoft.com/office/drawing/2010/main" val="0"/>
+                </a:ext>
+              </a:extLst>
+            </a:blip>
+            <a:srcRect l="83240" t="26431" r="1529" b="27964"/>
+            <a:stretch/>
+          </p:blipFill>
+          <p:spPr>
+            <a:xfrm>
+              <a:off x="6462584" y="7823487"/>
+              <a:ext cx="1481371" cy="4435678"/>
+            </a:xfrm>
+            <a:prstGeom prst="rect">
+              <a:avLst/>
+            </a:prstGeom>
+          </p:spPr>
+        </p:pic>
+        <p:pic>
+          <p:nvPicPr>
+            <p:cNvPr id="18" name="Picture 17" descr="Shape&#10;&#10;Description automatically generated">
+              <a:extLst>
+                <a:ext uri="{FF2B5EF4-FFF2-40B4-BE49-F238E27FC236}">
+                  <a16:creationId xmlns:a16="http://schemas.microsoft.com/office/drawing/2014/main" id="{3307E3E3-DE91-4394-B45A-4B60406D6210}"/>
+                </a:ext>
+              </a:extLst>
+            </p:cNvPr>
+            <p:cNvPicPr>
+              <a:picLocks noChangeAspect="1"/>
+            </p:cNvPicPr>
+            <p:nvPr/>
+          </p:nvPicPr>
+          <p:blipFill rotWithShape="1">
+            <a:blip r:embed="rId3">
+              <a:extLst>
+                <a:ext uri="{28A0092B-C50C-407E-A947-70E740481C1C}">
+                  <a14:useLocalDpi xmlns:a14="http://schemas.microsoft.com/office/drawing/2010/main" val="0"/>
+                </a:ext>
+              </a:extLst>
+            </a:blip>
+            <a:srcRect l="88507" t="24893" r="1657" b="29564"/>
+            <a:stretch/>
+          </p:blipFill>
+          <p:spPr>
+            <a:xfrm>
+              <a:off x="6487296" y="2374406"/>
+              <a:ext cx="946984" cy="4384748"/>
+            </a:xfrm>
+            <a:prstGeom prst="rect">
+              <a:avLst/>
+            </a:prstGeom>
+          </p:spPr>
+        </p:pic>
+        <p:pic>
+          <p:nvPicPr>
+            <p:cNvPr id="19" name="Picture 18" descr="Shape&#10;&#10;Description automatically generated">
+              <a:extLst>
+                <a:ext uri="{FF2B5EF4-FFF2-40B4-BE49-F238E27FC236}">
+                  <a16:creationId xmlns:a16="http://schemas.microsoft.com/office/drawing/2014/main" id="{C91B5B5E-2E97-4936-A39B-44EDF4DC2E77}"/>
+                </a:ext>
+              </a:extLst>
+            </p:cNvPr>
+            <p:cNvPicPr>
+              <a:picLocks noChangeAspect="1"/>
+            </p:cNvPicPr>
+            <p:nvPr/>
+          </p:nvPicPr>
+          <p:blipFill rotWithShape="1">
+            <a:blip r:embed="rId2">
+              <a:extLst>
+                <a:ext uri="{28A0092B-C50C-407E-A947-70E740481C1C}">
+                  <a14:useLocalDpi xmlns:a14="http://schemas.microsoft.com/office/drawing/2010/main" val="0"/>
+                </a:ext>
+              </a:extLst>
+            </a:blip>
+            <a:srcRect l="87654" t="25270" r="1920" b="28197"/>
+            <a:stretch/>
+          </p:blipFill>
+          <p:spPr>
+            <a:xfrm>
+              <a:off x="6549082" y="-2743139"/>
+              <a:ext cx="946984" cy="4226200"/>
+            </a:xfrm>
+            <a:prstGeom prst="rect">
+              <a:avLst/>
+            </a:prstGeom>
+          </p:spPr>
+        </p:pic>
+        <p:sp>
+          <p:nvSpPr>
+            <p:cNvPr id="21" name="Rectangle 20">
+              <a:extLst>
+                <a:ext uri="{FF2B5EF4-FFF2-40B4-BE49-F238E27FC236}">
+                  <a16:creationId xmlns:a16="http://schemas.microsoft.com/office/drawing/2014/main" id="{04C1F44E-99EC-4479-8C30-B190A9EBF1BC}"/>
+                </a:ext>
+              </a:extLst>
+            </p:cNvPr>
+            <p:cNvSpPr/>
+            <p:nvPr/>
+          </p:nvSpPr>
+          <p:spPr>
+            <a:xfrm>
+              <a:off x="1144242" y="-3204251"/>
+              <a:ext cx="445317" cy="408709"/>
+            </a:xfrm>
+            <a:prstGeom prst="rect">
+              <a:avLst/>
+            </a:prstGeom>
+            <a:solidFill>
+              <a:schemeClr val="bg1"/>
+            </a:solidFill>
+            <a:ln>
+              <a:solidFill>
+                <a:schemeClr val="bg1"/>
+              </a:solidFill>
+            </a:ln>
+          </p:spPr>
+          <p:style>
+            <a:lnRef idx="2">
+              <a:schemeClr val="accent1">
+                <a:shade val="50000"/>
+              </a:schemeClr>
+            </a:lnRef>
+            <a:fillRef idx="1">
+              <a:schemeClr val="accent1"/>
+            </a:fillRef>
+            <a:effectRef idx="0">
+              <a:schemeClr val="accent1"/>
+            </a:effectRef>
+            <a:fontRef idx="minor">
+              <a:schemeClr val="lt1"/>
+            </a:fontRef>
+          </p:style>
+          <p:txBody>
+            <a:bodyPr rtlCol="0" anchor="ctr"/>
+            <a:lstStyle/>
+            <a:p>
+              <a:pPr algn="ctr"/>
+              <a:r>
+                <a:rPr lang="en-US" b="1" dirty="0">
+                  <a:solidFill>
+                    <a:schemeClr val="tx1"/>
+                  </a:solidFill>
+                </a:rPr>
+                <a:t>A)</a:t>
+              </a:r>
+            </a:p>
+          </p:txBody>
+        </p:sp>
+        <p:sp>
+          <p:nvSpPr>
+            <p:cNvPr id="22" name="Rectangle 21">
+              <a:extLst>
+                <a:ext uri="{FF2B5EF4-FFF2-40B4-BE49-F238E27FC236}">
+                  <a16:creationId xmlns:a16="http://schemas.microsoft.com/office/drawing/2014/main" id="{36B167EA-0D20-4608-AEA9-2458D957B308}"/>
+                </a:ext>
+              </a:extLst>
+            </p:cNvPr>
+            <p:cNvSpPr/>
+            <p:nvPr/>
+          </p:nvSpPr>
+          <p:spPr>
+            <a:xfrm>
+              <a:off x="1144242" y="1820849"/>
+              <a:ext cx="445317" cy="408709"/>
+            </a:xfrm>
+            <a:prstGeom prst="rect">
+              <a:avLst/>
+            </a:prstGeom>
+            <a:solidFill>
+              <a:schemeClr val="bg1"/>
+            </a:solidFill>
+            <a:ln>
+              <a:solidFill>
+                <a:schemeClr val="bg1"/>
+              </a:solidFill>
+            </a:ln>
+          </p:spPr>
+          <p:style>
+            <a:lnRef idx="2">
+              <a:schemeClr val="accent1">
+                <a:shade val="50000"/>
+              </a:schemeClr>
+            </a:lnRef>
+            <a:fillRef idx="1">
+              <a:schemeClr val="accent1"/>
+            </a:fillRef>
+            <a:effectRef idx="0">
+              <a:schemeClr val="accent1"/>
+            </a:effectRef>
+            <a:fontRef idx="minor">
+              <a:schemeClr val="lt1"/>
+            </a:fontRef>
+          </p:style>
+          <p:txBody>
+            <a:bodyPr rtlCol="0" anchor="ctr"/>
+            <a:lstStyle/>
+            <a:p>
+              <a:pPr algn="ctr"/>
+              <a:r>
+                <a:rPr lang="en-US" b="1" dirty="0">
+                  <a:solidFill>
+                    <a:schemeClr val="tx1"/>
+                  </a:solidFill>
+                </a:rPr>
+                <a:t>B)</a:t>
+              </a:r>
+            </a:p>
+          </p:txBody>
+        </p:sp>
+        <p:sp>
+          <p:nvSpPr>
+            <p:cNvPr id="23" name="Rectangle 22">
+              <a:extLst>
+                <a:ext uri="{FF2B5EF4-FFF2-40B4-BE49-F238E27FC236}">
+                  <a16:creationId xmlns:a16="http://schemas.microsoft.com/office/drawing/2014/main" id="{C1AA1F1E-C206-4FC0-847F-57FEBF404054}"/>
+                </a:ext>
+              </a:extLst>
+            </p:cNvPr>
+            <p:cNvSpPr/>
+            <p:nvPr/>
+          </p:nvSpPr>
+          <p:spPr>
+            <a:xfrm>
+              <a:off x="1144242" y="6932034"/>
+              <a:ext cx="445317" cy="408709"/>
+            </a:xfrm>
+            <a:prstGeom prst="rect">
+              <a:avLst/>
+            </a:prstGeom>
+            <a:solidFill>
+              <a:schemeClr val="bg1"/>
+            </a:solidFill>
+            <a:ln>
+              <a:solidFill>
+                <a:schemeClr val="bg1"/>
+              </a:solidFill>
+            </a:ln>
+          </p:spPr>
+          <p:style>
+            <a:lnRef idx="2">
+              <a:schemeClr val="accent1">
+                <a:shade val="50000"/>
+              </a:schemeClr>
+            </a:lnRef>
+            <a:fillRef idx="1">
+              <a:schemeClr val="accent1"/>
+            </a:fillRef>
+            <a:effectRef idx="0">
+              <a:schemeClr val="accent1"/>
+            </a:effectRef>
+            <a:fontRef idx="minor">
+              <a:schemeClr val="lt1"/>
+            </a:fontRef>
+          </p:style>
+          <p:txBody>
+            <a:bodyPr rtlCol="0" anchor="ctr"/>
+            <a:lstStyle/>
+            <a:p>
+              <a:pPr algn="ctr"/>
+              <a:r>
+                <a:rPr lang="en-US" b="1" dirty="0">
+                  <a:solidFill>
+                    <a:schemeClr val="tx1"/>
+                  </a:solidFill>
+                </a:rPr>
+                <a:t>C)</a:t>
+              </a:r>
+            </a:p>
+          </p:txBody>
+        </p:sp>
+      </p:grpSp>
+    </p:spTree>
+    <p:extLst>
+      <p:ext uri="{BB962C8B-B14F-4D97-AF65-F5344CB8AC3E}">
+        <p14:creationId xmlns:p14="http://schemas.microsoft.com/office/powerpoint/2010/main" val="1241487079"/>
+      </p:ext>
+    </p:extLst>
+  </p:cSld>
+  <p:clrMapOvr>
+    <a:masterClrMapping/>
+  </p:clrMapOvr>
+</p:sld>
+</file>
+
+<file path=ppt/slides/slide14.xml><?xml version="1.0" encoding="utf-8"?>
+<p:sld xmlns:a="http://schemas.openxmlformats.org/drawingml/2006/main" xmlns:r="http://schemas.openxmlformats.org/officeDocument/2006/relationships" xmlns:p="http://schemas.openxmlformats.org/presentationml/2006/main">
+  <p:cSld>
+    <p:spTree>
+      <p:nvGrpSpPr>
+        <p:cNvPr id="1" name=""/>
+        <p:cNvGrpSpPr/>
+        <p:nvPr/>
+      </p:nvGrpSpPr>
+      <p:grpSpPr>
+        <a:xfrm>
+          <a:off x="0" y="0"/>
+          <a:ext cx="0" cy="0"/>
+          <a:chOff x="0" y="0"/>
+          <a:chExt cx="0" cy="0"/>
+        </a:xfrm>
+      </p:grpSpPr>
+      <p:grpSp>
+        <p:nvGrpSpPr>
+          <p:cNvPr id="24" name="Group 23">
+            <a:extLst>
+              <a:ext uri="{FF2B5EF4-FFF2-40B4-BE49-F238E27FC236}">
+                <a16:creationId xmlns:a16="http://schemas.microsoft.com/office/drawing/2014/main" id="{FDA38EA0-E292-4FD6-922B-9E7AD7B5ED44}"/>
+              </a:ext>
+            </a:extLst>
+          </p:cNvPr>
+          <p:cNvGrpSpPr/>
+          <p:nvPr/>
+        </p:nvGrpSpPr>
+        <p:grpSpPr>
+          <a:xfrm>
+            <a:off x="1113844" y="-3311613"/>
+            <a:ext cx="6830111" cy="17114124"/>
+            <a:chOff x="1113844" y="-3311613"/>
+            <a:chExt cx="6830111" cy="17114124"/>
+          </a:xfrm>
+        </p:grpSpPr>
+        <p:pic>
+          <p:nvPicPr>
+            <p:cNvPr id="7" name="Picture 6" descr="Shape&#10;&#10;Description automatically generated">
+              <a:extLst>
+                <a:ext uri="{FF2B5EF4-FFF2-40B4-BE49-F238E27FC236}">
+                  <a16:creationId xmlns:a16="http://schemas.microsoft.com/office/drawing/2014/main" id="{CF73D72A-8976-4B04-BA4A-E23C2D4E731D}"/>
+                </a:ext>
+              </a:extLst>
+            </p:cNvPr>
+            <p:cNvPicPr>
+              <a:picLocks noChangeAspect="1"/>
+            </p:cNvPicPr>
+            <p:nvPr/>
+          </p:nvPicPr>
+          <p:blipFill rotWithShape="1">
+            <a:blip r:embed="rId2">
+              <a:extLst>
+                <a:ext uri="{28A0092B-C50C-407E-A947-70E740481C1C}">
+                  <a14:useLocalDpi xmlns:a14="http://schemas.microsoft.com/office/drawing/2010/main" val="0"/>
+                </a:ext>
+              </a:extLst>
+            </a:blip>
+            <a:srcRect r="14451"/>
+            <a:stretch/>
+          </p:blipFill>
+          <p:spPr>
+            <a:xfrm>
+              <a:off x="1149106" y="-3311613"/>
+              <a:ext cx="5202267" cy="6081029"/>
+            </a:xfrm>
+            <a:prstGeom prst="rect">
+              <a:avLst/>
+            </a:prstGeom>
+          </p:spPr>
+        </p:pic>
+        <p:pic>
+          <p:nvPicPr>
+            <p:cNvPr id="10" name="Picture 9" descr="Shape&#10;&#10;Description automatically generated">
+              <a:extLst>
+                <a:ext uri="{FF2B5EF4-FFF2-40B4-BE49-F238E27FC236}">
+                  <a16:creationId xmlns:a16="http://schemas.microsoft.com/office/drawing/2014/main" id="{D4B8190B-DF2E-4153-889F-EDDB1A5A808F}"/>
+                </a:ext>
+              </a:extLst>
+            </p:cNvPr>
+            <p:cNvPicPr>
+              <a:picLocks noChangeAspect="1"/>
+            </p:cNvPicPr>
+            <p:nvPr/>
+          </p:nvPicPr>
+          <p:blipFill rotWithShape="1">
+            <a:blip r:embed="rId3">
+              <a:extLst>
+                <a:ext uri="{28A0092B-C50C-407E-A947-70E740481C1C}">
+                  <a14:useLocalDpi xmlns:a14="http://schemas.microsoft.com/office/drawing/2010/main" val="0"/>
+                </a:ext>
+              </a:extLst>
+            </a:blip>
+            <a:srcRect t="9292" r="13266" b="16139"/>
+            <a:stretch/>
+          </p:blipFill>
+          <p:spPr>
+            <a:xfrm>
+              <a:off x="1144242" y="2285600"/>
+              <a:ext cx="5318342" cy="4572400"/>
+            </a:xfrm>
+            <a:prstGeom prst="rect">
+              <a:avLst/>
+            </a:prstGeom>
+          </p:spPr>
+        </p:pic>
+        <p:pic>
+          <p:nvPicPr>
+            <p:cNvPr id="12" name="Picture 11" descr="Chart, bar chart&#10;&#10;Description automatically generated">
+              <a:extLst>
+                <a:ext uri="{FF2B5EF4-FFF2-40B4-BE49-F238E27FC236}">
+                  <a16:creationId xmlns:a16="http://schemas.microsoft.com/office/drawing/2014/main" id="{AFBD0492-BE67-4CE6-B7B4-CD45722F61B7}"/>
+                </a:ext>
+              </a:extLst>
+            </p:cNvPr>
+            <p:cNvPicPr>
+              <a:picLocks noChangeAspect="1"/>
+            </p:cNvPicPr>
+            <p:nvPr/>
+          </p:nvPicPr>
+          <p:blipFill rotWithShape="1">
+            <a:blip r:embed="rId4">
+              <a:extLst>
+                <a:ext uri="{28A0092B-C50C-407E-A947-70E740481C1C}">
+                  <a14:useLocalDpi xmlns:a14="http://schemas.microsoft.com/office/drawing/2010/main" val="0"/>
+                </a:ext>
+              </a:extLst>
+            </a:blip>
+            <a:srcRect t="1179" r="20124"/>
+            <a:stretch/>
+          </p:blipFill>
+          <p:spPr>
+            <a:xfrm>
+              <a:off x="1113844" y="7322818"/>
+              <a:ext cx="5237529" cy="6479693"/>
+            </a:xfrm>
+            <a:prstGeom prst="rect">
+              <a:avLst/>
+            </a:prstGeom>
+          </p:spPr>
+        </p:pic>
+        <p:sp>
+          <p:nvSpPr>
+            <p:cNvPr id="14" name="Rectangle 13">
+              <a:extLst>
+                <a:ext uri="{FF2B5EF4-FFF2-40B4-BE49-F238E27FC236}">
+                  <a16:creationId xmlns:a16="http://schemas.microsoft.com/office/drawing/2014/main" id="{910149E6-9285-4B73-BC64-B0B9EBFDEE6D}"/>
+                </a:ext>
+              </a:extLst>
+            </p:cNvPr>
+            <p:cNvSpPr/>
+            <p:nvPr/>
+          </p:nvSpPr>
+          <p:spPr>
+            <a:xfrm>
+              <a:off x="1911177" y="6870353"/>
+              <a:ext cx="4307181" cy="508769"/>
+            </a:xfrm>
+            <a:prstGeom prst="rect">
+              <a:avLst/>
+            </a:prstGeom>
+            <a:solidFill>
+              <a:srgbClr val="81A1B1"/>
+            </a:solidFill>
+            <a:ln>
+              <a:solidFill>
+                <a:schemeClr val="bg1"/>
+              </a:solidFill>
+            </a:ln>
+          </p:spPr>
+          <p:style>
+            <a:lnRef idx="2">
+              <a:schemeClr val="accent1">
+                <a:shade val="50000"/>
+              </a:schemeClr>
+            </a:lnRef>
+            <a:fillRef idx="1">
+              <a:schemeClr val="accent1"/>
+            </a:fillRef>
+            <a:effectRef idx="0">
+              <a:schemeClr val="accent1"/>
+            </a:effectRef>
+            <a:fontRef idx="minor">
+              <a:schemeClr val="lt1"/>
+            </a:fontRef>
+          </p:style>
+          <p:txBody>
+            <a:bodyPr rtlCol="0" anchor="ctr"/>
+            <a:lstStyle/>
+            <a:p>
+              <a:pPr algn="ctr"/>
+              <a:r>
+                <a:rPr lang="en-US" b="1" dirty="0">
+                  <a:solidFill>
+                    <a:schemeClr val="tx1"/>
+                  </a:solidFill>
+                </a:rPr>
+                <a:t>Lambda Slope over initial 20 years</a:t>
+              </a:r>
+            </a:p>
+          </p:txBody>
+        </p:sp>
+        <p:sp>
+          <p:nvSpPr>
+            <p:cNvPr id="15" name="Rectangle 14">
+              <a:extLst>
+                <a:ext uri="{FF2B5EF4-FFF2-40B4-BE49-F238E27FC236}">
+                  <a16:creationId xmlns:a16="http://schemas.microsoft.com/office/drawing/2014/main" id="{8AA17C0F-344A-4CD0-8DB7-A30DB199043B}"/>
+                </a:ext>
+              </a:extLst>
+            </p:cNvPr>
+            <p:cNvSpPr/>
+            <p:nvPr/>
+          </p:nvSpPr>
+          <p:spPr>
+            <a:xfrm>
+              <a:off x="1911177" y="1770820"/>
+              <a:ext cx="4307181" cy="508769"/>
+            </a:xfrm>
+            <a:prstGeom prst="rect">
+              <a:avLst/>
+            </a:prstGeom>
+            <a:solidFill>
+              <a:srgbClr val="81A1B1"/>
+            </a:solidFill>
+            <a:ln>
+              <a:solidFill>
+                <a:schemeClr val="bg1"/>
+              </a:solidFill>
+            </a:ln>
+          </p:spPr>
+          <p:style>
+            <a:lnRef idx="2">
+              <a:schemeClr val="accent1">
+                <a:shade val="50000"/>
+              </a:schemeClr>
+            </a:lnRef>
+            <a:fillRef idx="1">
+              <a:schemeClr val="accent1"/>
+            </a:fillRef>
+            <a:effectRef idx="0">
+              <a:schemeClr val="accent1"/>
+            </a:effectRef>
+            <a:fontRef idx="minor">
+              <a:schemeClr val="lt1"/>
+            </a:fontRef>
+          </p:style>
+          <p:txBody>
+            <a:bodyPr rtlCol="0" anchor="ctr"/>
+            <a:lstStyle/>
+            <a:p>
+              <a:pPr algn="ctr"/>
+              <a:r>
+                <a:rPr lang="en-US" b="1" dirty="0">
+                  <a:solidFill>
+                    <a:schemeClr val="tx1"/>
+                  </a:solidFill>
+                </a:rPr>
+                <a:t>Harvest Slope over initial 20 years</a:t>
+              </a:r>
+            </a:p>
+          </p:txBody>
+        </p:sp>
+        <p:sp>
+          <p:nvSpPr>
+            <p:cNvPr id="16" name="Rectangle 15">
+              <a:extLst>
+                <a:ext uri="{FF2B5EF4-FFF2-40B4-BE49-F238E27FC236}">
+                  <a16:creationId xmlns:a16="http://schemas.microsoft.com/office/drawing/2014/main" id="{129E80C1-1F2B-49FD-B2ED-448242E8A737}"/>
+                </a:ext>
+              </a:extLst>
+            </p:cNvPr>
+            <p:cNvSpPr/>
+            <p:nvPr/>
+          </p:nvSpPr>
+          <p:spPr>
+            <a:xfrm>
+              <a:off x="1911177" y="-3254280"/>
+              <a:ext cx="4307181" cy="508769"/>
+            </a:xfrm>
+            <a:prstGeom prst="rect">
+              <a:avLst/>
+            </a:prstGeom>
+            <a:solidFill>
+              <a:srgbClr val="81A1B1"/>
+            </a:solidFill>
+            <a:ln>
+              <a:solidFill>
+                <a:schemeClr val="bg1"/>
+              </a:solidFill>
+            </a:ln>
+          </p:spPr>
+          <p:style>
+            <a:lnRef idx="2">
+              <a:schemeClr val="accent1">
+                <a:shade val="50000"/>
+              </a:schemeClr>
+            </a:lnRef>
+            <a:fillRef idx="1">
+              <a:schemeClr val="accent1"/>
+            </a:fillRef>
+            <a:effectRef idx="0">
+              <a:schemeClr val="accent1"/>
+            </a:effectRef>
+            <a:fontRef idx="minor">
+              <a:schemeClr val="lt1"/>
+            </a:fontRef>
+          </p:style>
+          <p:txBody>
+            <a:bodyPr rtlCol="0" anchor="ctr"/>
+            <a:lstStyle/>
+            <a:p>
+              <a:pPr algn="ctr"/>
+              <a:r>
+                <a:rPr lang="en-US" b="1" dirty="0">
+                  <a:solidFill>
+                    <a:schemeClr val="tx1"/>
+                  </a:solidFill>
+                </a:rPr>
+                <a:t>Fish Population Slope over initial 20 years</a:t>
+              </a:r>
+            </a:p>
+          </p:txBody>
+        </p:sp>
+        <p:pic>
+          <p:nvPicPr>
+            <p:cNvPr id="17" name="Picture 16" descr="Chart, bar chart&#10;&#10;Description automatically generated">
+              <a:extLst>
+                <a:ext uri="{FF2B5EF4-FFF2-40B4-BE49-F238E27FC236}">
+                  <a16:creationId xmlns:a16="http://schemas.microsoft.com/office/drawing/2014/main" id="{8583EBB3-224D-493A-B37C-727D8A899621}"/>
+                </a:ext>
+              </a:extLst>
+            </p:cNvPr>
+            <p:cNvPicPr>
+              <a:picLocks noChangeAspect="1"/>
+            </p:cNvPicPr>
+            <p:nvPr/>
+          </p:nvPicPr>
+          <p:blipFill rotWithShape="1">
+            <a:blip r:embed="rId4">
+              <a:extLst>
+                <a:ext uri="{28A0092B-C50C-407E-A947-70E740481C1C}">
+                  <a14:useLocalDpi xmlns:a14="http://schemas.microsoft.com/office/drawing/2010/main" val="0"/>
+                </a:ext>
+              </a:extLst>
+            </a:blip>
+            <a:srcRect l="83240" t="26431" r="1529" b="27964"/>
+            <a:stretch/>
+          </p:blipFill>
+          <p:spPr>
+            <a:xfrm>
+              <a:off x="6462584" y="7823487"/>
+              <a:ext cx="1481371" cy="4435678"/>
+            </a:xfrm>
+            <a:prstGeom prst="rect">
+              <a:avLst/>
+            </a:prstGeom>
+          </p:spPr>
+        </p:pic>
+        <p:pic>
+          <p:nvPicPr>
+            <p:cNvPr id="18" name="Picture 17" descr="Shape&#10;&#10;Description automatically generated">
+              <a:extLst>
+                <a:ext uri="{FF2B5EF4-FFF2-40B4-BE49-F238E27FC236}">
+                  <a16:creationId xmlns:a16="http://schemas.microsoft.com/office/drawing/2014/main" id="{3307E3E3-DE91-4394-B45A-4B60406D6210}"/>
+                </a:ext>
+              </a:extLst>
+            </p:cNvPr>
+            <p:cNvPicPr>
+              <a:picLocks noChangeAspect="1"/>
+            </p:cNvPicPr>
+            <p:nvPr/>
+          </p:nvPicPr>
+          <p:blipFill rotWithShape="1">
+            <a:blip r:embed="rId3">
+              <a:extLst>
+                <a:ext uri="{28A0092B-C50C-407E-A947-70E740481C1C}">
+                  <a14:useLocalDpi xmlns:a14="http://schemas.microsoft.com/office/drawing/2010/main" val="0"/>
+                </a:ext>
+              </a:extLst>
+            </a:blip>
+            <a:srcRect l="88507" t="24893" r="1657" b="29564"/>
+            <a:stretch/>
+          </p:blipFill>
+          <p:spPr>
+            <a:xfrm>
+              <a:off x="6487296" y="2374406"/>
+              <a:ext cx="946984" cy="4384748"/>
+            </a:xfrm>
+            <a:prstGeom prst="rect">
+              <a:avLst/>
+            </a:prstGeom>
+          </p:spPr>
+        </p:pic>
+        <p:pic>
+          <p:nvPicPr>
+            <p:cNvPr id="19" name="Picture 18" descr="Shape&#10;&#10;Description automatically generated">
+              <a:extLst>
+                <a:ext uri="{FF2B5EF4-FFF2-40B4-BE49-F238E27FC236}">
+                  <a16:creationId xmlns:a16="http://schemas.microsoft.com/office/drawing/2014/main" id="{C91B5B5E-2E97-4936-A39B-44EDF4DC2E77}"/>
+                </a:ext>
+              </a:extLst>
+            </p:cNvPr>
+            <p:cNvPicPr>
+              <a:picLocks noChangeAspect="1"/>
+            </p:cNvPicPr>
+            <p:nvPr/>
+          </p:nvPicPr>
+          <p:blipFill rotWithShape="1">
+            <a:blip r:embed="rId2">
+              <a:extLst>
+                <a:ext uri="{28A0092B-C50C-407E-A947-70E740481C1C}">
+                  <a14:useLocalDpi xmlns:a14="http://schemas.microsoft.com/office/drawing/2010/main" val="0"/>
+                </a:ext>
+              </a:extLst>
+            </a:blip>
+            <a:srcRect l="87654" t="25270" r="1920" b="28197"/>
+            <a:stretch/>
+          </p:blipFill>
+          <p:spPr>
+            <a:xfrm>
+              <a:off x="6549082" y="-2743139"/>
+              <a:ext cx="946984" cy="4226200"/>
+            </a:xfrm>
+            <a:prstGeom prst="rect">
+              <a:avLst/>
+            </a:prstGeom>
+          </p:spPr>
+        </p:pic>
+        <p:sp>
+          <p:nvSpPr>
+            <p:cNvPr id="21" name="Rectangle 20">
+              <a:extLst>
+                <a:ext uri="{FF2B5EF4-FFF2-40B4-BE49-F238E27FC236}">
+                  <a16:creationId xmlns:a16="http://schemas.microsoft.com/office/drawing/2014/main" id="{04C1F44E-99EC-4479-8C30-B190A9EBF1BC}"/>
+                </a:ext>
+              </a:extLst>
+            </p:cNvPr>
+            <p:cNvSpPr/>
+            <p:nvPr/>
+          </p:nvSpPr>
+          <p:spPr>
+            <a:xfrm>
+              <a:off x="1144242" y="-3204251"/>
+              <a:ext cx="445317" cy="408709"/>
+            </a:xfrm>
+            <a:prstGeom prst="rect">
+              <a:avLst/>
+            </a:prstGeom>
+            <a:solidFill>
+              <a:schemeClr val="bg1"/>
+            </a:solidFill>
+            <a:ln>
+              <a:solidFill>
+                <a:schemeClr val="bg1"/>
+              </a:solidFill>
+            </a:ln>
+          </p:spPr>
+          <p:style>
+            <a:lnRef idx="2">
+              <a:schemeClr val="accent1">
+                <a:shade val="50000"/>
+              </a:schemeClr>
+            </a:lnRef>
+            <a:fillRef idx="1">
+              <a:schemeClr val="accent1"/>
+            </a:fillRef>
+            <a:effectRef idx="0">
+              <a:schemeClr val="accent1"/>
+            </a:effectRef>
+            <a:fontRef idx="minor">
+              <a:schemeClr val="lt1"/>
+            </a:fontRef>
+          </p:style>
+          <p:txBody>
+            <a:bodyPr rtlCol="0" anchor="ctr"/>
+            <a:lstStyle/>
+            <a:p>
+              <a:pPr algn="ctr"/>
+              <a:r>
+                <a:rPr lang="en-US" b="1" dirty="0">
+                  <a:solidFill>
+                    <a:schemeClr val="tx1"/>
+                  </a:solidFill>
+                </a:rPr>
+                <a:t>A)</a:t>
+              </a:r>
+            </a:p>
+          </p:txBody>
+        </p:sp>
+        <p:sp>
+          <p:nvSpPr>
+            <p:cNvPr id="22" name="Rectangle 21">
+              <a:extLst>
+                <a:ext uri="{FF2B5EF4-FFF2-40B4-BE49-F238E27FC236}">
+                  <a16:creationId xmlns:a16="http://schemas.microsoft.com/office/drawing/2014/main" id="{36B167EA-0D20-4608-AEA9-2458D957B308}"/>
+                </a:ext>
+              </a:extLst>
+            </p:cNvPr>
+            <p:cNvSpPr/>
+            <p:nvPr/>
+          </p:nvSpPr>
+          <p:spPr>
+            <a:xfrm>
+              <a:off x="1144242" y="1820849"/>
+              <a:ext cx="445317" cy="408709"/>
+            </a:xfrm>
+            <a:prstGeom prst="rect">
+              <a:avLst/>
+            </a:prstGeom>
+            <a:solidFill>
+              <a:schemeClr val="bg1"/>
+            </a:solidFill>
+            <a:ln>
+              <a:solidFill>
+                <a:schemeClr val="bg1"/>
+              </a:solidFill>
+            </a:ln>
+          </p:spPr>
+          <p:style>
+            <a:lnRef idx="2">
+              <a:schemeClr val="accent1">
+                <a:shade val="50000"/>
+              </a:schemeClr>
+            </a:lnRef>
+            <a:fillRef idx="1">
+              <a:schemeClr val="accent1"/>
+            </a:fillRef>
+            <a:effectRef idx="0">
+              <a:schemeClr val="accent1"/>
+            </a:effectRef>
+            <a:fontRef idx="minor">
+              <a:schemeClr val="lt1"/>
+            </a:fontRef>
+          </p:style>
+          <p:txBody>
+            <a:bodyPr rtlCol="0" anchor="ctr"/>
+            <a:lstStyle/>
+            <a:p>
+              <a:pPr algn="ctr"/>
+              <a:r>
+                <a:rPr lang="en-US" b="1" dirty="0">
+                  <a:solidFill>
+                    <a:schemeClr val="tx1"/>
+                  </a:solidFill>
+                </a:rPr>
+                <a:t>B)</a:t>
+              </a:r>
+            </a:p>
+          </p:txBody>
+        </p:sp>
+        <p:sp>
+          <p:nvSpPr>
+            <p:cNvPr id="23" name="Rectangle 22">
+              <a:extLst>
+                <a:ext uri="{FF2B5EF4-FFF2-40B4-BE49-F238E27FC236}">
+                  <a16:creationId xmlns:a16="http://schemas.microsoft.com/office/drawing/2014/main" id="{C1AA1F1E-C206-4FC0-847F-57FEBF404054}"/>
+                </a:ext>
+              </a:extLst>
+            </p:cNvPr>
+            <p:cNvSpPr/>
+            <p:nvPr/>
+          </p:nvSpPr>
+          <p:spPr>
+            <a:xfrm>
+              <a:off x="1144242" y="6932034"/>
+              <a:ext cx="445317" cy="408709"/>
+            </a:xfrm>
+            <a:prstGeom prst="rect">
+              <a:avLst/>
+            </a:prstGeom>
+            <a:solidFill>
+              <a:schemeClr val="bg1"/>
+            </a:solidFill>
+            <a:ln>
+              <a:solidFill>
+                <a:schemeClr val="bg1"/>
+              </a:solidFill>
+            </a:ln>
+          </p:spPr>
+          <p:style>
+            <a:lnRef idx="2">
+              <a:schemeClr val="accent1">
+                <a:shade val="50000"/>
+              </a:schemeClr>
+            </a:lnRef>
+            <a:fillRef idx="1">
+              <a:schemeClr val="accent1"/>
+            </a:fillRef>
+            <a:effectRef idx="0">
+              <a:schemeClr val="accent1"/>
+            </a:effectRef>
+            <a:fontRef idx="minor">
+              <a:schemeClr val="lt1"/>
+            </a:fontRef>
+          </p:style>
+          <p:txBody>
+            <a:bodyPr rtlCol="0" anchor="ctr"/>
+            <a:lstStyle/>
+            <a:p>
+              <a:pPr algn="ctr"/>
+              <a:r>
+                <a:rPr lang="en-US" b="1" dirty="0">
+                  <a:solidFill>
+                    <a:schemeClr val="tx1"/>
+                  </a:solidFill>
+                </a:rPr>
+                <a:t>C)</a:t>
+              </a:r>
+            </a:p>
+          </p:txBody>
+        </p:sp>
+      </p:grpSp>
+    </p:spTree>
+    <p:extLst>
+      <p:ext uri="{BB962C8B-B14F-4D97-AF65-F5344CB8AC3E}">
+        <p14:creationId xmlns:p14="http://schemas.microsoft.com/office/powerpoint/2010/main" val="2531530650"/>
+      </p:ext>
+    </p:extLst>
+  </p:cSld>
+  <p:clrMapOvr>
+    <a:masterClrMapping/>
+  </p:clrMapOvr>
+</p:sld>
+</file>
+
+<file path=ppt/slides/slide15.xml><?xml version="1.0" encoding="utf-8"?>
+<p:sld xmlns:a="http://schemas.openxmlformats.org/drawingml/2006/main" xmlns:r="http://schemas.openxmlformats.org/officeDocument/2006/relationships" xmlns:p="http://schemas.openxmlformats.org/presentationml/2006/main">
+  <p:cSld>
+    <p:spTree>
+      <p:nvGrpSpPr>
+        <p:cNvPr id="1" name=""/>
+        <p:cNvGrpSpPr/>
+        <p:nvPr/>
+      </p:nvGrpSpPr>
+      <p:grpSpPr>
+        <a:xfrm>
+          <a:off x="0" y="0"/>
+          <a:ext cx="0" cy="0"/>
+          <a:chOff x="0" y="0"/>
+          <a:chExt cx="0" cy="0"/>
+        </a:xfrm>
+      </p:grpSpPr>
+      <p:grpSp>
+        <p:nvGrpSpPr>
+          <p:cNvPr id="24" name="Group 23">
+            <a:extLst>
+              <a:ext uri="{FF2B5EF4-FFF2-40B4-BE49-F238E27FC236}">
+                <a16:creationId xmlns:a16="http://schemas.microsoft.com/office/drawing/2014/main" id="{FDA38EA0-E292-4FD6-922B-9E7AD7B5ED44}"/>
+              </a:ext>
+            </a:extLst>
+          </p:cNvPr>
+          <p:cNvGrpSpPr/>
+          <p:nvPr/>
+        </p:nvGrpSpPr>
+        <p:grpSpPr>
+          <a:xfrm>
+            <a:off x="1113844" y="-3311613"/>
+            <a:ext cx="6830111" cy="17114124"/>
+            <a:chOff x="1113844" y="-3311613"/>
+            <a:chExt cx="6830111" cy="17114124"/>
+          </a:xfrm>
+        </p:grpSpPr>
+        <p:pic>
+          <p:nvPicPr>
+            <p:cNvPr id="7" name="Picture 6" descr="Shape&#10;&#10;Description automatically generated">
+              <a:extLst>
+                <a:ext uri="{FF2B5EF4-FFF2-40B4-BE49-F238E27FC236}">
+                  <a16:creationId xmlns:a16="http://schemas.microsoft.com/office/drawing/2014/main" id="{CF73D72A-8976-4B04-BA4A-E23C2D4E731D}"/>
+                </a:ext>
+              </a:extLst>
+            </p:cNvPr>
+            <p:cNvPicPr>
+              <a:picLocks noChangeAspect="1"/>
+            </p:cNvPicPr>
+            <p:nvPr/>
+          </p:nvPicPr>
+          <p:blipFill rotWithShape="1">
+            <a:blip r:embed="rId2">
+              <a:extLst>
+                <a:ext uri="{28A0092B-C50C-407E-A947-70E740481C1C}">
+                  <a14:useLocalDpi xmlns:a14="http://schemas.microsoft.com/office/drawing/2010/main" val="0"/>
+                </a:ext>
+              </a:extLst>
+            </a:blip>
+            <a:srcRect r="14451"/>
+            <a:stretch/>
+          </p:blipFill>
+          <p:spPr>
+            <a:xfrm>
+              <a:off x="1149106" y="-3311613"/>
+              <a:ext cx="5202267" cy="6081029"/>
+            </a:xfrm>
+            <a:prstGeom prst="rect">
+              <a:avLst/>
+            </a:prstGeom>
+          </p:spPr>
+        </p:pic>
+        <p:pic>
+          <p:nvPicPr>
+            <p:cNvPr id="10" name="Picture 9" descr="Shape&#10;&#10;Description automatically generated">
+              <a:extLst>
+                <a:ext uri="{FF2B5EF4-FFF2-40B4-BE49-F238E27FC236}">
+                  <a16:creationId xmlns:a16="http://schemas.microsoft.com/office/drawing/2014/main" id="{D4B8190B-DF2E-4153-889F-EDDB1A5A808F}"/>
+                </a:ext>
+              </a:extLst>
+            </p:cNvPr>
+            <p:cNvPicPr>
+              <a:picLocks noChangeAspect="1"/>
+            </p:cNvPicPr>
+            <p:nvPr/>
+          </p:nvPicPr>
+          <p:blipFill rotWithShape="1">
+            <a:blip r:embed="rId3">
+              <a:extLst>
+                <a:ext uri="{28A0092B-C50C-407E-A947-70E740481C1C}">
+                  <a14:useLocalDpi xmlns:a14="http://schemas.microsoft.com/office/drawing/2010/main" val="0"/>
+                </a:ext>
+              </a:extLst>
+            </a:blip>
+            <a:srcRect t="9292" r="13266" b="16139"/>
+            <a:stretch/>
+          </p:blipFill>
+          <p:spPr>
+            <a:xfrm>
+              <a:off x="1144242" y="2285600"/>
+              <a:ext cx="5318342" cy="4572400"/>
+            </a:xfrm>
+            <a:prstGeom prst="rect">
+              <a:avLst/>
+            </a:prstGeom>
+          </p:spPr>
+        </p:pic>
+        <p:pic>
+          <p:nvPicPr>
+            <p:cNvPr id="12" name="Picture 11" descr="Chart, bar chart&#10;&#10;Description automatically generated">
+              <a:extLst>
+                <a:ext uri="{FF2B5EF4-FFF2-40B4-BE49-F238E27FC236}">
+                  <a16:creationId xmlns:a16="http://schemas.microsoft.com/office/drawing/2014/main" id="{AFBD0492-BE67-4CE6-B7B4-CD45722F61B7}"/>
+                </a:ext>
+              </a:extLst>
+            </p:cNvPr>
+            <p:cNvPicPr>
+              <a:picLocks noChangeAspect="1"/>
+            </p:cNvPicPr>
+            <p:nvPr/>
+          </p:nvPicPr>
+          <p:blipFill rotWithShape="1">
+            <a:blip r:embed="rId4">
+              <a:extLst>
+                <a:ext uri="{28A0092B-C50C-407E-A947-70E740481C1C}">
+                  <a14:useLocalDpi xmlns:a14="http://schemas.microsoft.com/office/drawing/2010/main" val="0"/>
+                </a:ext>
+              </a:extLst>
+            </a:blip>
+            <a:srcRect t="1179" r="20124"/>
+            <a:stretch/>
+          </p:blipFill>
+          <p:spPr>
+            <a:xfrm>
+              <a:off x="1113844" y="7322818"/>
+              <a:ext cx="5237529" cy="6479693"/>
+            </a:xfrm>
+            <a:prstGeom prst="rect">
+              <a:avLst/>
+            </a:prstGeom>
+          </p:spPr>
+        </p:pic>
+        <p:sp>
+          <p:nvSpPr>
+            <p:cNvPr id="14" name="Rectangle 13">
+              <a:extLst>
+                <a:ext uri="{FF2B5EF4-FFF2-40B4-BE49-F238E27FC236}">
+                  <a16:creationId xmlns:a16="http://schemas.microsoft.com/office/drawing/2014/main" id="{910149E6-9285-4B73-BC64-B0B9EBFDEE6D}"/>
+                </a:ext>
+              </a:extLst>
+            </p:cNvPr>
+            <p:cNvSpPr/>
+            <p:nvPr/>
+          </p:nvSpPr>
+          <p:spPr>
+            <a:xfrm>
+              <a:off x="1911177" y="6870353"/>
+              <a:ext cx="4307181" cy="508769"/>
+            </a:xfrm>
+            <a:prstGeom prst="rect">
+              <a:avLst/>
+            </a:prstGeom>
+            <a:solidFill>
+              <a:srgbClr val="81A1B1"/>
+            </a:solidFill>
+            <a:ln>
+              <a:solidFill>
+                <a:schemeClr val="bg1"/>
+              </a:solidFill>
+            </a:ln>
+          </p:spPr>
+          <p:style>
+            <a:lnRef idx="2">
+              <a:schemeClr val="accent1">
+                <a:shade val="50000"/>
+              </a:schemeClr>
+            </a:lnRef>
+            <a:fillRef idx="1">
+              <a:schemeClr val="accent1"/>
+            </a:fillRef>
+            <a:effectRef idx="0">
+              <a:schemeClr val="accent1"/>
+            </a:effectRef>
+            <a:fontRef idx="minor">
+              <a:schemeClr val="lt1"/>
+            </a:fontRef>
+          </p:style>
+          <p:txBody>
+            <a:bodyPr rtlCol="0" anchor="ctr"/>
+            <a:lstStyle/>
+            <a:p>
+              <a:pPr algn="ctr"/>
+              <a:r>
+                <a:rPr lang="en-US" b="1" dirty="0">
+                  <a:solidFill>
+                    <a:schemeClr val="tx1"/>
+                  </a:solidFill>
+                </a:rPr>
+                <a:t>Lambda Slope over initial 20 years</a:t>
+              </a:r>
+            </a:p>
+          </p:txBody>
+        </p:sp>
+        <p:sp>
+          <p:nvSpPr>
+            <p:cNvPr id="15" name="Rectangle 14">
+              <a:extLst>
+                <a:ext uri="{FF2B5EF4-FFF2-40B4-BE49-F238E27FC236}">
+                  <a16:creationId xmlns:a16="http://schemas.microsoft.com/office/drawing/2014/main" id="{8AA17C0F-344A-4CD0-8DB7-A30DB199043B}"/>
+                </a:ext>
+              </a:extLst>
+            </p:cNvPr>
+            <p:cNvSpPr/>
+            <p:nvPr/>
+          </p:nvSpPr>
+          <p:spPr>
+            <a:xfrm>
+              <a:off x="1911177" y="1770820"/>
+              <a:ext cx="4307181" cy="508769"/>
+            </a:xfrm>
+            <a:prstGeom prst="rect">
+              <a:avLst/>
+            </a:prstGeom>
+            <a:solidFill>
+              <a:srgbClr val="81A1B1"/>
+            </a:solidFill>
+            <a:ln>
+              <a:solidFill>
+                <a:schemeClr val="bg1"/>
+              </a:solidFill>
+            </a:ln>
+          </p:spPr>
+          <p:style>
+            <a:lnRef idx="2">
+              <a:schemeClr val="accent1">
+                <a:shade val="50000"/>
+              </a:schemeClr>
+            </a:lnRef>
+            <a:fillRef idx="1">
+              <a:schemeClr val="accent1"/>
+            </a:fillRef>
+            <a:effectRef idx="0">
+              <a:schemeClr val="accent1"/>
+            </a:effectRef>
+            <a:fontRef idx="minor">
+              <a:schemeClr val="lt1"/>
+            </a:fontRef>
+          </p:style>
+          <p:txBody>
+            <a:bodyPr rtlCol="0" anchor="ctr"/>
+            <a:lstStyle/>
+            <a:p>
+              <a:pPr algn="ctr"/>
+              <a:r>
+                <a:rPr lang="en-US" b="1" dirty="0">
+                  <a:solidFill>
+                    <a:schemeClr val="tx1"/>
+                  </a:solidFill>
+                </a:rPr>
+                <a:t>Harvest Slope over initial 20 years</a:t>
+              </a:r>
+            </a:p>
+          </p:txBody>
+        </p:sp>
+        <p:sp>
+          <p:nvSpPr>
+            <p:cNvPr id="16" name="Rectangle 15">
+              <a:extLst>
+                <a:ext uri="{FF2B5EF4-FFF2-40B4-BE49-F238E27FC236}">
+                  <a16:creationId xmlns:a16="http://schemas.microsoft.com/office/drawing/2014/main" id="{129E80C1-1F2B-49FD-B2ED-448242E8A737}"/>
+                </a:ext>
+              </a:extLst>
+            </p:cNvPr>
+            <p:cNvSpPr/>
+            <p:nvPr/>
+          </p:nvSpPr>
+          <p:spPr>
+            <a:xfrm>
+              <a:off x="1911177" y="-3254280"/>
+              <a:ext cx="4307181" cy="508769"/>
+            </a:xfrm>
+            <a:prstGeom prst="rect">
+              <a:avLst/>
+            </a:prstGeom>
+            <a:solidFill>
+              <a:srgbClr val="81A1B1"/>
+            </a:solidFill>
+            <a:ln>
+              <a:solidFill>
+                <a:schemeClr val="bg1"/>
+              </a:solidFill>
+            </a:ln>
+          </p:spPr>
+          <p:style>
+            <a:lnRef idx="2">
+              <a:schemeClr val="accent1">
+                <a:shade val="50000"/>
+              </a:schemeClr>
+            </a:lnRef>
+            <a:fillRef idx="1">
+              <a:schemeClr val="accent1"/>
+            </a:fillRef>
+            <a:effectRef idx="0">
+              <a:schemeClr val="accent1"/>
+            </a:effectRef>
+            <a:fontRef idx="minor">
+              <a:schemeClr val="lt1"/>
+            </a:fontRef>
+          </p:style>
+          <p:txBody>
+            <a:bodyPr rtlCol="0" anchor="ctr"/>
+            <a:lstStyle/>
+            <a:p>
+              <a:pPr algn="ctr"/>
+              <a:r>
+                <a:rPr lang="en-US" b="1" dirty="0">
+                  <a:solidFill>
+                    <a:schemeClr val="tx1"/>
+                  </a:solidFill>
+                </a:rPr>
+                <a:t>Fish Population Slope over initial 20 years</a:t>
+              </a:r>
+            </a:p>
+          </p:txBody>
+        </p:sp>
+        <p:pic>
+          <p:nvPicPr>
+            <p:cNvPr id="17" name="Picture 16" descr="Chart, bar chart&#10;&#10;Description automatically generated">
+              <a:extLst>
+                <a:ext uri="{FF2B5EF4-FFF2-40B4-BE49-F238E27FC236}">
+                  <a16:creationId xmlns:a16="http://schemas.microsoft.com/office/drawing/2014/main" id="{8583EBB3-224D-493A-B37C-727D8A899621}"/>
+                </a:ext>
+              </a:extLst>
+            </p:cNvPr>
+            <p:cNvPicPr>
+              <a:picLocks noChangeAspect="1"/>
+            </p:cNvPicPr>
+            <p:nvPr/>
+          </p:nvPicPr>
+          <p:blipFill rotWithShape="1">
+            <a:blip r:embed="rId4">
+              <a:extLst>
+                <a:ext uri="{28A0092B-C50C-407E-A947-70E740481C1C}">
+                  <a14:useLocalDpi xmlns:a14="http://schemas.microsoft.com/office/drawing/2010/main" val="0"/>
+                </a:ext>
+              </a:extLst>
+            </a:blip>
+            <a:srcRect l="83240" t="26431" r="1529" b="27964"/>
+            <a:stretch/>
+          </p:blipFill>
+          <p:spPr>
+            <a:xfrm>
+              <a:off x="6462584" y="7823487"/>
+              <a:ext cx="1481371" cy="4435678"/>
+            </a:xfrm>
+            <a:prstGeom prst="rect">
+              <a:avLst/>
+            </a:prstGeom>
+          </p:spPr>
+        </p:pic>
+        <p:pic>
+          <p:nvPicPr>
+            <p:cNvPr id="18" name="Picture 17" descr="Shape&#10;&#10;Description automatically generated">
+              <a:extLst>
+                <a:ext uri="{FF2B5EF4-FFF2-40B4-BE49-F238E27FC236}">
+                  <a16:creationId xmlns:a16="http://schemas.microsoft.com/office/drawing/2014/main" id="{3307E3E3-DE91-4394-B45A-4B60406D6210}"/>
+                </a:ext>
+              </a:extLst>
+            </p:cNvPr>
+            <p:cNvPicPr>
+              <a:picLocks noChangeAspect="1"/>
+            </p:cNvPicPr>
+            <p:nvPr/>
+          </p:nvPicPr>
+          <p:blipFill rotWithShape="1">
+            <a:blip r:embed="rId3">
+              <a:extLst>
+                <a:ext uri="{28A0092B-C50C-407E-A947-70E740481C1C}">
+                  <a14:useLocalDpi xmlns:a14="http://schemas.microsoft.com/office/drawing/2010/main" val="0"/>
+                </a:ext>
+              </a:extLst>
+            </a:blip>
+            <a:srcRect l="88507" t="24893" r="1657" b="29564"/>
+            <a:stretch/>
+          </p:blipFill>
+          <p:spPr>
+            <a:xfrm>
+              <a:off x="6487296" y="2374406"/>
+              <a:ext cx="946984" cy="4384748"/>
+            </a:xfrm>
+            <a:prstGeom prst="rect">
+              <a:avLst/>
+            </a:prstGeom>
+          </p:spPr>
+        </p:pic>
+        <p:pic>
+          <p:nvPicPr>
+            <p:cNvPr id="19" name="Picture 18" descr="Shape&#10;&#10;Description automatically generated">
+              <a:extLst>
+                <a:ext uri="{FF2B5EF4-FFF2-40B4-BE49-F238E27FC236}">
+                  <a16:creationId xmlns:a16="http://schemas.microsoft.com/office/drawing/2014/main" id="{C91B5B5E-2E97-4936-A39B-44EDF4DC2E77}"/>
+                </a:ext>
+              </a:extLst>
+            </p:cNvPr>
+            <p:cNvPicPr>
+              <a:picLocks noChangeAspect="1"/>
+            </p:cNvPicPr>
+            <p:nvPr/>
+          </p:nvPicPr>
+          <p:blipFill rotWithShape="1">
+            <a:blip r:embed="rId2">
+              <a:extLst>
+                <a:ext uri="{28A0092B-C50C-407E-A947-70E740481C1C}">
+                  <a14:useLocalDpi xmlns:a14="http://schemas.microsoft.com/office/drawing/2010/main" val="0"/>
+                </a:ext>
+              </a:extLst>
+            </a:blip>
+            <a:srcRect l="87654" t="25270" r="1920" b="28197"/>
+            <a:stretch/>
+          </p:blipFill>
+          <p:spPr>
+            <a:xfrm>
+              <a:off x="6549082" y="-2743139"/>
+              <a:ext cx="946984" cy="4226200"/>
+            </a:xfrm>
+            <a:prstGeom prst="rect">
+              <a:avLst/>
+            </a:prstGeom>
+          </p:spPr>
+        </p:pic>
+        <p:sp>
+          <p:nvSpPr>
+            <p:cNvPr id="21" name="Rectangle 20">
+              <a:extLst>
+                <a:ext uri="{FF2B5EF4-FFF2-40B4-BE49-F238E27FC236}">
+                  <a16:creationId xmlns:a16="http://schemas.microsoft.com/office/drawing/2014/main" id="{04C1F44E-99EC-4479-8C30-B190A9EBF1BC}"/>
+                </a:ext>
+              </a:extLst>
+            </p:cNvPr>
+            <p:cNvSpPr/>
+            <p:nvPr/>
+          </p:nvSpPr>
+          <p:spPr>
+            <a:xfrm>
+              <a:off x="1144242" y="-3204251"/>
+              <a:ext cx="445317" cy="408709"/>
+            </a:xfrm>
+            <a:prstGeom prst="rect">
+              <a:avLst/>
+            </a:prstGeom>
+            <a:solidFill>
+              <a:schemeClr val="bg1"/>
+            </a:solidFill>
+            <a:ln>
+              <a:solidFill>
+                <a:schemeClr val="bg1"/>
+              </a:solidFill>
+            </a:ln>
+          </p:spPr>
+          <p:style>
+            <a:lnRef idx="2">
+              <a:schemeClr val="accent1">
+                <a:shade val="50000"/>
+              </a:schemeClr>
+            </a:lnRef>
+            <a:fillRef idx="1">
+              <a:schemeClr val="accent1"/>
+            </a:fillRef>
+            <a:effectRef idx="0">
+              <a:schemeClr val="accent1"/>
+            </a:effectRef>
+            <a:fontRef idx="minor">
+              <a:schemeClr val="lt1"/>
+            </a:fontRef>
+          </p:style>
+          <p:txBody>
+            <a:bodyPr rtlCol="0" anchor="ctr"/>
+            <a:lstStyle/>
+            <a:p>
+              <a:pPr algn="ctr"/>
+              <a:r>
+                <a:rPr lang="en-US" b="1" dirty="0">
+                  <a:solidFill>
+                    <a:schemeClr val="tx1"/>
+                  </a:solidFill>
+                </a:rPr>
+                <a:t>A)</a:t>
+              </a:r>
+            </a:p>
+          </p:txBody>
+        </p:sp>
+        <p:sp>
+          <p:nvSpPr>
+            <p:cNvPr id="22" name="Rectangle 21">
+              <a:extLst>
+                <a:ext uri="{FF2B5EF4-FFF2-40B4-BE49-F238E27FC236}">
+                  <a16:creationId xmlns:a16="http://schemas.microsoft.com/office/drawing/2014/main" id="{36B167EA-0D20-4608-AEA9-2458D957B308}"/>
+                </a:ext>
+              </a:extLst>
+            </p:cNvPr>
+            <p:cNvSpPr/>
+            <p:nvPr/>
+          </p:nvSpPr>
+          <p:spPr>
+            <a:xfrm>
+              <a:off x="1144242" y="1820849"/>
+              <a:ext cx="445317" cy="408709"/>
+            </a:xfrm>
+            <a:prstGeom prst="rect">
+              <a:avLst/>
+            </a:prstGeom>
+            <a:solidFill>
+              <a:schemeClr val="bg1"/>
+            </a:solidFill>
+            <a:ln>
+              <a:solidFill>
+                <a:schemeClr val="bg1"/>
+              </a:solidFill>
+            </a:ln>
+          </p:spPr>
+          <p:style>
+            <a:lnRef idx="2">
+              <a:schemeClr val="accent1">
+                <a:shade val="50000"/>
+              </a:schemeClr>
+            </a:lnRef>
+            <a:fillRef idx="1">
+              <a:schemeClr val="accent1"/>
+            </a:fillRef>
+            <a:effectRef idx="0">
+              <a:schemeClr val="accent1"/>
+            </a:effectRef>
+            <a:fontRef idx="minor">
+              <a:schemeClr val="lt1"/>
+            </a:fontRef>
+          </p:style>
+          <p:txBody>
+            <a:bodyPr rtlCol="0" anchor="ctr"/>
+            <a:lstStyle/>
+            <a:p>
+              <a:pPr algn="ctr"/>
+              <a:r>
+                <a:rPr lang="en-US" b="1" dirty="0">
+                  <a:solidFill>
+                    <a:schemeClr val="tx1"/>
+                  </a:solidFill>
+                </a:rPr>
+                <a:t>B)</a:t>
+              </a:r>
+            </a:p>
+          </p:txBody>
+        </p:sp>
+        <p:sp>
+          <p:nvSpPr>
+            <p:cNvPr id="23" name="Rectangle 22">
+              <a:extLst>
+                <a:ext uri="{FF2B5EF4-FFF2-40B4-BE49-F238E27FC236}">
+                  <a16:creationId xmlns:a16="http://schemas.microsoft.com/office/drawing/2014/main" id="{C1AA1F1E-C206-4FC0-847F-57FEBF404054}"/>
+                </a:ext>
+              </a:extLst>
+            </p:cNvPr>
+            <p:cNvSpPr/>
+            <p:nvPr/>
+          </p:nvSpPr>
+          <p:spPr>
+            <a:xfrm>
+              <a:off x="1144242" y="6932034"/>
+              <a:ext cx="445317" cy="408709"/>
+            </a:xfrm>
+            <a:prstGeom prst="rect">
+              <a:avLst/>
+            </a:prstGeom>
+            <a:solidFill>
+              <a:schemeClr val="bg1"/>
+            </a:solidFill>
+            <a:ln>
+              <a:solidFill>
+                <a:schemeClr val="bg1"/>
+              </a:solidFill>
+            </a:ln>
+          </p:spPr>
+          <p:style>
+            <a:lnRef idx="2">
+              <a:schemeClr val="accent1">
+                <a:shade val="50000"/>
+              </a:schemeClr>
+            </a:lnRef>
+            <a:fillRef idx="1">
+              <a:schemeClr val="accent1"/>
+            </a:fillRef>
+            <a:effectRef idx="0">
+              <a:schemeClr val="accent1"/>
+            </a:effectRef>
+            <a:fontRef idx="minor">
+              <a:schemeClr val="lt1"/>
+            </a:fontRef>
+          </p:style>
+          <p:txBody>
+            <a:bodyPr rtlCol="0" anchor="ctr"/>
+            <a:lstStyle/>
+            <a:p>
+              <a:pPr algn="ctr"/>
+              <a:r>
+                <a:rPr lang="en-US" b="1" dirty="0">
+                  <a:solidFill>
+                    <a:schemeClr val="tx1"/>
+                  </a:solidFill>
+                </a:rPr>
+                <a:t>C)</a:t>
+              </a:r>
+            </a:p>
+          </p:txBody>
+        </p:sp>
+      </p:grpSp>
+    </p:spTree>
+    <p:extLst>
+      <p:ext uri="{BB962C8B-B14F-4D97-AF65-F5344CB8AC3E}">
+        <p14:creationId xmlns:p14="http://schemas.microsoft.com/office/powerpoint/2010/main" val="2731890195"/>
+      </p:ext>
+    </p:extLst>
+  </p:cSld>
+  <p:clrMapOvr>
+    <a:masterClrMapping/>
+  </p:clrMapOvr>
+</p:sld>
+</file>
+
+<file path=ppt/slides/slide16.xml><?xml version="1.0" encoding="utf-8"?>
+<p:sld xmlns:a="http://schemas.openxmlformats.org/drawingml/2006/main" xmlns:r="http://schemas.openxmlformats.org/officeDocument/2006/relationships" xmlns:p="http://schemas.openxmlformats.org/presentationml/2006/main">
+  <p:cSld>
+    <p:spTree>
+      <p:nvGrpSpPr>
+        <p:cNvPr id="1" name=""/>
+        <p:cNvGrpSpPr/>
+        <p:nvPr/>
+      </p:nvGrpSpPr>
+      <p:grpSpPr>
+        <a:xfrm>
+          <a:off x="0" y="0"/>
+          <a:ext cx="0" cy="0"/>
+          <a:chOff x="0" y="0"/>
+          <a:chExt cx="0" cy="0"/>
+        </a:xfrm>
+      </p:grpSpPr>
+      <p:pic>
+        <p:nvPicPr>
+          <p:cNvPr id="1026" name="Picture 2">
+            <a:extLst>
+              <a:ext uri="{FF2B5EF4-FFF2-40B4-BE49-F238E27FC236}">
+                <a16:creationId xmlns:a16="http://schemas.microsoft.com/office/drawing/2014/main" id="{6D9FBAB6-C9A2-4E7D-885E-7DC59623C84B}"/>
+              </a:ext>
+            </a:extLst>
+          </p:cNvPr>
+          <p:cNvPicPr>
+            <a:picLocks noChangeAspect="1" noChangeArrowheads="1"/>
+          </p:cNvPicPr>
+          <p:nvPr/>
+        </p:nvPicPr>
+        <p:blipFill>
+          <a:blip r:embed="rId2">
+            <a:extLst>
+              <a:ext uri="{28A0092B-C50C-407E-A947-70E740481C1C}">
+                <a14:useLocalDpi xmlns:a14="http://schemas.microsoft.com/office/drawing/2010/main" val="0"/>
+              </a:ext>
+            </a:extLst>
+          </a:blip>
+          <a:srcRect/>
+          <a:stretch>
+            <a:fillRect/>
+          </a:stretch>
+        </p:blipFill>
+        <p:spPr bwMode="auto">
+          <a:xfrm>
+            <a:off x="3148013" y="528638"/>
+            <a:ext cx="5895975" cy="5800725"/>
+          </a:xfrm>
+          <a:prstGeom prst="rect">
+            <a:avLst/>
+          </a:prstGeom>
+          <a:noFill/>
+          <a:extLst>
+            <a:ext uri="{909E8E84-426E-40DD-AFC4-6F175D3DCCD1}">
+              <a14:hiddenFill xmlns:a14="http://schemas.microsoft.com/office/drawing/2010/main">
+                <a:solidFill>
+                  <a:srgbClr val="FFFFFF"/>
+                </a:solidFill>
+              </a14:hiddenFill>
+            </a:ext>
+          </a:extLst>
+        </p:spPr>
+      </p:pic>
+    </p:spTree>
+    <p:extLst>
+      <p:ext uri="{BB962C8B-B14F-4D97-AF65-F5344CB8AC3E}">
+        <p14:creationId xmlns:p14="http://schemas.microsoft.com/office/powerpoint/2010/main" val="278972908"/>
+      </p:ext>
+    </p:extLst>
+  </p:cSld>
+  <p:clrMapOvr>
+    <a:masterClrMapping/>
+  </p:clrMapOvr>
+</p:sld>
+</file>
+
+<file path=ppt/slides/slide17.xml><?xml version="1.0" encoding="utf-8"?>
 <p:sld xmlns:a="http://schemas.openxmlformats.org/drawingml/2006/main" xmlns:r="http://schemas.openxmlformats.org/officeDocument/2006/relationships" xmlns:p="http://schemas.openxmlformats.org/presentationml/2006/main">
   <p:cSld>
     <p:spTree>
@@ -13741,140 +16139,12 @@
           <a:chExt cx="0" cy="0"/>
         </a:xfrm>
       </p:grpSpPr>
-      <p:grpSp>
-        <p:nvGrpSpPr>
-          <p:cNvPr id="10" name="Group 9">
+      <p:pic>
+        <p:nvPicPr>
+          <p:cNvPr id="2" name="Picture 1" descr="Chart, box and whisker chart&#10;&#10;Description automatically generated">
             <a:extLst>
               <a:ext uri="{FF2B5EF4-FFF2-40B4-BE49-F238E27FC236}">
-                <a16:creationId xmlns:a16="http://schemas.microsoft.com/office/drawing/2014/main" id="{B80A4323-15A7-43E2-B1F0-9C1A4F5FA670}"/>
-              </a:ext>
-            </a:extLst>
-          </p:cNvPr>
-          <p:cNvGrpSpPr/>
-          <p:nvPr/>
-        </p:nvGrpSpPr>
-        <p:grpSpPr>
-          <a:xfrm>
-            <a:off x="71047" y="0"/>
-            <a:ext cx="8197158" cy="6858000"/>
-            <a:chOff x="71047" y="0"/>
-            <a:chExt cx="8197158" cy="6858000"/>
-          </a:xfrm>
-        </p:grpSpPr>
-        <p:pic>
-          <p:nvPicPr>
-            <p:cNvPr id="7" name="Picture 6" descr="Shape&#10;&#10;Description automatically generated">
-              <a:extLst>
-                <a:ext uri="{FF2B5EF4-FFF2-40B4-BE49-F238E27FC236}">
-                  <a16:creationId xmlns:a16="http://schemas.microsoft.com/office/drawing/2014/main" id="{B5E2B5A2-E21C-4BB3-91E0-447126E9FCFF}"/>
-                </a:ext>
-              </a:extLst>
-            </p:cNvPr>
-            <p:cNvPicPr>
-              <a:picLocks noChangeAspect="1"/>
-            </p:cNvPicPr>
-            <p:nvPr/>
-          </p:nvPicPr>
-          <p:blipFill>
-            <a:blip r:embed="rId2">
-              <a:extLst>
-                <a:ext uri="{28A0092B-C50C-407E-A947-70E740481C1C}">
-                  <a14:useLocalDpi xmlns:a14="http://schemas.microsoft.com/office/drawing/2010/main" val="0"/>
-                </a:ext>
-              </a:extLst>
-            </a:blip>
-            <a:stretch>
-              <a:fillRect/>
-            </a:stretch>
-          </p:blipFill>
-          <p:spPr>
-            <a:xfrm>
-              <a:off x="71047" y="2697755"/>
-              <a:ext cx="4160245" cy="4160245"/>
-            </a:xfrm>
-            <a:prstGeom prst="rect">
-              <a:avLst/>
-            </a:prstGeom>
-          </p:spPr>
-        </p:pic>
-        <p:pic>
-          <p:nvPicPr>
-            <p:cNvPr id="5" name="Picture 4" descr="Chart&#10;&#10;Description automatically generated">
-              <a:extLst>
-                <a:ext uri="{FF2B5EF4-FFF2-40B4-BE49-F238E27FC236}">
-                  <a16:creationId xmlns:a16="http://schemas.microsoft.com/office/drawing/2014/main" id="{62212AF3-1643-4B8E-ACA4-A40C6C4015DB}"/>
-                </a:ext>
-              </a:extLst>
-            </p:cNvPr>
-            <p:cNvPicPr>
-              <a:picLocks noChangeAspect="1"/>
-            </p:cNvPicPr>
-            <p:nvPr/>
-          </p:nvPicPr>
-          <p:blipFill rotWithShape="1">
-            <a:blip r:embed="rId3">
-              <a:extLst>
-                <a:ext uri="{28A0092B-C50C-407E-A947-70E740481C1C}">
-                  <a14:useLocalDpi xmlns:a14="http://schemas.microsoft.com/office/drawing/2010/main" val="0"/>
-                </a:ext>
-              </a:extLst>
-            </a:blip>
-            <a:srcRect t="18260" r="21074" b="20630"/>
-            <a:stretch/>
-          </p:blipFill>
-          <p:spPr>
-            <a:xfrm>
-              <a:off x="71047" y="0"/>
-              <a:ext cx="3858430" cy="2987420"/>
-            </a:xfrm>
-            <a:prstGeom prst="rect">
-              <a:avLst/>
-            </a:prstGeom>
-          </p:spPr>
-        </p:pic>
-        <p:pic>
-          <p:nvPicPr>
-            <p:cNvPr id="9" name="Picture 8" descr="Chart, bar chart&#10;&#10;Description automatically generated">
-              <a:extLst>
-                <a:ext uri="{FF2B5EF4-FFF2-40B4-BE49-F238E27FC236}">
-                  <a16:creationId xmlns:a16="http://schemas.microsoft.com/office/drawing/2014/main" id="{3F2BA2C2-436E-40A8-A450-829600676AE7}"/>
-                </a:ext>
-              </a:extLst>
-            </p:cNvPr>
-            <p:cNvPicPr>
-              <a:picLocks noChangeAspect="1"/>
-            </p:cNvPicPr>
-            <p:nvPr/>
-          </p:nvPicPr>
-          <p:blipFill>
-            <a:blip r:embed="rId4">
-              <a:extLst>
-                <a:ext uri="{28A0092B-C50C-407E-A947-70E740481C1C}">
-                  <a14:useLocalDpi xmlns:a14="http://schemas.microsoft.com/office/drawing/2010/main" val="0"/>
-                </a:ext>
-              </a:extLst>
-            </a:blip>
-            <a:stretch>
-              <a:fillRect/>
-            </a:stretch>
-          </p:blipFill>
-          <p:spPr>
-            <a:xfrm>
-              <a:off x="4091151" y="151940"/>
-              <a:ext cx="4177054" cy="4177054"/>
-            </a:xfrm>
-            <a:prstGeom prst="rect">
-              <a:avLst/>
-            </a:prstGeom>
-          </p:spPr>
-        </p:pic>
-      </p:grpSp>
-      <p:pic>
-        <p:nvPicPr>
-          <p:cNvPr id="3" name="Picture 2" descr="Chart, shape&#10;&#10;Description automatically generated">
-            <a:extLst>
-              <a:ext uri="{FF2B5EF4-FFF2-40B4-BE49-F238E27FC236}">
-                <a16:creationId xmlns:a16="http://schemas.microsoft.com/office/drawing/2014/main" id="{48070633-C0F3-47AD-949F-E9885420C3E3}"/>
+                <a16:creationId xmlns:a16="http://schemas.microsoft.com/office/drawing/2014/main" id="{75D5060B-271B-40AD-9C90-5B114761FB88}"/>
               </a:ext>
             </a:extLst>
           </p:cNvPr>
@@ -13884,20 +16154,160 @@
           <p:nvPr/>
         </p:nvPicPr>
         <p:blipFill rotWithShape="1">
-          <a:blip r:embed="rId5">
+          <a:blip r:embed="rId2">
             <a:extLst>
               <a:ext uri="{28A0092B-C50C-407E-A947-70E740481C1C}">
                 <a14:useLocalDpi xmlns:a14="http://schemas.microsoft.com/office/drawing/2010/main" val="0"/>
               </a:ext>
             </a:extLst>
           </a:blip>
-          <a:srcRect t="9622"/>
+          <a:srcRect l="4432" t="447" r="74716" b="91172"/>
           <a:stretch/>
         </p:blipFill>
         <p:spPr>
           <a:xfrm>
-            <a:off x="8358634" y="-166079"/>
-            <a:ext cx="2479007" cy="2240467"/>
+            <a:off x="381000" y="193963"/>
+            <a:ext cx="2542309" cy="408709"/>
+          </a:xfrm>
+          <a:prstGeom prst="rect">
+            <a:avLst/>
+          </a:prstGeom>
+        </p:spPr>
+      </p:pic>
+      <p:pic>
+        <p:nvPicPr>
+          <p:cNvPr id="3" name="Picture 2" descr="Chart, box and whisker chart&#10;&#10;Description automatically generated">
+            <a:extLst>
+              <a:ext uri="{FF2B5EF4-FFF2-40B4-BE49-F238E27FC236}">
+                <a16:creationId xmlns:a16="http://schemas.microsoft.com/office/drawing/2014/main" id="{484C2B50-AEC5-4DD6-A9F6-926E92676042}"/>
+              </a:ext>
+            </a:extLst>
+          </p:cNvPr>
+          <p:cNvPicPr>
+            <a:picLocks noChangeAspect="1"/>
+          </p:cNvPicPr>
+          <p:nvPr/>
+        </p:nvPicPr>
+        <p:blipFill rotWithShape="1">
+          <a:blip r:embed="rId2">
+            <a:extLst>
+              <a:ext uri="{28A0092B-C50C-407E-A947-70E740481C1C}">
+                <a14:useLocalDpi xmlns:a14="http://schemas.microsoft.com/office/drawing/2010/main" val="0"/>
+              </a:ext>
+            </a:extLst>
+          </a:blip>
+          <a:srcRect l="89489" t="40504" b="37479"/>
+          <a:stretch/>
+        </p:blipFill>
+        <p:spPr>
+          <a:xfrm>
+            <a:off x="10806546" y="193963"/>
+            <a:ext cx="1281544" cy="1073727"/>
+          </a:xfrm>
+          <a:prstGeom prst="rect">
+            <a:avLst/>
+          </a:prstGeom>
+        </p:spPr>
+      </p:pic>
+      <p:pic>
+        <p:nvPicPr>
+          <p:cNvPr id="4" name="Picture 3" descr="Chart, box and whisker chart&#10;&#10;Description automatically generated">
+            <a:extLst>
+              <a:ext uri="{FF2B5EF4-FFF2-40B4-BE49-F238E27FC236}">
+                <a16:creationId xmlns:a16="http://schemas.microsoft.com/office/drawing/2014/main" id="{8D25C95B-68B9-4C35-9C48-B38E97F7ECCC}"/>
+              </a:ext>
+            </a:extLst>
+          </p:cNvPr>
+          <p:cNvPicPr>
+            <a:picLocks noChangeAspect="1"/>
+          </p:cNvPicPr>
+          <p:nvPr/>
+        </p:nvPicPr>
+        <p:blipFill rotWithShape="1">
+          <a:blip r:embed="rId2">
+            <a:extLst>
+              <a:ext uri="{28A0092B-C50C-407E-A947-70E740481C1C}">
+                <a14:useLocalDpi xmlns:a14="http://schemas.microsoft.com/office/drawing/2010/main" val="0"/>
+              </a:ext>
+            </a:extLst>
+          </a:blip>
+          <a:srcRect l="25227" t="447" r="53920" b="91172"/>
+          <a:stretch/>
+        </p:blipFill>
+        <p:spPr>
+          <a:xfrm>
+            <a:off x="3051464" y="193962"/>
+            <a:ext cx="2542309" cy="408709"/>
+          </a:xfrm>
+          <a:prstGeom prst="rect">
+            <a:avLst/>
+          </a:prstGeom>
+        </p:spPr>
+      </p:pic>
+      <p:pic>
+        <p:nvPicPr>
+          <p:cNvPr id="5" name="Picture 4" descr="Chart, box and whisker chart&#10;&#10;Description automatically generated">
+            <a:extLst>
+              <a:ext uri="{FF2B5EF4-FFF2-40B4-BE49-F238E27FC236}">
+                <a16:creationId xmlns:a16="http://schemas.microsoft.com/office/drawing/2014/main" id="{88D50D3D-FDA9-44E0-9F07-B1CA52694D9B}"/>
+              </a:ext>
+            </a:extLst>
+          </p:cNvPr>
+          <p:cNvPicPr>
+            <a:picLocks noChangeAspect="1"/>
+          </p:cNvPicPr>
+          <p:nvPr/>
+        </p:nvPicPr>
+        <p:blipFill rotWithShape="1">
+          <a:blip r:embed="rId2">
+            <a:extLst>
+              <a:ext uri="{28A0092B-C50C-407E-A947-70E740481C1C}">
+                <a14:useLocalDpi xmlns:a14="http://schemas.microsoft.com/office/drawing/2010/main" val="0"/>
+              </a:ext>
+            </a:extLst>
+          </a:blip>
+          <a:srcRect l="46250" t="447" r="32841" b="91172"/>
+          <a:stretch/>
+        </p:blipFill>
+        <p:spPr>
+          <a:xfrm>
+            <a:off x="3283526" y="1122217"/>
+            <a:ext cx="2549237" cy="408709"/>
+          </a:xfrm>
+          <a:prstGeom prst="rect">
+            <a:avLst/>
+          </a:prstGeom>
+        </p:spPr>
+      </p:pic>
+      <p:pic>
+        <p:nvPicPr>
+          <p:cNvPr id="6" name="Picture 5" descr="Chart, box and whisker chart&#10;&#10;Description automatically generated">
+            <a:extLst>
+              <a:ext uri="{FF2B5EF4-FFF2-40B4-BE49-F238E27FC236}">
+                <a16:creationId xmlns:a16="http://schemas.microsoft.com/office/drawing/2014/main" id="{8F53B87B-15C4-4458-9278-1AE4CAFBC5FF}"/>
+              </a:ext>
+            </a:extLst>
+          </p:cNvPr>
+          <p:cNvPicPr>
+            <a:picLocks noChangeAspect="1"/>
+          </p:cNvPicPr>
+          <p:nvPr/>
+        </p:nvPicPr>
+        <p:blipFill rotWithShape="1">
+          <a:blip r:embed="rId2">
+            <a:extLst>
+              <a:ext uri="{28A0092B-C50C-407E-A947-70E740481C1C}">
+                <a14:useLocalDpi xmlns:a14="http://schemas.microsoft.com/office/drawing/2010/main" val="0"/>
+              </a:ext>
+            </a:extLst>
+          </a:blip>
+          <a:srcRect l="67216" t="1158" r="11875" b="91172"/>
+          <a:stretch/>
+        </p:blipFill>
+        <p:spPr>
+          <a:xfrm>
+            <a:off x="6359239" y="1122217"/>
+            <a:ext cx="2549237" cy="374072"/>
           </a:xfrm>
           <a:prstGeom prst="rect">
             <a:avLst/>
@@ -13907,7 +16317,7 @@
     </p:spTree>
     <p:extLst>
       <p:ext uri="{BB962C8B-B14F-4D97-AF65-F5344CB8AC3E}">
-        <p14:creationId xmlns:p14="http://schemas.microsoft.com/office/powerpoint/2010/main" val="2037376003"/>
+        <p14:creationId xmlns:p14="http://schemas.microsoft.com/office/powerpoint/2010/main" val="4066135035"/>
       </p:ext>
     </p:extLst>
   </p:cSld>
@@ -13934,607 +16344,118 @@
           <a:chExt cx="0" cy="0"/>
         </a:xfrm>
       </p:grpSpPr>
-      <p:grpSp>
-        <p:nvGrpSpPr>
-          <p:cNvPr id="24" name="Group 23">
+      <p:pic>
+        <p:nvPicPr>
+          <p:cNvPr id="3" name="Picture 2" descr="Chart&#10;&#10;Description automatically generated">
             <a:extLst>
               <a:ext uri="{FF2B5EF4-FFF2-40B4-BE49-F238E27FC236}">
-                <a16:creationId xmlns:a16="http://schemas.microsoft.com/office/drawing/2014/main" id="{FDA38EA0-E292-4FD6-922B-9E7AD7B5ED44}"/>
+                <a16:creationId xmlns:a16="http://schemas.microsoft.com/office/drawing/2014/main" id="{F6A71E36-4F33-4907-BA0D-76526A5FCFEA}"/>
               </a:ext>
             </a:extLst>
           </p:cNvPr>
-          <p:cNvGrpSpPr/>
+          <p:cNvPicPr>
+            <a:picLocks noChangeAspect="1"/>
+          </p:cNvPicPr>
           <p:nvPr/>
-        </p:nvGrpSpPr>
-        <p:grpSpPr>
+        </p:nvPicPr>
+        <p:blipFill>
+          <a:blip r:embed="rId2">
+            <a:extLst>
+              <a:ext uri="{28A0092B-C50C-407E-A947-70E740481C1C}">
+                <a14:useLocalDpi xmlns:a14="http://schemas.microsoft.com/office/drawing/2010/main" val="0"/>
+              </a:ext>
+            </a:extLst>
+          </a:blip>
+          <a:stretch>
+            <a:fillRect/>
+          </a:stretch>
+        </p:blipFill>
+        <p:spPr>
           <a:xfrm>
-            <a:off x="1113844" y="-3311613"/>
-            <a:ext cx="6830111" cy="17114124"/>
-            <a:chOff x="1113844" y="-3311613"/>
-            <a:chExt cx="6830111" cy="17114124"/>
+            <a:off x="2972590" y="1600196"/>
+            <a:ext cx="4572009" cy="3657607"/>
           </a:xfrm>
-        </p:grpSpPr>
-        <p:pic>
-          <p:nvPicPr>
-            <p:cNvPr id="7" name="Picture 6" descr="Shape&#10;&#10;Description automatically generated">
-              <a:extLst>
-                <a:ext uri="{FF2B5EF4-FFF2-40B4-BE49-F238E27FC236}">
-                  <a16:creationId xmlns:a16="http://schemas.microsoft.com/office/drawing/2014/main" id="{CF73D72A-8976-4B04-BA4A-E23C2D4E731D}"/>
-                </a:ext>
-              </a:extLst>
-            </p:cNvPr>
-            <p:cNvPicPr>
-              <a:picLocks noChangeAspect="1"/>
-            </p:cNvPicPr>
-            <p:nvPr/>
-          </p:nvPicPr>
-          <p:blipFill rotWithShape="1">
-            <a:blip r:embed="rId2">
-              <a:extLst>
-                <a:ext uri="{28A0092B-C50C-407E-A947-70E740481C1C}">
-                  <a14:useLocalDpi xmlns:a14="http://schemas.microsoft.com/office/drawing/2010/main" val="0"/>
-                </a:ext>
-              </a:extLst>
-            </a:blip>
-            <a:srcRect r="14451"/>
-            <a:stretch/>
-          </p:blipFill>
-          <p:spPr>
-            <a:xfrm>
-              <a:off x="1149106" y="-3311613"/>
-              <a:ext cx="5202267" cy="6081029"/>
-            </a:xfrm>
-            <a:prstGeom prst="rect">
-              <a:avLst/>
-            </a:prstGeom>
-          </p:spPr>
-        </p:pic>
-        <p:pic>
-          <p:nvPicPr>
-            <p:cNvPr id="10" name="Picture 9" descr="Shape&#10;&#10;Description automatically generated">
-              <a:extLst>
-                <a:ext uri="{FF2B5EF4-FFF2-40B4-BE49-F238E27FC236}">
-                  <a16:creationId xmlns:a16="http://schemas.microsoft.com/office/drawing/2014/main" id="{D4B8190B-DF2E-4153-889F-EDDB1A5A808F}"/>
-                </a:ext>
-              </a:extLst>
-            </p:cNvPr>
-            <p:cNvPicPr>
-              <a:picLocks noChangeAspect="1"/>
-            </p:cNvPicPr>
-            <p:nvPr/>
-          </p:nvPicPr>
-          <p:blipFill rotWithShape="1">
-            <a:blip r:embed="rId3">
-              <a:extLst>
-                <a:ext uri="{28A0092B-C50C-407E-A947-70E740481C1C}">
-                  <a14:useLocalDpi xmlns:a14="http://schemas.microsoft.com/office/drawing/2010/main" val="0"/>
-                </a:ext>
-              </a:extLst>
-            </a:blip>
-            <a:srcRect t="9292" r="13266" b="16139"/>
-            <a:stretch/>
-          </p:blipFill>
-          <p:spPr>
-            <a:xfrm>
-              <a:off x="1144242" y="2285600"/>
-              <a:ext cx="5318342" cy="4572400"/>
-            </a:xfrm>
-            <a:prstGeom prst="rect">
-              <a:avLst/>
-            </a:prstGeom>
-          </p:spPr>
-        </p:pic>
-        <p:pic>
-          <p:nvPicPr>
-            <p:cNvPr id="12" name="Picture 11" descr="Chart, bar chart&#10;&#10;Description automatically generated">
-              <a:extLst>
-                <a:ext uri="{FF2B5EF4-FFF2-40B4-BE49-F238E27FC236}">
-                  <a16:creationId xmlns:a16="http://schemas.microsoft.com/office/drawing/2014/main" id="{AFBD0492-BE67-4CE6-B7B4-CD45722F61B7}"/>
-                </a:ext>
-              </a:extLst>
-            </p:cNvPr>
-            <p:cNvPicPr>
-              <a:picLocks noChangeAspect="1"/>
-            </p:cNvPicPr>
-            <p:nvPr/>
-          </p:nvPicPr>
-          <p:blipFill rotWithShape="1">
-            <a:blip r:embed="rId4">
-              <a:extLst>
-                <a:ext uri="{28A0092B-C50C-407E-A947-70E740481C1C}">
-                  <a14:useLocalDpi xmlns:a14="http://schemas.microsoft.com/office/drawing/2010/main" val="0"/>
-                </a:ext>
-              </a:extLst>
-            </a:blip>
-            <a:srcRect t="1179" r="20124"/>
-            <a:stretch/>
-          </p:blipFill>
-          <p:spPr>
-            <a:xfrm>
-              <a:off x="1113844" y="7322818"/>
-              <a:ext cx="5237529" cy="6479693"/>
-            </a:xfrm>
-            <a:prstGeom prst="rect">
-              <a:avLst/>
-            </a:prstGeom>
-          </p:spPr>
-        </p:pic>
-        <p:sp>
-          <p:nvSpPr>
-            <p:cNvPr id="14" name="Rectangle 13">
-              <a:extLst>
-                <a:ext uri="{FF2B5EF4-FFF2-40B4-BE49-F238E27FC236}">
-                  <a16:creationId xmlns:a16="http://schemas.microsoft.com/office/drawing/2014/main" id="{910149E6-9285-4B73-BC64-B0B9EBFDEE6D}"/>
-                </a:ext>
-              </a:extLst>
-            </p:cNvPr>
-            <p:cNvSpPr/>
-            <p:nvPr/>
-          </p:nvSpPr>
-          <p:spPr>
-            <a:xfrm>
-              <a:off x="1911177" y="6870353"/>
-              <a:ext cx="4307181" cy="508769"/>
-            </a:xfrm>
-            <a:prstGeom prst="rect">
-              <a:avLst/>
-            </a:prstGeom>
-            <a:solidFill>
-              <a:srgbClr val="81A1B1"/>
-            </a:solidFill>
-            <a:ln>
-              <a:solidFill>
-                <a:schemeClr val="bg1"/>
-              </a:solidFill>
-            </a:ln>
-          </p:spPr>
-          <p:style>
-            <a:lnRef idx="2">
-              <a:schemeClr val="accent1">
-                <a:shade val="50000"/>
-              </a:schemeClr>
-            </a:lnRef>
-            <a:fillRef idx="1">
-              <a:schemeClr val="accent1"/>
-            </a:fillRef>
-            <a:effectRef idx="0">
-              <a:schemeClr val="accent1"/>
-            </a:effectRef>
-            <a:fontRef idx="minor">
-              <a:schemeClr val="lt1"/>
-            </a:fontRef>
-          </p:style>
-          <p:txBody>
-            <a:bodyPr rtlCol="0" anchor="ctr"/>
-            <a:lstStyle/>
-            <a:p>
-              <a:pPr algn="ctr"/>
-              <a:r>
-                <a:rPr lang="en-US" b="1" dirty="0">
-                  <a:solidFill>
-                    <a:schemeClr val="tx1"/>
-                  </a:solidFill>
-                </a:rPr>
-                <a:t>Lambda Slope over initial 20 years</a:t>
-              </a:r>
-            </a:p>
-          </p:txBody>
-        </p:sp>
-        <p:sp>
-          <p:nvSpPr>
-            <p:cNvPr id="15" name="Rectangle 14">
-              <a:extLst>
-                <a:ext uri="{FF2B5EF4-FFF2-40B4-BE49-F238E27FC236}">
-                  <a16:creationId xmlns:a16="http://schemas.microsoft.com/office/drawing/2014/main" id="{8AA17C0F-344A-4CD0-8DB7-A30DB199043B}"/>
-                </a:ext>
-              </a:extLst>
-            </p:cNvPr>
-            <p:cNvSpPr/>
-            <p:nvPr/>
-          </p:nvSpPr>
-          <p:spPr>
-            <a:xfrm>
-              <a:off x="1911177" y="1770820"/>
-              <a:ext cx="4307181" cy="508769"/>
-            </a:xfrm>
-            <a:prstGeom prst="rect">
-              <a:avLst/>
-            </a:prstGeom>
-            <a:solidFill>
-              <a:srgbClr val="81A1B1"/>
-            </a:solidFill>
-            <a:ln>
-              <a:solidFill>
-                <a:schemeClr val="bg1"/>
-              </a:solidFill>
-            </a:ln>
-          </p:spPr>
-          <p:style>
-            <a:lnRef idx="2">
-              <a:schemeClr val="accent1">
-                <a:shade val="50000"/>
-              </a:schemeClr>
-            </a:lnRef>
-            <a:fillRef idx="1">
-              <a:schemeClr val="accent1"/>
-            </a:fillRef>
-            <a:effectRef idx="0">
-              <a:schemeClr val="accent1"/>
-            </a:effectRef>
-            <a:fontRef idx="minor">
-              <a:schemeClr val="lt1"/>
-            </a:fontRef>
-          </p:style>
-          <p:txBody>
-            <a:bodyPr rtlCol="0" anchor="ctr"/>
-            <a:lstStyle/>
-            <a:p>
-              <a:pPr algn="ctr"/>
-              <a:r>
-                <a:rPr lang="en-US" b="1" dirty="0">
-                  <a:solidFill>
-                    <a:schemeClr val="tx1"/>
-                  </a:solidFill>
-                </a:rPr>
-                <a:t>Harvest Slope over initial 20 years</a:t>
-              </a:r>
-            </a:p>
-          </p:txBody>
-        </p:sp>
-        <p:sp>
-          <p:nvSpPr>
-            <p:cNvPr id="16" name="Rectangle 15">
-              <a:extLst>
-                <a:ext uri="{FF2B5EF4-FFF2-40B4-BE49-F238E27FC236}">
-                  <a16:creationId xmlns:a16="http://schemas.microsoft.com/office/drawing/2014/main" id="{129E80C1-1F2B-49FD-B2ED-448242E8A737}"/>
-                </a:ext>
-              </a:extLst>
-            </p:cNvPr>
-            <p:cNvSpPr/>
-            <p:nvPr/>
-          </p:nvSpPr>
-          <p:spPr>
-            <a:xfrm>
-              <a:off x="1911177" y="-3254280"/>
-              <a:ext cx="4307181" cy="508769"/>
-            </a:xfrm>
-            <a:prstGeom prst="rect">
-              <a:avLst/>
-            </a:prstGeom>
-            <a:solidFill>
-              <a:srgbClr val="81A1B1"/>
-            </a:solidFill>
-            <a:ln>
-              <a:solidFill>
-                <a:schemeClr val="bg1"/>
-              </a:solidFill>
-            </a:ln>
-          </p:spPr>
-          <p:style>
-            <a:lnRef idx="2">
-              <a:schemeClr val="accent1">
-                <a:shade val="50000"/>
-              </a:schemeClr>
-            </a:lnRef>
-            <a:fillRef idx="1">
-              <a:schemeClr val="accent1"/>
-            </a:fillRef>
-            <a:effectRef idx="0">
-              <a:schemeClr val="accent1"/>
-            </a:effectRef>
-            <a:fontRef idx="minor">
-              <a:schemeClr val="lt1"/>
-            </a:fontRef>
-          </p:style>
-          <p:txBody>
-            <a:bodyPr rtlCol="0" anchor="ctr"/>
-            <a:lstStyle/>
-            <a:p>
-              <a:pPr algn="ctr"/>
-              <a:r>
-                <a:rPr lang="en-US" b="1" dirty="0">
-                  <a:solidFill>
-                    <a:schemeClr val="tx1"/>
-                  </a:solidFill>
-                </a:rPr>
-                <a:t>Fish Population Slope over initial 20 years</a:t>
-              </a:r>
-            </a:p>
-          </p:txBody>
-        </p:sp>
-        <p:pic>
-          <p:nvPicPr>
-            <p:cNvPr id="17" name="Picture 16" descr="Chart, bar chart&#10;&#10;Description automatically generated">
-              <a:extLst>
-                <a:ext uri="{FF2B5EF4-FFF2-40B4-BE49-F238E27FC236}">
-                  <a16:creationId xmlns:a16="http://schemas.microsoft.com/office/drawing/2014/main" id="{8583EBB3-224D-493A-B37C-727D8A899621}"/>
-                </a:ext>
-              </a:extLst>
-            </p:cNvPr>
-            <p:cNvPicPr>
-              <a:picLocks noChangeAspect="1"/>
-            </p:cNvPicPr>
-            <p:nvPr/>
-          </p:nvPicPr>
-          <p:blipFill rotWithShape="1">
-            <a:blip r:embed="rId4">
-              <a:extLst>
-                <a:ext uri="{28A0092B-C50C-407E-A947-70E740481C1C}">
-                  <a14:useLocalDpi xmlns:a14="http://schemas.microsoft.com/office/drawing/2010/main" val="0"/>
-                </a:ext>
-              </a:extLst>
-            </a:blip>
-            <a:srcRect l="83240" t="26431" r="1529" b="27964"/>
-            <a:stretch/>
-          </p:blipFill>
-          <p:spPr>
-            <a:xfrm>
-              <a:off x="6462584" y="7823487"/>
-              <a:ext cx="1481371" cy="4435678"/>
-            </a:xfrm>
-            <a:prstGeom prst="rect">
-              <a:avLst/>
-            </a:prstGeom>
-          </p:spPr>
-        </p:pic>
-        <p:pic>
-          <p:nvPicPr>
-            <p:cNvPr id="18" name="Picture 17" descr="Shape&#10;&#10;Description automatically generated">
-              <a:extLst>
-                <a:ext uri="{FF2B5EF4-FFF2-40B4-BE49-F238E27FC236}">
-                  <a16:creationId xmlns:a16="http://schemas.microsoft.com/office/drawing/2014/main" id="{3307E3E3-DE91-4394-B45A-4B60406D6210}"/>
-                </a:ext>
-              </a:extLst>
-            </p:cNvPr>
-            <p:cNvPicPr>
-              <a:picLocks noChangeAspect="1"/>
-            </p:cNvPicPr>
-            <p:nvPr/>
-          </p:nvPicPr>
-          <p:blipFill rotWithShape="1">
-            <a:blip r:embed="rId3">
-              <a:extLst>
-                <a:ext uri="{28A0092B-C50C-407E-A947-70E740481C1C}">
-                  <a14:useLocalDpi xmlns:a14="http://schemas.microsoft.com/office/drawing/2010/main" val="0"/>
-                </a:ext>
-              </a:extLst>
-            </a:blip>
-            <a:srcRect l="88507" t="24893" r="1657" b="29564"/>
-            <a:stretch/>
-          </p:blipFill>
-          <p:spPr>
-            <a:xfrm>
-              <a:off x="6487296" y="2374406"/>
-              <a:ext cx="946984" cy="4384748"/>
-            </a:xfrm>
-            <a:prstGeom prst="rect">
-              <a:avLst/>
-            </a:prstGeom>
-          </p:spPr>
-        </p:pic>
-        <p:pic>
-          <p:nvPicPr>
-            <p:cNvPr id="19" name="Picture 18" descr="Shape&#10;&#10;Description automatically generated">
-              <a:extLst>
-                <a:ext uri="{FF2B5EF4-FFF2-40B4-BE49-F238E27FC236}">
-                  <a16:creationId xmlns:a16="http://schemas.microsoft.com/office/drawing/2014/main" id="{C91B5B5E-2E97-4936-A39B-44EDF4DC2E77}"/>
-                </a:ext>
-              </a:extLst>
-            </p:cNvPr>
-            <p:cNvPicPr>
-              <a:picLocks noChangeAspect="1"/>
-            </p:cNvPicPr>
-            <p:nvPr/>
-          </p:nvPicPr>
-          <p:blipFill rotWithShape="1">
-            <a:blip r:embed="rId2">
-              <a:extLst>
-                <a:ext uri="{28A0092B-C50C-407E-A947-70E740481C1C}">
-                  <a14:useLocalDpi xmlns:a14="http://schemas.microsoft.com/office/drawing/2010/main" val="0"/>
-                </a:ext>
-              </a:extLst>
-            </a:blip>
-            <a:srcRect l="87654" t="25270" r="1920" b="28197"/>
-            <a:stretch/>
-          </p:blipFill>
-          <p:spPr>
-            <a:xfrm>
-              <a:off x="6549082" y="-2743139"/>
-              <a:ext cx="946984" cy="4226200"/>
-            </a:xfrm>
-            <a:prstGeom prst="rect">
-              <a:avLst/>
-            </a:prstGeom>
-          </p:spPr>
-        </p:pic>
-        <p:sp>
-          <p:nvSpPr>
-            <p:cNvPr id="21" name="Rectangle 20">
-              <a:extLst>
-                <a:ext uri="{FF2B5EF4-FFF2-40B4-BE49-F238E27FC236}">
-                  <a16:creationId xmlns:a16="http://schemas.microsoft.com/office/drawing/2014/main" id="{04C1F44E-99EC-4479-8C30-B190A9EBF1BC}"/>
-                </a:ext>
-              </a:extLst>
-            </p:cNvPr>
-            <p:cNvSpPr/>
-            <p:nvPr/>
-          </p:nvSpPr>
-          <p:spPr>
-            <a:xfrm>
-              <a:off x="1144242" y="-3204251"/>
-              <a:ext cx="445317" cy="408709"/>
-            </a:xfrm>
-            <a:prstGeom prst="rect">
-              <a:avLst/>
-            </a:prstGeom>
-            <a:solidFill>
-              <a:schemeClr val="bg1"/>
-            </a:solidFill>
-            <a:ln>
-              <a:solidFill>
-                <a:schemeClr val="bg1"/>
-              </a:solidFill>
-            </a:ln>
-          </p:spPr>
-          <p:style>
-            <a:lnRef idx="2">
-              <a:schemeClr val="accent1">
-                <a:shade val="50000"/>
-              </a:schemeClr>
-            </a:lnRef>
-            <a:fillRef idx="1">
-              <a:schemeClr val="accent1"/>
-            </a:fillRef>
-            <a:effectRef idx="0">
-              <a:schemeClr val="accent1"/>
-            </a:effectRef>
-            <a:fontRef idx="minor">
-              <a:schemeClr val="lt1"/>
-            </a:fontRef>
-          </p:style>
-          <p:txBody>
-            <a:bodyPr rtlCol="0" anchor="ctr"/>
-            <a:lstStyle/>
-            <a:p>
-              <a:pPr algn="ctr"/>
-              <a:r>
-                <a:rPr lang="en-US" b="1" dirty="0">
-                  <a:solidFill>
-                    <a:schemeClr val="tx1"/>
-                  </a:solidFill>
-                </a:rPr>
-                <a:t>A)</a:t>
-              </a:r>
-            </a:p>
-          </p:txBody>
-        </p:sp>
-        <p:sp>
-          <p:nvSpPr>
-            <p:cNvPr id="22" name="Rectangle 21">
-              <a:extLst>
-                <a:ext uri="{FF2B5EF4-FFF2-40B4-BE49-F238E27FC236}">
-                  <a16:creationId xmlns:a16="http://schemas.microsoft.com/office/drawing/2014/main" id="{36B167EA-0D20-4608-AEA9-2458D957B308}"/>
-                </a:ext>
-              </a:extLst>
-            </p:cNvPr>
-            <p:cNvSpPr/>
-            <p:nvPr/>
-          </p:nvSpPr>
-          <p:spPr>
-            <a:xfrm>
-              <a:off x="1144242" y="1820849"/>
-              <a:ext cx="445317" cy="408709"/>
-            </a:xfrm>
-            <a:prstGeom prst="rect">
-              <a:avLst/>
-            </a:prstGeom>
-            <a:solidFill>
-              <a:schemeClr val="bg1"/>
-            </a:solidFill>
-            <a:ln>
-              <a:solidFill>
-                <a:schemeClr val="bg1"/>
-              </a:solidFill>
-            </a:ln>
-          </p:spPr>
-          <p:style>
-            <a:lnRef idx="2">
-              <a:schemeClr val="accent1">
-                <a:shade val="50000"/>
-              </a:schemeClr>
-            </a:lnRef>
-            <a:fillRef idx="1">
-              <a:schemeClr val="accent1"/>
-            </a:fillRef>
-            <a:effectRef idx="0">
-              <a:schemeClr val="accent1"/>
-            </a:effectRef>
-            <a:fontRef idx="minor">
-              <a:schemeClr val="lt1"/>
-            </a:fontRef>
-          </p:style>
-          <p:txBody>
-            <a:bodyPr rtlCol="0" anchor="ctr"/>
-            <a:lstStyle/>
-            <a:p>
-              <a:pPr algn="ctr"/>
-              <a:r>
-                <a:rPr lang="en-US" b="1" dirty="0">
-                  <a:solidFill>
-                    <a:schemeClr val="tx1"/>
-                  </a:solidFill>
-                </a:rPr>
-                <a:t>B)</a:t>
-              </a:r>
-            </a:p>
-          </p:txBody>
-        </p:sp>
-        <p:sp>
-          <p:nvSpPr>
-            <p:cNvPr id="23" name="Rectangle 22">
-              <a:extLst>
-                <a:ext uri="{FF2B5EF4-FFF2-40B4-BE49-F238E27FC236}">
-                  <a16:creationId xmlns:a16="http://schemas.microsoft.com/office/drawing/2014/main" id="{C1AA1F1E-C206-4FC0-847F-57FEBF404054}"/>
-                </a:ext>
-              </a:extLst>
-            </p:cNvPr>
-            <p:cNvSpPr/>
-            <p:nvPr/>
-          </p:nvSpPr>
-          <p:spPr>
-            <a:xfrm>
-              <a:off x="1144242" y="6932034"/>
-              <a:ext cx="445317" cy="408709"/>
-            </a:xfrm>
-            <a:prstGeom prst="rect">
-              <a:avLst/>
-            </a:prstGeom>
-            <a:solidFill>
-              <a:schemeClr val="bg1"/>
-            </a:solidFill>
-            <a:ln>
-              <a:solidFill>
-                <a:schemeClr val="bg1"/>
-              </a:solidFill>
-            </a:ln>
-          </p:spPr>
-          <p:style>
-            <a:lnRef idx="2">
-              <a:schemeClr val="accent1">
-                <a:shade val="50000"/>
-              </a:schemeClr>
-            </a:lnRef>
-            <a:fillRef idx="1">
-              <a:schemeClr val="accent1"/>
-            </a:fillRef>
-            <a:effectRef idx="0">
-              <a:schemeClr val="accent1"/>
-            </a:effectRef>
-            <a:fontRef idx="minor">
-              <a:schemeClr val="lt1"/>
-            </a:fontRef>
-          </p:style>
-          <p:txBody>
-            <a:bodyPr rtlCol="0" anchor="ctr"/>
-            <a:lstStyle/>
-            <a:p>
-              <a:pPr algn="ctr"/>
-              <a:r>
-                <a:rPr lang="en-US" b="1" dirty="0">
-                  <a:solidFill>
-                    <a:schemeClr val="tx1"/>
-                  </a:solidFill>
-                </a:rPr>
-                <a:t>C)</a:t>
-              </a:r>
-            </a:p>
-          </p:txBody>
-        </p:sp>
-      </p:grpSp>
+          <a:prstGeom prst="rect">
+            <a:avLst/>
+          </a:prstGeom>
+        </p:spPr>
+      </p:pic>
+      <p:pic>
+        <p:nvPicPr>
+          <p:cNvPr id="5" name="Picture 4" descr="Chart&#10;&#10;Description automatically generated">
+            <a:extLst>
+              <a:ext uri="{FF2B5EF4-FFF2-40B4-BE49-F238E27FC236}">
+                <a16:creationId xmlns:a16="http://schemas.microsoft.com/office/drawing/2014/main" id="{68DD28D9-72A8-4383-A09B-7A49E86181C9}"/>
+              </a:ext>
+            </a:extLst>
+          </p:cNvPr>
+          <p:cNvPicPr>
+            <a:picLocks noChangeAspect="1"/>
+          </p:cNvPicPr>
+          <p:nvPr/>
+        </p:nvPicPr>
+        <p:blipFill>
+          <a:blip r:embed="rId3">
+            <a:extLst>
+              <a:ext uri="{28A0092B-C50C-407E-A947-70E740481C1C}">
+                <a14:useLocalDpi xmlns:a14="http://schemas.microsoft.com/office/drawing/2010/main" val="0"/>
+              </a:ext>
+            </a:extLst>
+          </a:blip>
+          <a:stretch>
+            <a:fillRect/>
+          </a:stretch>
+        </p:blipFill>
+        <p:spPr>
+          <a:xfrm>
+            <a:off x="5066900" y="3200393"/>
+            <a:ext cx="4572009" cy="3657607"/>
+          </a:xfrm>
+          <a:prstGeom prst="rect">
+            <a:avLst/>
+          </a:prstGeom>
+        </p:spPr>
+      </p:pic>
+      <p:pic>
+        <p:nvPicPr>
+          <p:cNvPr id="7" name="Picture 6" descr="Chart&#10;&#10;Description automatically generated">
+            <a:extLst>
+              <a:ext uri="{FF2B5EF4-FFF2-40B4-BE49-F238E27FC236}">
+                <a16:creationId xmlns:a16="http://schemas.microsoft.com/office/drawing/2014/main" id="{A3C280E4-4F84-482F-85A8-5892E4A9B68A}"/>
+              </a:ext>
+            </a:extLst>
+          </p:cNvPr>
+          <p:cNvPicPr>
+            <a:picLocks noChangeAspect="1"/>
+          </p:cNvPicPr>
+          <p:nvPr/>
+        </p:nvPicPr>
+        <p:blipFill>
+          <a:blip r:embed="rId4">
+            <a:extLst>
+              <a:ext uri="{28A0092B-C50C-407E-A947-70E740481C1C}">
+                <a14:useLocalDpi xmlns:a14="http://schemas.microsoft.com/office/drawing/2010/main" val="0"/>
+              </a:ext>
+            </a:extLst>
+          </a:blip>
+          <a:stretch>
+            <a:fillRect/>
+          </a:stretch>
+        </p:blipFill>
+        <p:spPr>
+          <a:xfrm>
+            <a:off x="6933406" y="1900196"/>
+            <a:ext cx="4572009" cy="3657607"/>
+          </a:xfrm>
+          <a:prstGeom prst="rect">
+            <a:avLst/>
+          </a:prstGeom>
+        </p:spPr>
+      </p:pic>
     </p:spTree>
     <p:extLst>
       <p:ext uri="{BB962C8B-B14F-4D97-AF65-F5344CB8AC3E}">
-        <p14:creationId xmlns:p14="http://schemas.microsoft.com/office/powerpoint/2010/main" val="1241487079"/>
+        <p14:creationId xmlns:p14="http://schemas.microsoft.com/office/powerpoint/2010/main" val="749053936"/>
       </p:ext>
     </p:extLst>
   </p:cSld>
@@ -14563,19 +16484,19 @@
       </p:grpSpPr>
       <p:pic>
         <p:nvPicPr>
-          <p:cNvPr id="1026" name="Picture 2">
+          <p:cNvPr id="5" name="Picture 4" descr="Chart, box and whisker chart&#10;&#10;Description automatically generated">
             <a:extLst>
               <a:ext uri="{FF2B5EF4-FFF2-40B4-BE49-F238E27FC236}">
-                <a16:creationId xmlns:a16="http://schemas.microsoft.com/office/drawing/2014/main" id="{6D9FBAB6-C9A2-4E7D-885E-7DC59623C84B}"/>
+                <a16:creationId xmlns:a16="http://schemas.microsoft.com/office/drawing/2014/main" id="{A7FA2606-85B8-40AB-B894-432973F43214}"/>
               </a:ext>
             </a:extLst>
           </p:cNvPr>
           <p:cNvPicPr>
-            <a:picLocks noChangeAspect="1" noChangeArrowheads="1"/>
+            <a:picLocks noChangeAspect="1"/>
           </p:cNvPicPr>
           <p:nvPr/>
         </p:nvPicPr>
-        <p:blipFill>
+        <p:blipFill rotWithShape="1">
           <a:blip r:embed="rId2">
             <a:extLst>
               <a:ext uri="{28A0092B-C50C-407E-A947-70E740481C1C}">
@@ -14583,35 +16504,739 @@
               </a:ext>
             </a:extLst>
           </a:blip>
-          <a:srcRect/>
-          <a:stretch>
-            <a:fillRect/>
-          </a:stretch>
+          <a:srcRect t="9446" r="12199"/>
+          <a:stretch/>
         </p:blipFill>
-        <p:spPr bwMode="auto">
+        <p:spPr>
           <a:xfrm>
-            <a:off x="3148013" y="528638"/>
-            <a:ext cx="5895975" cy="5800725"/>
+            <a:off x="9730" y="3803516"/>
+            <a:ext cx="12182100" cy="6084895"/>
           </a:xfrm>
           <a:prstGeom prst="rect">
             <a:avLst/>
           </a:prstGeom>
-          <a:noFill/>
-          <a:extLst>
-            <a:ext uri="{909E8E84-426E-40DD-AFC4-6F175D3DCCD1}">
-              <a14:hiddenFill xmlns:a14="http://schemas.microsoft.com/office/drawing/2010/main">
-                <a:solidFill>
-                  <a:srgbClr val="FFFFFF"/>
-                </a:solidFill>
-              </a14:hiddenFill>
-            </a:ext>
-          </a:extLst>
         </p:spPr>
       </p:pic>
+      <p:pic>
+        <p:nvPicPr>
+          <p:cNvPr id="16" name="Picture 15" descr="Chart&#10;&#10;Description automatically generated">
+            <a:extLst>
+              <a:ext uri="{FF2B5EF4-FFF2-40B4-BE49-F238E27FC236}">
+                <a16:creationId xmlns:a16="http://schemas.microsoft.com/office/drawing/2014/main" id="{4BACFF76-AF23-467A-8578-45335FA22BD5}"/>
+              </a:ext>
+            </a:extLst>
+          </p:cNvPr>
+          <p:cNvPicPr>
+            <a:picLocks noChangeAspect="1"/>
+          </p:cNvPicPr>
+          <p:nvPr/>
+        </p:nvPicPr>
+        <p:blipFill rotWithShape="1">
+          <a:blip r:embed="rId3">
+            <a:extLst>
+              <a:ext uri="{28A0092B-C50C-407E-A947-70E740481C1C}">
+                <a14:useLocalDpi xmlns:a14="http://schemas.microsoft.com/office/drawing/2010/main" val="0"/>
+              </a:ext>
+            </a:extLst>
+          </a:blip>
+          <a:srcRect r="24338"/>
+          <a:stretch/>
+        </p:blipFill>
+        <p:spPr>
+          <a:xfrm>
+            <a:off x="6202420" y="368277"/>
+            <a:ext cx="3459293" cy="3657607"/>
+          </a:xfrm>
+          <a:prstGeom prst="rect">
+            <a:avLst/>
+          </a:prstGeom>
+        </p:spPr>
+      </p:pic>
+      <p:pic>
+        <p:nvPicPr>
+          <p:cNvPr id="6" name="Picture 5" descr="Chart, box and whisker chart&#10;&#10;Description automatically generated">
+            <a:extLst>
+              <a:ext uri="{FF2B5EF4-FFF2-40B4-BE49-F238E27FC236}">
+                <a16:creationId xmlns:a16="http://schemas.microsoft.com/office/drawing/2014/main" id="{C23EAF1A-3DD7-43EC-882A-0DA93E9901CC}"/>
+              </a:ext>
+            </a:extLst>
+          </p:cNvPr>
+          <p:cNvPicPr>
+            <a:picLocks noChangeAspect="1"/>
+          </p:cNvPicPr>
+          <p:nvPr/>
+        </p:nvPicPr>
+        <p:blipFill rotWithShape="1">
+          <a:blip r:embed="rId4">
+            <a:extLst>
+              <a:ext uri="{28A0092B-C50C-407E-A947-70E740481C1C}">
+                <a14:useLocalDpi xmlns:a14="http://schemas.microsoft.com/office/drawing/2010/main" val="0"/>
+              </a:ext>
+            </a:extLst>
+          </a:blip>
+          <a:srcRect l="4432" t="447" r="74716" b="91172"/>
+          <a:stretch/>
+        </p:blipFill>
+        <p:spPr>
+          <a:xfrm>
+            <a:off x="381000" y="-2004493"/>
+            <a:ext cx="2542309" cy="408709"/>
+          </a:xfrm>
+          <a:prstGeom prst="rect">
+            <a:avLst/>
+          </a:prstGeom>
+        </p:spPr>
+      </p:pic>
+      <p:pic>
+        <p:nvPicPr>
+          <p:cNvPr id="7" name="Picture 6" descr="Chart, box and whisker chart&#10;&#10;Description automatically generated">
+            <a:extLst>
+              <a:ext uri="{FF2B5EF4-FFF2-40B4-BE49-F238E27FC236}">
+                <a16:creationId xmlns:a16="http://schemas.microsoft.com/office/drawing/2014/main" id="{E2E36872-957D-482B-8138-3D3A70EC8D11}"/>
+              </a:ext>
+            </a:extLst>
+          </p:cNvPr>
+          <p:cNvPicPr>
+            <a:picLocks noChangeAspect="1"/>
+          </p:cNvPicPr>
+          <p:nvPr/>
+        </p:nvPicPr>
+        <p:blipFill rotWithShape="1">
+          <a:blip r:embed="rId4">
+            <a:extLst>
+              <a:ext uri="{28A0092B-C50C-407E-A947-70E740481C1C}">
+                <a14:useLocalDpi xmlns:a14="http://schemas.microsoft.com/office/drawing/2010/main" val="0"/>
+              </a:ext>
+            </a:extLst>
+          </a:blip>
+          <a:srcRect l="89489" t="40504" b="37479"/>
+          <a:stretch/>
+        </p:blipFill>
+        <p:spPr>
+          <a:xfrm>
+            <a:off x="10806546" y="-2004493"/>
+            <a:ext cx="1281544" cy="1073727"/>
+          </a:xfrm>
+          <a:prstGeom prst="rect">
+            <a:avLst/>
+          </a:prstGeom>
+        </p:spPr>
+      </p:pic>
+      <p:pic>
+        <p:nvPicPr>
+          <p:cNvPr id="8" name="Picture 7" descr="Chart, box and whisker chart&#10;&#10;Description automatically generated">
+            <a:extLst>
+              <a:ext uri="{FF2B5EF4-FFF2-40B4-BE49-F238E27FC236}">
+                <a16:creationId xmlns:a16="http://schemas.microsoft.com/office/drawing/2014/main" id="{DE1CE60D-4E6D-4E5C-AA29-E06E4DF55458}"/>
+              </a:ext>
+            </a:extLst>
+          </p:cNvPr>
+          <p:cNvPicPr>
+            <a:picLocks noChangeAspect="1"/>
+          </p:cNvPicPr>
+          <p:nvPr/>
+        </p:nvPicPr>
+        <p:blipFill rotWithShape="1">
+          <a:blip r:embed="rId4">
+            <a:extLst>
+              <a:ext uri="{28A0092B-C50C-407E-A947-70E740481C1C}">
+                <a14:useLocalDpi xmlns:a14="http://schemas.microsoft.com/office/drawing/2010/main" val="0"/>
+              </a:ext>
+            </a:extLst>
+          </a:blip>
+          <a:srcRect l="25227" t="447" r="53920" b="91172"/>
+          <a:stretch/>
+        </p:blipFill>
+        <p:spPr>
+          <a:xfrm>
+            <a:off x="3051464" y="-2004494"/>
+            <a:ext cx="2542309" cy="408709"/>
+          </a:xfrm>
+          <a:prstGeom prst="rect">
+            <a:avLst/>
+          </a:prstGeom>
+        </p:spPr>
+      </p:pic>
+      <p:pic>
+        <p:nvPicPr>
+          <p:cNvPr id="9" name="Picture 8" descr="Chart, box and whisker chart&#10;&#10;Description automatically generated">
+            <a:extLst>
+              <a:ext uri="{FF2B5EF4-FFF2-40B4-BE49-F238E27FC236}">
+                <a16:creationId xmlns:a16="http://schemas.microsoft.com/office/drawing/2014/main" id="{676C7B85-CA21-425D-A63A-5E0BB77CF4F3}"/>
+              </a:ext>
+            </a:extLst>
+          </p:cNvPr>
+          <p:cNvPicPr>
+            <a:picLocks noChangeAspect="1"/>
+          </p:cNvPicPr>
+          <p:nvPr/>
+        </p:nvPicPr>
+        <p:blipFill rotWithShape="1">
+          <a:blip r:embed="rId4">
+            <a:extLst>
+              <a:ext uri="{28A0092B-C50C-407E-A947-70E740481C1C}">
+                <a14:useLocalDpi xmlns:a14="http://schemas.microsoft.com/office/drawing/2010/main" val="0"/>
+              </a:ext>
+            </a:extLst>
+          </a:blip>
+          <a:srcRect l="46250" t="447" r="32841" b="91172"/>
+          <a:stretch/>
+        </p:blipFill>
+        <p:spPr>
+          <a:xfrm>
+            <a:off x="3283526" y="-1076239"/>
+            <a:ext cx="2549237" cy="408709"/>
+          </a:xfrm>
+          <a:prstGeom prst="rect">
+            <a:avLst/>
+          </a:prstGeom>
+        </p:spPr>
+      </p:pic>
+      <p:pic>
+        <p:nvPicPr>
+          <p:cNvPr id="10" name="Picture 9" descr="Chart, box and whisker chart&#10;&#10;Description automatically generated">
+            <a:extLst>
+              <a:ext uri="{FF2B5EF4-FFF2-40B4-BE49-F238E27FC236}">
+                <a16:creationId xmlns:a16="http://schemas.microsoft.com/office/drawing/2014/main" id="{14714280-7D6C-4E9D-A1AD-9D46CE75F6AF}"/>
+              </a:ext>
+            </a:extLst>
+          </p:cNvPr>
+          <p:cNvPicPr>
+            <a:picLocks noChangeAspect="1"/>
+          </p:cNvPicPr>
+          <p:nvPr/>
+        </p:nvPicPr>
+        <p:blipFill rotWithShape="1">
+          <a:blip r:embed="rId4">
+            <a:extLst>
+              <a:ext uri="{28A0092B-C50C-407E-A947-70E740481C1C}">
+                <a14:useLocalDpi xmlns:a14="http://schemas.microsoft.com/office/drawing/2010/main" val="0"/>
+              </a:ext>
+            </a:extLst>
+          </a:blip>
+          <a:srcRect l="67216" t="1158" r="11875" b="91172"/>
+          <a:stretch/>
+        </p:blipFill>
+        <p:spPr>
+          <a:xfrm>
+            <a:off x="6359239" y="-1076239"/>
+            <a:ext cx="2549237" cy="374072"/>
+          </a:xfrm>
+          <a:prstGeom prst="rect">
+            <a:avLst/>
+          </a:prstGeom>
+        </p:spPr>
+      </p:pic>
+      <p:pic>
+        <p:nvPicPr>
+          <p:cNvPr id="11" name="Picture 10" descr="Chart, box and whisker chart&#10;&#10;Description automatically generated">
+            <a:extLst>
+              <a:ext uri="{FF2B5EF4-FFF2-40B4-BE49-F238E27FC236}">
+                <a16:creationId xmlns:a16="http://schemas.microsoft.com/office/drawing/2014/main" id="{1CBBE543-FCCD-4408-A973-7AD7B69F1A4F}"/>
+              </a:ext>
+            </a:extLst>
+          </p:cNvPr>
+          <p:cNvPicPr>
+            <a:picLocks noChangeAspect="1"/>
+          </p:cNvPicPr>
+          <p:nvPr/>
+        </p:nvPicPr>
+        <p:blipFill rotWithShape="1">
+          <a:blip r:embed="rId4">
+            <a:extLst>
+              <a:ext uri="{28A0092B-C50C-407E-A947-70E740481C1C}">
+                <a14:useLocalDpi xmlns:a14="http://schemas.microsoft.com/office/drawing/2010/main" val="0"/>
+              </a:ext>
+            </a:extLst>
+          </a:blip>
+          <a:srcRect l="67216" t="1158" r="11875" b="91172"/>
+          <a:stretch/>
+        </p:blipFill>
+        <p:spPr>
+          <a:xfrm>
+            <a:off x="9486609" y="35260"/>
+            <a:ext cx="2549237" cy="374072"/>
+          </a:xfrm>
+          <a:prstGeom prst="rect">
+            <a:avLst/>
+          </a:prstGeom>
+        </p:spPr>
+      </p:pic>
+      <p:pic>
+        <p:nvPicPr>
+          <p:cNvPr id="12" name="Picture 11" descr="Chart, box and whisker chart&#10;&#10;Description automatically generated">
+            <a:extLst>
+              <a:ext uri="{FF2B5EF4-FFF2-40B4-BE49-F238E27FC236}">
+                <a16:creationId xmlns:a16="http://schemas.microsoft.com/office/drawing/2014/main" id="{956F711E-B424-49D3-A13C-2C450514684E}"/>
+              </a:ext>
+            </a:extLst>
+          </p:cNvPr>
+          <p:cNvPicPr>
+            <a:picLocks noChangeAspect="1"/>
+          </p:cNvPicPr>
+          <p:nvPr/>
+        </p:nvPicPr>
+        <p:blipFill rotWithShape="1">
+          <a:blip r:embed="rId4">
+            <a:extLst>
+              <a:ext uri="{28A0092B-C50C-407E-A947-70E740481C1C}">
+                <a14:useLocalDpi xmlns:a14="http://schemas.microsoft.com/office/drawing/2010/main" val="0"/>
+              </a:ext>
+            </a:extLst>
+          </a:blip>
+          <a:srcRect l="46250" t="447" r="32841" b="91172"/>
+          <a:stretch/>
+        </p:blipFill>
+        <p:spPr>
+          <a:xfrm>
+            <a:off x="6705541" y="17942"/>
+            <a:ext cx="2549237" cy="408709"/>
+          </a:xfrm>
+          <a:prstGeom prst="rect">
+            <a:avLst/>
+          </a:prstGeom>
+        </p:spPr>
+      </p:pic>
+      <p:pic>
+        <p:nvPicPr>
+          <p:cNvPr id="13" name="Picture 12" descr="Chart, box and whisker chart&#10;&#10;Description automatically generated">
+            <a:extLst>
+              <a:ext uri="{FF2B5EF4-FFF2-40B4-BE49-F238E27FC236}">
+                <a16:creationId xmlns:a16="http://schemas.microsoft.com/office/drawing/2014/main" id="{6DBC0EDD-A65E-4A93-9FD6-DE3B0A6DA04B}"/>
+              </a:ext>
+            </a:extLst>
+          </p:cNvPr>
+          <p:cNvPicPr>
+            <a:picLocks noChangeAspect="1"/>
+          </p:cNvPicPr>
+          <p:nvPr/>
+        </p:nvPicPr>
+        <p:blipFill rotWithShape="1">
+          <a:blip r:embed="rId4">
+            <a:extLst>
+              <a:ext uri="{28A0092B-C50C-407E-A947-70E740481C1C}">
+                <a14:useLocalDpi xmlns:a14="http://schemas.microsoft.com/office/drawing/2010/main" val="0"/>
+              </a:ext>
+            </a:extLst>
+          </a:blip>
+          <a:srcRect l="25227" t="447" r="53920" b="91172"/>
+          <a:stretch/>
+        </p:blipFill>
+        <p:spPr>
+          <a:xfrm>
+            <a:off x="3910474" y="17942"/>
+            <a:ext cx="2542309" cy="408709"/>
+          </a:xfrm>
+          <a:prstGeom prst="rect">
+            <a:avLst/>
+          </a:prstGeom>
+        </p:spPr>
+      </p:pic>
+      <p:pic>
+        <p:nvPicPr>
+          <p:cNvPr id="14" name="Picture 13" descr="Chart, box and whisker chart&#10;&#10;Description automatically generated">
+            <a:extLst>
+              <a:ext uri="{FF2B5EF4-FFF2-40B4-BE49-F238E27FC236}">
+                <a16:creationId xmlns:a16="http://schemas.microsoft.com/office/drawing/2014/main" id="{5FF5AA67-4A83-4F12-9279-D9B1F7BB23D2}"/>
+              </a:ext>
+            </a:extLst>
+          </p:cNvPr>
+          <p:cNvPicPr>
+            <a:picLocks noChangeAspect="1"/>
+          </p:cNvPicPr>
+          <p:nvPr/>
+        </p:nvPicPr>
+        <p:blipFill rotWithShape="1">
+          <a:blip r:embed="rId4">
+            <a:extLst>
+              <a:ext uri="{28A0092B-C50C-407E-A947-70E740481C1C}">
+                <a14:useLocalDpi xmlns:a14="http://schemas.microsoft.com/office/drawing/2010/main" val="0"/>
+              </a:ext>
+            </a:extLst>
+          </a:blip>
+          <a:srcRect l="4432" t="447" r="74716" b="91172"/>
+          <a:stretch/>
+        </p:blipFill>
+        <p:spPr>
+          <a:xfrm>
+            <a:off x="1039702" y="17942"/>
+            <a:ext cx="2542309" cy="408709"/>
+          </a:xfrm>
+          <a:prstGeom prst="rect">
+            <a:avLst/>
+          </a:prstGeom>
+        </p:spPr>
+      </p:pic>
+      <p:sp>
+        <p:nvSpPr>
+          <p:cNvPr id="15" name="Rectangle 14">
+            <a:extLst>
+              <a:ext uri="{FF2B5EF4-FFF2-40B4-BE49-F238E27FC236}">
+                <a16:creationId xmlns:a16="http://schemas.microsoft.com/office/drawing/2014/main" id="{ACE869D7-7F0A-4583-8DC5-9ED0C0F7548B}"/>
+              </a:ext>
+            </a:extLst>
+          </p:cNvPr>
+          <p:cNvSpPr/>
+          <p:nvPr/>
+        </p:nvSpPr>
+        <p:spPr>
+          <a:xfrm>
+            <a:off x="70056" y="78207"/>
+            <a:ext cx="445317" cy="408709"/>
+          </a:xfrm>
+          <a:prstGeom prst="rect">
+            <a:avLst/>
+          </a:prstGeom>
+          <a:solidFill>
+            <a:schemeClr val="bg1"/>
+          </a:solidFill>
+          <a:ln>
+            <a:solidFill>
+              <a:schemeClr val="bg1"/>
+            </a:solidFill>
+          </a:ln>
+        </p:spPr>
+        <p:style>
+          <a:lnRef idx="2">
+            <a:schemeClr val="accent1">
+              <a:shade val="50000"/>
+            </a:schemeClr>
+          </a:lnRef>
+          <a:fillRef idx="1">
+            <a:schemeClr val="accent1"/>
+          </a:fillRef>
+          <a:effectRef idx="0">
+            <a:schemeClr val="accent1"/>
+          </a:effectRef>
+          <a:fontRef idx="minor">
+            <a:schemeClr val="lt1"/>
+          </a:fontRef>
+        </p:style>
+        <p:txBody>
+          <a:bodyPr rtlCol="0" anchor="ctr"/>
+          <a:lstStyle/>
+          <a:p>
+            <a:pPr algn="ctr"/>
+            <a:r>
+              <a:rPr lang="en-US" b="1" dirty="0">
+                <a:solidFill>
+                  <a:schemeClr val="tx1"/>
+                </a:solidFill>
+              </a:rPr>
+              <a:t>A)</a:t>
+            </a:r>
+          </a:p>
+        </p:txBody>
+      </p:sp>
+      <p:sp>
+        <p:nvSpPr>
+          <p:cNvPr id="17" name="Rectangle 16">
+            <a:extLst>
+              <a:ext uri="{FF2B5EF4-FFF2-40B4-BE49-F238E27FC236}">
+                <a16:creationId xmlns:a16="http://schemas.microsoft.com/office/drawing/2014/main" id="{CB0A29A4-455C-4EDD-B813-7E5F38E14554}"/>
+              </a:ext>
+            </a:extLst>
+          </p:cNvPr>
+          <p:cNvSpPr/>
+          <p:nvPr/>
+        </p:nvSpPr>
+        <p:spPr>
+          <a:xfrm>
+            <a:off x="1579553" y="3812220"/>
+            <a:ext cx="9626138" cy="250918"/>
+          </a:xfrm>
+          <a:prstGeom prst="rect">
+            <a:avLst/>
+          </a:prstGeom>
+          <a:solidFill>
+            <a:schemeClr val="bg1"/>
+          </a:solidFill>
+          <a:ln>
+            <a:solidFill>
+              <a:schemeClr val="bg1"/>
+            </a:solidFill>
+          </a:ln>
+        </p:spPr>
+        <p:style>
+          <a:lnRef idx="2">
+            <a:schemeClr val="accent1">
+              <a:shade val="50000"/>
+            </a:schemeClr>
+          </a:lnRef>
+          <a:fillRef idx="1">
+            <a:schemeClr val="accent1"/>
+          </a:fillRef>
+          <a:effectRef idx="0">
+            <a:schemeClr val="accent1"/>
+          </a:effectRef>
+          <a:fontRef idx="minor">
+            <a:schemeClr val="lt1"/>
+          </a:fontRef>
+        </p:style>
+        <p:txBody>
+          <a:bodyPr rtlCol="0" anchor="ctr"/>
+          <a:lstStyle/>
+          <a:p>
+            <a:pPr algn="ctr"/>
+            <a:r>
+              <a:rPr lang="en-US" sz="1600" dirty="0">
+                <a:solidFill>
+                  <a:schemeClr val="tx1"/>
+                </a:solidFill>
+              </a:rPr>
+              <a:t>Time (years)</a:t>
+            </a:r>
+          </a:p>
+        </p:txBody>
+      </p:sp>
+      <p:sp>
+        <p:nvSpPr>
+          <p:cNvPr id="18" name="Rectangle 17">
+            <a:extLst>
+              <a:ext uri="{FF2B5EF4-FFF2-40B4-BE49-F238E27FC236}">
+                <a16:creationId xmlns:a16="http://schemas.microsoft.com/office/drawing/2014/main" id="{CC11597A-5C5F-4905-8711-8FB2EC8C64D8}"/>
+              </a:ext>
+            </a:extLst>
+          </p:cNvPr>
+          <p:cNvSpPr/>
+          <p:nvPr/>
+        </p:nvSpPr>
+        <p:spPr>
+          <a:xfrm>
+            <a:off x="7365740" y="3626732"/>
+            <a:ext cx="515389" cy="271549"/>
+          </a:xfrm>
+          <a:prstGeom prst="rect">
+            <a:avLst/>
+          </a:prstGeom>
+          <a:solidFill>
+            <a:schemeClr val="bg1"/>
+          </a:solidFill>
+          <a:ln>
+            <a:solidFill>
+              <a:schemeClr val="bg1"/>
+            </a:solidFill>
+          </a:ln>
+        </p:spPr>
+        <p:style>
+          <a:lnRef idx="2">
+            <a:schemeClr val="accent1">
+              <a:shade val="50000"/>
+            </a:schemeClr>
+          </a:lnRef>
+          <a:fillRef idx="1">
+            <a:schemeClr val="accent1"/>
+          </a:fillRef>
+          <a:effectRef idx="0">
+            <a:schemeClr val="accent1"/>
+          </a:effectRef>
+          <a:fontRef idx="minor">
+            <a:schemeClr val="lt1"/>
+          </a:fontRef>
+        </p:style>
+        <p:txBody>
+          <a:bodyPr rtlCol="0" anchor="ctr"/>
+          <a:lstStyle/>
+          <a:p>
+            <a:pPr algn="ctr"/>
+            <a:r>
+              <a:rPr lang="en-US" sz="1200" dirty="0">
+                <a:solidFill>
+                  <a:schemeClr val="tx1"/>
+                </a:solidFill>
+              </a:rPr>
+              <a:t>25</a:t>
+            </a:r>
+          </a:p>
+        </p:txBody>
+      </p:sp>
+      <p:sp>
+        <p:nvSpPr>
+          <p:cNvPr id="19" name="Rectangle 18">
+            <a:extLst>
+              <a:ext uri="{FF2B5EF4-FFF2-40B4-BE49-F238E27FC236}">
+                <a16:creationId xmlns:a16="http://schemas.microsoft.com/office/drawing/2014/main" id="{AD34CEEF-8CC4-49E7-AA82-1EC78D762BC2}"/>
+              </a:ext>
+            </a:extLst>
+          </p:cNvPr>
+          <p:cNvSpPr/>
+          <p:nvPr/>
+        </p:nvSpPr>
+        <p:spPr>
+          <a:xfrm>
+            <a:off x="8576735" y="3626732"/>
+            <a:ext cx="515389" cy="271549"/>
+          </a:xfrm>
+          <a:prstGeom prst="rect">
+            <a:avLst/>
+          </a:prstGeom>
+          <a:solidFill>
+            <a:schemeClr val="bg1"/>
+          </a:solidFill>
+          <a:ln>
+            <a:solidFill>
+              <a:schemeClr val="bg1"/>
+            </a:solidFill>
+          </a:ln>
+        </p:spPr>
+        <p:style>
+          <a:lnRef idx="2">
+            <a:schemeClr val="accent1">
+              <a:shade val="50000"/>
+            </a:schemeClr>
+          </a:lnRef>
+          <a:fillRef idx="1">
+            <a:schemeClr val="accent1"/>
+          </a:fillRef>
+          <a:effectRef idx="0">
+            <a:schemeClr val="accent1"/>
+          </a:effectRef>
+          <a:fontRef idx="minor">
+            <a:schemeClr val="lt1"/>
+          </a:fontRef>
+        </p:style>
+        <p:txBody>
+          <a:bodyPr rtlCol="0" anchor="ctr"/>
+          <a:lstStyle/>
+          <a:p>
+            <a:pPr algn="ctr"/>
+            <a:r>
+              <a:rPr lang="en-US" sz="1200" dirty="0">
+                <a:solidFill>
+                  <a:schemeClr val="tx1"/>
+                </a:solidFill>
+              </a:rPr>
+              <a:t>75</a:t>
+            </a:r>
+          </a:p>
+        </p:txBody>
+      </p:sp>
+      <p:sp>
+        <p:nvSpPr>
+          <p:cNvPr id="20" name="Rectangle 19">
+            <a:extLst>
+              <a:ext uri="{FF2B5EF4-FFF2-40B4-BE49-F238E27FC236}">
+                <a16:creationId xmlns:a16="http://schemas.microsoft.com/office/drawing/2014/main" id="{379237FD-0218-480D-AA42-9F95B7B167AA}"/>
+              </a:ext>
+            </a:extLst>
+          </p:cNvPr>
+          <p:cNvSpPr/>
+          <p:nvPr/>
+        </p:nvSpPr>
+        <p:spPr>
+          <a:xfrm>
+            <a:off x="9176430" y="3626732"/>
+            <a:ext cx="515389" cy="271549"/>
+          </a:xfrm>
+          <a:prstGeom prst="rect">
+            <a:avLst/>
+          </a:prstGeom>
+          <a:solidFill>
+            <a:schemeClr val="bg1"/>
+          </a:solidFill>
+          <a:ln>
+            <a:solidFill>
+              <a:schemeClr val="bg1"/>
+            </a:solidFill>
+          </a:ln>
+        </p:spPr>
+        <p:style>
+          <a:lnRef idx="2">
+            <a:schemeClr val="accent1">
+              <a:shade val="50000"/>
+            </a:schemeClr>
+          </a:lnRef>
+          <a:fillRef idx="1">
+            <a:schemeClr val="accent1"/>
+          </a:fillRef>
+          <a:effectRef idx="0">
+            <a:schemeClr val="accent1"/>
+          </a:effectRef>
+          <a:fontRef idx="minor">
+            <a:schemeClr val="lt1"/>
+          </a:fontRef>
+        </p:style>
+        <p:txBody>
+          <a:bodyPr rtlCol="0" anchor="ctr"/>
+          <a:lstStyle/>
+          <a:p>
+            <a:pPr algn="ctr"/>
+            <a:r>
+              <a:rPr lang="en-US" sz="1200" dirty="0">
+                <a:solidFill>
+                  <a:schemeClr val="tx1"/>
+                </a:solidFill>
+              </a:rPr>
+              <a:t>100</a:t>
+            </a:r>
+          </a:p>
+        </p:txBody>
+      </p:sp>
+      <p:sp>
+        <p:nvSpPr>
+          <p:cNvPr id="21" name="Rectangle 20">
+            <a:extLst>
+              <a:ext uri="{FF2B5EF4-FFF2-40B4-BE49-F238E27FC236}">
+                <a16:creationId xmlns:a16="http://schemas.microsoft.com/office/drawing/2014/main" id="{15C688FD-1F14-4E94-9385-9F9FB4BD2958}"/>
+              </a:ext>
+            </a:extLst>
+          </p:cNvPr>
+          <p:cNvSpPr/>
+          <p:nvPr/>
+        </p:nvSpPr>
+        <p:spPr>
+          <a:xfrm>
+            <a:off x="7970955" y="3626732"/>
+            <a:ext cx="515389" cy="271549"/>
+          </a:xfrm>
+          <a:prstGeom prst="rect">
+            <a:avLst/>
+          </a:prstGeom>
+          <a:solidFill>
+            <a:schemeClr val="bg1"/>
+          </a:solidFill>
+          <a:ln>
+            <a:solidFill>
+              <a:schemeClr val="bg1"/>
+            </a:solidFill>
+          </a:ln>
+        </p:spPr>
+        <p:style>
+          <a:lnRef idx="2">
+            <a:schemeClr val="accent1">
+              <a:shade val="50000"/>
+            </a:schemeClr>
+          </a:lnRef>
+          <a:fillRef idx="1">
+            <a:schemeClr val="accent1"/>
+          </a:fillRef>
+          <a:effectRef idx="0">
+            <a:schemeClr val="accent1"/>
+          </a:effectRef>
+          <a:fontRef idx="minor">
+            <a:schemeClr val="lt1"/>
+          </a:fontRef>
+        </p:style>
+        <p:txBody>
+          <a:bodyPr rtlCol="0" anchor="ctr"/>
+          <a:lstStyle/>
+          <a:p>
+            <a:pPr algn="ctr"/>
+            <a:r>
+              <a:rPr lang="en-US" sz="1200" dirty="0">
+                <a:solidFill>
+                  <a:schemeClr val="tx1"/>
+                </a:solidFill>
+              </a:rPr>
+              <a:t>50</a:t>
+            </a:r>
+          </a:p>
+        </p:txBody>
+      </p:sp>
     </p:spTree>
     <p:extLst>
       <p:ext uri="{BB962C8B-B14F-4D97-AF65-F5344CB8AC3E}">
-        <p14:creationId xmlns:p14="http://schemas.microsoft.com/office/powerpoint/2010/main" val="278972908"/>
+        <p14:creationId xmlns:p14="http://schemas.microsoft.com/office/powerpoint/2010/main" val="1471852638"/>
       </p:ext>
     </p:extLst>
   </p:cSld>

--- a/output/Figures/Figs.pptx
+++ b/output/Figures/Figs.pptx
@@ -5,7 +5,7 @@
     <p:sldMasterId id="2147483648" r:id="rId1"/>
   </p:sldMasterIdLst>
   <p:notesMasterIdLst>
-    <p:notesMasterId r:id="rId19"/>
+    <p:notesMasterId r:id="rId16"/>
   </p:notesMasterIdLst>
   <p:sldIdLst>
     <p:sldId id="256" r:id="rId2"/>
@@ -20,11 +20,8 @@
     <p:sldId id="270" r:id="rId11"/>
     <p:sldId id="271" r:id="rId12"/>
     <p:sldId id="257" r:id="rId13"/>
-    <p:sldId id="263" r:id="rId14"/>
-    <p:sldId id="266" r:id="rId15"/>
-    <p:sldId id="267" r:id="rId16"/>
-    <p:sldId id="264" r:id="rId17"/>
-    <p:sldId id="265" r:id="rId18"/>
+    <p:sldId id="264" r:id="rId14"/>
+    <p:sldId id="265" r:id="rId15"/>
   </p:sldIdLst>
   <p:sldSz cx="12192000" cy="6858000"/>
   <p:notesSz cx="6858000" cy="9144000"/>
@@ -213,7 +210,7 @@
           <a:p>
             <a:fld id="{F32F4F65-7D4C-48C3-BBC4-C7E0D1368BE3}" type="datetimeFigureOut">
               <a:rPr lang="en-US" smtClean="0"/>
-              <a:t>1/14/2022</a:t>
+              <a:t>1/19/2022</a:t>
             </a:fld>
             <a:endParaRPr lang="en-US"/>
           </a:p>
@@ -732,6 +729,90 @@
 </p:notes>
 </file>
 
+<file path=ppt/notesSlides/notesSlide4.xml><?xml version="1.0" encoding="utf-8"?>
+<p:notes xmlns:a="http://schemas.openxmlformats.org/drawingml/2006/main" xmlns:r="http://schemas.openxmlformats.org/officeDocument/2006/relationships" xmlns:p="http://schemas.openxmlformats.org/presentationml/2006/main">
+  <p:cSld>
+    <p:spTree>
+      <p:nvGrpSpPr>
+        <p:cNvPr id="1" name=""/>
+        <p:cNvGrpSpPr/>
+        <p:nvPr/>
+      </p:nvGrpSpPr>
+      <p:grpSpPr>
+        <a:xfrm>
+          <a:off x="0" y="0"/>
+          <a:ext cx="0" cy="0"/>
+          <a:chOff x="0" y="0"/>
+          <a:chExt cx="0" cy="0"/>
+        </a:xfrm>
+      </p:grpSpPr>
+      <p:sp>
+        <p:nvSpPr>
+          <p:cNvPr id="2" name="Slide Image Placeholder 1"/>
+          <p:cNvSpPr>
+            <a:spLocks noGrp="1" noRot="1" noChangeAspect="1"/>
+          </p:cNvSpPr>
+          <p:nvPr>
+            <p:ph type="sldImg"/>
+          </p:nvPr>
+        </p:nvSpPr>
+        <p:spPr/>
+      </p:sp>
+      <p:sp>
+        <p:nvSpPr>
+          <p:cNvPr id="3" name="Notes Placeholder 2"/>
+          <p:cNvSpPr>
+            <a:spLocks noGrp="1"/>
+          </p:cNvSpPr>
+          <p:nvPr>
+            <p:ph type="body" idx="1"/>
+          </p:nvPr>
+        </p:nvSpPr>
+        <p:spPr/>
+        <p:txBody>
+          <a:bodyPr/>
+          <a:lstStyle/>
+          <a:p>
+            <a:endParaRPr lang="en-US" dirty="0"/>
+          </a:p>
+        </p:txBody>
+      </p:sp>
+      <p:sp>
+        <p:nvSpPr>
+          <p:cNvPr id="4" name="Slide Number Placeholder 3"/>
+          <p:cNvSpPr>
+            <a:spLocks noGrp="1"/>
+          </p:cNvSpPr>
+          <p:nvPr>
+            <p:ph type="sldNum" sz="quarter" idx="5"/>
+          </p:nvPr>
+        </p:nvSpPr>
+        <p:spPr/>
+        <p:txBody>
+          <a:bodyPr/>
+          <a:lstStyle/>
+          <a:p>
+            <a:fld id="{6843CEAE-62E0-41FA-A31B-7D401B02E78E}" type="slidenum">
+              <a:rPr lang="en-US" smtClean="0"/>
+              <a:t>9</a:t>
+            </a:fld>
+            <a:endParaRPr lang="en-US"/>
+          </a:p>
+        </p:txBody>
+      </p:sp>
+    </p:spTree>
+    <p:extLst>
+      <p:ext uri="{BB962C8B-B14F-4D97-AF65-F5344CB8AC3E}">
+        <p14:creationId xmlns:p14="http://schemas.microsoft.com/office/powerpoint/2010/main" val="167017065"/>
+      </p:ext>
+    </p:extLst>
+  </p:cSld>
+  <p:clrMapOvr>
+    <a:masterClrMapping/>
+  </p:clrMapOvr>
+</p:notes>
+</file>
+
 <file path=ppt/slideLayouts/slideLayout1.xml><?xml version="1.0" encoding="utf-8"?>
 <p:sldLayout xmlns:a="http://schemas.openxmlformats.org/drawingml/2006/main" xmlns:r="http://schemas.openxmlformats.org/officeDocument/2006/relationships" xmlns:p="http://schemas.openxmlformats.org/presentationml/2006/main" type="title" preserve="1">
   <p:cSld name="Title Slide">
@@ -879,7 +960,7 @@
           <a:p>
             <a:fld id="{E05F9EE4-F6CF-43BF-807F-E37C8E7F1AC9}" type="datetimeFigureOut">
               <a:rPr lang="en-US" smtClean="0"/>
-              <a:t>1/14/2022</a:t>
+              <a:t>1/19/2022</a:t>
             </a:fld>
             <a:endParaRPr lang="en-US"/>
           </a:p>
@@ -1077,7 +1158,7 @@
           <a:p>
             <a:fld id="{E05F9EE4-F6CF-43BF-807F-E37C8E7F1AC9}" type="datetimeFigureOut">
               <a:rPr lang="en-US" smtClean="0"/>
-              <a:t>1/14/2022</a:t>
+              <a:t>1/19/2022</a:t>
             </a:fld>
             <a:endParaRPr lang="en-US"/>
           </a:p>
@@ -1285,7 +1366,7 @@
           <a:p>
             <a:fld id="{E05F9EE4-F6CF-43BF-807F-E37C8E7F1AC9}" type="datetimeFigureOut">
               <a:rPr lang="en-US" smtClean="0"/>
-              <a:t>1/14/2022</a:t>
+              <a:t>1/19/2022</a:t>
             </a:fld>
             <a:endParaRPr lang="en-US"/>
           </a:p>
@@ -1483,7 +1564,7 @@
           <a:p>
             <a:fld id="{E05F9EE4-F6CF-43BF-807F-E37C8E7F1AC9}" type="datetimeFigureOut">
               <a:rPr lang="en-US" smtClean="0"/>
-              <a:t>1/14/2022</a:t>
+              <a:t>1/19/2022</a:t>
             </a:fld>
             <a:endParaRPr lang="en-US"/>
           </a:p>
@@ -1758,7 +1839,7 @@
           <a:p>
             <a:fld id="{E05F9EE4-F6CF-43BF-807F-E37C8E7F1AC9}" type="datetimeFigureOut">
               <a:rPr lang="en-US" smtClean="0"/>
-              <a:t>1/14/2022</a:t>
+              <a:t>1/19/2022</a:t>
             </a:fld>
             <a:endParaRPr lang="en-US"/>
           </a:p>
@@ -2023,7 +2104,7 @@
           <a:p>
             <a:fld id="{E05F9EE4-F6CF-43BF-807F-E37C8E7F1AC9}" type="datetimeFigureOut">
               <a:rPr lang="en-US" smtClean="0"/>
-              <a:t>1/14/2022</a:t>
+              <a:t>1/19/2022</a:t>
             </a:fld>
             <a:endParaRPr lang="en-US"/>
           </a:p>
@@ -2435,7 +2516,7 @@
           <a:p>
             <a:fld id="{E05F9EE4-F6CF-43BF-807F-E37C8E7F1AC9}" type="datetimeFigureOut">
               <a:rPr lang="en-US" smtClean="0"/>
-              <a:t>1/14/2022</a:t>
+              <a:t>1/19/2022</a:t>
             </a:fld>
             <a:endParaRPr lang="en-US"/>
           </a:p>
@@ -2576,7 +2657,7 @@
           <a:p>
             <a:fld id="{E05F9EE4-F6CF-43BF-807F-E37C8E7F1AC9}" type="datetimeFigureOut">
               <a:rPr lang="en-US" smtClean="0"/>
-              <a:t>1/14/2022</a:t>
+              <a:t>1/19/2022</a:t>
             </a:fld>
             <a:endParaRPr lang="en-US"/>
           </a:p>
@@ -2689,7 +2770,7 @@
           <a:p>
             <a:fld id="{E05F9EE4-F6CF-43BF-807F-E37C8E7F1AC9}" type="datetimeFigureOut">
               <a:rPr lang="en-US" smtClean="0"/>
-              <a:t>1/14/2022</a:t>
+              <a:t>1/19/2022</a:t>
             </a:fld>
             <a:endParaRPr lang="en-US"/>
           </a:p>
@@ -3000,7 +3081,7 @@
           <a:p>
             <a:fld id="{E05F9EE4-F6CF-43BF-807F-E37C8E7F1AC9}" type="datetimeFigureOut">
               <a:rPr lang="en-US" smtClean="0"/>
-              <a:t>1/14/2022</a:t>
+              <a:t>1/19/2022</a:t>
             </a:fld>
             <a:endParaRPr lang="en-US"/>
           </a:p>
@@ -3288,7 +3369,7 @@
           <a:p>
             <a:fld id="{E05F9EE4-F6CF-43BF-807F-E37C8E7F1AC9}" type="datetimeFigureOut">
               <a:rPr lang="en-US" smtClean="0"/>
-              <a:t>1/14/2022</a:t>
+              <a:t>1/19/2022</a:t>
             </a:fld>
             <a:endParaRPr lang="en-US"/>
           </a:p>
@@ -3529,7 +3610,7 @@
           <a:p>
             <a:fld id="{E05F9EE4-F6CF-43BF-807F-E37C8E7F1AC9}" type="datetimeFigureOut">
               <a:rPr lang="en-US" smtClean="0"/>
-              <a:t>1/14/2022</a:t>
+              <a:t>1/19/2022</a:t>
             </a:fld>
             <a:endParaRPr lang="en-US"/>
           </a:p>
@@ -4194,150 +4275,776 @@
           <a:chExt cx="0" cy="0"/>
         </a:xfrm>
       </p:grpSpPr>
-      <p:pic>
-        <p:nvPicPr>
-          <p:cNvPr id="3" name="Picture 2" descr="Chart&#10;&#10;Description automatically generated">
+      <p:grpSp>
+        <p:nvGrpSpPr>
+          <p:cNvPr id="44" name="Group 43">
             <a:extLst>
               <a:ext uri="{FF2B5EF4-FFF2-40B4-BE49-F238E27FC236}">
-                <a16:creationId xmlns:a16="http://schemas.microsoft.com/office/drawing/2014/main" id="{F9057353-9A5B-40E6-83AF-E82B3CB90FCE}"/>
+                <a16:creationId xmlns:a16="http://schemas.microsoft.com/office/drawing/2014/main" id="{AC3C6504-4FBF-4230-91DC-681419F69D8C}"/>
               </a:ext>
             </a:extLst>
           </p:cNvPr>
-          <p:cNvPicPr>
-            <a:picLocks noChangeAspect="1"/>
-          </p:cNvPicPr>
+          <p:cNvGrpSpPr/>
           <p:nvPr/>
-        </p:nvPicPr>
-        <p:blipFill>
-          <a:blip r:embed="rId2">
-            <a:extLst>
-              <a:ext uri="{28A0092B-C50C-407E-A947-70E740481C1C}">
-                <a14:useLocalDpi xmlns:a14="http://schemas.microsoft.com/office/drawing/2010/main" val="0"/>
-              </a:ext>
-            </a:extLst>
-          </a:blip>
-          <a:stretch>
-            <a:fillRect/>
-          </a:stretch>
-        </p:blipFill>
-        <p:spPr>
+        </p:nvGrpSpPr>
+        <p:grpSpPr>
           <a:xfrm>
-            <a:off x="3809995" y="1600196"/>
-            <a:ext cx="4572009" cy="3657607"/>
+            <a:off x="770863" y="596530"/>
+            <a:ext cx="4417949" cy="3979344"/>
+            <a:chOff x="770863" y="596530"/>
+            <a:chExt cx="4417949" cy="3979344"/>
           </a:xfrm>
-          <a:prstGeom prst="rect">
-            <a:avLst/>
-          </a:prstGeom>
-        </p:spPr>
-      </p:pic>
-      <p:pic>
-        <p:nvPicPr>
-          <p:cNvPr id="5" name="Picture 4" descr="Chart&#10;&#10;Description automatically generated">
-            <a:extLst>
-              <a:ext uri="{FF2B5EF4-FFF2-40B4-BE49-F238E27FC236}">
-                <a16:creationId xmlns:a16="http://schemas.microsoft.com/office/drawing/2014/main" id="{1DF74326-A556-4A09-BF94-59543054C932}"/>
-              </a:ext>
-            </a:extLst>
-          </p:cNvPr>
-          <p:cNvPicPr>
-            <a:picLocks noChangeAspect="1"/>
-          </p:cNvPicPr>
-          <p:nvPr/>
-        </p:nvPicPr>
-        <p:blipFill>
-          <a:blip r:embed="rId3">
-            <a:extLst>
-              <a:ext uri="{28A0092B-C50C-407E-A947-70E740481C1C}">
-                <a14:useLocalDpi xmlns:a14="http://schemas.microsoft.com/office/drawing/2010/main" val="0"/>
-              </a:ext>
-            </a:extLst>
-          </a:blip>
-          <a:stretch>
-            <a:fillRect/>
-          </a:stretch>
-        </p:blipFill>
-        <p:spPr>
-          <a:xfrm>
-            <a:off x="3959995" y="1750196"/>
-            <a:ext cx="4572009" cy="3657607"/>
-          </a:xfrm>
-          <a:prstGeom prst="rect">
-            <a:avLst/>
-          </a:prstGeom>
-        </p:spPr>
-      </p:pic>
-      <p:pic>
-        <p:nvPicPr>
-          <p:cNvPr id="7" name="Picture 6" descr="Chart&#10;&#10;Description automatically generated">
-            <a:extLst>
-              <a:ext uri="{FF2B5EF4-FFF2-40B4-BE49-F238E27FC236}">
-                <a16:creationId xmlns:a16="http://schemas.microsoft.com/office/drawing/2014/main" id="{DDC96B18-C5D9-46BC-9FF6-D42D7027B458}"/>
-              </a:ext>
-            </a:extLst>
-          </p:cNvPr>
-          <p:cNvPicPr>
-            <a:picLocks noChangeAspect="1"/>
-          </p:cNvPicPr>
-          <p:nvPr/>
-        </p:nvPicPr>
-        <p:blipFill>
-          <a:blip r:embed="rId4">
-            <a:extLst>
-              <a:ext uri="{28A0092B-C50C-407E-A947-70E740481C1C}">
-                <a14:useLocalDpi xmlns:a14="http://schemas.microsoft.com/office/drawing/2010/main" val="0"/>
-              </a:ext>
-            </a:extLst>
-          </a:blip>
-          <a:stretch>
-            <a:fillRect/>
-          </a:stretch>
-        </p:blipFill>
-        <p:spPr>
-          <a:xfrm>
-            <a:off x="4109995" y="1900196"/>
-            <a:ext cx="4572009" cy="3657607"/>
-          </a:xfrm>
-          <a:prstGeom prst="rect">
-            <a:avLst/>
-          </a:prstGeom>
-        </p:spPr>
-      </p:pic>
-      <p:pic>
-        <p:nvPicPr>
-          <p:cNvPr id="9" name="Picture 8" descr="Chart&#10;&#10;Description automatically generated">
-            <a:extLst>
-              <a:ext uri="{FF2B5EF4-FFF2-40B4-BE49-F238E27FC236}">
-                <a16:creationId xmlns:a16="http://schemas.microsoft.com/office/drawing/2014/main" id="{19F85957-5089-4094-8FB0-63E09475AD48}"/>
-              </a:ext>
-            </a:extLst>
-          </p:cNvPr>
-          <p:cNvPicPr>
-            <a:picLocks noChangeAspect="1"/>
-          </p:cNvPicPr>
-          <p:nvPr/>
-        </p:nvPicPr>
-        <p:blipFill>
-          <a:blip r:embed="rId5">
-            <a:extLst>
-              <a:ext uri="{28A0092B-C50C-407E-A947-70E740481C1C}">
-                <a14:useLocalDpi xmlns:a14="http://schemas.microsoft.com/office/drawing/2010/main" val="0"/>
-              </a:ext>
-            </a:extLst>
-          </a:blip>
-          <a:stretch>
-            <a:fillRect/>
-          </a:stretch>
-        </p:blipFill>
-        <p:spPr>
-          <a:xfrm>
-            <a:off x="4259995" y="2050196"/>
-            <a:ext cx="4572009" cy="3657607"/>
-          </a:xfrm>
-          <a:prstGeom prst="rect">
-            <a:avLst/>
-          </a:prstGeom>
-        </p:spPr>
-      </p:pic>
+        </p:grpSpPr>
+        <p:grpSp>
+          <p:nvGrpSpPr>
+            <p:cNvPr id="30" name="Group 29">
+              <a:extLst>
+                <a:ext uri="{FF2B5EF4-FFF2-40B4-BE49-F238E27FC236}">
+                  <a16:creationId xmlns:a16="http://schemas.microsoft.com/office/drawing/2014/main" id="{9D5FE154-9940-4FC3-B0F4-77F32E7FA9AF}"/>
+                </a:ext>
+              </a:extLst>
+            </p:cNvPr>
+            <p:cNvGrpSpPr/>
+            <p:nvPr/>
+          </p:nvGrpSpPr>
+          <p:grpSpPr>
+            <a:xfrm>
+              <a:off x="770863" y="772280"/>
+              <a:ext cx="4417949" cy="3803594"/>
+              <a:chOff x="750082" y="881898"/>
+              <a:chExt cx="4417949" cy="3803594"/>
+            </a:xfrm>
+          </p:grpSpPr>
+          <p:sp>
+            <p:nvSpPr>
+              <p:cNvPr id="32" name="Rectangle 31">
+                <a:extLst>
+                  <a:ext uri="{FF2B5EF4-FFF2-40B4-BE49-F238E27FC236}">
+                    <a16:creationId xmlns:a16="http://schemas.microsoft.com/office/drawing/2014/main" id="{DF20089E-BC66-46EF-B8AA-33EA8CEECF3D}"/>
+                  </a:ext>
+                </a:extLst>
+              </p:cNvPr>
+              <p:cNvSpPr/>
+              <p:nvPr/>
+            </p:nvSpPr>
+            <p:spPr>
+              <a:xfrm>
+                <a:off x="1013318" y="881898"/>
+                <a:ext cx="623455" cy="139622"/>
+              </a:xfrm>
+              <a:prstGeom prst="rect">
+                <a:avLst/>
+              </a:prstGeom>
+              <a:solidFill>
+                <a:schemeClr val="bg1"/>
+              </a:solidFill>
+              <a:ln>
+                <a:solidFill>
+                  <a:schemeClr val="bg1"/>
+                </a:solidFill>
+              </a:ln>
+            </p:spPr>
+            <p:style>
+              <a:lnRef idx="2">
+                <a:schemeClr val="accent1">
+                  <a:shade val="50000"/>
+                </a:schemeClr>
+              </a:lnRef>
+              <a:fillRef idx="1">
+                <a:schemeClr val="accent1"/>
+              </a:fillRef>
+              <a:effectRef idx="0">
+                <a:schemeClr val="accent1"/>
+              </a:effectRef>
+              <a:fontRef idx="minor">
+                <a:schemeClr val="lt1"/>
+              </a:fontRef>
+            </p:style>
+            <p:txBody>
+              <a:bodyPr rtlCol="0" anchor="ctr"/>
+              <a:lstStyle/>
+              <a:p>
+                <a:pPr algn="ctr"/>
+                <a:r>
+                  <a:rPr lang="en-US" dirty="0">
+                    <a:solidFill>
+                      <a:sysClr val="windowText" lastClr="000000"/>
+                    </a:solidFill>
+                    <a:latin typeface="Cambria Math" panose="02040503050406030204" pitchFamily="18" charset="0"/>
+                    <a:ea typeface="Cambria Math" panose="02040503050406030204" pitchFamily="18" charset="0"/>
+                  </a:rPr>
+                  <a:t>250</a:t>
+                </a:r>
+              </a:p>
+            </p:txBody>
+          </p:sp>
+          <p:sp>
+            <p:nvSpPr>
+              <p:cNvPr id="33" name="Rectangle 32">
+                <a:extLst>
+                  <a:ext uri="{FF2B5EF4-FFF2-40B4-BE49-F238E27FC236}">
+                    <a16:creationId xmlns:a16="http://schemas.microsoft.com/office/drawing/2014/main" id="{57AE761D-EB73-46C8-AF1A-74A5CAD89EFB}"/>
+                  </a:ext>
+                </a:extLst>
+              </p:cNvPr>
+              <p:cNvSpPr/>
+              <p:nvPr/>
+            </p:nvSpPr>
+            <p:spPr>
+              <a:xfrm>
+                <a:off x="1013318" y="2216715"/>
+                <a:ext cx="623455" cy="104900"/>
+              </a:xfrm>
+              <a:prstGeom prst="rect">
+                <a:avLst/>
+              </a:prstGeom>
+              <a:solidFill>
+                <a:schemeClr val="bg1"/>
+              </a:solidFill>
+              <a:ln>
+                <a:solidFill>
+                  <a:schemeClr val="bg1"/>
+                </a:solidFill>
+              </a:ln>
+            </p:spPr>
+            <p:style>
+              <a:lnRef idx="2">
+                <a:schemeClr val="accent1">
+                  <a:shade val="50000"/>
+                </a:schemeClr>
+              </a:lnRef>
+              <a:fillRef idx="1">
+                <a:schemeClr val="accent1"/>
+              </a:fillRef>
+              <a:effectRef idx="0">
+                <a:schemeClr val="accent1"/>
+              </a:effectRef>
+              <a:fontRef idx="minor">
+                <a:schemeClr val="lt1"/>
+              </a:fontRef>
+            </p:style>
+            <p:txBody>
+              <a:bodyPr rtlCol="0" anchor="ctr"/>
+              <a:lstStyle/>
+              <a:p>
+                <a:pPr algn="ctr"/>
+                <a:r>
+                  <a:rPr lang="en-US" dirty="0">
+                    <a:solidFill>
+                      <a:sysClr val="windowText" lastClr="000000"/>
+                    </a:solidFill>
+                    <a:latin typeface="Cambria Math" panose="02040503050406030204" pitchFamily="18" charset="0"/>
+                    <a:ea typeface="Cambria Math" panose="02040503050406030204" pitchFamily="18" charset="0"/>
+                  </a:rPr>
+                  <a:t>150</a:t>
+                </a:r>
+              </a:p>
+            </p:txBody>
+          </p:sp>
+          <p:sp>
+            <p:nvSpPr>
+              <p:cNvPr id="34" name="Rectangle 33">
+                <a:extLst>
+                  <a:ext uri="{FF2B5EF4-FFF2-40B4-BE49-F238E27FC236}">
+                    <a16:creationId xmlns:a16="http://schemas.microsoft.com/office/drawing/2014/main" id="{36FF9E42-1AF3-4F53-9D15-B995714A335A}"/>
+                  </a:ext>
+                </a:extLst>
+              </p:cNvPr>
+              <p:cNvSpPr/>
+              <p:nvPr/>
+            </p:nvSpPr>
+            <p:spPr>
+              <a:xfrm>
+                <a:off x="1013318" y="3538185"/>
+                <a:ext cx="623455" cy="139622"/>
+              </a:xfrm>
+              <a:prstGeom prst="rect">
+                <a:avLst/>
+              </a:prstGeom>
+              <a:solidFill>
+                <a:schemeClr val="bg1"/>
+              </a:solidFill>
+              <a:ln>
+                <a:solidFill>
+                  <a:schemeClr val="bg1"/>
+                </a:solidFill>
+              </a:ln>
+            </p:spPr>
+            <p:style>
+              <a:lnRef idx="2">
+                <a:schemeClr val="accent1">
+                  <a:shade val="50000"/>
+                </a:schemeClr>
+              </a:lnRef>
+              <a:fillRef idx="1">
+                <a:schemeClr val="accent1"/>
+              </a:fillRef>
+              <a:effectRef idx="0">
+                <a:schemeClr val="accent1"/>
+              </a:effectRef>
+              <a:fontRef idx="minor">
+                <a:schemeClr val="lt1"/>
+              </a:fontRef>
+            </p:style>
+            <p:txBody>
+              <a:bodyPr rtlCol="0" anchor="ctr"/>
+              <a:lstStyle/>
+              <a:p>
+                <a:pPr algn="ctr"/>
+                <a:r>
+                  <a:rPr lang="en-US" dirty="0">
+                    <a:solidFill>
+                      <a:sysClr val="windowText" lastClr="000000"/>
+                    </a:solidFill>
+                    <a:latin typeface="Cambria Math" panose="02040503050406030204" pitchFamily="18" charset="0"/>
+                    <a:ea typeface="Cambria Math" panose="02040503050406030204" pitchFamily="18" charset="0"/>
+                  </a:rPr>
+                  <a:t>50</a:t>
+                </a:r>
+              </a:p>
+            </p:txBody>
+          </p:sp>
+          <p:sp>
+            <p:nvSpPr>
+              <p:cNvPr id="35" name="Rectangle 34">
+                <a:extLst>
+                  <a:ext uri="{FF2B5EF4-FFF2-40B4-BE49-F238E27FC236}">
+                    <a16:creationId xmlns:a16="http://schemas.microsoft.com/office/drawing/2014/main" id="{AAB30697-80B1-4655-8C07-EEFEF25F3925}"/>
+                  </a:ext>
+                </a:extLst>
+              </p:cNvPr>
+              <p:cNvSpPr/>
+              <p:nvPr/>
+            </p:nvSpPr>
+            <p:spPr>
+              <a:xfrm>
+                <a:off x="1013318" y="4184953"/>
+                <a:ext cx="623455" cy="153584"/>
+              </a:xfrm>
+              <a:prstGeom prst="rect">
+                <a:avLst/>
+              </a:prstGeom>
+              <a:solidFill>
+                <a:schemeClr val="bg1"/>
+              </a:solidFill>
+              <a:ln>
+                <a:solidFill>
+                  <a:schemeClr val="bg1"/>
+                </a:solidFill>
+              </a:ln>
+            </p:spPr>
+            <p:style>
+              <a:lnRef idx="2">
+                <a:schemeClr val="accent1">
+                  <a:shade val="50000"/>
+                </a:schemeClr>
+              </a:lnRef>
+              <a:fillRef idx="1">
+                <a:schemeClr val="accent1"/>
+              </a:fillRef>
+              <a:effectRef idx="0">
+                <a:schemeClr val="accent1"/>
+              </a:effectRef>
+              <a:fontRef idx="minor">
+                <a:schemeClr val="lt1"/>
+              </a:fontRef>
+            </p:style>
+            <p:txBody>
+              <a:bodyPr rtlCol="0" anchor="ctr"/>
+              <a:lstStyle/>
+              <a:p>
+                <a:pPr algn="ctr"/>
+                <a:r>
+                  <a:rPr lang="en-US" dirty="0">
+                    <a:solidFill>
+                      <a:sysClr val="windowText" lastClr="000000"/>
+                    </a:solidFill>
+                    <a:latin typeface="Cambria Math" panose="02040503050406030204" pitchFamily="18" charset="0"/>
+                    <a:ea typeface="Cambria Math" panose="02040503050406030204" pitchFamily="18" charset="0"/>
+                  </a:rPr>
+                  <a:t>0</a:t>
+                </a:r>
+              </a:p>
+            </p:txBody>
+          </p:sp>
+          <p:sp>
+            <p:nvSpPr>
+              <p:cNvPr id="36" name="Rectangle 35">
+                <a:extLst>
+                  <a:ext uri="{FF2B5EF4-FFF2-40B4-BE49-F238E27FC236}">
+                    <a16:creationId xmlns:a16="http://schemas.microsoft.com/office/drawing/2014/main" id="{FAB99B8B-4602-4227-A7D0-5DAFADB661B2}"/>
+                  </a:ext>
+                </a:extLst>
+              </p:cNvPr>
+              <p:cNvSpPr/>
+              <p:nvPr/>
+            </p:nvSpPr>
+            <p:spPr>
+              <a:xfrm rot="16200000">
+                <a:off x="-612177" y="2427841"/>
+                <a:ext cx="3140153" cy="415636"/>
+              </a:xfrm>
+              <a:prstGeom prst="rect">
+                <a:avLst/>
+              </a:prstGeom>
+              <a:solidFill>
+                <a:schemeClr val="bg1"/>
+              </a:solidFill>
+              <a:ln>
+                <a:solidFill>
+                  <a:schemeClr val="bg1"/>
+                </a:solidFill>
+              </a:ln>
+            </p:spPr>
+            <p:style>
+              <a:lnRef idx="2">
+                <a:schemeClr val="accent1">
+                  <a:shade val="50000"/>
+                </a:schemeClr>
+              </a:lnRef>
+              <a:fillRef idx="1">
+                <a:schemeClr val="accent1"/>
+              </a:fillRef>
+              <a:effectRef idx="0">
+                <a:schemeClr val="accent1"/>
+              </a:effectRef>
+              <a:fontRef idx="minor">
+                <a:schemeClr val="lt1"/>
+              </a:fontRef>
+            </p:style>
+            <p:txBody>
+              <a:bodyPr rtlCol="0" anchor="ctr"/>
+              <a:lstStyle/>
+              <a:p>
+                <a:pPr algn="ctr"/>
+                <a:r>
+                  <a:rPr lang="en-US" dirty="0">
+                    <a:solidFill>
+                      <a:sysClr val="windowText" lastClr="000000"/>
+                    </a:solidFill>
+                    <a:latin typeface="Cambria Math" panose="02040503050406030204" pitchFamily="18" charset="0"/>
+                    <a:ea typeface="Cambria Math" panose="02040503050406030204" pitchFamily="18" charset="0"/>
+                  </a:rPr>
+                  <a:t>Fish Biomass</a:t>
+                </a:r>
+              </a:p>
+            </p:txBody>
+          </p:sp>
+          <p:sp>
+            <p:nvSpPr>
+              <p:cNvPr id="37" name="Rectangle 36">
+                <a:extLst>
+                  <a:ext uri="{FF2B5EF4-FFF2-40B4-BE49-F238E27FC236}">
+                    <a16:creationId xmlns:a16="http://schemas.microsoft.com/office/drawing/2014/main" id="{E0E490AA-050C-441E-B15F-9678E9835041}"/>
+                  </a:ext>
+                </a:extLst>
+              </p:cNvPr>
+              <p:cNvSpPr/>
+              <p:nvPr/>
+            </p:nvSpPr>
+            <p:spPr>
+              <a:xfrm>
+                <a:off x="2078181" y="4509223"/>
+                <a:ext cx="623455" cy="176269"/>
+              </a:xfrm>
+              <a:prstGeom prst="rect">
+                <a:avLst/>
+              </a:prstGeom>
+              <a:solidFill>
+                <a:schemeClr val="bg1"/>
+              </a:solidFill>
+              <a:ln>
+                <a:solidFill>
+                  <a:schemeClr val="bg1"/>
+                </a:solidFill>
+              </a:ln>
+            </p:spPr>
+            <p:style>
+              <a:lnRef idx="2">
+                <a:schemeClr val="accent1">
+                  <a:shade val="50000"/>
+                </a:schemeClr>
+              </a:lnRef>
+              <a:fillRef idx="1">
+                <a:schemeClr val="accent1"/>
+              </a:fillRef>
+              <a:effectRef idx="0">
+                <a:schemeClr val="accent1"/>
+              </a:effectRef>
+              <a:fontRef idx="minor">
+                <a:schemeClr val="lt1"/>
+              </a:fontRef>
+            </p:style>
+            <p:txBody>
+              <a:bodyPr rtlCol="0" anchor="ctr"/>
+              <a:lstStyle/>
+              <a:p>
+                <a:pPr algn="ctr"/>
+                <a:r>
+                  <a:rPr lang="en-US" dirty="0">
+                    <a:solidFill>
+                      <a:sysClr val="windowText" lastClr="000000"/>
+                    </a:solidFill>
+                    <a:latin typeface="Cambria Math" panose="02040503050406030204" pitchFamily="18" charset="0"/>
+                    <a:ea typeface="Cambria Math" panose="02040503050406030204" pitchFamily="18" charset="0"/>
+                  </a:rPr>
+                  <a:t>25</a:t>
+                </a:r>
+              </a:p>
+            </p:txBody>
+          </p:sp>
+          <p:sp>
+            <p:nvSpPr>
+              <p:cNvPr id="38" name="Rectangle 37">
+                <a:extLst>
+                  <a:ext uri="{FF2B5EF4-FFF2-40B4-BE49-F238E27FC236}">
+                    <a16:creationId xmlns:a16="http://schemas.microsoft.com/office/drawing/2014/main" id="{AEC9327B-8DDE-48BB-9EA8-AAA9DA8EA9B1}"/>
+                  </a:ext>
+                </a:extLst>
+              </p:cNvPr>
+              <p:cNvSpPr/>
+              <p:nvPr/>
+            </p:nvSpPr>
+            <p:spPr>
+              <a:xfrm>
+                <a:off x="2894652" y="4509223"/>
+                <a:ext cx="623455" cy="160245"/>
+              </a:xfrm>
+              <a:prstGeom prst="rect">
+                <a:avLst/>
+              </a:prstGeom>
+              <a:solidFill>
+                <a:schemeClr val="bg1"/>
+              </a:solidFill>
+              <a:ln>
+                <a:solidFill>
+                  <a:schemeClr val="bg1"/>
+                </a:solidFill>
+              </a:ln>
+            </p:spPr>
+            <p:style>
+              <a:lnRef idx="2">
+                <a:schemeClr val="accent1">
+                  <a:shade val="50000"/>
+                </a:schemeClr>
+              </a:lnRef>
+              <a:fillRef idx="1">
+                <a:schemeClr val="accent1"/>
+              </a:fillRef>
+              <a:effectRef idx="0">
+                <a:schemeClr val="accent1"/>
+              </a:effectRef>
+              <a:fontRef idx="minor">
+                <a:schemeClr val="lt1"/>
+              </a:fontRef>
+            </p:style>
+            <p:txBody>
+              <a:bodyPr rtlCol="0" anchor="ctr"/>
+              <a:lstStyle/>
+              <a:p>
+                <a:pPr algn="ctr"/>
+                <a:r>
+                  <a:rPr lang="en-US" dirty="0">
+                    <a:solidFill>
+                      <a:sysClr val="windowText" lastClr="000000"/>
+                    </a:solidFill>
+                    <a:latin typeface="Cambria Math" panose="02040503050406030204" pitchFamily="18" charset="0"/>
+                    <a:ea typeface="Cambria Math" panose="02040503050406030204" pitchFamily="18" charset="0"/>
+                  </a:rPr>
+                  <a:t>50</a:t>
+                </a:r>
+              </a:p>
+            </p:txBody>
+          </p:sp>
+          <p:sp>
+            <p:nvSpPr>
+              <p:cNvPr id="39" name="Rectangle 38">
+                <a:extLst>
+                  <a:ext uri="{FF2B5EF4-FFF2-40B4-BE49-F238E27FC236}">
+                    <a16:creationId xmlns:a16="http://schemas.microsoft.com/office/drawing/2014/main" id="{9ABF2C24-BE4A-4F8B-BA8E-3A1743DE32D2}"/>
+                  </a:ext>
+                </a:extLst>
+              </p:cNvPr>
+              <p:cNvSpPr/>
+              <p:nvPr/>
+            </p:nvSpPr>
+            <p:spPr>
+              <a:xfrm>
+                <a:off x="3722170" y="4509223"/>
+                <a:ext cx="623455" cy="176269"/>
+              </a:xfrm>
+              <a:prstGeom prst="rect">
+                <a:avLst/>
+              </a:prstGeom>
+              <a:solidFill>
+                <a:schemeClr val="bg1"/>
+              </a:solidFill>
+              <a:ln>
+                <a:solidFill>
+                  <a:schemeClr val="bg1"/>
+                </a:solidFill>
+              </a:ln>
+            </p:spPr>
+            <p:style>
+              <a:lnRef idx="2">
+                <a:schemeClr val="accent1">
+                  <a:shade val="50000"/>
+                </a:schemeClr>
+              </a:lnRef>
+              <a:fillRef idx="1">
+                <a:schemeClr val="accent1"/>
+              </a:fillRef>
+              <a:effectRef idx="0">
+                <a:schemeClr val="accent1"/>
+              </a:effectRef>
+              <a:fontRef idx="minor">
+                <a:schemeClr val="lt1"/>
+              </a:fontRef>
+            </p:style>
+            <p:txBody>
+              <a:bodyPr rtlCol="0" anchor="ctr"/>
+              <a:lstStyle/>
+              <a:p>
+                <a:pPr algn="ctr"/>
+                <a:r>
+                  <a:rPr lang="en-US" dirty="0">
+                    <a:solidFill>
+                      <a:sysClr val="windowText" lastClr="000000"/>
+                    </a:solidFill>
+                    <a:latin typeface="Cambria Math" panose="02040503050406030204" pitchFamily="18" charset="0"/>
+                    <a:ea typeface="Cambria Math" panose="02040503050406030204" pitchFamily="18" charset="0"/>
+                  </a:rPr>
+                  <a:t>75</a:t>
+                </a:r>
+              </a:p>
+            </p:txBody>
+          </p:sp>
+          <p:sp>
+            <p:nvSpPr>
+              <p:cNvPr id="40" name="Rectangle 39">
+                <a:extLst>
+                  <a:ext uri="{FF2B5EF4-FFF2-40B4-BE49-F238E27FC236}">
+                    <a16:creationId xmlns:a16="http://schemas.microsoft.com/office/drawing/2014/main" id="{5EC576D4-2EBA-4B99-B7BB-5816286277AD}"/>
+                  </a:ext>
+                </a:extLst>
+              </p:cNvPr>
+              <p:cNvSpPr/>
+              <p:nvPr/>
+            </p:nvSpPr>
+            <p:spPr>
+              <a:xfrm>
+                <a:off x="4544576" y="4509223"/>
+                <a:ext cx="623455" cy="160245"/>
+              </a:xfrm>
+              <a:prstGeom prst="rect">
+                <a:avLst/>
+              </a:prstGeom>
+              <a:solidFill>
+                <a:schemeClr val="bg1"/>
+              </a:solidFill>
+              <a:ln>
+                <a:solidFill>
+                  <a:schemeClr val="bg1"/>
+                </a:solidFill>
+              </a:ln>
+            </p:spPr>
+            <p:style>
+              <a:lnRef idx="2">
+                <a:schemeClr val="accent1">
+                  <a:shade val="50000"/>
+                </a:schemeClr>
+              </a:lnRef>
+              <a:fillRef idx="1">
+                <a:schemeClr val="accent1"/>
+              </a:fillRef>
+              <a:effectRef idx="0">
+                <a:schemeClr val="accent1"/>
+              </a:effectRef>
+              <a:fontRef idx="minor">
+                <a:schemeClr val="lt1"/>
+              </a:fontRef>
+            </p:style>
+            <p:txBody>
+              <a:bodyPr rtlCol="0" anchor="ctr"/>
+              <a:lstStyle/>
+              <a:p>
+                <a:pPr algn="ctr"/>
+                <a:r>
+                  <a:rPr lang="en-US" dirty="0">
+                    <a:solidFill>
+                      <a:sysClr val="windowText" lastClr="000000"/>
+                    </a:solidFill>
+                    <a:latin typeface="Cambria Math" panose="02040503050406030204" pitchFamily="18" charset="0"/>
+                    <a:ea typeface="Cambria Math" panose="02040503050406030204" pitchFamily="18" charset="0"/>
+                  </a:rPr>
+                  <a:t>100</a:t>
+                </a:r>
+              </a:p>
+            </p:txBody>
+          </p:sp>
+          <p:sp>
+            <p:nvSpPr>
+              <p:cNvPr id="42" name="Rectangle 41">
+                <a:extLst>
+                  <a:ext uri="{FF2B5EF4-FFF2-40B4-BE49-F238E27FC236}">
+                    <a16:creationId xmlns:a16="http://schemas.microsoft.com/office/drawing/2014/main" id="{D62EDFCB-DCB2-47CD-AF66-2E7DFF9728AF}"/>
+                  </a:ext>
+                </a:extLst>
+              </p:cNvPr>
+              <p:cNvSpPr/>
+              <p:nvPr/>
+            </p:nvSpPr>
+            <p:spPr>
+              <a:xfrm>
+                <a:off x="1013322" y="1546912"/>
+                <a:ext cx="623455" cy="139622"/>
+              </a:xfrm>
+              <a:prstGeom prst="rect">
+                <a:avLst/>
+              </a:prstGeom>
+              <a:solidFill>
+                <a:schemeClr val="bg1"/>
+              </a:solidFill>
+              <a:ln>
+                <a:solidFill>
+                  <a:schemeClr val="bg1"/>
+                </a:solidFill>
+              </a:ln>
+            </p:spPr>
+            <p:style>
+              <a:lnRef idx="2">
+                <a:schemeClr val="accent1">
+                  <a:shade val="50000"/>
+                </a:schemeClr>
+              </a:lnRef>
+              <a:fillRef idx="1">
+                <a:schemeClr val="accent1"/>
+              </a:fillRef>
+              <a:effectRef idx="0">
+                <a:schemeClr val="accent1"/>
+              </a:effectRef>
+              <a:fontRef idx="minor">
+                <a:schemeClr val="lt1"/>
+              </a:fontRef>
+            </p:style>
+            <p:txBody>
+              <a:bodyPr rtlCol="0" anchor="ctr"/>
+              <a:lstStyle/>
+              <a:p>
+                <a:pPr algn="ctr"/>
+                <a:r>
+                  <a:rPr lang="en-US" dirty="0">
+                    <a:solidFill>
+                      <a:sysClr val="windowText" lastClr="000000"/>
+                    </a:solidFill>
+                    <a:latin typeface="Cambria Math" panose="02040503050406030204" pitchFamily="18" charset="0"/>
+                    <a:ea typeface="Cambria Math" panose="02040503050406030204" pitchFamily="18" charset="0"/>
+                  </a:rPr>
+                  <a:t>200</a:t>
+                </a:r>
+              </a:p>
+            </p:txBody>
+          </p:sp>
+          <p:sp>
+            <p:nvSpPr>
+              <p:cNvPr id="43" name="Rectangle 42">
+                <a:extLst>
+                  <a:ext uri="{FF2B5EF4-FFF2-40B4-BE49-F238E27FC236}">
+                    <a16:creationId xmlns:a16="http://schemas.microsoft.com/office/drawing/2014/main" id="{EE46A981-754D-43A2-A0C4-8E63C34D4AD0}"/>
+                  </a:ext>
+                </a:extLst>
+              </p:cNvPr>
+              <p:cNvSpPr/>
+              <p:nvPr/>
+            </p:nvSpPr>
+            <p:spPr>
+              <a:xfrm>
+                <a:off x="1041665" y="2856160"/>
+                <a:ext cx="566777" cy="139622"/>
+              </a:xfrm>
+              <a:prstGeom prst="rect">
+                <a:avLst/>
+              </a:prstGeom>
+              <a:solidFill>
+                <a:schemeClr val="bg1"/>
+              </a:solidFill>
+              <a:ln>
+                <a:solidFill>
+                  <a:schemeClr val="bg1"/>
+                </a:solidFill>
+              </a:ln>
+            </p:spPr>
+            <p:style>
+              <a:lnRef idx="2">
+                <a:schemeClr val="accent1">
+                  <a:shade val="50000"/>
+                </a:schemeClr>
+              </a:lnRef>
+              <a:fillRef idx="1">
+                <a:schemeClr val="accent1"/>
+              </a:fillRef>
+              <a:effectRef idx="0">
+                <a:schemeClr val="accent1"/>
+              </a:effectRef>
+              <a:fontRef idx="minor">
+                <a:schemeClr val="lt1"/>
+              </a:fontRef>
+            </p:style>
+            <p:txBody>
+              <a:bodyPr rtlCol="0" anchor="ctr"/>
+              <a:lstStyle/>
+              <a:p>
+                <a:pPr algn="ctr"/>
+                <a:r>
+                  <a:rPr lang="en-US" dirty="0">
+                    <a:solidFill>
+                      <a:sysClr val="windowText" lastClr="000000"/>
+                    </a:solidFill>
+                    <a:latin typeface="Cambria Math" panose="02040503050406030204" pitchFamily="18" charset="0"/>
+                    <a:ea typeface="Cambria Math" panose="02040503050406030204" pitchFamily="18" charset="0"/>
+                  </a:rPr>
+                  <a:t>100</a:t>
+                </a:r>
+              </a:p>
+            </p:txBody>
+          </p:sp>
+        </p:grpSp>
+        <p:pic>
+          <p:nvPicPr>
+            <p:cNvPr id="10" name="Picture 9" descr="Chart&#10;&#10;Description automatically generated">
+              <a:extLst>
+                <a:ext uri="{FF2B5EF4-FFF2-40B4-BE49-F238E27FC236}">
+                  <a16:creationId xmlns:a16="http://schemas.microsoft.com/office/drawing/2014/main" id="{717FDBAE-E746-4824-921D-04A4AAB24220}"/>
+                </a:ext>
+              </a:extLst>
+            </p:cNvPr>
+            <p:cNvPicPr>
+              <a:picLocks noChangeAspect="1"/>
+            </p:cNvPicPr>
+            <p:nvPr/>
+          </p:nvPicPr>
+          <p:blipFill rotWithShape="1">
+            <a:blip r:embed="rId2">
+              <a:extLst>
+                <a:ext uri="{28A0092B-C50C-407E-A947-70E740481C1C}">
+                  <a14:useLocalDpi xmlns:a14="http://schemas.microsoft.com/office/drawing/2010/main" val="0"/>
+                </a:ext>
+              </a:extLst>
+            </a:blip>
+            <a:srcRect l="9215" r="24569" b="9512"/>
+            <a:stretch/>
+          </p:blipFill>
+          <p:spPr>
+            <a:xfrm>
+              <a:off x="1544782" y="596530"/>
+              <a:ext cx="3476543" cy="3800793"/>
+            </a:xfrm>
+            <a:prstGeom prst="rect">
+              <a:avLst/>
+            </a:prstGeom>
+          </p:spPr>
+        </p:pic>
+      </p:grpSp>
     </p:spTree>
     <p:extLst>
       <p:ext uri="{BB962C8B-B14F-4D97-AF65-F5344CB8AC3E}">
@@ -4368,42 +5075,1210 @@
           <a:chExt cx="0" cy="0"/>
         </a:xfrm>
       </p:grpSpPr>
-      <p:pic>
-        <p:nvPicPr>
-          <p:cNvPr id="5" name="Picture 4" descr="Chart, box and whisker chart&#10;&#10;Description automatically generated">
+      <p:grpSp>
+        <p:nvGrpSpPr>
+          <p:cNvPr id="16" name="Group 15">
             <a:extLst>
               <a:ext uri="{FF2B5EF4-FFF2-40B4-BE49-F238E27FC236}">
-                <a16:creationId xmlns:a16="http://schemas.microsoft.com/office/drawing/2014/main" id="{040ECF0C-04E1-458B-A3B9-1F12EA5EBDF1}"/>
+                <a16:creationId xmlns:a16="http://schemas.microsoft.com/office/drawing/2014/main" id="{D75E1BC4-39A8-4025-86D6-BE4306E3CF49}"/>
               </a:ext>
             </a:extLst>
           </p:cNvPr>
-          <p:cNvPicPr>
-            <a:picLocks noChangeAspect="1"/>
-          </p:cNvPicPr>
+          <p:cNvGrpSpPr/>
           <p:nvPr/>
-        </p:nvPicPr>
-        <p:blipFill>
-          <a:blip r:embed="rId2">
+        </p:nvGrpSpPr>
+        <p:grpSpPr>
+          <a:xfrm>
+            <a:off x="798571" y="590538"/>
+            <a:ext cx="4390241" cy="3985336"/>
+            <a:chOff x="798571" y="588436"/>
+            <a:chExt cx="4390241" cy="3985336"/>
+          </a:xfrm>
+        </p:grpSpPr>
+        <p:grpSp>
+          <p:nvGrpSpPr>
+            <p:cNvPr id="17" name="Group 16">
+              <a:extLst>
+                <a:ext uri="{FF2B5EF4-FFF2-40B4-BE49-F238E27FC236}">
+                  <a16:creationId xmlns:a16="http://schemas.microsoft.com/office/drawing/2014/main" id="{7E02A692-BE3D-4CFB-8BA5-1F9384731F24}"/>
+                </a:ext>
+              </a:extLst>
+            </p:cNvPr>
+            <p:cNvGrpSpPr/>
+            <p:nvPr/>
+          </p:nvGrpSpPr>
+          <p:grpSpPr>
+            <a:xfrm>
+              <a:off x="798571" y="763250"/>
+              <a:ext cx="4390241" cy="3810522"/>
+              <a:chOff x="777790" y="874970"/>
+              <a:chExt cx="4390241" cy="3810522"/>
+            </a:xfrm>
+          </p:grpSpPr>
+          <p:sp>
+            <p:nvSpPr>
+              <p:cNvPr id="19" name="Rectangle 18">
+                <a:extLst>
+                  <a:ext uri="{FF2B5EF4-FFF2-40B4-BE49-F238E27FC236}">
+                    <a16:creationId xmlns:a16="http://schemas.microsoft.com/office/drawing/2014/main" id="{E08FD7C0-6102-46FF-9D46-1D273F6CE62F}"/>
+                  </a:ext>
+                </a:extLst>
+              </p:cNvPr>
+              <p:cNvSpPr/>
+              <p:nvPr/>
+            </p:nvSpPr>
+            <p:spPr>
+              <a:xfrm>
+                <a:off x="1047953" y="874970"/>
+                <a:ext cx="623455" cy="139622"/>
+              </a:xfrm>
+              <a:prstGeom prst="rect">
+                <a:avLst/>
+              </a:prstGeom>
+              <a:solidFill>
+                <a:schemeClr val="bg1"/>
+              </a:solidFill>
+              <a:ln>
+                <a:solidFill>
+                  <a:schemeClr val="bg1"/>
+                </a:solidFill>
+              </a:ln>
+            </p:spPr>
+            <p:style>
+              <a:lnRef idx="2">
+                <a:schemeClr val="accent1">
+                  <a:shade val="50000"/>
+                </a:schemeClr>
+              </a:lnRef>
+              <a:fillRef idx="1">
+                <a:schemeClr val="accent1"/>
+              </a:fillRef>
+              <a:effectRef idx="0">
+                <a:schemeClr val="accent1"/>
+              </a:effectRef>
+              <a:fontRef idx="minor">
+                <a:schemeClr val="lt1"/>
+              </a:fontRef>
+            </p:style>
+            <p:txBody>
+              <a:bodyPr rtlCol="0" anchor="ctr"/>
+              <a:lstStyle/>
+              <a:p>
+                <a:pPr algn="ctr"/>
+                <a:r>
+                  <a:rPr lang="en-US" dirty="0">
+                    <a:solidFill>
+                      <a:sysClr val="windowText" lastClr="000000"/>
+                    </a:solidFill>
+                    <a:latin typeface="Cambria Math" panose="02040503050406030204" pitchFamily="18" charset="0"/>
+                    <a:ea typeface="Cambria Math" panose="02040503050406030204" pitchFamily="18" charset="0"/>
+                  </a:rPr>
+                  <a:t>30</a:t>
+                </a:r>
+              </a:p>
+            </p:txBody>
+          </p:sp>
+          <p:sp>
+            <p:nvSpPr>
+              <p:cNvPr id="20" name="Rectangle 19">
+                <a:extLst>
+                  <a:ext uri="{FF2B5EF4-FFF2-40B4-BE49-F238E27FC236}">
+                    <a16:creationId xmlns:a16="http://schemas.microsoft.com/office/drawing/2014/main" id="{78846EE7-29F5-49E7-A23D-97CD0D11EE27}"/>
+                  </a:ext>
+                </a:extLst>
+              </p:cNvPr>
+              <p:cNvSpPr/>
+              <p:nvPr/>
+            </p:nvSpPr>
+            <p:spPr>
+              <a:xfrm>
+                <a:off x="1047953" y="2001968"/>
+                <a:ext cx="623455" cy="104900"/>
+              </a:xfrm>
+              <a:prstGeom prst="rect">
+                <a:avLst/>
+              </a:prstGeom>
+              <a:solidFill>
+                <a:schemeClr val="bg1"/>
+              </a:solidFill>
+              <a:ln>
+                <a:solidFill>
+                  <a:schemeClr val="bg1"/>
+                </a:solidFill>
+              </a:ln>
+            </p:spPr>
+            <p:style>
+              <a:lnRef idx="2">
+                <a:schemeClr val="accent1">
+                  <a:shade val="50000"/>
+                </a:schemeClr>
+              </a:lnRef>
+              <a:fillRef idx="1">
+                <a:schemeClr val="accent1"/>
+              </a:fillRef>
+              <a:effectRef idx="0">
+                <a:schemeClr val="accent1"/>
+              </a:effectRef>
+              <a:fontRef idx="minor">
+                <a:schemeClr val="lt1"/>
+              </a:fontRef>
+            </p:style>
+            <p:txBody>
+              <a:bodyPr rtlCol="0" anchor="ctr"/>
+              <a:lstStyle/>
+              <a:p>
+                <a:pPr algn="ctr"/>
+                <a:r>
+                  <a:rPr lang="en-US" dirty="0">
+                    <a:solidFill>
+                      <a:sysClr val="windowText" lastClr="000000"/>
+                    </a:solidFill>
+                    <a:latin typeface="Cambria Math" panose="02040503050406030204" pitchFamily="18" charset="0"/>
+                    <a:ea typeface="Cambria Math" panose="02040503050406030204" pitchFamily="18" charset="0"/>
+                  </a:rPr>
+                  <a:t>20</a:t>
+                </a:r>
+              </a:p>
+            </p:txBody>
+          </p:sp>
+          <p:sp>
+            <p:nvSpPr>
+              <p:cNvPr id="21" name="Rectangle 20">
+                <a:extLst>
+                  <a:ext uri="{FF2B5EF4-FFF2-40B4-BE49-F238E27FC236}">
+                    <a16:creationId xmlns:a16="http://schemas.microsoft.com/office/drawing/2014/main" id="{C43FA4D1-A55B-47BA-96AE-0ABF83E78AF9}"/>
+                  </a:ext>
+                </a:extLst>
+              </p:cNvPr>
+              <p:cNvSpPr/>
+              <p:nvPr/>
+            </p:nvSpPr>
+            <p:spPr>
+              <a:xfrm>
+                <a:off x="1047953" y="3101770"/>
+                <a:ext cx="623455" cy="139622"/>
+              </a:xfrm>
+              <a:prstGeom prst="rect">
+                <a:avLst/>
+              </a:prstGeom>
+              <a:solidFill>
+                <a:schemeClr val="bg1"/>
+              </a:solidFill>
+              <a:ln>
+                <a:solidFill>
+                  <a:schemeClr val="bg1"/>
+                </a:solidFill>
+              </a:ln>
+            </p:spPr>
+            <p:style>
+              <a:lnRef idx="2">
+                <a:schemeClr val="accent1">
+                  <a:shade val="50000"/>
+                </a:schemeClr>
+              </a:lnRef>
+              <a:fillRef idx="1">
+                <a:schemeClr val="accent1"/>
+              </a:fillRef>
+              <a:effectRef idx="0">
+                <a:schemeClr val="accent1"/>
+              </a:effectRef>
+              <a:fontRef idx="minor">
+                <a:schemeClr val="lt1"/>
+              </a:fontRef>
+            </p:style>
+            <p:txBody>
+              <a:bodyPr rtlCol="0" anchor="ctr"/>
+              <a:lstStyle/>
+              <a:p>
+                <a:pPr algn="ctr"/>
+                <a:r>
+                  <a:rPr lang="en-US" dirty="0">
+                    <a:solidFill>
+                      <a:sysClr val="windowText" lastClr="000000"/>
+                    </a:solidFill>
+                    <a:latin typeface="Cambria Math" panose="02040503050406030204" pitchFamily="18" charset="0"/>
+                    <a:ea typeface="Cambria Math" panose="02040503050406030204" pitchFamily="18" charset="0"/>
+                  </a:rPr>
+                  <a:t>10</a:t>
+                </a:r>
+              </a:p>
+            </p:txBody>
+          </p:sp>
+          <p:sp>
+            <p:nvSpPr>
+              <p:cNvPr id="22" name="Rectangle 21">
+                <a:extLst>
+                  <a:ext uri="{FF2B5EF4-FFF2-40B4-BE49-F238E27FC236}">
+                    <a16:creationId xmlns:a16="http://schemas.microsoft.com/office/drawing/2014/main" id="{FF04F7E4-383D-40CF-A720-36DEDAF7A11B}"/>
+                  </a:ext>
+                </a:extLst>
+              </p:cNvPr>
+              <p:cNvSpPr/>
+              <p:nvPr/>
+            </p:nvSpPr>
+            <p:spPr>
+              <a:xfrm>
+                <a:off x="1047953" y="4205734"/>
+                <a:ext cx="623455" cy="153584"/>
+              </a:xfrm>
+              <a:prstGeom prst="rect">
+                <a:avLst/>
+              </a:prstGeom>
+              <a:solidFill>
+                <a:schemeClr val="bg1"/>
+              </a:solidFill>
+              <a:ln>
+                <a:solidFill>
+                  <a:schemeClr val="bg1"/>
+                </a:solidFill>
+              </a:ln>
+            </p:spPr>
+            <p:style>
+              <a:lnRef idx="2">
+                <a:schemeClr val="accent1">
+                  <a:shade val="50000"/>
+                </a:schemeClr>
+              </a:lnRef>
+              <a:fillRef idx="1">
+                <a:schemeClr val="accent1"/>
+              </a:fillRef>
+              <a:effectRef idx="0">
+                <a:schemeClr val="accent1"/>
+              </a:effectRef>
+              <a:fontRef idx="minor">
+                <a:schemeClr val="lt1"/>
+              </a:fontRef>
+            </p:style>
+            <p:txBody>
+              <a:bodyPr rtlCol="0" anchor="ctr"/>
+              <a:lstStyle/>
+              <a:p>
+                <a:pPr algn="ctr"/>
+                <a:r>
+                  <a:rPr lang="en-US" dirty="0">
+                    <a:solidFill>
+                      <a:sysClr val="windowText" lastClr="000000"/>
+                    </a:solidFill>
+                    <a:latin typeface="Cambria Math" panose="02040503050406030204" pitchFamily="18" charset="0"/>
+                    <a:ea typeface="Cambria Math" panose="02040503050406030204" pitchFamily="18" charset="0"/>
+                  </a:rPr>
+                  <a:t>0</a:t>
+                </a:r>
+              </a:p>
+            </p:txBody>
+          </p:sp>
+          <p:sp>
+            <p:nvSpPr>
+              <p:cNvPr id="23" name="Rectangle 22">
+                <a:extLst>
+                  <a:ext uri="{FF2B5EF4-FFF2-40B4-BE49-F238E27FC236}">
+                    <a16:creationId xmlns:a16="http://schemas.microsoft.com/office/drawing/2014/main" id="{610BC89F-53A2-4266-9047-BD00D9CB100D}"/>
+                  </a:ext>
+                </a:extLst>
+              </p:cNvPr>
+              <p:cNvSpPr/>
+              <p:nvPr/>
+            </p:nvSpPr>
+            <p:spPr>
+              <a:xfrm rot="16200000">
+                <a:off x="-180836" y="2429629"/>
+                <a:ext cx="2332887" cy="415636"/>
+              </a:xfrm>
+              <a:prstGeom prst="rect">
+                <a:avLst/>
+              </a:prstGeom>
+              <a:solidFill>
+                <a:schemeClr val="bg1"/>
+              </a:solidFill>
+              <a:ln>
+                <a:solidFill>
+                  <a:schemeClr val="bg1"/>
+                </a:solidFill>
+              </a:ln>
+            </p:spPr>
+            <p:style>
+              <a:lnRef idx="2">
+                <a:schemeClr val="accent1">
+                  <a:shade val="50000"/>
+                </a:schemeClr>
+              </a:lnRef>
+              <a:fillRef idx="1">
+                <a:schemeClr val="accent1"/>
+              </a:fillRef>
+              <a:effectRef idx="0">
+                <a:schemeClr val="accent1"/>
+              </a:effectRef>
+              <a:fontRef idx="minor">
+                <a:schemeClr val="lt1"/>
+              </a:fontRef>
+            </p:style>
+            <p:txBody>
+              <a:bodyPr rtlCol="0" anchor="ctr"/>
+              <a:lstStyle/>
+              <a:p>
+                <a:pPr algn="ctr"/>
+                <a:r>
+                  <a:rPr lang="en-US" dirty="0">
+                    <a:solidFill>
+                      <a:sysClr val="windowText" lastClr="000000"/>
+                    </a:solidFill>
+                    <a:latin typeface="Cambria Math" panose="02040503050406030204" pitchFamily="18" charset="0"/>
+                    <a:ea typeface="Cambria Math" panose="02040503050406030204" pitchFamily="18" charset="0"/>
+                  </a:rPr>
+                  <a:t>Harvest Biomass</a:t>
+                </a:r>
+              </a:p>
+            </p:txBody>
+          </p:sp>
+          <p:sp>
+            <p:nvSpPr>
+              <p:cNvPr id="24" name="Rectangle 23">
+                <a:extLst>
+                  <a:ext uri="{FF2B5EF4-FFF2-40B4-BE49-F238E27FC236}">
+                    <a16:creationId xmlns:a16="http://schemas.microsoft.com/office/drawing/2014/main" id="{821E7C57-9A78-4394-A5EB-96F48660C332}"/>
+                  </a:ext>
+                </a:extLst>
+              </p:cNvPr>
+              <p:cNvSpPr/>
+              <p:nvPr/>
+            </p:nvSpPr>
+            <p:spPr>
+              <a:xfrm>
+                <a:off x="2078181" y="4509223"/>
+                <a:ext cx="623455" cy="176269"/>
+              </a:xfrm>
+              <a:prstGeom prst="rect">
+                <a:avLst/>
+              </a:prstGeom>
+              <a:solidFill>
+                <a:schemeClr val="bg1"/>
+              </a:solidFill>
+              <a:ln>
+                <a:solidFill>
+                  <a:schemeClr val="bg1"/>
+                </a:solidFill>
+              </a:ln>
+            </p:spPr>
+            <p:style>
+              <a:lnRef idx="2">
+                <a:schemeClr val="accent1">
+                  <a:shade val="50000"/>
+                </a:schemeClr>
+              </a:lnRef>
+              <a:fillRef idx="1">
+                <a:schemeClr val="accent1"/>
+              </a:fillRef>
+              <a:effectRef idx="0">
+                <a:schemeClr val="accent1"/>
+              </a:effectRef>
+              <a:fontRef idx="minor">
+                <a:schemeClr val="lt1"/>
+              </a:fontRef>
+            </p:style>
+            <p:txBody>
+              <a:bodyPr rtlCol="0" anchor="ctr"/>
+              <a:lstStyle/>
+              <a:p>
+                <a:pPr algn="ctr"/>
+                <a:r>
+                  <a:rPr lang="en-US" dirty="0">
+                    <a:solidFill>
+                      <a:sysClr val="windowText" lastClr="000000"/>
+                    </a:solidFill>
+                    <a:latin typeface="Cambria Math" panose="02040503050406030204" pitchFamily="18" charset="0"/>
+                    <a:ea typeface="Cambria Math" panose="02040503050406030204" pitchFamily="18" charset="0"/>
+                  </a:rPr>
+                  <a:t>25</a:t>
+                </a:r>
+              </a:p>
+            </p:txBody>
+          </p:sp>
+          <p:sp>
+            <p:nvSpPr>
+              <p:cNvPr id="25" name="Rectangle 24">
+                <a:extLst>
+                  <a:ext uri="{FF2B5EF4-FFF2-40B4-BE49-F238E27FC236}">
+                    <a16:creationId xmlns:a16="http://schemas.microsoft.com/office/drawing/2014/main" id="{428769CD-9214-4850-989F-31496A6CEA38}"/>
+                  </a:ext>
+                </a:extLst>
+              </p:cNvPr>
+              <p:cNvSpPr/>
+              <p:nvPr/>
+            </p:nvSpPr>
+            <p:spPr>
+              <a:xfrm>
+                <a:off x="2894652" y="4509223"/>
+                <a:ext cx="623455" cy="160245"/>
+              </a:xfrm>
+              <a:prstGeom prst="rect">
+                <a:avLst/>
+              </a:prstGeom>
+              <a:solidFill>
+                <a:schemeClr val="bg1"/>
+              </a:solidFill>
+              <a:ln>
+                <a:solidFill>
+                  <a:schemeClr val="bg1"/>
+                </a:solidFill>
+              </a:ln>
+            </p:spPr>
+            <p:style>
+              <a:lnRef idx="2">
+                <a:schemeClr val="accent1">
+                  <a:shade val="50000"/>
+                </a:schemeClr>
+              </a:lnRef>
+              <a:fillRef idx="1">
+                <a:schemeClr val="accent1"/>
+              </a:fillRef>
+              <a:effectRef idx="0">
+                <a:schemeClr val="accent1"/>
+              </a:effectRef>
+              <a:fontRef idx="minor">
+                <a:schemeClr val="lt1"/>
+              </a:fontRef>
+            </p:style>
+            <p:txBody>
+              <a:bodyPr rtlCol="0" anchor="ctr"/>
+              <a:lstStyle/>
+              <a:p>
+                <a:pPr algn="ctr"/>
+                <a:r>
+                  <a:rPr lang="en-US" dirty="0">
+                    <a:solidFill>
+                      <a:sysClr val="windowText" lastClr="000000"/>
+                    </a:solidFill>
+                    <a:latin typeface="Cambria Math" panose="02040503050406030204" pitchFamily="18" charset="0"/>
+                    <a:ea typeface="Cambria Math" panose="02040503050406030204" pitchFamily="18" charset="0"/>
+                  </a:rPr>
+                  <a:t>50</a:t>
+                </a:r>
+              </a:p>
+            </p:txBody>
+          </p:sp>
+          <p:sp>
+            <p:nvSpPr>
+              <p:cNvPr id="26" name="Rectangle 25">
+                <a:extLst>
+                  <a:ext uri="{FF2B5EF4-FFF2-40B4-BE49-F238E27FC236}">
+                    <a16:creationId xmlns:a16="http://schemas.microsoft.com/office/drawing/2014/main" id="{C5F0C729-6F3A-47F0-9A9B-8AA22C24B8E4}"/>
+                  </a:ext>
+                </a:extLst>
+              </p:cNvPr>
+              <p:cNvSpPr/>
+              <p:nvPr/>
+            </p:nvSpPr>
+            <p:spPr>
+              <a:xfrm>
+                <a:off x="3722170" y="4509223"/>
+                <a:ext cx="623455" cy="176269"/>
+              </a:xfrm>
+              <a:prstGeom prst="rect">
+                <a:avLst/>
+              </a:prstGeom>
+              <a:solidFill>
+                <a:schemeClr val="bg1"/>
+              </a:solidFill>
+              <a:ln>
+                <a:solidFill>
+                  <a:schemeClr val="bg1"/>
+                </a:solidFill>
+              </a:ln>
+            </p:spPr>
+            <p:style>
+              <a:lnRef idx="2">
+                <a:schemeClr val="accent1">
+                  <a:shade val="50000"/>
+                </a:schemeClr>
+              </a:lnRef>
+              <a:fillRef idx="1">
+                <a:schemeClr val="accent1"/>
+              </a:fillRef>
+              <a:effectRef idx="0">
+                <a:schemeClr val="accent1"/>
+              </a:effectRef>
+              <a:fontRef idx="minor">
+                <a:schemeClr val="lt1"/>
+              </a:fontRef>
+            </p:style>
+            <p:txBody>
+              <a:bodyPr rtlCol="0" anchor="ctr"/>
+              <a:lstStyle/>
+              <a:p>
+                <a:pPr algn="ctr"/>
+                <a:r>
+                  <a:rPr lang="en-US" dirty="0">
+                    <a:solidFill>
+                      <a:sysClr val="windowText" lastClr="000000"/>
+                    </a:solidFill>
+                    <a:latin typeface="Cambria Math" panose="02040503050406030204" pitchFamily="18" charset="0"/>
+                    <a:ea typeface="Cambria Math" panose="02040503050406030204" pitchFamily="18" charset="0"/>
+                  </a:rPr>
+                  <a:t>75</a:t>
+                </a:r>
+              </a:p>
+            </p:txBody>
+          </p:sp>
+          <p:sp>
+            <p:nvSpPr>
+              <p:cNvPr id="27" name="Rectangle 26">
+                <a:extLst>
+                  <a:ext uri="{FF2B5EF4-FFF2-40B4-BE49-F238E27FC236}">
+                    <a16:creationId xmlns:a16="http://schemas.microsoft.com/office/drawing/2014/main" id="{CFC1B664-D292-4054-B039-886A14F852EF}"/>
+                  </a:ext>
+                </a:extLst>
+              </p:cNvPr>
+              <p:cNvSpPr/>
+              <p:nvPr/>
+            </p:nvSpPr>
+            <p:spPr>
+              <a:xfrm>
+                <a:off x="4544576" y="4509223"/>
+                <a:ext cx="623455" cy="160245"/>
+              </a:xfrm>
+              <a:prstGeom prst="rect">
+                <a:avLst/>
+              </a:prstGeom>
+              <a:solidFill>
+                <a:schemeClr val="bg1"/>
+              </a:solidFill>
+              <a:ln>
+                <a:solidFill>
+                  <a:schemeClr val="bg1"/>
+                </a:solidFill>
+              </a:ln>
+            </p:spPr>
+            <p:style>
+              <a:lnRef idx="2">
+                <a:schemeClr val="accent1">
+                  <a:shade val="50000"/>
+                </a:schemeClr>
+              </a:lnRef>
+              <a:fillRef idx="1">
+                <a:schemeClr val="accent1"/>
+              </a:fillRef>
+              <a:effectRef idx="0">
+                <a:schemeClr val="accent1"/>
+              </a:effectRef>
+              <a:fontRef idx="minor">
+                <a:schemeClr val="lt1"/>
+              </a:fontRef>
+            </p:style>
+            <p:txBody>
+              <a:bodyPr rtlCol="0" anchor="ctr"/>
+              <a:lstStyle/>
+              <a:p>
+                <a:pPr algn="ctr"/>
+                <a:r>
+                  <a:rPr lang="en-US" dirty="0">
+                    <a:solidFill>
+                      <a:sysClr val="windowText" lastClr="000000"/>
+                    </a:solidFill>
+                    <a:latin typeface="Cambria Math" panose="02040503050406030204" pitchFamily="18" charset="0"/>
+                    <a:ea typeface="Cambria Math" panose="02040503050406030204" pitchFamily="18" charset="0"/>
+                  </a:rPr>
+                  <a:t>100</a:t>
+                </a:r>
+              </a:p>
+            </p:txBody>
+          </p:sp>
+        </p:grpSp>
+        <p:pic>
+          <p:nvPicPr>
+            <p:cNvPr id="18" name="Picture 17" descr="Chart&#10;&#10;Description automatically generated">
+              <a:extLst>
+                <a:ext uri="{FF2B5EF4-FFF2-40B4-BE49-F238E27FC236}">
+                  <a16:creationId xmlns:a16="http://schemas.microsoft.com/office/drawing/2014/main" id="{A27174FA-883D-4119-ACC5-6A23B0C87EE4}"/>
+                </a:ext>
+              </a:extLst>
+            </p:cNvPr>
+            <p:cNvPicPr>
+              <a:picLocks noChangeAspect="1"/>
+            </p:cNvPicPr>
+            <p:nvPr/>
+          </p:nvPicPr>
+          <p:blipFill rotWithShape="1">
+            <a:blip r:embed="rId2">
+              <a:extLst>
+                <a:ext uri="{28A0092B-C50C-407E-A947-70E740481C1C}">
+                  <a14:useLocalDpi xmlns:a14="http://schemas.microsoft.com/office/drawing/2010/main" val="0"/>
+                </a:ext>
+              </a:extLst>
+            </a:blip>
+            <a:srcRect l="7901" r="23360" b="9787"/>
+            <a:stretch/>
+          </p:blipFill>
+          <p:spPr>
+            <a:xfrm>
+              <a:off x="1498225" y="588436"/>
+              <a:ext cx="3627959" cy="3809068"/>
+            </a:xfrm>
+            <a:prstGeom prst="rect">
+              <a:avLst/>
+            </a:prstGeom>
+          </p:spPr>
+        </p:pic>
+      </p:grpSp>
+      <p:grpSp>
+        <p:nvGrpSpPr>
+          <p:cNvPr id="28" name="Group 27">
             <a:extLst>
-              <a:ext uri="{28A0092B-C50C-407E-A947-70E740481C1C}">
-                <a14:useLocalDpi xmlns:a14="http://schemas.microsoft.com/office/drawing/2010/main" val="0"/>
+              <a:ext uri="{FF2B5EF4-FFF2-40B4-BE49-F238E27FC236}">
+                <a16:creationId xmlns:a16="http://schemas.microsoft.com/office/drawing/2014/main" id="{07ED1B65-236A-48BF-B6FE-8CB7FC8F554A}"/>
               </a:ext>
             </a:extLst>
-          </a:blip>
-          <a:stretch>
-            <a:fillRect/>
-          </a:stretch>
-        </p:blipFill>
-        <p:spPr>
+          </p:cNvPr>
+          <p:cNvGrpSpPr/>
+          <p:nvPr/>
+        </p:nvGrpSpPr>
+        <p:grpSpPr>
           <a:xfrm>
-            <a:off x="1523990" y="1142995"/>
-            <a:ext cx="9144019" cy="4572009"/>
+            <a:off x="4855353" y="551079"/>
+            <a:ext cx="4598057" cy="4064255"/>
+            <a:chOff x="569974" y="621237"/>
+            <a:chExt cx="4598057" cy="4064255"/>
           </a:xfrm>
-          <a:prstGeom prst="rect">
-            <a:avLst/>
-          </a:prstGeom>
-        </p:spPr>
-      </p:pic>
+        </p:grpSpPr>
+        <p:sp>
+          <p:nvSpPr>
+            <p:cNvPr id="29" name="Rectangle 28">
+              <a:extLst>
+                <a:ext uri="{FF2B5EF4-FFF2-40B4-BE49-F238E27FC236}">
+                  <a16:creationId xmlns:a16="http://schemas.microsoft.com/office/drawing/2014/main" id="{AF37D439-0FAB-45A5-946A-E407CE5D3B00}"/>
+                </a:ext>
+              </a:extLst>
+            </p:cNvPr>
+            <p:cNvSpPr/>
+            <p:nvPr/>
+          </p:nvSpPr>
+          <p:spPr>
+            <a:xfrm>
+              <a:off x="985609" y="1540305"/>
+              <a:ext cx="623455" cy="193896"/>
+            </a:xfrm>
+            <a:prstGeom prst="rect">
+              <a:avLst/>
+            </a:prstGeom>
+            <a:solidFill>
+              <a:schemeClr val="bg1"/>
+            </a:solidFill>
+            <a:ln>
+              <a:solidFill>
+                <a:schemeClr val="bg1"/>
+              </a:solidFill>
+            </a:ln>
+          </p:spPr>
+          <p:style>
+            <a:lnRef idx="2">
+              <a:schemeClr val="accent1">
+                <a:shade val="50000"/>
+              </a:schemeClr>
+            </a:lnRef>
+            <a:fillRef idx="1">
+              <a:schemeClr val="accent1"/>
+            </a:fillRef>
+            <a:effectRef idx="0">
+              <a:schemeClr val="accent1"/>
+            </a:effectRef>
+            <a:fontRef idx="minor">
+              <a:schemeClr val="lt1"/>
+            </a:fontRef>
+          </p:style>
+          <p:txBody>
+            <a:bodyPr rtlCol="0" anchor="ctr"/>
+            <a:lstStyle/>
+            <a:p>
+              <a:pPr algn="ctr"/>
+              <a:r>
+                <a:rPr lang="en-US" dirty="0">
+                  <a:solidFill>
+                    <a:sysClr val="windowText" lastClr="000000"/>
+                  </a:solidFill>
+                  <a:latin typeface="Cambria Math" panose="02040503050406030204" pitchFamily="18" charset="0"/>
+                  <a:ea typeface="Cambria Math" panose="02040503050406030204" pitchFamily="18" charset="0"/>
+                </a:rPr>
+                <a:t>0.10</a:t>
+              </a:r>
+            </a:p>
+          </p:txBody>
+        </p:sp>
+        <p:sp>
+          <p:nvSpPr>
+            <p:cNvPr id="30" name="Rectangle 29">
+              <a:extLst>
+                <a:ext uri="{FF2B5EF4-FFF2-40B4-BE49-F238E27FC236}">
+                  <a16:creationId xmlns:a16="http://schemas.microsoft.com/office/drawing/2014/main" id="{C7A0ED47-BF75-4408-9522-705203FB900A}"/>
+                </a:ext>
+              </a:extLst>
+            </p:cNvPr>
+            <p:cNvSpPr/>
+            <p:nvPr/>
+          </p:nvSpPr>
+          <p:spPr>
+            <a:xfrm>
+              <a:off x="985609" y="2882518"/>
+              <a:ext cx="623455" cy="145677"/>
+            </a:xfrm>
+            <a:prstGeom prst="rect">
+              <a:avLst/>
+            </a:prstGeom>
+            <a:solidFill>
+              <a:schemeClr val="bg1"/>
+            </a:solidFill>
+            <a:ln>
+              <a:solidFill>
+                <a:schemeClr val="bg1"/>
+              </a:solidFill>
+            </a:ln>
+          </p:spPr>
+          <p:style>
+            <a:lnRef idx="2">
+              <a:schemeClr val="accent1">
+                <a:shade val="50000"/>
+              </a:schemeClr>
+            </a:lnRef>
+            <a:fillRef idx="1">
+              <a:schemeClr val="accent1"/>
+            </a:fillRef>
+            <a:effectRef idx="0">
+              <a:schemeClr val="accent1"/>
+            </a:effectRef>
+            <a:fontRef idx="minor">
+              <a:schemeClr val="lt1"/>
+            </a:fontRef>
+          </p:style>
+          <p:txBody>
+            <a:bodyPr rtlCol="0" anchor="ctr"/>
+            <a:lstStyle/>
+            <a:p>
+              <a:pPr algn="ctr"/>
+              <a:r>
+                <a:rPr lang="en-US" dirty="0">
+                  <a:solidFill>
+                    <a:sysClr val="windowText" lastClr="000000"/>
+                  </a:solidFill>
+                  <a:latin typeface="Cambria Math" panose="02040503050406030204" pitchFamily="18" charset="0"/>
+                  <a:ea typeface="Cambria Math" panose="02040503050406030204" pitchFamily="18" charset="0"/>
+                </a:rPr>
+                <a:t>0.05</a:t>
+              </a:r>
+            </a:p>
+          </p:txBody>
+        </p:sp>
+        <p:sp>
+          <p:nvSpPr>
+            <p:cNvPr id="31" name="Rectangle 30">
+              <a:extLst>
+                <a:ext uri="{FF2B5EF4-FFF2-40B4-BE49-F238E27FC236}">
+                  <a16:creationId xmlns:a16="http://schemas.microsoft.com/office/drawing/2014/main" id="{A3BEAE83-8252-4E18-9538-AF859804E4B7}"/>
+                </a:ext>
+              </a:extLst>
+            </p:cNvPr>
+            <p:cNvSpPr/>
+            <p:nvPr/>
+          </p:nvSpPr>
+          <p:spPr>
+            <a:xfrm>
+              <a:off x="985609" y="4037936"/>
+              <a:ext cx="623455" cy="415636"/>
+            </a:xfrm>
+            <a:prstGeom prst="rect">
+              <a:avLst/>
+            </a:prstGeom>
+            <a:solidFill>
+              <a:schemeClr val="bg1"/>
+            </a:solidFill>
+            <a:ln>
+              <a:solidFill>
+                <a:schemeClr val="bg1"/>
+              </a:solidFill>
+            </a:ln>
+          </p:spPr>
+          <p:style>
+            <a:lnRef idx="2">
+              <a:schemeClr val="accent1">
+                <a:shade val="50000"/>
+              </a:schemeClr>
+            </a:lnRef>
+            <a:fillRef idx="1">
+              <a:schemeClr val="accent1"/>
+            </a:fillRef>
+            <a:effectRef idx="0">
+              <a:schemeClr val="accent1"/>
+            </a:effectRef>
+            <a:fontRef idx="minor">
+              <a:schemeClr val="lt1"/>
+            </a:fontRef>
+          </p:style>
+          <p:txBody>
+            <a:bodyPr rtlCol="0" anchor="ctr"/>
+            <a:lstStyle/>
+            <a:p>
+              <a:pPr algn="ctr"/>
+              <a:r>
+                <a:rPr lang="en-US" dirty="0">
+                  <a:solidFill>
+                    <a:sysClr val="windowText" lastClr="000000"/>
+                  </a:solidFill>
+                  <a:latin typeface="Cambria Math" panose="02040503050406030204" pitchFamily="18" charset="0"/>
+                  <a:ea typeface="Cambria Math" panose="02040503050406030204" pitchFamily="18" charset="0"/>
+                </a:rPr>
+                <a:t>0.00</a:t>
+              </a:r>
+            </a:p>
+          </p:txBody>
+        </p:sp>
+        <p:sp>
+          <p:nvSpPr>
+            <p:cNvPr id="32" name="Rectangle 31">
+              <a:extLst>
+                <a:ext uri="{FF2B5EF4-FFF2-40B4-BE49-F238E27FC236}">
+                  <a16:creationId xmlns:a16="http://schemas.microsoft.com/office/drawing/2014/main" id="{AA419BEA-9406-42E2-8C7A-DBD6D75BAD1E}"/>
+                </a:ext>
+              </a:extLst>
+            </p:cNvPr>
+            <p:cNvSpPr/>
+            <p:nvPr/>
+          </p:nvSpPr>
+          <p:spPr>
+            <a:xfrm rot="16200000">
+              <a:off x="-388652" y="2429629"/>
+              <a:ext cx="2332887" cy="415636"/>
+            </a:xfrm>
+            <a:prstGeom prst="rect">
+              <a:avLst/>
+            </a:prstGeom>
+            <a:solidFill>
+              <a:schemeClr val="bg1"/>
+            </a:solidFill>
+            <a:ln>
+              <a:solidFill>
+                <a:schemeClr val="bg1"/>
+              </a:solidFill>
+            </a:ln>
+          </p:spPr>
+          <p:style>
+            <a:lnRef idx="2">
+              <a:schemeClr val="accent1">
+                <a:shade val="50000"/>
+              </a:schemeClr>
+            </a:lnRef>
+            <a:fillRef idx="1">
+              <a:schemeClr val="accent1"/>
+            </a:fillRef>
+            <a:effectRef idx="0">
+              <a:schemeClr val="accent1"/>
+            </a:effectRef>
+            <a:fontRef idx="minor">
+              <a:schemeClr val="lt1"/>
+            </a:fontRef>
+          </p:style>
+          <p:txBody>
+            <a:bodyPr rtlCol="0" anchor="ctr"/>
+            <a:lstStyle/>
+            <a:p>
+              <a:pPr algn="ctr"/>
+              <a:r>
+                <a:rPr lang="en-US" dirty="0">
+                  <a:solidFill>
+                    <a:sysClr val="windowText" lastClr="000000"/>
+                  </a:solidFill>
+                  <a:latin typeface="Cambria Math" panose="02040503050406030204" pitchFamily="18" charset="0"/>
+                  <a:ea typeface="Cambria Math" panose="02040503050406030204" pitchFamily="18" charset="0"/>
+                </a:rPr>
+                <a:t>Benthic Complexity</a:t>
+              </a:r>
+            </a:p>
+          </p:txBody>
+        </p:sp>
+        <p:pic>
+          <p:nvPicPr>
+            <p:cNvPr id="33" name="Picture 32" descr="Chart&#10;&#10;Description automatically generated">
+              <a:extLst>
+                <a:ext uri="{FF2B5EF4-FFF2-40B4-BE49-F238E27FC236}">
+                  <a16:creationId xmlns:a16="http://schemas.microsoft.com/office/drawing/2014/main" id="{4EC245A5-F85E-4471-BAD8-9958614BBB00}"/>
+                </a:ext>
+              </a:extLst>
+            </p:cNvPr>
+            <p:cNvPicPr>
+              <a:picLocks noChangeAspect="1"/>
+            </p:cNvPicPr>
+            <p:nvPr/>
+          </p:nvPicPr>
+          <p:blipFill rotWithShape="1">
+            <a:blip r:embed="rId3">
+              <a:extLst>
+                <a:ext uri="{28A0092B-C50C-407E-A947-70E740481C1C}">
+                  <a14:useLocalDpi xmlns:a14="http://schemas.microsoft.com/office/drawing/2010/main" val="0"/>
+                </a:ext>
+              </a:extLst>
+            </a:blip>
+            <a:srcRect l="9929" r="24919" b="5819"/>
+            <a:stretch/>
+          </p:blipFill>
+          <p:spPr>
+            <a:xfrm>
+              <a:off x="1496056" y="621237"/>
+              <a:ext cx="3490045" cy="4036106"/>
+            </a:xfrm>
+            <a:prstGeom prst="rect">
+              <a:avLst/>
+            </a:prstGeom>
+          </p:spPr>
+        </p:pic>
+        <p:sp>
+          <p:nvSpPr>
+            <p:cNvPr id="34" name="Rectangle 33">
+              <a:extLst>
+                <a:ext uri="{FF2B5EF4-FFF2-40B4-BE49-F238E27FC236}">
+                  <a16:creationId xmlns:a16="http://schemas.microsoft.com/office/drawing/2014/main" id="{E0BFD432-93AD-42BE-862D-B723A337D942}"/>
+                </a:ext>
+              </a:extLst>
+            </p:cNvPr>
+            <p:cNvSpPr/>
+            <p:nvPr/>
+          </p:nvSpPr>
+          <p:spPr>
+            <a:xfrm>
+              <a:off x="2078181" y="4509223"/>
+              <a:ext cx="623455" cy="176269"/>
+            </a:xfrm>
+            <a:prstGeom prst="rect">
+              <a:avLst/>
+            </a:prstGeom>
+            <a:solidFill>
+              <a:schemeClr val="bg1"/>
+            </a:solidFill>
+            <a:ln>
+              <a:solidFill>
+                <a:schemeClr val="bg1"/>
+              </a:solidFill>
+            </a:ln>
+          </p:spPr>
+          <p:style>
+            <a:lnRef idx="2">
+              <a:schemeClr val="accent1">
+                <a:shade val="50000"/>
+              </a:schemeClr>
+            </a:lnRef>
+            <a:fillRef idx="1">
+              <a:schemeClr val="accent1"/>
+            </a:fillRef>
+            <a:effectRef idx="0">
+              <a:schemeClr val="accent1"/>
+            </a:effectRef>
+            <a:fontRef idx="minor">
+              <a:schemeClr val="lt1"/>
+            </a:fontRef>
+          </p:style>
+          <p:txBody>
+            <a:bodyPr rtlCol="0" anchor="ctr"/>
+            <a:lstStyle/>
+            <a:p>
+              <a:pPr algn="ctr"/>
+              <a:r>
+                <a:rPr lang="en-US" dirty="0">
+                  <a:solidFill>
+                    <a:sysClr val="windowText" lastClr="000000"/>
+                  </a:solidFill>
+                  <a:latin typeface="Cambria Math" panose="02040503050406030204" pitchFamily="18" charset="0"/>
+                  <a:ea typeface="Cambria Math" panose="02040503050406030204" pitchFamily="18" charset="0"/>
+                </a:rPr>
+                <a:t>25</a:t>
+              </a:r>
+            </a:p>
+          </p:txBody>
+        </p:sp>
+        <p:sp>
+          <p:nvSpPr>
+            <p:cNvPr id="35" name="Rectangle 34">
+              <a:extLst>
+                <a:ext uri="{FF2B5EF4-FFF2-40B4-BE49-F238E27FC236}">
+                  <a16:creationId xmlns:a16="http://schemas.microsoft.com/office/drawing/2014/main" id="{D6A47D00-B7F5-47CA-9FDA-946F8E1F7B23}"/>
+                </a:ext>
+              </a:extLst>
+            </p:cNvPr>
+            <p:cNvSpPr/>
+            <p:nvPr/>
+          </p:nvSpPr>
+          <p:spPr>
+            <a:xfrm>
+              <a:off x="2894652" y="4509223"/>
+              <a:ext cx="623455" cy="160245"/>
+            </a:xfrm>
+            <a:prstGeom prst="rect">
+              <a:avLst/>
+            </a:prstGeom>
+            <a:solidFill>
+              <a:schemeClr val="bg1"/>
+            </a:solidFill>
+            <a:ln>
+              <a:solidFill>
+                <a:schemeClr val="bg1"/>
+              </a:solidFill>
+            </a:ln>
+          </p:spPr>
+          <p:style>
+            <a:lnRef idx="2">
+              <a:schemeClr val="accent1">
+                <a:shade val="50000"/>
+              </a:schemeClr>
+            </a:lnRef>
+            <a:fillRef idx="1">
+              <a:schemeClr val="accent1"/>
+            </a:fillRef>
+            <a:effectRef idx="0">
+              <a:schemeClr val="accent1"/>
+            </a:effectRef>
+            <a:fontRef idx="minor">
+              <a:schemeClr val="lt1"/>
+            </a:fontRef>
+          </p:style>
+          <p:txBody>
+            <a:bodyPr rtlCol="0" anchor="ctr"/>
+            <a:lstStyle/>
+            <a:p>
+              <a:pPr algn="ctr"/>
+              <a:r>
+                <a:rPr lang="en-US" dirty="0">
+                  <a:solidFill>
+                    <a:sysClr val="windowText" lastClr="000000"/>
+                  </a:solidFill>
+                  <a:latin typeface="Cambria Math" panose="02040503050406030204" pitchFamily="18" charset="0"/>
+                  <a:ea typeface="Cambria Math" panose="02040503050406030204" pitchFamily="18" charset="0"/>
+                </a:rPr>
+                <a:t>50</a:t>
+              </a:r>
+            </a:p>
+          </p:txBody>
+        </p:sp>
+        <p:sp>
+          <p:nvSpPr>
+            <p:cNvPr id="36" name="Rectangle 35">
+              <a:extLst>
+                <a:ext uri="{FF2B5EF4-FFF2-40B4-BE49-F238E27FC236}">
+                  <a16:creationId xmlns:a16="http://schemas.microsoft.com/office/drawing/2014/main" id="{B6B9F5E1-EAEB-40D4-ABF5-8FA3BE2F7D85}"/>
+                </a:ext>
+              </a:extLst>
+            </p:cNvPr>
+            <p:cNvSpPr/>
+            <p:nvPr/>
+          </p:nvSpPr>
+          <p:spPr>
+            <a:xfrm>
+              <a:off x="3722170" y="4509223"/>
+              <a:ext cx="623455" cy="176269"/>
+            </a:xfrm>
+            <a:prstGeom prst="rect">
+              <a:avLst/>
+            </a:prstGeom>
+            <a:solidFill>
+              <a:schemeClr val="bg1"/>
+            </a:solidFill>
+            <a:ln>
+              <a:solidFill>
+                <a:schemeClr val="bg1"/>
+              </a:solidFill>
+            </a:ln>
+          </p:spPr>
+          <p:style>
+            <a:lnRef idx="2">
+              <a:schemeClr val="accent1">
+                <a:shade val="50000"/>
+              </a:schemeClr>
+            </a:lnRef>
+            <a:fillRef idx="1">
+              <a:schemeClr val="accent1"/>
+            </a:fillRef>
+            <a:effectRef idx="0">
+              <a:schemeClr val="accent1"/>
+            </a:effectRef>
+            <a:fontRef idx="minor">
+              <a:schemeClr val="lt1"/>
+            </a:fontRef>
+          </p:style>
+          <p:txBody>
+            <a:bodyPr rtlCol="0" anchor="ctr"/>
+            <a:lstStyle/>
+            <a:p>
+              <a:pPr algn="ctr"/>
+              <a:r>
+                <a:rPr lang="en-US" dirty="0">
+                  <a:solidFill>
+                    <a:sysClr val="windowText" lastClr="000000"/>
+                  </a:solidFill>
+                  <a:latin typeface="Cambria Math" panose="02040503050406030204" pitchFamily="18" charset="0"/>
+                  <a:ea typeface="Cambria Math" panose="02040503050406030204" pitchFamily="18" charset="0"/>
+                </a:rPr>
+                <a:t>75</a:t>
+              </a:r>
+            </a:p>
+          </p:txBody>
+        </p:sp>
+        <p:sp>
+          <p:nvSpPr>
+            <p:cNvPr id="37" name="Rectangle 36">
+              <a:extLst>
+                <a:ext uri="{FF2B5EF4-FFF2-40B4-BE49-F238E27FC236}">
+                  <a16:creationId xmlns:a16="http://schemas.microsoft.com/office/drawing/2014/main" id="{D50B8B97-8EEB-4E9E-B6F2-9B0DEA7298B3}"/>
+                </a:ext>
+              </a:extLst>
+            </p:cNvPr>
+            <p:cNvSpPr/>
+            <p:nvPr/>
+          </p:nvSpPr>
+          <p:spPr>
+            <a:xfrm>
+              <a:off x="4544576" y="4509223"/>
+              <a:ext cx="623455" cy="160245"/>
+            </a:xfrm>
+            <a:prstGeom prst="rect">
+              <a:avLst/>
+            </a:prstGeom>
+            <a:solidFill>
+              <a:schemeClr val="bg1"/>
+            </a:solidFill>
+            <a:ln>
+              <a:solidFill>
+                <a:schemeClr val="bg1"/>
+              </a:solidFill>
+            </a:ln>
+          </p:spPr>
+          <p:style>
+            <a:lnRef idx="2">
+              <a:schemeClr val="accent1">
+                <a:shade val="50000"/>
+              </a:schemeClr>
+            </a:lnRef>
+            <a:fillRef idx="1">
+              <a:schemeClr val="accent1"/>
+            </a:fillRef>
+            <a:effectRef idx="0">
+              <a:schemeClr val="accent1"/>
+            </a:effectRef>
+            <a:fontRef idx="minor">
+              <a:schemeClr val="lt1"/>
+            </a:fontRef>
+          </p:style>
+          <p:txBody>
+            <a:bodyPr rtlCol="0" anchor="ctr"/>
+            <a:lstStyle/>
+            <a:p>
+              <a:pPr algn="ctr"/>
+              <a:r>
+                <a:rPr lang="en-US" dirty="0">
+                  <a:solidFill>
+                    <a:sysClr val="windowText" lastClr="000000"/>
+                  </a:solidFill>
+                  <a:latin typeface="Cambria Math" panose="02040503050406030204" pitchFamily="18" charset="0"/>
+                  <a:ea typeface="Cambria Math" panose="02040503050406030204" pitchFamily="18" charset="0"/>
+                </a:rPr>
+                <a:t>100</a:t>
+              </a:r>
+            </a:p>
+          </p:txBody>
+        </p:sp>
+      </p:grpSp>
     </p:spTree>
     <p:extLst>
       <p:ext uri="{BB962C8B-B14F-4D97-AF65-F5344CB8AC3E}">
@@ -4627,1887 +6502,6 @@
           <a:chExt cx="0" cy="0"/>
         </a:xfrm>
       </p:grpSpPr>
-      <p:grpSp>
-        <p:nvGrpSpPr>
-          <p:cNvPr id="24" name="Group 23">
-            <a:extLst>
-              <a:ext uri="{FF2B5EF4-FFF2-40B4-BE49-F238E27FC236}">
-                <a16:creationId xmlns:a16="http://schemas.microsoft.com/office/drawing/2014/main" id="{FDA38EA0-E292-4FD6-922B-9E7AD7B5ED44}"/>
-              </a:ext>
-            </a:extLst>
-          </p:cNvPr>
-          <p:cNvGrpSpPr/>
-          <p:nvPr/>
-        </p:nvGrpSpPr>
-        <p:grpSpPr>
-          <a:xfrm>
-            <a:off x="1113844" y="-3311613"/>
-            <a:ext cx="6830111" cy="17114124"/>
-            <a:chOff x="1113844" y="-3311613"/>
-            <a:chExt cx="6830111" cy="17114124"/>
-          </a:xfrm>
-        </p:grpSpPr>
-        <p:pic>
-          <p:nvPicPr>
-            <p:cNvPr id="7" name="Picture 6" descr="Shape&#10;&#10;Description automatically generated">
-              <a:extLst>
-                <a:ext uri="{FF2B5EF4-FFF2-40B4-BE49-F238E27FC236}">
-                  <a16:creationId xmlns:a16="http://schemas.microsoft.com/office/drawing/2014/main" id="{CF73D72A-8976-4B04-BA4A-E23C2D4E731D}"/>
-                </a:ext>
-              </a:extLst>
-            </p:cNvPr>
-            <p:cNvPicPr>
-              <a:picLocks noChangeAspect="1"/>
-            </p:cNvPicPr>
-            <p:nvPr/>
-          </p:nvPicPr>
-          <p:blipFill rotWithShape="1">
-            <a:blip r:embed="rId2">
-              <a:extLst>
-                <a:ext uri="{28A0092B-C50C-407E-A947-70E740481C1C}">
-                  <a14:useLocalDpi xmlns:a14="http://schemas.microsoft.com/office/drawing/2010/main" val="0"/>
-                </a:ext>
-              </a:extLst>
-            </a:blip>
-            <a:srcRect r="14451"/>
-            <a:stretch/>
-          </p:blipFill>
-          <p:spPr>
-            <a:xfrm>
-              <a:off x="1149106" y="-3311613"/>
-              <a:ext cx="5202267" cy="6081029"/>
-            </a:xfrm>
-            <a:prstGeom prst="rect">
-              <a:avLst/>
-            </a:prstGeom>
-          </p:spPr>
-        </p:pic>
-        <p:pic>
-          <p:nvPicPr>
-            <p:cNvPr id="10" name="Picture 9" descr="Shape&#10;&#10;Description automatically generated">
-              <a:extLst>
-                <a:ext uri="{FF2B5EF4-FFF2-40B4-BE49-F238E27FC236}">
-                  <a16:creationId xmlns:a16="http://schemas.microsoft.com/office/drawing/2014/main" id="{D4B8190B-DF2E-4153-889F-EDDB1A5A808F}"/>
-                </a:ext>
-              </a:extLst>
-            </p:cNvPr>
-            <p:cNvPicPr>
-              <a:picLocks noChangeAspect="1"/>
-            </p:cNvPicPr>
-            <p:nvPr/>
-          </p:nvPicPr>
-          <p:blipFill rotWithShape="1">
-            <a:blip r:embed="rId3">
-              <a:extLst>
-                <a:ext uri="{28A0092B-C50C-407E-A947-70E740481C1C}">
-                  <a14:useLocalDpi xmlns:a14="http://schemas.microsoft.com/office/drawing/2010/main" val="0"/>
-                </a:ext>
-              </a:extLst>
-            </a:blip>
-            <a:srcRect t="9292" r="13266" b="16139"/>
-            <a:stretch/>
-          </p:blipFill>
-          <p:spPr>
-            <a:xfrm>
-              <a:off x="1144242" y="2285600"/>
-              <a:ext cx="5318342" cy="4572400"/>
-            </a:xfrm>
-            <a:prstGeom prst="rect">
-              <a:avLst/>
-            </a:prstGeom>
-          </p:spPr>
-        </p:pic>
-        <p:pic>
-          <p:nvPicPr>
-            <p:cNvPr id="12" name="Picture 11" descr="Chart, bar chart&#10;&#10;Description automatically generated">
-              <a:extLst>
-                <a:ext uri="{FF2B5EF4-FFF2-40B4-BE49-F238E27FC236}">
-                  <a16:creationId xmlns:a16="http://schemas.microsoft.com/office/drawing/2014/main" id="{AFBD0492-BE67-4CE6-B7B4-CD45722F61B7}"/>
-                </a:ext>
-              </a:extLst>
-            </p:cNvPr>
-            <p:cNvPicPr>
-              <a:picLocks noChangeAspect="1"/>
-            </p:cNvPicPr>
-            <p:nvPr/>
-          </p:nvPicPr>
-          <p:blipFill rotWithShape="1">
-            <a:blip r:embed="rId4">
-              <a:extLst>
-                <a:ext uri="{28A0092B-C50C-407E-A947-70E740481C1C}">
-                  <a14:useLocalDpi xmlns:a14="http://schemas.microsoft.com/office/drawing/2010/main" val="0"/>
-                </a:ext>
-              </a:extLst>
-            </a:blip>
-            <a:srcRect t="1179" r="20124"/>
-            <a:stretch/>
-          </p:blipFill>
-          <p:spPr>
-            <a:xfrm>
-              <a:off x="1113844" y="7322818"/>
-              <a:ext cx="5237529" cy="6479693"/>
-            </a:xfrm>
-            <a:prstGeom prst="rect">
-              <a:avLst/>
-            </a:prstGeom>
-          </p:spPr>
-        </p:pic>
-        <p:sp>
-          <p:nvSpPr>
-            <p:cNvPr id="14" name="Rectangle 13">
-              <a:extLst>
-                <a:ext uri="{FF2B5EF4-FFF2-40B4-BE49-F238E27FC236}">
-                  <a16:creationId xmlns:a16="http://schemas.microsoft.com/office/drawing/2014/main" id="{910149E6-9285-4B73-BC64-B0B9EBFDEE6D}"/>
-                </a:ext>
-              </a:extLst>
-            </p:cNvPr>
-            <p:cNvSpPr/>
-            <p:nvPr/>
-          </p:nvSpPr>
-          <p:spPr>
-            <a:xfrm>
-              <a:off x="1911177" y="6870353"/>
-              <a:ext cx="4307181" cy="508769"/>
-            </a:xfrm>
-            <a:prstGeom prst="rect">
-              <a:avLst/>
-            </a:prstGeom>
-            <a:solidFill>
-              <a:srgbClr val="81A1B1"/>
-            </a:solidFill>
-            <a:ln>
-              <a:solidFill>
-                <a:schemeClr val="bg1"/>
-              </a:solidFill>
-            </a:ln>
-          </p:spPr>
-          <p:style>
-            <a:lnRef idx="2">
-              <a:schemeClr val="accent1">
-                <a:shade val="50000"/>
-              </a:schemeClr>
-            </a:lnRef>
-            <a:fillRef idx="1">
-              <a:schemeClr val="accent1"/>
-            </a:fillRef>
-            <a:effectRef idx="0">
-              <a:schemeClr val="accent1"/>
-            </a:effectRef>
-            <a:fontRef idx="minor">
-              <a:schemeClr val="lt1"/>
-            </a:fontRef>
-          </p:style>
-          <p:txBody>
-            <a:bodyPr rtlCol="0" anchor="ctr"/>
-            <a:lstStyle/>
-            <a:p>
-              <a:pPr algn="ctr"/>
-              <a:r>
-                <a:rPr lang="en-US" b="1" dirty="0">
-                  <a:solidFill>
-                    <a:schemeClr val="tx1"/>
-                  </a:solidFill>
-                </a:rPr>
-                <a:t>Lambda Slope over initial 20 years</a:t>
-              </a:r>
-            </a:p>
-          </p:txBody>
-        </p:sp>
-        <p:sp>
-          <p:nvSpPr>
-            <p:cNvPr id="15" name="Rectangle 14">
-              <a:extLst>
-                <a:ext uri="{FF2B5EF4-FFF2-40B4-BE49-F238E27FC236}">
-                  <a16:creationId xmlns:a16="http://schemas.microsoft.com/office/drawing/2014/main" id="{8AA17C0F-344A-4CD0-8DB7-A30DB199043B}"/>
-                </a:ext>
-              </a:extLst>
-            </p:cNvPr>
-            <p:cNvSpPr/>
-            <p:nvPr/>
-          </p:nvSpPr>
-          <p:spPr>
-            <a:xfrm>
-              <a:off x="1911177" y="1770820"/>
-              <a:ext cx="4307181" cy="508769"/>
-            </a:xfrm>
-            <a:prstGeom prst="rect">
-              <a:avLst/>
-            </a:prstGeom>
-            <a:solidFill>
-              <a:srgbClr val="81A1B1"/>
-            </a:solidFill>
-            <a:ln>
-              <a:solidFill>
-                <a:schemeClr val="bg1"/>
-              </a:solidFill>
-            </a:ln>
-          </p:spPr>
-          <p:style>
-            <a:lnRef idx="2">
-              <a:schemeClr val="accent1">
-                <a:shade val="50000"/>
-              </a:schemeClr>
-            </a:lnRef>
-            <a:fillRef idx="1">
-              <a:schemeClr val="accent1"/>
-            </a:fillRef>
-            <a:effectRef idx="0">
-              <a:schemeClr val="accent1"/>
-            </a:effectRef>
-            <a:fontRef idx="minor">
-              <a:schemeClr val="lt1"/>
-            </a:fontRef>
-          </p:style>
-          <p:txBody>
-            <a:bodyPr rtlCol="0" anchor="ctr"/>
-            <a:lstStyle/>
-            <a:p>
-              <a:pPr algn="ctr"/>
-              <a:r>
-                <a:rPr lang="en-US" b="1" dirty="0">
-                  <a:solidFill>
-                    <a:schemeClr val="tx1"/>
-                  </a:solidFill>
-                </a:rPr>
-                <a:t>Harvest Slope over initial 20 years</a:t>
-              </a:r>
-            </a:p>
-          </p:txBody>
-        </p:sp>
-        <p:sp>
-          <p:nvSpPr>
-            <p:cNvPr id="16" name="Rectangle 15">
-              <a:extLst>
-                <a:ext uri="{FF2B5EF4-FFF2-40B4-BE49-F238E27FC236}">
-                  <a16:creationId xmlns:a16="http://schemas.microsoft.com/office/drawing/2014/main" id="{129E80C1-1F2B-49FD-B2ED-448242E8A737}"/>
-                </a:ext>
-              </a:extLst>
-            </p:cNvPr>
-            <p:cNvSpPr/>
-            <p:nvPr/>
-          </p:nvSpPr>
-          <p:spPr>
-            <a:xfrm>
-              <a:off x="1911177" y="-3254280"/>
-              <a:ext cx="4307181" cy="508769"/>
-            </a:xfrm>
-            <a:prstGeom prst="rect">
-              <a:avLst/>
-            </a:prstGeom>
-            <a:solidFill>
-              <a:srgbClr val="81A1B1"/>
-            </a:solidFill>
-            <a:ln>
-              <a:solidFill>
-                <a:schemeClr val="bg1"/>
-              </a:solidFill>
-            </a:ln>
-          </p:spPr>
-          <p:style>
-            <a:lnRef idx="2">
-              <a:schemeClr val="accent1">
-                <a:shade val="50000"/>
-              </a:schemeClr>
-            </a:lnRef>
-            <a:fillRef idx="1">
-              <a:schemeClr val="accent1"/>
-            </a:fillRef>
-            <a:effectRef idx="0">
-              <a:schemeClr val="accent1"/>
-            </a:effectRef>
-            <a:fontRef idx="minor">
-              <a:schemeClr val="lt1"/>
-            </a:fontRef>
-          </p:style>
-          <p:txBody>
-            <a:bodyPr rtlCol="0" anchor="ctr"/>
-            <a:lstStyle/>
-            <a:p>
-              <a:pPr algn="ctr"/>
-              <a:r>
-                <a:rPr lang="en-US" b="1" dirty="0">
-                  <a:solidFill>
-                    <a:schemeClr val="tx1"/>
-                  </a:solidFill>
-                </a:rPr>
-                <a:t>Fish Population Slope over initial 20 years</a:t>
-              </a:r>
-            </a:p>
-          </p:txBody>
-        </p:sp>
-        <p:pic>
-          <p:nvPicPr>
-            <p:cNvPr id="17" name="Picture 16" descr="Chart, bar chart&#10;&#10;Description automatically generated">
-              <a:extLst>
-                <a:ext uri="{FF2B5EF4-FFF2-40B4-BE49-F238E27FC236}">
-                  <a16:creationId xmlns:a16="http://schemas.microsoft.com/office/drawing/2014/main" id="{8583EBB3-224D-493A-B37C-727D8A899621}"/>
-                </a:ext>
-              </a:extLst>
-            </p:cNvPr>
-            <p:cNvPicPr>
-              <a:picLocks noChangeAspect="1"/>
-            </p:cNvPicPr>
-            <p:nvPr/>
-          </p:nvPicPr>
-          <p:blipFill rotWithShape="1">
-            <a:blip r:embed="rId4">
-              <a:extLst>
-                <a:ext uri="{28A0092B-C50C-407E-A947-70E740481C1C}">
-                  <a14:useLocalDpi xmlns:a14="http://schemas.microsoft.com/office/drawing/2010/main" val="0"/>
-                </a:ext>
-              </a:extLst>
-            </a:blip>
-            <a:srcRect l="83240" t="26431" r="1529" b="27964"/>
-            <a:stretch/>
-          </p:blipFill>
-          <p:spPr>
-            <a:xfrm>
-              <a:off x="6462584" y="7823487"/>
-              <a:ext cx="1481371" cy="4435678"/>
-            </a:xfrm>
-            <a:prstGeom prst="rect">
-              <a:avLst/>
-            </a:prstGeom>
-          </p:spPr>
-        </p:pic>
-        <p:pic>
-          <p:nvPicPr>
-            <p:cNvPr id="18" name="Picture 17" descr="Shape&#10;&#10;Description automatically generated">
-              <a:extLst>
-                <a:ext uri="{FF2B5EF4-FFF2-40B4-BE49-F238E27FC236}">
-                  <a16:creationId xmlns:a16="http://schemas.microsoft.com/office/drawing/2014/main" id="{3307E3E3-DE91-4394-B45A-4B60406D6210}"/>
-                </a:ext>
-              </a:extLst>
-            </p:cNvPr>
-            <p:cNvPicPr>
-              <a:picLocks noChangeAspect="1"/>
-            </p:cNvPicPr>
-            <p:nvPr/>
-          </p:nvPicPr>
-          <p:blipFill rotWithShape="1">
-            <a:blip r:embed="rId3">
-              <a:extLst>
-                <a:ext uri="{28A0092B-C50C-407E-A947-70E740481C1C}">
-                  <a14:useLocalDpi xmlns:a14="http://schemas.microsoft.com/office/drawing/2010/main" val="0"/>
-                </a:ext>
-              </a:extLst>
-            </a:blip>
-            <a:srcRect l="88507" t="24893" r="1657" b="29564"/>
-            <a:stretch/>
-          </p:blipFill>
-          <p:spPr>
-            <a:xfrm>
-              <a:off x="6487296" y="2374406"/>
-              <a:ext cx="946984" cy="4384748"/>
-            </a:xfrm>
-            <a:prstGeom prst="rect">
-              <a:avLst/>
-            </a:prstGeom>
-          </p:spPr>
-        </p:pic>
-        <p:pic>
-          <p:nvPicPr>
-            <p:cNvPr id="19" name="Picture 18" descr="Shape&#10;&#10;Description automatically generated">
-              <a:extLst>
-                <a:ext uri="{FF2B5EF4-FFF2-40B4-BE49-F238E27FC236}">
-                  <a16:creationId xmlns:a16="http://schemas.microsoft.com/office/drawing/2014/main" id="{C91B5B5E-2E97-4936-A39B-44EDF4DC2E77}"/>
-                </a:ext>
-              </a:extLst>
-            </p:cNvPr>
-            <p:cNvPicPr>
-              <a:picLocks noChangeAspect="1"/>
-            </p:cNvPicPr>
-            <p:nvPr/>
-          </p:nvPicPr>
-          <p:blipFill rotWithShape="1">
-            <a:blip r:embed="rId2">
-              <a:extLst>
-                <a:ext uri="{28A0092B-C50C-407E-A947-70E740481C1C}">
-                  <a14:useLocalDpi xmlns:a14="http://schemas.microsoft.com/office/drawing/2010/main" val="0"/>
-                </a:ext>
-              </a:extLst>
-            </a:blip>
-            <a:srcRect l="87654" t="25270" r="1920" b="28197"/>
-            <a:stretch/>
-          </p:blipFill>
-          <p:spPr>
-            <a:xfrm>
-              <a:off x="6549082" y="-2743139"/>
-              <a:ext cx="946984" cy="4226200"/>
-            </a:xfrm>
-            <a:prstGeom prst="rect">
-              <a:avLst/>
-            </a:prstGeom>
-          </p:spPr>
-        </p:pic>
-        <p:sp>
-          <p:nvSpPr>
-            <p:cNvPr id="21" name="Rectangle 20">
-              <a:extLst>
-                <a:ext uri="{FF2B5EF4-FFF2-40B4-BE49-F238E27FC236}">
-                  <a16:creationId xmlns:a16="http://schemas.microsoft.com/office/drawing/2014/main" id="{04C1F44E-99EC-4479-8C30-B190A9EBF1BC}"/>
-                </a:ext>
-              </a:extLst>
-            </p:cNvPr>
-            <p:cNvSpPr/>
-            <p:nvPr/>
-          </p:nvSpPr>
-          <p:spPr>
-            <a:xfrm>
-              <a:off x="1144242" y="-3204251"/>
-              <a:ext cx="445317" cy="408709"/>
-            </a:xfrm>
-            <a:prstGeom prst="rect">
-              <a:avLst/>
-            </a:prstGeom>
-            <a:solidFill>
-              <a:schemeClr val="bg1"/>
-            </a:solidFill>
-            <a:ln>
-              <a:solidFill>
-                <a:schemeClr val="bg1"/>
-              </a:solidFill>
-            </a:ln>
-          </p:spPr>
-          <p:style>
-            <a:lnRef idx="2">
-              <a:schemeClr val="accent1">
-                <a:shade val="50000"/>
-              </a:schemeClr>
-            </a:lnRef>
-            <a:fillRef idx="1">
-              <a:schemeClr val="accent1"/>
-            </a:fillRef>
-            <a:effectRef idx="0">
-              <a:schemeClr val="accent1"/>
-            </a:effectRef>
-            <a:fontRef idx="minor">
-              <a:schemeClr val="lt1"/>
-            </a:fontRef>
-          </p:style>
-          <p:txBody>
-            <a:bodyPr rtlCol="0" anchor="ctr"/>
-            <a:lstStyle/>
-            <a:p>
-              <a:pPr algn="ctr"/>
-              <a:r>
-                <a:rPr lang="en-US" b="1" dirty="0">
-                  <a:solidFill>
-                    <a:schemeClr val="tx1"/>
-                  </a:solidFill>
-                </a:rPr>
-                <a:t>A)</a:t>
-              </a:r>
-            </a:p>
-          </p:txBody>
-        </p:sp>
-        <p:sp>
-          <p:nvSpPr>
-            <p:cNvPr id="22" name="Rectangle 21">
-              <a:extLst>
-                <a:ext uri="{FF2B5EF4-FFF2-40B4-BE49-F238E27FC236}">
-                  <a16:creationId xmlns:a16="http://schemas.microsoft.com/office/drawing/2014/main" id="{36B167EA-0D20-4608-AEA9-2458D957B308}"/>
-                </a:ext>
-              </a:extLst>
-            </p:cNvPr>
-            <p:cNvSpPr/>
-            <p:nvPr/>
-          </p:nvSpPr>
-          <p:spPr>
-            <a:xfrm>
-              <a:off x="1144242" y="1820849"/>
-              <a:ext cx="445317" cy="408709"/>
-            </a:xfrm>
-            <a:prstGeom prst="rect">
-              <a:avLst/>
-            </a:prstGeom>
-            <a:solidFill>
-              <a:schemeClr val="bg1"/>
-            </a:solidFill>
-            <a:ln>
-              <a:solidFill>
-                <a:schemeClr val="bg1"/>
-              </a:solidFill>
-            </a:ln>
-          </p:spPr>
-          <p:style>
-            <a:lnRef idx="2">
-              <a:schemeClr val="accent1">
-                <a:shade val="50000"/>
-              </a:schemeClr>
-            </a:lnRef>
-            <a:fillRef idx="1">
-              <a:schemeClr val="accent1"/>
-            </a:fillRef>
-            <a:effectRef idx="0">
-              <a:schemeClr val="accent1"/>
-            </a:effectRef>
-            <a:fontRef idx="minor">
-              <a:schemeClr val="lt1"/>
-            </a:fontRef>
-          </p:style>
-          <p:txBody>
-            <a:bodyPr rtlCol="0" anchor="ctr"/>
-            <a:lstStyle/>
-            <a:p>
-              <a:pPr algn="ctr"/>
-              <a:r>
-                <a:rPr lang="en-US" b="1" dirty="0">
-                  <a:solidFill>
-                    <a:schemeClr val="tx1"/>
-                  </a:solidFill>
-                </a:rPr>
-                <a:t>B)</a:t>
-              </a:r>
-            </a:p>
-          </p:txBody>
-        </p:sp>
-        <p:sp>
-          <p:nvSpPr>
-            <p:cNvPr id="23" name="Rectangle 22">
-              <a:extLst>
-                <a:ext uri="{FF2B5EF4-FFF2-40B4-BE49-F238E27FC236}">
-                  <a16:creationId xmlns:a16="http://schemas.microsoft.com/office/drawing/2014/main" id="{C1AA1F1E-C206-4FC0-847F-57FEBF404054}"/>
-                </a:ext>
-              </a:extLst>
-            </p:cNvPr>
-            <p:cNvSpPr/>
-            <p:nvPr/>
-          </p:nvSpPr>
-          <p:spPr>
-            <a:xfrm>
-              <a:off x="1144242" y="6932034"/>
-              <a:ext cx="445317" cy="408709"/>
-            </a:xfrm>
-            <a:prstGeom prst="rect">
-              <a:avLst/>
-            </a:prstGeom>
-            <a:solidFill>
-              <a:schemeClr val="bg1"/>
-            </a:solidFill>
-            <a:ln>
-              <a:solidFill>
-                <a:schemeClr val="bg1"/>
-              </a:solidFill>
-            </a:ln>
-          </p:spPr>
-          <p:style>
-            <a:lnRef idx="2">
-              <a:schemeClr val="accent1">
-                <a:shade val="50000"/>
-              </a:schemeClr>
-            </a:lnRef>
-            <a:fillRef idx="1">
-              <a:schemeClr val="accent1"/>
-            </a:fillRef>
-            <a:effectRef idx="0">
-              <a:schemeClr val="accent1"/>
-            </a:effectRef>
-            <a:fontRef idx="minor">
-              <a:schemeClr val="lt1"/>
-            </a:fontRef>
-          </p:style>
-          <p:txBody>
-            <a:bodyPr rtlCol="0" anchor="ctr"/>
-            <a:lstStyle/>
-            <a:p>
-              <a:pPr algn="ctr"/>
-              <a:r>
-                <a:rPr lang="en-US" b="1" dirty="0">
-                  <a:solidFill>
-                    <a:schemeClr val="tx1"/>
-                  </a:solidFill>
-                </a:rPr>
-                <a:t>C)</a:t>
-              </a:r>
-            </a:p>
-          </p:txBody>
-        </p:sp>
-      </p:grpSp>
-    </p:spTree>
-    <p:extLst>
-      <p:ext uri="{BB962C8B-B14F-4D97-AF65-F5344CB8AC3E}">
-        <p14:creationId xmlns:p14="http://schemas.microsoft.com/office/powerpoint/2010/main" val="1241487079"/>
-      </p:ext>
-    </p:extLst>
-  </p:cSld>
-  <p:clrMapOvr>
-    <a:masterClrMapping/>
-  </p:clrMapOvr>
-</p:sld>
-</file>
-
-<file path=ppt/slides/slide14.xml><?xml version="1.0" encoding="utf-8"?>
-<p:sld xmlns:a="http://schemas.openxmlformats.org/drawingml/2006/main" xmlns:r="http://schemas.openxmlformats.org/officeDocument/2006/relationships" xmlns:p="http://schemas.openxmlformats.org/presentationml/2006/main">
-  <p:cSld>
-    <p:spTree>
-      <p:nvGrpSpPr>
-        <p:cNvPr id="1" name=""/>
-        <p:cNvGrpSpPr/>
-        <p:nvPr/>
-      </p:nvGrpSpPr>
-      <p:grpSpPr>
-        <a:xfrm>
-          <a:off x="0" y="0"/>
-          <a:ext cx="0" cy="0"/>
-          <a:chOff x="0" y="0"/>
-          <a:chExt cx="0" cy="0"/>
-        </a:xfrm>
-      </p:grpSpPr>
-      <p:grpSp>
-        <p:nvGrpSpPr>
-          <p:cNvPr id="24" name="Group 23">
-            <a:extLst>
-              <a:ext uri="{FF2B5EF4-FFF2-40B4-BE49-F238E27FC236}">
-                <a16:creationId xmlns:a16="http://schemas.microsoft.com/office/drawing/2014/main" id="{FDA38EA0-E292-4FD6-922B-9E7AD7B5ED44}"/>
-              </a:ext>
-            </a:extLst>
-          </p:cNvPr>
-          <p:cNvGrpSpPr/>
-          <p:nvPr/>
-        </p:nvGrpSpPr>
-        <p:grpSpPr>
-          <a:xfrm>
-            <a:off x="1113844" y="-3311613"/>
-            <a:ext cx="6830111" cy="17114124"/>
-            <a:chOff x="1113844" y="-3311613"/>
-            <a:chExt cx="6830111" cy="17114124"/>
-          </a:xfrm>
-        </p:grpSpPr>
-        <p:pic>
-          <p:nvPicPr>
-            <p:cNvPr id="7" name="Picture 6" descr="Shape&#10;&#10;Description automatically generated">
-              <a:extLst>
-                <a:ext uri="{FF2B5EF4-FFF2-40B4-BE49-F238E27FC236}">
-                  <a16:creationId xmlns:a16="http://schemas.microsoft.com/office/drawing/2014/main" id="{CF73D72A-8976-4B04-BA4A-E23C2D4E731D}"/>
-                </a:ext>
-              </a:extLst>
-            </p:cNvPr>
-            <p:cNvPicPr>
-              <a:picLocks noChangeAspect="1"/>
-            </p:cNvPicPr>
-            <p:nvPr/>
-          </p:nvPicPr>
-          <p:blipFill rotWithShape="1">
-            <a:blip r:embed="rId2">
-              <a:extLst>
-                <a:ext uri="{28A0092B-C50C-407E-A947-70E740481C1C}">
-                  <a14:useLocalDpi xmlns:a14="http://schemas.microsoft.com/office/drawing/2010/main" val="0"/>
-                </a:ext>
-              </a:extLst>
-            </a:blip>
-            <a:srcRect r="14451"/>
-            <a:stretch/>
-          </p:blipFill>
-          <p:spPr>
-            <a:xfrm>
-              <a:off x="1149106" y="-3311613"/>
-              <a:ext cx="5202267" cy="6081029"/>
-            </a:xfrm>
-            <a:prstGeom prst="rect">
-              <a:avLst/>
-            </a:prstGeom>
-          </p:spPr>
-        </p:pic>
-        <p:pic>
-          <p:nvPicPr>
-            <p:cNvPr id="10" name="Picture 9" descr="Shape&#10;&#10;Description automatically generated">
-              <a:extLst>
-                <a:ext uri="{FF2B5EF4-FFF2-40B4-BE49-F238E27FC236}">
-                  <a16:creationId xmlns:a16="http://schemas.microsoft.com/office/drawing/2014/main" id="{D4B8190B-DF2E-4153-889F-EDDB1A5A808F}"/>
-                </a:ext>
-              </a:extLst>
-            </p:cNvPr>
-            <p:cNvPicPr>
-              <a:picLocks noChangeAspect="1"/>
-            </p:cNvPicPr>
-            <p:nvPr/>
-          </p:nvPicPr>
-          <p:blipFill rotWithShape="1">
-            <a:blip r:embed="rId3">
-              <a:extLst>
-                <a:ext uri="{28A0092B-C50C-407E-A947-70E740481C1C}">
-                  <a14:useLocalDpi xmlns:a14="http://schemas.microsoft.com/office/drawing/2010/main" val="0"/>
-                </a:ext>
-              </a:extLst>
-            </a:blip>
-            <a:srcRect t="9292" r="13266" b="16139"/>
-            <a:stretch/>
-          </p:blipFill>
-          <p:spPr>
-            <a:xfrm>
-              <a:off x="1144242" y="2285600"/>
-              <a:ext cx="5318342" cy="4572400"/>
-            </a:xfrm>
-            <a:prstGeom prst="rect">
-              <a:avLst/>
-            </a:prstGeom>
-          </p:spPr>
-        </p:pic>
-        <p:pic>
-          <p:nvPicPr>
-            <p:cNvPr id="12" name="Picture 11" descr="Chart, bar chart&#10;&#10;Description automatically generated">
-              <a:extLst>
-                <a:ext uri="{FF2B5EF4-FFF2-40B4-BE49-F238E27FC236}">
-                  <a16:creationId xmlns:a16="http://schemas.microsoft.com/office/drawing/2014/main" id="{AFBD0492-BE67-4CE6-B7B4-CD45722F61B7}"/>
-                </a:ext>
-              </a:extLst>
-            </p:cNvPr>
-            <p:cNvPicPr>
-              <a:picLocks noChangeAspect="1"/>
-            </p:cNvPicPr>
-            <p:nvPr/>
-          </p:nvPicPr>
-          <p:blipFill rotWithShape="1">
-            <a:blip r:embed="rId4">
-              <a:extLst>
-                <a:ext uri="{28A0092B-C50C-407E-A947-70E740481C1C}">
-                  <a14:useLocalDpi xmlns:a14="http://schemas.microsoft.com/office/drawing/2010/main" val="0"/>
-                </a:ext>
-              </a:extLst>
-            </a:blip>
-            <a:srcRect t="1179" r="20124"/>
-            <a:stretch/>
-          </p:blipFill>
-          <p:spPr>
-            <a:xfrm>
-              <a:off x="1113844" y="7322818"/>
-              <a:ext cx="5237529" cy="6479693"/>
-            </a:xfrm>
-            <a:prstGeom prst="rect">
-              <a:avLst/>
-            </a:prstGeom>
-          </p:spPr>
-        </p:pic>
-        <p:sp>
-          <p:nvSpPr>
-            <p:cNvPr id="14" name="Rectangle 13">
-              <a:extLst>
-                <a:ext uri="{FF2B5EF4-FFF2-40B4-BE49-F238E27FC236}">
-                  <a16:creationId xmlns:a16="http://schemas.microsoft.com/office/drawing/2014/main" id="{910149E6-9285-4B73-BC64-B0B9EBFDEE6D}"/>
-                </a:ext>
-              </a:extLst>
-            </p:cNvPr>
-            <p:cNvSpPr/>
-            <p:nvPr/>
-          </p:nvSpPr>
-          <p:spPr>
-            <a:xfrm>
-              <a:off x="1911177" y="6870353"/>
-              <a:ext cx="4307181" cy="508769"/>
-            </a:xfrm>
-            <a:prstGeom prst="rect">
-              <a:avLst/>
-            </a:prstGeom>
-            <a:solidFill>
-              <a:srgbClr val="81A1B1"/>
-            </a:solidFill>
-            <a:ln>
-              <a:solidFill>
-                <a:schemeClr val="bg1"/>
-              </a:solidFill>
-            </a:ln>
-          </p:spPr>
-          <p:style>
-            <a:lnRef idx="2">
-              <a:schemeClr val="accent1">
-                <a:shade val="50000"/>
-              </a:schemeClr>
-            </a:lnRef>
-            <a:fillRef idx="1">
-              <a:schemeClr val="accent1"/>
-            </a:fillRef>
-            <a:effectRef idx="0">
-              <a:schemeClr val="accent1"/>
-            </a:effectRef>
-            <a:fontRef idx="minor">
-              <a:schemeClr val="lt1"/>
-            </a:fontRef>
-          </p:style>
-          <p:txBody>
-            <a:bodyPr rtlCol="0" anchor="ctr"/>
-            <a:lstStyle/>
-            <a:p>
-              <a:pPr algn="ctr"/>
-              <a:r>
-                <a:rPr lang="en-US" b="1" dirty="0">
-                  <a:solidFill>
-                    <a:schemeClr val="tx1"/>
-                  </a:solidFill>
-                </a:rPr>
-                <a:t>Lambda Slope over initial 20 years</a:t>
-              </a:r>
-            </a:p>
-          </p:txBody>
-        </p:sp>
-        <p:sp>
-          <p:nvSpPr>
-            <p:cNvPr id="15" name="Rectangle 14">
-              <a:extLst>
-                <a:ext uri="{FF2B5EF4-FFF2-40B4-BE49-F238E27FC236}">
-                  <a16:creationId xmlns:a16="http://schemas.microsoft.com/office/drawing/2014/main" id="{8AA17C0F-344A-4CD0-8DB7-A30DB199043B}"/>
-                </a:ext>
-              </a:extLst>
-            </p:cNvPr>
-            <p:cNvSpPr/>
-            <p:nvPr/>
-          </p:nvSpPr>
-          <p:spPr>
-            <a:xfrm>
-              <a:off x="1911177" y="1770820"/>
-              <a:ext cx="4307181" cy="508769"/>
-            </a:xfrm>
-            <a:prstGeom prst="rect">
-              <a:avLst/>
-            </a:prstGeom>
-            <a:solidFill>
-              <a:srgbClr val="81A1B1"/>
-            </a:solidFill>
-            <a:ln>
-              <a:solidFill>
-                <a:schemeClr val="bg1"/>
-              </a:solidFill>
-            </a:ln>
-          </p:spPr>
-          <p:style>
-            <a:lnRef idx="2">
-              <a:schemeClr val="accent1">
-                <a:shade val="50000"/>
-              </a:schemeClr>
-            </a:lnRef>
-            <a:fillRef idx="1">
-              <a:schemeClr val="accent1"/>
-            </a:fillRef>
-            <a:effectRef idx="0">
-              <a:schemeClr val="accent1"/>
-            </a:effectRef>
-            <a:fontRef idx="minor">
-              <a:schemeClr val="lt1"/>
-            </a:fontRef>
-          </p:style>
-          <p:txBody>
-            <a:bodyPr rtlCol="0" anchor="ctr"/>
-            <a:lstStyle/>
-            <a:p>
-              <a:pPr algn="ctr"/>
-              <a:r>
-                <a:rPr lang="en-US" b="1" dirty="0">
-                  <a:solidFill>
-                    <a:schemeClr val="tx1"/>
-                  </a:solidFill>
-                </a:rPr>
-                <a:t>Harvest Slope over initial 20 years</a:t>
-              </a:r>
-            </a:p>
-          </p:txBody>
-        </p:sp>
-        <p:sp>
-          <p:nvSpPr>
-            <p:cNvPr id="16" name="Rectangle 15">
-              <a:extLst>
-                <a:ext uri="{FF2B5EF4-FFF2-40B4-BE49-F238E27FC236}">
-                  <a16:creationId xmlns:a16="http://schemas.microsoft.com/office/drawing/2014/main" id="{129E80C1-1F2B-49FD-B2ED-448242E8A737}"/>
-                </a:ext>
-              </a:extLst>
-            </p:cNvPr>
-            <p:cNvSpPr/>
-            <p:nvPr/>
-          </p:nvSpPr>
-          <p:spPr>
-            <a:xfrm>
-              <a:off x="1911177" y="-3254280"/>
-              <a:ext cx="4307181" cy="508769"/>
-            </a:xfrm>
-            <a:prstGeom prst="rect">
-              <a:avLst/>
-            </a:prstGeom>
-            <a:solidFill>
-              <a:srgbClr val="81A1B1"/>
-            </a:solidFill>
-            <a:ln>
-              <a:solidFill>
-                <a:schemeClr val="bg1"/>
-              </a:solidFill>
-            </a:ln>
-          </p:spPr>
-          <p:style>
-            <a:lnRef idx="2">
-              <a:schemeClr val="accent1">
-                <a:shade val="50000"/>
-              </a:schemeClr>
-            </a:lnRef>
-            <a:fillRef idx="1">
-              <a:schemeClr val="accent1"/>
-            </a:fillRef>
-            <a:effectRef idx="0">
-              <a:schemeClr val="accent1"/>
-            </a:effectRef>
-            <a:fontRef idx="minor">
-              <a:schemeClr val="lt1"/>
-            </a:fontRef>
-          </p:style>
-          <p:txBody>
-            <a:bodyPr rtlCol="0" anchor="ctr"/>
-            <a:lstStyle/>
-            <a:p>
-              <a:pPr algn="ctr"/>
-              <a:r>
-                <a:rPr lang="en-US" b="1" dirty="0">
-                  <a:solidFill>
-                    <a:schemeClr val="tx1"/>
-                  </a:solidFill>
-                </a:rPr>
-                <a:t>Fish Population Slope over initial 20 years</a:t>
-              </a:r>
-            </a:p>
-          </p:txBody>
-        </p:sp>
-        <p:pic>
-          <p:nvPicPr>
-            <p:cNvPr id="17" name="Picture 16" descr="Chart, bar chart&#10;&#10;Description automatically generated">
-              <a:extLst>
-                <a:ext uri="{FF2B5EF4-FFF2-40B4-BE49-F238E27FC236}">
-                  <a16:creationId xmlns:a16="http://schemas.microsoft.com/office/drawing/2014/main" id="{8583EBB3-224D-493A-B37C-727D8A899621}"/>
-                </a:ext>
-              </a:extLst>
-            </p:cNvPr>
-            <p:cNvPicPr>
-              <a:picLocks noChangeAspect="1"/>
-            </p:cNvPicPr>
-            <p:nvPr/>
-          </p:nvPicPr>
-          <p:blipFill rotWithShape="1">
-            <a:blip r:embed="rId4">
-              <a:extLst>
-                <a:ext uri="{28A0092B-C50C-407E-A947-70E740481C1C}">
-                  <a14:useLocalDpi xmlns:a14="http://schemas.microsoft.com/office/drawing/2010/main" val="0"/>
-                </a:ext>
-              </a:extLst>
-            </a:blip>
-            <a:srcRect l="83240" t="26431" r="1529" b="27964"/>
-            <a:stretch/>
-          </p:blipFill>
-          <p:spPr>
-            <a:xfrm>
-              <a:off x="6462584" y="7823487"/>
-              <a:ext cx="1481371" cy="4435678"/>
-            </a:xfrm>
-            <a:prstGeom prst="rect">
-              <a:avLst/>
-            </a:prstGeom>
-          </p:spPr>
-        </p:pic>
-        <p:pic>
-          <p:nvPicPr>
-            <p:cNvPr id="18" name="Picture 17" descr="Shape&#10;&#10;Description automatically generated">
-              <a:extLst>
-                <a:ext uri="{FF2B5EF4-FFF2-40B4-BE49-F238E27FC236}">
-                  <a16:creationId xmlns:a16="http://schemas.microsoft.com/office/drawing/2014/main" id="{3307E3E3-DE91-4394-B45A-4B60406D6210}"/>
-                </a:ext>
-              </a:extLst>
-            </p:cNvPr>
-            <p:cNvPicPr>
-              <a:picLocks noChangeAspect="1"/>
-            </p:cNvPicPr>
-            <p:nvPr/>
-          </p:nvPicPr>
-          <p:blipFill rotWithShape="1">
-            <a:blip r:embed="rId3">
-              <a:extLst>
-                <a:ext uri="{28A0092B-C50C-407E-A947-70E740481C1C}">
-                  <a14:useLocalDpi xmlns:a14="http://schemas.microsoft.com/office/drawing/2010/main" val="0"/>
-                </a:ext>
-              </a:extLst>
-            </a:blip>
-            <a:srcRect l="88507" t="24893" r="1657" b="29564"/>
-            <a:stretch/>
-          </p:blipFill>
-          <p:spPr>
-            <a:xfrm>
-              <a:off x="6487296" y="2374406"/>
-              <a:ext cx="946984" cy="4384748"/>
-            </a:xfrm>
-            <a:prstGeom prst="rect">
-              <a:avLst/>
-            </a:prstGeom>
-          </p:spPr>
-        </p:pic>
-        <p:pic>
-          <p:nvPicPr>
-            <p:cNvPr id="19" name="Picture 18" descr="Shape&#10;&#10;Description automatically generated">
-              <a:extLst>
-                <a:ext uri="{FF2B5EF4-FFF2-40B4-BE49-F238E27FC236}">
-                  <a16:creationId xmlns:a16="http://schemas.microsoft.com/office/drawing/2014/main" id="{C91B5B5E-2E97-4936-A39B-44EDF4DC2E77}"/>
-                </a:ext>
-              </a:extLst>
-            </p:cNvPr>
-            <p:cNvPicPr>
-              <a:picLocks noChangeAspect="1"/>
-            </p:cNvPicPr>
-            <p:nvPr/>
-          </p:nvPicPr>
-          <p:blipFill rotWithShape="1">
-            <a:blip r:embed="rId2">
-              <a:extLst>
-                <a:ext uri="{28A0092B-C50C-407E-A947-70E740481C1C}">
-                  <a14:useLocalDpi xmlns:a14="http://schemas.microsoft.com/office/drawing/2010/main" val="0"/>
-                </a:ext>
-              </a:extLst>
-            </a:blip>
-            <a:srcRect l="87654" t="25270" r="1920" b="28197"/>
-            <a:stretch/>
-          </p:blipFill>
-          <p:spPr>
-            <a:xfrm>
-              <a:off x="6549082" y="-2743139"/>
-              <a:ext cx="946984" cy="4226200"/>
-            </a:xfrm>
-            <a:prstGeom prst="rect">
-              <a:avLst/>
-            </a:prstGeom>
-          </p:spPr>
-        </p:pic>
-        <p:sp>
-          <p:nvSpPr>
-            <p:cNvPr id="21" name="Rectangle 20">
-              <a:extLst>
-                <a:ext uri="{FF2B5EF4-FFF2-40B4-BE49-F238E27FC236}">
-                  <a16:creationId xmlns:a16="http://schemas.microsoft.com/office/drawing/2014/main" id="{04C1F44E-99EC-4479-8C30-B190A9EBF1BC}"/>
-                </a:ext>
-              </a:extLst>
-            </p:cNvPr>
-            <p:cNvSpPr/>
-            <p:nvPr/>
-          </p:nvSpPr>
-          <p:spPr>
-            <a:xfrm>
-              <a:off x="1144242" y="-3204251"/>
-              <a:ext cx="445317" cy="408709"/>
-            </a:xfrm>
-            <a:prstGeom prst="rect">
-              <a:avLst/>
-            </a:prstGeom>
-            <a:solidFill>
-              <a:schemeClr val="bg1"/>
-            </a:solidFill>
-            <a:ln>
-              <a:solidFill>
-                <a:schemeClr val="bg1"/>
-              </a:solidFill>
-            </a:ln>
-          </p:spPr>
-          <p:style>
-            <a:lnRef idx="2">
-              <a:schemeClr val="accent1">
-                <a:shade val="50000"/>
-              </a:schemeClr>
-            </a:lnRef>
-            <a:fillRef idx="1">
-              <a:schemeClr val="accent1"/>
-            </a:fillRef>
-            <a:effectRef idx="0">
-              <a:schemeClr val="accent1"/>
-            </a:effectRef>
-            <a:fontRef idx="minor">
-              <a:schemeClr val="lt1"/>
-            </a:fontRef>
-          </p:style>
-          <p:txBody>
-            <a:bodyPr rtlCol="0" anchor="ctr"/>
-            <a:lstStyle/>
-            <a:p>
-              <a:pPr algn="ctr"/>
-              <a:r>
-                <a:rPr lang="en-US" b="1" dirty="0">
-                  <a:solidFill>
-                    <a:schemeClr val="tx1"/>
-                  </a:solidFill>
-                </a:rPr>
-                <a:t>A)</a:t>
-              </a:r>
-            </a:p>
-          </p:txBody>
-        </p:sp>
-        <p:sp>
-          <p:nvSpPr>
-            <p:cNvPr id="22" name="Rectangle 21">
-              <a:extLst>
-                <a:ext uri="{FF2B5EF4-FFF2-40B4-BE49-F238E27FC236}">
-                  <a16:creationId xmlns:a16="http://schemas.microsoft.com/office/drawing/2014/main" id="{36B167EA-0D20-4608-AEA9-2458D957B308}"/>
-                </a:ext>
-              </a:extLst>
-            </p:cNvPr>
-            <p:cNvSpPr/>
-            <p:nvPr/>
-          </p:nvSpPr>
-          <p:spPr>
-            <a:xfrm>
-              <a:off x="1144242" y="1820849"/>
-              <a:ext cx="445317" cy="408709"/>
-            </a:xfrm>
-            <a:prstGeom prst="rect">
-              <a:avLst/>
-            </a:prstGeom>
-            <a:solidFill>
-              <a:schemeClr val="bg1"/>
-            </a:solidFill>
-            <a:ln>
-              <a:solidFill>
-                <a:schemeClr val="bg1"/>
-              </a:solidFill>
-            </a:ln>
-          </p:spPr>
-          <p:style>
-            <a:lnRef idx="2">
-              <a:schemeClr val="accent1">
-                <a:shade val="50000"/>
-              </a:schemeClr>
-            </a:lnRef>
-            <a:fillRef idx="1">
-              <a:schemeClr val="accent1"/>
-            </a:fillRef>
-            <a:effectRef idx="0">
-              <a:schemeClr val="accent1"/>
-            </a:effectRef>
-            <a:fontRef idx="minor">
-              <a:schemeClr val="lt1"/>
-            </a:fontRef>
-          </p:style>
-          <p:txBody>
-            <a:bodyPr rtlCol="0" anchor="ctr"/>
-            <a:lstStyle/>
-            <a:p>
-              <a:pPr algn="ctr"/>
-              <a:r>
-                <a:rPr lang="en-US" b="1" dirty="0">
-                  <a:solidFill>
-                    <a:schemeClr val="tx1"/>
-                  </a:solidFill>
-                </a:rPr>
-                <a:t>B)</a:t>
-              </a:r>
-            </a:p>
-          </p:txBody>
-        </p:sp>
-        <p:sp>
-          <p:nvSpPr>
-            <p:cNvPr id="23" name="Rectangle 22">
-              <a:extLst>
-                <a:ext uri="{FF2B5EF4-FFF2-40B4-BE49-F238E27FC236}">
-                  <a16:creationId xmlns:a16="http://schemas.microsoft.com/office/drawing/2014/main" id="{C1AA1F1E-C206-4FC0-847F-57FEBF404054}"/>
-                </a:ext>
-              </a:extLst>
-            </p:cNvPr>
-            <p:cNvSpPr/>
-            <p:nvPr/>
-          </p:nvSpPr>
-          <p:spPr>
-            <a:xfrm>
-              <a:off x="1144242" y="6932034"/>
-              <a:ext cx="445317" cy="408709"/>
-            </a:xfrm>
-            <a:prstGeom prst="rect">
-              <a:avLst/>
-            </a:prstGeom>
-            <a:solidFill>
-              <a:schemeClr val="bg1"/>
-            </a:solidFill>
-            <a:ln>
-              <a:solidFill>
-                <a:schemeClr val="bg1"/>
-              </a:solidFill>
-            </a:ln>
-          </p:spPr>
-          <p:style>
-            <a:lnRef idx="2">
-              <a:schemeClr val="accent1">
-                <a:shade val="50000"/>
-              </a:schemeClr>
-            </a:lnRef>
-            <a:fillRef idx="1">
-              <a:schemeClr val="accent1"/>
-            </a:fillRef>
-            <a:effectRef idx="0">
-              <a:schemeClr val="accent1"/>
-            </a:effectRef>
-            <a:fontRef idx="minor">
-              <a:schemeClr val="lt1"/>
-            </a:fontRef>
-          </p:style>
-          <p:txBody>
-            <a:bodyPr rtlCol="0" anchor="ctr"/>
-            <a:lstStyle/>
-            <a:p>
-              <a:pPr algn="ctr"/>
-              <a:r>
-                <a:rPr lang="en-US" b="1" dirty="0">
-                  <a:solidFill>
-                    <a:schemeClr val="tx1"/>
-                  </a:solidFill>
-                </a:rPr>
-                <a:t>C)</a:t>
-              </a:r>
-            </a:p>
-          </p:txBody>
-        </p:sp>
-      </p:grpSp>
-    </p:spTree>
-    <p:extLst>
-      <p:ext uri="{BB962C8B-B14F-4D97-AF65-F5344CB8AC3E}">
-        <p14:creationId xmlns:p14="http://schemas.microsoft.com/office/powerpoint/2010/main" val="2531530650"/>
-      </p:ext>
-    </p:extLst>
-  </p:cSld>
-  <p:clrMapOvr>
-    <a:masterClrMapping/>
-  </p:clrMapOvr>
-</p:sld>
-</file>
-
-<file path=ppt/slides/slide15.xml><?xml version="1.0" encoding="utf-8"?>
-<p:sld xmlns:a="http://schemas.openxmlformats.org/drawingml/2006/main" xmlns:r="http://schemas.openxmlformats.org/officeDocument/2006/relationships" xmlns:p="http://schemas.openxmlformats.org/presentationml/2006/main">
-  <p:cSld>
-    <p:spTree>
-      <p:nvGrpSpPr>
-        <p:cNvPr id="1" name=""/>
-        <p:cNvGrpSpPr/>
-        <p:nvPr/>
-      </p:nvGrpSpPr>
-      <p:grpSpPr>
-        <a:xfrm>
-          <a:off x="0" y="0"/>
-          <a:ext cx="0" cy="0"/>
-          <a:chOff x="0" y="0"/>
-          <a:chExt cx="0" cy="0"/>
-        </a:xfrm>
-      </p:grpSpPr>
-      <p:grpSp>
-        <p:nvGrpSpPr>
-          <p:cNvPr id="24" name="Group 23">
-            <a:extLst>
-              <a:ext uri="{FF2B5EF4-FFF2-40B4-BE49-F238E27FC236}">
-                <a16:creationId xmlns:a16="http://schemas.microsoft.com/office/drawing/2014/main" id="{FDA38EA0-E292-4FD6-922B-9E7AD7B5ED44}"/>
-              </a:ext>
-            </a:extLst>
-          </p:cNvPr>
-          <p:cNvGrpSpPr/>
-          <p:nvPr/>
-        </p:nvGrpSpPr>
-        <p:grpSpPr>
-          <a:xfrm>
-            <a:off x="1113844" y="-3311613"/>
-            <a:ext cx="6830111" cy="17114124"/>
-            <a:chOff x="1113844" y="-3311613"/>
-            <a:chExt cx="6830111" cy="17114124"/>
-          </a:xfrm>
-        </p:grpSpPr>
-        <p:pic>
-          <p:nvPicPr>
-            <p:cNvPr id="7" name="Picture 6" descr="Shape&#10;&#10;Description automatically generated">
-              <a:extLst>
-                <a:ext uri="{FF2B5EF4-FFF2-40B4-BE49-F238E27FC236}">
-                  <a16:creationId xmlns:a16="http://schemas.microsoft.com/office/drawing/2014/main" id="{CF73D72A-8976-4B04-BA4A-E23C2D4E731D}"/>
-                </a:ext>
-              </a:extLst>
-            </p:cNvPr>
-            <p:cNvPicPr>
-              <a:picLocks noChangeAspect="1"/>
-            </p:cNvPicPr>
-            <p:nvPr/>
-          </p:nvPicPr>
-          <p:blipFill rotWithShape="1">
-            <a:blip r:embed="rId2">
-              <a:extLst>
-                <a:ext uri="{28A0092B-C50C-407E-A947-70E740481C1C}">
-                  <a14:useLocalDpi xmlns:a14="http://schemas.microsoft.com/office/drawing/2010/main" val="0"/>
-                </a:ext>
-              </a:extLst>
-            </a:blip>
-            <a:srcRect r="14451"/>
-            <a:stretch/>
-          </p:blipFill>
-          <p:spPr>
-            <a:xfrm>
-              <a:off x="1149106" y="-3311613"/>
-              <a:ext cx="5202267" cy="6081029"/>
-            </a:xfrm>
-            <a:prstGeom prst="rect">
-              <a:avLst/>
-            </a:prstGeom>
-          </p:spPr>
-        </p:pic>
-        <p:pic>
-          <p:nvPicPr>
-            <p:cNvPr id="10" name="Picture 9" descr="Shape&#10;&#10;Description automatically generated">
-              <a:extLst>
-                <a:ext uri="{FF2B5EF4-FFF2-40B4-BE49-F238E27FC236}">
-                  <a16:creationId xmlns:a16="http://schemas.microsoft.com/office/drawing/2014/main" id="{D4B8190B-DF2E-4153-889F-EDDB1A5A808F}"/>
-                </a:ext>
-              </a:extLst>
-            </p:cNvPr>
-            <p:cNvPicPr>
-              <a:picLocks noChangeAspect="1"/>
-            </p:cNvPicPr>
-            <p:nvPr/>
-          </p:nvPicPr>
-          <p:blipFill rotWithShape="1">
-            <a:blip r:embed="rId3">
-              <a:extLst>
-                <a:ext uri="{28A0092B-C50C-407E-A947-70E740481C1C}">
-                  <a14:useLocalDpi xmlns:a14="http://schemas.microsoft.com/office/drawing/2010/main" val="0"/>
-                </a:ext>
-              </a:extLst>
-            </a:blip>
-            <a:srcRect t="9292" r="13266" b="16139"/>
-            <a:stretch/>
-          </p:blipFill>
-          <p:spPr>
-            <a:xfrm>
-              <a:off x="1144242" y="2285600"/>
-              <a:ext cx="5318342" cy="4572400"/>
-            </a:xfrm>
-            <a:prstGeom prst="rect">
-              <a:avLst/>
-            </a:prstGeom>
-          </p:spPr>
-        </p:pic>
-        <p:pic>
-          <p:nvPicPr>
-            <p:cNvPr id="12" name="Picture 11" descr="Chart, bar chart&#10;&#10;Description automatically generated">
-              <a:extLst>
-                <a:ext uri="{FF2B5EF4-FFF2-40B4-BE49-F238E27FC236}">
-                  <a16:creationId xmlns:a16="http://schemas.microsoft.com/office/drawing/2014/main" id="{AFBD0492-BE67-4CE6-B7B4-CD45722F61B7}"/>
-                </a:ext>
-              </a:extLst>
-            </p:cNvPr>
-            <p:cNvPicPr>
-              <a:picLocks noChangeAspect="1"/>
-            </p:cNvPicPr>
-            <p:nvPr/>
-          </p:nvPicPr>
-          <p:blipFill rotWithShape="1">
-            <a:blip r:embed="rId4">
-              <a:extLst>
-                <a:ext uri="{28A0092B-C50C-407E-A947-70E740481C1C}">
-                  <a14:useLocalDpi xmlns:a14="http://schemas.microsoft.com/office/drawing/2010/main" val="0"/>
-                </a:ext>
-              </a:extLst>
-            </a:blip>
-            <a:srcRect t="1179" r="20124"/>
-            <a:stretch/>
-          </p:blipFill>
-          <p:spPr>
-            <a:xfrm>
-              <a:off x="1113844" y="7322818"/>
-              <a:ext cx="5237529" cy="6479693"/>
-            </a:xfrm>
-            <a:prstGeom prst="rect">
-              <a:avLst/>
-            </a:prstGeom>
-          </p:spPr>
-        </p:pic>
-        <p:sp>
-          <p:nvSpPr>
-            <p:cNvPr id="14" name="Rectangle 13">
-              <a:extLst>
-                <a:ext uri="{FF2B5EF4-FFF2-40B4-BE49-F238E27FC236}">
-                  <a16:creationId xmlns:a16="http://schemas.microsoft.com/office/drawing/2014/main" id="{910149E6-9285-4B73-BC64-B0B9EBFDEE6D}"/>
-                </a:ext>
-              </a:extLst>
-            </p:cNvPr>
-            <p:cNvSpPr/>
-            <p:nvPr/>
-          </p:nvSpPr>
-          <p:spPr>
-            <a:xfrm>
-              <a:off x="1911177" y="6870353"/>
-              <a:ext cx="4307181" cy="508769"/>
-            </a:xfrm>
-            <a:prstGeom prst="rect">
-              <a:avLst/>
-            </a:prstGeom>
-            <a:solidFill>
-              <a:srgbClr val="81A1B1"/>
-            </a:solidFill>
-            <a:ln>
-              <a:solidFill>
-                <a:schemeClr val="bg1"/>
-              </a:solidFill>
-            </a:ln>
-          </p:spPr>
-          <p:style>
-            <a:lnRef idx="2">
-              <a:schemeClr val="accent1">
-                <a:shade val="50000"/>
-              </a:schemeClr>
-            </a:lnRef>
-            <a:fillRef idx="1">
-              <a:schemeClr val="accent1"/>
-            </a:fillRef>
-            <a:effectRef idx="0">
-              <a:schemeClr val="accent1"/>
-            </a:effectRef>
-            <a:fontRef idx="minor">
-              <a:schemeClr val="lt1"/>
-            </a:fontRef>
-          </p:style>
-          <p:txBody>
-            <a:bodyPr rtlCol="0" anchor="ctr"/>
-            <a:lstStyle/>
-            <a:p>
-              <a:pPr algn="ctr"/>
-              <a:r>
-                <a:rPr lang="en-US" b="1" dirty="0">
-                  <a:solidFill>
-                    <a:schemeClr val="tx1"/>
-                  </a:solidFill>
-                </a:rPr>
-                <a:t>Lambda Slope over initial 20 years</a:t>
-              </a:r>
-            </a:p>
-          </p:txBody>
-        </p:sp>
-        <p:sp>
-          <p:nvSpPr>
-            <p:cNvPr id="15" name="Rectangle 14">
-              <a:extLst>
-                <a:ext uri="{FF2B5EF4-FFF2-40B4-BE49-F238E27FC236}">
-                  <a16:creationId xmlns:a16="http://schemas.microsoft.com/office/drawing/2014/main" id="{8AA17C0F-344A-4CD0-8DB7-A30DB199043B}"/>
-                </a:ext>
-              </a:extLst>
-            </p:cNvPr>
-            <p:cNvSpPr/>
-            <p:nvPr/>
-          </p:nvSpPr>
-          <p:spPr>
-            <a:xfrm>
-              <a:off x="1911177" y="1770820"/>
-              <a:ext cx="4307181" cy="508769"/>
-            </a:xfrm>
-            <a:prstGeom prst="rect">
-              <a:avLst/>
-            </a:prstGeom>
-            <a:solidFill>
-              <a:srgbClr val="81A1B1"/>
-            </a:solidFill>
-            <a:ln>
-              <a:solidFill>
-                <a:schemeClr val="bg1"/>
-              </a:solidFill>
-            </a:ln>
-          </p:spPr>
-          <p:style>
-            <a:lnRef idx="2">
-              <a:schemeClr val="accent1">
-                <a:shade val="50000"/>
-              </a:schemeClr>
-            </a:lnRef>
-            <a:fillRef idx="1">
-              <a:schemeClr val="accent1"/>
-            </a:fillRef>
-            <a:effectRef idx="0">
-              <a:schemeClr val="accent1"/>
-            </a:effectRef>
-            <a:fontRef idx="minor">
-              <a:schemeClr val="lt1"/>
-            </a:fontRef>
-          </p:style>
-          <p:txBody>
-            <a:bodyPr rtlCol="0" anchor="ctr"/>
-            <a:lstStyle/>
-            <a:p>
-              <a:pPr algn="ctr"/>
-              <a:r>
-                <a:rPr lang="en-US" b="1" dirty="0">
-                  <a:solidFill>
-                    <a:schemeClr val="tx1"/>
-                  </a:solidFill>
-                </a:rPr>
-                <a:t>Harvest Slope over initial 20 years</a:t>
-              </a:r>
-            </a:p>
-          </p:txBody>
-        </p:sp>
-        <p:sp>
-          <p:nvSpPr>
-            <p:cNvPr id="16" name="Rectangle 15">
-              <a:extLst>
-                <a:ext uri="{FF2B5EF4-FFF2-40B4-BE49-F238E27FC236}">
-                  <a16:creationId xmlns:a16="http://schemas.microsoft.com/office/drawing/2014/main" id="{129E80C1-1F2B-49FD-B2ED-448242E8A737}"/>
-                </a:ext>
-              </a:extLst>
-            </p:cNvPr>
-            <p:cNvSpPr/>
-            <p:nvPr/>
-          </p:nvSpPr>
-          <p:spPr>
-            <a:xfrm>
-              <a:off x="1911177" y="-3254280"/>
-              <a:ext cx="4307181" cy="508769"/>
-            </a:xfrm>
-            <a:prstGeom prst="rect">
-              <a:avLst/>
-            </a:prstGeom>
-            <a:solidFill>
-              <a:srgbClr val="81A1B1"/>
-            </a:solidFill>
-            <a:ln>
-              <a:solidFill>
-                <a:schemeClr val="bg1"/>
-              </a:solidFill>
-            </a:ln>
-          </p:spPr>
-          <p:style>
-            <a:lnRef idx="2">
-              <a:schemeClr val="accent1">
-                <a:shade val="50000"/>
-              </a:schemeClr>
-            </a:lnRef>
-            <a:fillRef idx="1">
-              <a:schemeClr val="accent1"/>
-            </a:fillRef>
-            <a:effectRef idx="0">
-              <a:schemeClr val="accent1"/>
-            </a:effectRef>
-            <a:fontRef idx="minor">
-              <a:schemeClr val="lt1"/>
-            </a:fontRef>
-          </p:style>
-          <p:txBody>
-            <a:bodyPr rtlCol="0" anchor="ctr"/>
-            <a:lstStyle/>
-            <a:p>
-              <a:pPr algn="ctr"/>
-              <a:r>
-                <a:rPr lang="en-US" b="1" dirty="0">
-                  <a:solidFill>
-                    <a:schemeClr val="tx1"/>
-                  </a:solidFill>
-                </a:rPr>
-                <a:t>Fish Population Slope over initial 20 years</a:t>
-              </a:r>
-            </a:p>
-          </p:txBody>
-        </p:sp>
-        <p:pic>
-          <p:nvPicPr>
-            <p:cNvPr id="17" name="Picture 16" descr="Chart, bar chart&#10;&#10;Description automatically generated">
-              <a:extLst>
-                <a:ext uri="{FF2B5EF4-FFF2-40B4-BE49-F238E27FC236}">
-                  <a16:creationId xmlns:a16="http://schemas.microsoft.com/office/drawing/2014/main" id="{8583EBB3-224D-493A-B37C-727D8A899621}"/>
-                </a:ext>
-              </a:extLst>
-            </p:cNvPr>
-            <p:cNvPicPr>
-              <a:picLocks noChangeAspect="1"/>
-            </p:cNvPicPr>
-            <p:nvPr/>
-          </p:nvPicPr>
-          <p:blipFill rotWithShape="1">
-            <a:blip r:embed="rId4">
-              <a:extLst>
-                <a:ext uri="{28A0092B-C50C-407E-A947-70E740481C1C}">
-                  <a14:useLocalDpi xmlns:a14="http://schemas.microsoft.com/office/drawing/2010/main" val="0"/>
-                </a:ext>
-              </a:extLst>
-            </a:blip>
-            <a:srcRect l="83240" t="26431" r="1529" b="27964"/>
-            <a:stretch/>
-          </p:blipFill>
-          <p:spPr>
-            <a:xfrm>
-              <a:off x="6462584" y="7823487"/>
-              <a:ext cx="1481371" cy="4435678"/>
-            </a:xfrm>
-            <a:prstGeom prst="rect">
-              <a:avLst/>
-            </a:prstGeom>
-          </p:spPr>
-        </p:pic>
-        <p:pic>
-          <p:nvPicPr>
-            <p:cNvPr id="18" name="Picture 17" descr="Shape&#10;&#10;Description automatically generated">
-              <a:extLst>
-                <a:ext uri="{FF2B5EF4-FFF2-40B4-BE49-F238E27FC236}">
-                  <a16:creationId xmlns:a16="http://schemas.microsoft.com/office/drawing/2014/main" id="{3307E3E3-DE91-4394-B45A-4B60406D6210}"/>
-                </a:ext>
-              </a:extLst>
-            </p:cNvPr>
-            <p:cNvPicPr>
-              <a:picLocks noChangeAspect="1"/>
-            </p:cNvPicPr>
-            <p:nvPr/>
-          </p:nvPicPr>
-          <p:blipFill rotWithShape="1">
-            <a:blip r:embed="rId3">
-              <a:extLst>
-                <a:ext uri="{28A0092B-C50C-407E-A947-70E740481C1C}">
-                  <a14:useLocalDpi xmlns:a14="http://schemas.microsoft.com/office/drawing/2010/main" val="0"/>
-                </a:ext>
-              </a:extLst>
-            </a:blip>
-            <a:srcRect l="88507" t="24893" r="1657" b="29564"/>
-            <a:stretch/>
-          </p:blipFill>
-          <p:spPr>
-            <a:xfrm>
-              <a:off x="6487296" y="2374406"/>
-              <a:ext cx="946984" cy="4384748"/>
-            </a:xfrm>
-            <a:prstGeom prst="rect">
-              <a:avLst/>
-            </a:prstGeom>
-          </p:spPr>
-        </p:pic>
-        <p:pic>
-          <p:nvPicPr>
-            <p:cNvPr id="19" name="Picture 18" descr="Shape&#10;&#10;Description automatically generated">
-              <a:extLst>
-                <a:ext uri="{FF2B5EF4-FFF2-40B4-BE49-F238E27FC236}">
-                  <a16:creationId xmlns:a16="http://schemas.microsoft.com/office/drawing/2014/main" id="{C91B5B5E-2E97-4936-A39B-44EDF4DC2E77}"/>
-                </a:ext>
-              </a:extLst>
-            </p:cNvPr>
-            <p:cNvPicPr>
-              <a:picLocks noChangeAspect="1"/>
-            </p:cNvPicPr>
-            <p:nvPr/>
-          </p:nvPicPr>
-          <p:blipFill rotWithShape="1">
-            <a:blip r:embed="rId2">
-              <a:extLst>
-                <a:ext uri="{28A0092B-C50C-407E-A947-70E740481C1C}">
-                  <a14:useLocalDpi xmlns:a14="http://schemas.microsoft.com/office/drawing/2010/main" val="0"/>
-                </a:ext>
-              </a:extLst>
-            </a:blip>
-            <a:srcRect l="87654" t="25270" r="1920" b="28197"/>
-            <a:stretch/>
-          </p:blipFill>
-          <p:spPr>
-            <a:xfrm>
-              <a:off x="6549082" y="-2743139"/>
-              <a:ext cx="946984" cy="4226200"/>
-            </a:xfrm>
-            <a:prstGeom prst="rect">
-              <a:avLst/>
-            </a:prstGeom>
-          </p:spPr>
-        </p:pic>
-        <p:sp>
-          <p:nvSpPr>
-            <p:cNvPr id="21" name="Rectangle 20">
-              <a:extLst>
-                <a:ext uri="{FF2B5EF4-FFF2-40B4-BE49-F238E27FC236}">
-                  <a16:creationId xmlns:a16="http://schemas.microsoft.com/office/drawing/2014/main" id="{04C1F44E-99EC-4479-8C30-B190A9EBF1BC}"/>
-                </a:ext>
-              </a:extLst>
-            </p:cNvPr>
-            <p:cNvSpPr/>
-            <p:nvPr/>
-          </p:nvSpPr>
-          <p:spPr>
-            <a:xfrm>
-              <a:off x="1144242" y="-3204251"/>
-              <a:ext cx="445317" cy="408709"/>
-            </a:xfrm>
-            <a:prstGeom prst="rect">
-              <a:avLst/>
-            </a:prstGeom>
-            <a:solidFill>
-              <a:schemeClr val="bg1"/>
-            </a:solidFill>
-            <a:ln>
-              <a:solidFill>
-                <a:schemeClr val="bg1"/>
-              </a:solidFill>
-            </a:ln>
-          </p:spPr>
-          <p:style>
-            <a:lnRef idx="2">
-              <a:schemeClr val="accent1">
-                <a:shade val="50000"/>
-              </a:schemeClr>
-            </a:lnRef>
-            <a:fillRef idx="1">
-              <a:schemeClr val="accent1"/>
-            </a:fillRef>
-            <a:effectRef idx="0">
-              <a:schemeClr val="accent1"/>
-            </a:effectRef>
-            <a:fontRef idx="minor">
-              <a:schemeClr val="lt1"/>
-            </a:fontRef>
-          </p:style>
-          <p:txBody>
-            <a:bodyPr rtlCol="0" anchor="ctr"/>
-            <a:lstStyle/>
-            <a:p>
-              <a:pPr algn="ctr"/>
-              <a:r>
-                <a:rPr lang="en-US" b="1" dirty="0">
-                  <a:solidFill>
-                    <a:schemeClr val="tx1"/>
-                  </a:solidFill>
-                </a:rPr>
-                <a:t>A)</a:t>
-              </a:r>
-            </a:p>
-          </p:txBody>
-        </p:sp>
-        <p:sp>
-          <p:nvSpPr>
-            <p:cNvPr id="22" name="Rectangle 21">
-              <a:extLst>
-                <a:ext uri="{FF2B5EF4-FFF2-40B4-BE49-F238E27FC236}">
-                  <a16:creationId xmlns:a16="http://schemas.microsoft.com/office/drawing/2014/main" id="{36B167EA-0D20-4608-AEA9-2458D957B308}"/>
-                </a:ext>
-              </a:extLst>
-            </p:cNvPr>
-            <p:cNvSpPr/>
-            <p:nvPr/>
-          </p:nvSpPr>
-          <p:spPr>
-            <a:xfrm>
-              <a:off x="1144242" y="1820849"/>
-              <a:ext cx="445317" cy="408709"/>
-            </a:xfrm>
-            <a:prstGeom prst="rect">
-              <a:avLst/>
-            </a:prstGeom>
-            <a:solidFill>
-              <a:schemeClr val="bg1"/>
-            </a:solidFill>
-            <a:ln>
-              <a:solidFill>
-                <a:schemeClr val="bg1"/>
-              </a:solidFill>
-            </a:ln>
-          </p:spPr>
-          <p:style>
-            <a:lnRef idx="2">
-              <a:schemeClr val="accent1">
-                <a:shade val="50000"/>
-              </a:schemeClr>
-            </a:lnRef>
-            <a:fillRef idx="1">
-              <a:schemeClr val="accent1"/>
-            </a:fillRef>
-            <a:effectRef idx="0">
-              <a:schemeClr val="accent1"/>
-            </a:effectRef>
-            <a:fontRef idx="minor">
-              <a:schemeClr val="lt1"/>
-            </a:fontRef>
-          </p:style>
-          <p:txBody>
-            <a:bodyPr rtlCol="0" anchor="ctr"/>
-            <a:lstStyle/>
-            <a:p>
-              <a:pPr algn="ctr"/>
-              <a:r>
-                <a:rPr lang="en-US" b="1" dirty="0">
-                  <a:solidFill>
-                    <a:schemeClr val="tx1"/>
-                  </a:solidFill>
-                </a:rPr>
-                <a:t>B)</a:t>
-              </a:r>
-            </a:p>
-          </p:txBody>
-        </p:sp>
-        <p:sp>
-          <p:nvSpPr>
-            <p:cNvPr id="23" name="Rectangle 22">
-              <a:extLst>
-                <a:ext uri="{FF2B5EF4-FFF2-40B4-BE49-F238E27FC236}">
-                  <a16:creationId xmlns:a16="http://schemas.microsoft.com/office/drawing/2014/main" id="{C1AA1F1E-C206-4FC0-847F-57FEBF404054}"/>
-                </a:ext>
-              </a:extLst>
-            </p:cNvPr>
-            <p:cNvSpPr/>
-            <p:nvPr/>
-          </p:nvSpPr>
-          <p:spPr>
-            <a:xfrm>
-              <a:off x="1144242" y="6932034"/>
-              <a:ext cx="445317" cy="408709"/>
-            </a:xfrm>
-            <a:prstGeom prst="rect">
-              <a:avLst/>
-            </a:prstGeom>
-            <a:solidFill>
-              <a:schemeClr val="bg1"/>
-            </a:solidFill>
-            <a:ln>
-              <a:solidFill>
-                <a:schemeClr val="bg1"/>
-              </a:solidFill>
-            </a:ln>
-          </p:spPr>
-          <p:style>
-            <a:lnRef idx="2">
-              <a:schemeClr val="accent1">
-                <a:shade val="50000"/>
-              </a:schemeClr>
-            </a:lnRef>
-            <a:fillRef idx="1">
-              <a:schemeClr val="accent1"/>
-            </a:fillRef>
-            <a:effectRef idx="0">
-              <a:schemeClr val="accent1"/>
-            </a:effectRef>
-            <a:fontRef idx="minor">
-              <a:schemeClr val="lt1"/>
-            </a:fontRef>
-          </p:style>
-          <p:txBody>
-            <a:bodyPr rtlCol="0" anchor="ctr"/>
-            <a:lstStyle/>
-            <a:p>
-              <a:pPr algn="ctr"/>
-              <a:r>
-                <a:rPr lang="en-US" b="1" dirty="0">
-                  <a:solidFill>
-                    <a:schemeClr val="tx1"/>
-                  </a:solidFill>
-                </a:rPr>
-                <a:t>C)</a:t>
-              </a:r>
-            </a:p>
-          </p:txBody>
-        </p:sp>
-      </p:grpSp>
-    </p:spTree>
-    <p:extLst>
-      <p:ext uri="{BB962C8B-B14F-4D97-AF65-F5344CB8AC3E}">
-        <p14:creationId xmlns:p14="http://schemas.microsoft.com/office/powerpoint/2010/main" val="2731890195"/>
-      </p:ext>
-    </p:extLst>
-  </p:cSld>
-  <p:clrMapOvr>
-    <a:masterClrMapping/>
-  </p:clrMapOvr>
-</p:sld>
-</file>
-
-<file path=ppt/slides/slide16.xml><?xml version="1.0" encoding="utf-8"?>
-<p:sld xmlns:a="http://schemas.openxmlformats.org/drawingml/2006/main" xmlns:r="http://schemas.openxmlformats.org/officeDocument/2006/relationships" xmlns:p="http://schemas.openxmlformats.org/presentationml/2006/main">
-  <p:cSld>
-    <p:spTree>
-      <p:nvGrpSpPr>
-        <p:cNvPr id="1" name=""/>
-        <p:cNvGrpSpPr/>
-        <p:nvPr/>
-      </p:nvGrpSpPr>
-      <p:grpSpPr>
-        <a:xfrm>
-          <a:off x="0" y="0"/>
-          <a:ext cx="0" cy="0"/>
-          <a:chOff x="0" y="0"/>
-          <a:chExt cx="0" cy="0"/>
-        </a:xfrm>
-      </p:grpSpPr>
       <p:pic>
         <p:nvPicPr>
           <p:cNvPr id="1026" name="Picture 2">
@@ -6568,7 +6562,7 @@
 </p:sld>
 </file>
 
-<file path=ppt/slides/slide17.xml><?xml version="1.0" encoding="utf-8"?>
+<file path=ppt/slides/slide14.xml><?xml version="1.0" encoding="utf-8"?>
 <p:sld xmlns:a="http://schemas.openxmlformats.org/drawingml/2006/main" xmlns:r="http://schemas.openxmlformats.org/officeDocument/2006/relationships" xmlns:p="http://schemas.openxmlformats.org/presentationml/2006/main">
   <p:cSld>
     <p:spTree>
@@ -16344,535 +16338,12 @@
           <a:chExt cx="0" cy="0"/>
         </a:xfrm>
       </p:grpSpPr>
-      <p:pic>
-        <p:nvPicPr>
-          <p:cNvPr id="3" name="Picture 2" descr="Chart&#10;&#10;Description automatically generated">
+      <p:sp>
+        <p:nvSpPr>
+          <p:cNvPr id="17" name="Rectangle 16">
             <a:extLst>
               <a:ext uri="{FF2B5EF4-FFF2-40B4-BE49-F238E27FC236}">
-                <a16:creationId xmlns:a16="http://schemas.microsoft.com/office/drawing/2014/main" id="{F6A71E36-4F33-4907-BA0D-76526A5FCFEA}"/>
-              </a:ext>
-            </a:extLst>
-          </p:cNvPr>
-          <p:cNvPicPr>
-            <a:picLocks noChangeAspect="1"/>
-          </p:cNvPicPr>
-          <p:nvPr/>
-        </p:nvPicPr>
-        <p:blipFill>
-          <a:blip r:embed="rId2">
-            <a:extLst>
-              <a:ext uri="{28A0092B-C50C-407E-A947-70E740481C1C}">
-                <a14:useLocalDpi xmlns:a14="http://schemas.microsoft.com/office/drawing/2010/main" val="0"/>
-              </a:ext>
-            </a:extLst>
-          </a:blip>
-          <a:stretch>
-            <a:fillRect/>
-          </a:stretch>
-        </p:blipFill>
-        <p:spPr>
-          <a:xfrm>
-            <a:off x="2972590" y="1600196"/>
-            <a:ext cx="4572009" cy="3657607"/>
-          </a:xfrm>
-          <a:prstGeom prst="rect">
-            <a:avLst/>
-          </a:prstGeom>
-        </p:spPr>
-      </p:pic>
-      <p:pic>
-        <p:nvPicPr>
-          <p:cNvPr id="5" name="Picture 4" descr="Chart&#10;&#10;Description automatically generated">
-            <a:extLst>
-              <a:ext uri="{FF2B5EF4-FFF2-40B4-BE49-F238E27FC236}">
-                <a16:creationId xmlns:a16="http://schemas.microsoft.com/office/drawing/2014/main" id="{68DD28D9-72A8-4383-A09B-7A49E86181C9}"/>
-              </a:ext>
-            </a:extLst>
-          </p:cNvPr>
-          <p:cNvPicPr>
-            <a:picLocks noChangeAspect="1"/>
-          </p:cNvPicPr>
-          <p:nvPr/>
-        </p:nvPicPr>
-        <p:blipFill>
-          <a:blip r:embed="rId3">
-            <a:extLst>
-              <a:ext uri="{28A0092B-C50C-407E-A947-70E740481C1C}">
-                <a14:useLocalDpi xmlns:a14="http://schemas.microsoft.com/office/drawing/2010/main" val="0"/>
-              </a:ext>
-            </a:extLst>
-          </a:blip>
-          <a:stretch>
-            <a:fillRect/>
-          </a:stretch>
-        </p:blipFill>
-        <p:spPr>
-          <a:xfrm>
-            <a:off x="5066900" y="3200393"/>
-            <a:ext cx="4572009" cy="3657607"/>
-          </a:xfrm>
-          <a:prstGeom prst="rect">
-            <a:avLst/>
-          </a:prstGeom>
-        </p:spPr>
-      </p:pic>
-      <p:pic>
-        <p:nvPicPr>
-          <p:cNvPr id="7" name="Picture 6" descr="Chart&#10;&#10;Description automatically generated">
-            <a:extLst>
-              <a:ext uri="{FF2B5EF4-FFF2-40B4-BE49-F238E27FC236}">
-                <a16:creationId xmlns:a16="http://schemas.microsoft.com/office/drawing/2014/main" id="{A3C280E4-4F84-482F-85A8-5892E4A9B68A}"/>
-              </a:ext>
-            </a:extLst>
-          </p:cNvPr>
-          <p:cNvPicPr>
-            <a:picLocks noChangeAspect="1"/>
-          </p:cNvPicPr>
-          <p:nvPr/>
-        </p:nvPicPr>
-        <p:blipFill>
-          <a:blip r:embed="rId4">
-            <a:extLst>
-              <a:ext uri="{28A0092B-C50C-407E-A947-70E740481C1C}">
-                <a14:useLocalDpi xmlns:a14="http://schemas.microsoft.com/office/drawing/2010/main" val="0"/>
-              </a:ext>
-            </a:extLst>
-          </a:blip>
-          <a:stretch>
-            <a:fillRect/>
-          </a:stretch>
-        </p:blipFill>
-        <p:spPr>
-          <a:xfrm>
-            <a:off x="6933406" y="1900196"/>
-            <a:ext cx="4572009" cy="3657607"/>
-          </a:xfrm>
-          <a:prstGeom prst="rect">
-            <a:avLst/>
-          </a:prstGeom>
-        </p:spPr>
-      </p:pic>
-    </p:spTree>
-    <p:extLst>
-      <p:ext uri="{BB962C8B-B14F-4D97-AF65-F5344CB8AC3E}">
-        <p14:creationId xmlns:p14="http://schemas.microsoft.com/office/powerpoint/2010/main" val="749053936"/>
-      </p:ext>
-    </p:extLst>
-  </p:cSld>
-  <p:clrMapOvr>
-    <a:masterClrMapping/>
-  </p:clrMapOvr>
-</p:sld>
-</file>
-
-<file path=ppt/slides/slide9.xml><?xml version="1.0" encoding="utf-8"?>
-<p:sld xmlns:a="http://schemas.openxmlformats.org/drawingml/2006/main" xmlns:r="http://schemas.openxmlformats.org/officeDocument/2006/relationships" xmlns:p="http://schemas.openxmlformats.org/presentationml/2006/main">
-  <p:cSld>
-    <p:spTree>
-      <p:nvGrpSpPr>
-        <p:cNvPr id="1" name=""/>
-        <p:cNvGrpSpPr/>
-        <p:nvPr/>
-      </p:nvGrpSpPr>
-      <p:grpSpPr>
-        <a:xfrm>
-          <a:off x="0" y="0"/>
-          <a:ext cx="0" cy="0"/>
-          <a:chOff x="0" y="0"/>
-          <a:chExt cx="0" cy="0"/>
-        </a:xfrm>
-      </p:grpSpPr>
-      <p:pic>
-        <p:nvPicPr>
-          <p:cNvPr id="5" name="Picture 4" descr="Chart, box and whisker chart&#10;&#10;Description automatically generated">
-            <a:extLst>
-              <a:ext uri="{FF2B5EF4-FFF2-40B4-BE49-F238E27FC236}">
-                <a16:creationId xmlns:a16="http://schemas.microsoft.com/office/drawing/2014/main" id="{A7FA2606-85B8-40AB-B894-432973F43214}"/>
-              </a:ext>
-            </a:extLst>
-          </p:cNvPr>
-          <p:cNvPicPr>
-            <a:picLocks noChangeAspect="1"/>
-          </p:cNvPicPr>
-          <p:nvPr/>
-        </p:nvPicPr>
-        <p:blipFill rotWithShape="1">
-          <a:blip r:embed="rId2">
-            <a:extLst>
-              <a:ext uri="{28A0092B-C50C-407E-A947-70E740481C1C}">
-                <a14:useLocalDpi xmlns:a14="http://schemas.microsoft.com/office/drawing/2010/main" val="0"/>
-              </a:ext>
-            </a:extLst>
-          </a:blip>
-          <a:srcRect t="9446" r="12199"/>
-          <a:stretch/>
-        </p:blipFill>
-        <p:spPr>
-          <a:xfrm>
-            <a:off x="9730" y="3803516"/>
-            <a:ext cx="12182100" cy="6084895"/>
-          </a:xfrm>
-          <a:prstGeom prst="rect">
-            <a:avLst/>
-          </a:prstGeom>
-        </p:spPr>
-      </p:pic>
-      <p:pic>
-        <p:nvPicPr>
-          <p:cNvPr id="16" name="Picture 15" descr="Chart&#10;&#10;Description automatically generated">
-            <a:extLst>
-              <a:ext uri="{FF2B5EF4-FFF2-40B4-BE49-F238E27FC236}">
-                <a16:creationId xmlns:a16="http://schemas.microsoft.com/office/drawing/2014/main" id="{4BACFF76-AF23-467A-8578-45335FA22BD5}"/>
-              </a:ext>
-            </a:extLst>
-          </p:cNvPr>
-          <p:cNvPicPr>
-            <a:picLocks noChangeAspect="1"/>
-          </p:cNvPicPr>
-          <p:nvPr/>
-        </p:nvPicPr>
-        <p:blipFill rotWithShape="1">
-          <a:blip r:embed="rId3">
-            <a:extLst>
-              <a:ext uri="{28A0092B-C50C-407E-A947-70E740481C1C}">
-                <a14:useLocalDpi xmlns:a14="http://schemas.microsoft.com/office/drawing/2010/main" val="0"/>
-              </a:ext>
-            </a:extLst>
-          </a:blip>
-          <a:srcRect r="24338"/>
-          <a:stretch/>
-        </p:blipFill>
-        <p:spPr>
-          <a:xfrm>
-            <a:off x="6202420" y="368277"/>
-            <a:ext cx="3459293" cy="3657607"/>
-          </a:xfrm>
-          <a:prstGeom prst="rect">
-            <a:avLst/>
-          </a:prstGeom>
-        </p:spPr>
-      </p:pic>
-      <p:pic>
-        <p:nvPicPr>
-          <p:cNvPr id="6" name="Picture 5" descr="Chart, box and whisker chart&#10;&#10;Description automatically generated">
-            <a:extLst>
-              <a:ext uri="{FF2B5EF4-FFF2-40B4-BE49-F238E27FC236}">
-                <a16:creationId xmlns:a16="http://schemas.microsoft.com/office/drawing/2014/main" id="{C23EAF1A-3DD7-43EC-882A-0DA93E9901CC}"/>
-              </a:ext>
-            </a:extLst>
-          </p:cNvPr>
-          <p:cNvPicPr>
-            <a:picLocks noChangeAspect="1"/>
-          </p:cNvPicPr>
-          <p:nvPr/>
-        </p:nvPicPr>
-        <p:blipFill rotWithShape="1">
-          <a:blip r:embed="rId4">
-            <a:extLst>
-              <a:ext uri="{28A0092B-C50C-407E-A947-70E740481C1C}">
-                <a14:useLocalDpi xmlns:a14="http://schemas.microsoft.com/office/drawing/2010/main" val="0"/>
-              </a:ext>
-            </a:extLst>
-          </a:blip>
-          <a:srcRect l="4432" t="447" r="74716" b="91172"/>
-          <a:stretch/>
-        </p:blipFill>
-        <p:spPr>
-          <a:xfrm>
-            <a:off x="381000" y="-2004493"/>
-            <a:ext cx="2542309" cy="408709"/>
-          </a:xfrm>
-          <a:prstGeom prst="rect">
-            <a:avLst/>
-          </a:prstGeom>
-        </p:spPr>
-      </p:pic>
-      <p:pic>
-        <p:nvPicPr>
-          <p:cNvPr id="7" name="Picture 6" descr="Chart, box and whisker chart&#10;&#10;Description automatically generated">
-            <a:extLst>
-              <a:ext uri="{FF2B5EF4-FFF2-40B4-BE49-F238E27FC236}">
-                <a16:creationId xmlns:a16="http://schemas.microsoft.com/office/drawing/2014/main" id="{E2E36872-957D-482B-8138-3D3A70EC8D11}"/>
-              </a:ext>
-            </a:extLst>
-          </p:cNvPr>
-          <p:cNvPicPr>
-            <a:picLocks noChangeAspect="1"/>
-          </p:cNvPicPr>
-          <p:nvPr/>
-        </p:nvPicPr>
-        <p:blipFill rotWithShape="1">
-          <a:blip r:embed="rId4">
-            <a:extLst>
-              <a:ext uri="{28A0092B-C50C-407E-A947-70E740481C1C}">
-                <a14:useLocalDpi xmlns:a14="http://schemas.microsoft.com/office/drawing/2010/main" val="0"/>
-              </a:ext>
-            </a:extLst>
-          </a:blip>
-          <a:srcRect l="89489" t="40504" b="37479"/>
-          <a:stretch/>
-        </p:blipFill>
-        <p:spPr>
-          <a:xfrm>
-            <a:off x="10806546" y="-2004493"/>
-            <a:ext cx="1281544" cy="1073727"/>
-          </a:xfrm>
-          <a:prstGeom prst="rect">
-            <a:avLst/>
-          </a:prstGeom>
-        </p:spPr>
-      </p:pic>
-      <p:pic>
-        <p:nvPicPr>
-          <p:cNvPr id="8" name="Picture 7" descr="Chart, box and whisker chart&#10;&#10;Description automatically generated">
-            <a:extLst>
-              <a:ext uri="{FF2B5EF4-FFF2-40B4-BE49-F238E27FC236}">
-                <a16:creationId xmlns:a16="http://schemas.microsoft.com/office/drawing/2014/main" id="{DE1CE60D-4E6D-4E5C-AA29-E06E4DF55458}"/>
-              </a:ext>
-            </a:extLst>
-          </p:cNvPr>
-          <p:cNvPicPr>
-            <a:picLocks noChangeAspect="1"/>
-          </p:cNvPicPr>
-          <p:nvPr/>
-        </p:nvPicPr>
-        <p:blipFill rotWithShape="1">
-          <a:blip r:embed="rId4">
-            <a:extLst>
-              <a:ext uri="{28A0092B-C50C-407E-A947-70E740481C1C}">
-                <a14:useLocalDpi xmlns:a14="http://schemas.microsoft.com/office/drawing/2010/main" val="0"/>
-              </a:ext>
-            </a:extLst>
-          </a:blip>
-          <a:srcRect l="25227" t="447" r="53920" b="91172"/>
-          <a:stretch/>
-        </p:blipFill>
-        <p:spPr>
-          <a:xfrm>
-            <a:off x="3051464" y="-2004494"/>
-            <a:ext cx="2542309" cy="408709"/>
-          </a:xfrm>
-          <a:prstGeom prst="rect">
-            <a:avLst/>
-          </a:prstGeom>
-        </p:spPr>
-      </p:pic>
-      <p:pic>
-        <p:nvPicPr>
-          <p:cNvPr id="9" name="Picture 8" descr="Chart, box and whisker chart&#10;&#10;Description automatically generated">
-            <a:extLst>
-              <a:ext uri="{FF2B5EF4-FFF2-40B4-BE49-F238E27FC236}">
-                <a16:creationId xmlns:a16="http://schemas.microsoft.com/office/drawing/2014/main" id="{676C7B85-CA21-425D-A63A-5E0BB77CF4F3}"/>
-              </a:ext>
-            </a:extLst>
-          </p:cNvPr>
-          <p:cNvPicPr>
-            <a:picLocks noChangeAspect="1"/>
-          </p:cNvPicPr>
-          <p:nvPr/>
-        </p:nvPicPr>
-        <p:blipFill rotWithShape="1">
-          <a:blip r:embed="rId4">
-            <a:extLst>
-              <a:ext uri="{28A0092B-C50C-407E-A947-70E740481C1C}">
-                <a14:useLocalDpi xmlns:a14="http://schemas.microsoft.com/office/drawing/2010/main" val="0"/>
-              </a:ext>
-            </a:extLst>
-          </a:blip>
-          <a:srcRect l="46250" t="447" r="32841" b="91172"/>
-          <a:stretch/>
-        </p:blipFill>
-        <p:spPr>
-          <a:xfrm>
-            <a:off x="3283526" y="-1076239"/>
-            <a:ext cx="2549237" cy="408709"/>
-          </a:xfrm>
-          <a:prstGeom prst="rect">
-            <a:avLst/>
-          </a:prstGeom>
-        </p:spPr>
-      </p:pic>
-      <p:pic>
-        <p:nvPicPr>
-          <p:cNvPr id="10" name="Picture 9" descr="Chart, box and whisker chart&#10;&#10;Description automatically generated">
-            <a:extLst>
-              <a:ext uri="{FF2B5EF4-FFF2-40B4-BE49-F238E27FC236}">
-                <a16:creationId xmlns:a16="http://schemas.microsoft.com/office/drawing/2014/main" id="{14714280-7D6C-4E9D-A1AD-9D46CE75F6AF}"/>
-              </a:ext>
-            </a:extLst>
-          </p:cNvPr>
-          <p:cNvPicPr>
-            <a:picLocks noChangeAspect="1"/>
-          </p:cNvPicPr>
-          <p:nvPr/>
-        </p:nvPicPr>
-        <p:blipFill rotWithShape="1">
-          <a:blip r:embed="rId4">
-            <a:extLst>
-              <a:ext uri="{28A0092B-C50C-407E-A947-70E740481C1C}">
-                <a14:useLocalDpi xmlns:a14="http://schemas.microsoft.com/office/drawing/2010/main" val="0"/>
-              </a:ext>
-            </a:extLst>
-          </a:blip>
-          <a:srcRect l="67216" t="1158" r="11875" b="91172"/>
-          <a:stretch/>
-        </p:blipFill>
-        <p:spPr>
-          <a:xfrm>
-            <a:off x="6359239" y="-1076239"/>
-            <a:ext cx="2549237" cy="374072"/>
-          </a:xfrm>
-          <a:prstGeom prst="rect">
-            <a:avLst/>
-          </a:prstGeom>
-        </p:spPr>
-      </p:pic>
-      <p:pic>
-        <p:nvPicPr>
-          <p:cNvPr id="11" name="Picture 10" descr="Chart, box and whisker chart&#10;&#10;Description automatically generated">
-            <a:extLst>
-              <a:ext uri="{FF2B5EF4-FFF2-40B4-BE49-F238E27FC236}">
-                <a16:creationId xmlns:a16="http://schemas.microsoft.com/office/drawing/2014/main" id="{1CBBE543-FCCD-4408-A973-7AD7B69F1A4F}"/>
-              </a:ext>
-            </a:extLst>
-          </p:cNvPr>
-          <p:cNvPicPr>
-            <a:picLocks noChangeAspect="1"/>
-          </p:cNvPicPr>
-          <p:nvPr/>
-        </p:nvPicPr>
-        <p:blipFill rotWithShape="1">
-          <a:blip r:embed="rId4">
-            <a:extLst>
-              <a:ext uri="{28A0092B-C50C-407E-A947-70E740481C1C}">
-                <a14:useLocalDpi xmlns:a14="http://schemas.microsoft.com/office/drawing/2010/main" val="0"/>
-              </a:ext>
-            </a:extLst>
-          </a:blip>
-          <a:srcRect l="67216" t="1158" r="11875" b="91172"/>
-          <a:stretch/>
-        </p:blipFill>
-        <p:spPr>
-          <a:xfrm>
-            <a:off x="9486609" y="35260"/>
-            <a:ext cx="2549237" cy="374072"/>
-          </a:xfrm>
-          <a:prstGeom prst="rect">
-            <a:avLst/>
-          </a:prstGeom>
-        </p:spPr>
-      </p:pic>
-      <p:pic>
-        <p:nvPicPr>
-          <p:cNvPr id="12" name="Picture 11" descr="Chart, box and whisker chart&#10;&#10;Description automatically generated">
-            <a:extLst>
-              <a:ext uri="{FF2B5EF4-FFF2-40B4-BE49-F238E27FC236}">
-                <a16:creationId xmlns:a16="http://schemas.microsoft.com/office/drawing/2014/main" id="{956F711E-B424-49D3-A13C-2C450514684E}"/>
-              </a:ext>
-            </a:extLst>
-          </p:cNvPr>
-          <p:cNvPicPr>
-            <a:picLocks noChangeAspect="1"/>
-          </p:cNvPicPr>
-          <p:nvPr/>
-        </p:nvPicPr>
-        <p:blipFill rotWithShape="1">
-          <a:blip r:embed="rId4">
-            <a:extLst>
-              <a:ext uri="{28A0092B-C50C-407E-A947-70E740481C1C}">
-                <a14:useLocalDpi xmlns:a14="http://schemas.microsoft.com/office/drawing/2010/main" val="0"/>
-              </a:ext>
-            </a:extLst>
-          </a:blip>
-          <a:srcRect l="46250" t="447" r="32841" b="91172"/>
-          <a:stretch/>
-        </p:blipFill>
-        <p:spPr>
-          <a:xfrm>
-            <a:off x="6705541" y="17942"/>
-            <a:ext cx="2549237" cy="408709"/>
-          </a:xfrm>
-          <a:prstGeom prst="rect">
-            <a:avLst/>
-          </a:prstGeom>
-        </p:spPr>
-      </p:pic>
-      <p:pic>
-        <p:nvPicPr>
-          <p:cNvPr id="13" name="Picture 12" descr="Chart, box and whisker chart&#10;&#10;Description automatically generated">
-            <a:extLst>
-              <a:ext uri="{FF2B5EF4-FFF2-40B4-BE49-F238E27FC236}">
-                <a16:creationId xmlns:a16="http://schemas.microsoft.com/office/drawing/2014/main" id="{6DBC0EDD-A65E-4A93-9FD6-DE3B0A6DA04B}"/>
-              </a:ext>
-            </a:extLst>
-          </p:cNvPr>
-          <p:cNvPicPr>
-            <a:picLocks noChangeAspect="1"/>
-          </p:cNvPicPr>
-          <p:nvPr/>
-        </p:nvPicPr>
-        <p:blipFill rotWithShape="1">
-          <a:blip r:embed="rId4">
-            <a:extLst>
-              <a:ext uri="{28A0092B-C50C-407E-A947-70E740481C1C}">
-                <a14:useLocalDpi xmlns:a14="http://schemas.microsoft.com/office/drawing/2010/main" val="0"/>
-              </a:ext>
-            </a:extLst>
-          </a:blip>
-          <a:srcRect l="25227" t="447" r="53920" b="91172"/>
-          <a:stretch/>
-        </p:blipFill>
-        <p:spPr>
-          <a:xfrm>
-            <a:off x="3910474" y="17942"/>
-            <a:ext cx="2542309" cy="408709"/>
-          </a:xfrm>
-          <a:prstGeom prst="rect">
-            <a:avLst/>
-          </a:prstGeom>
-        </p:spPr>
-      </p:pic>
-      <p:pic>
-        <p:nvPicPr>
-          <p:cNvPr id="14" name="Picture 13" descr="Chart, box and whisker chart&#10;&#10;Description automatically generated">
-            <a:extLst>
-              <a:ext uri="{FF2B5EF4-FFF2-40B4-BE49-F238E27FC236}">
-                <a16:creationId xmlns:a16="http://schemas.microsoft.com/office/drawing/2014/main" id="{5FF5AA67-4A83-4F12-9279-D9B1F7BB23D2}"/>
-              </a:ext>
-            </a:extLst>
-          </p:cNvPr>
-          <p:cNvPicPr>
-            <a:picLocks noChangeAspect="1"/>
-          </p:cNvPicPr>
-          <p:nvPr/>
-        </p:nvPicPr>
-        <p:blipFill rotWithShape="1">
-          <a:blip r:embed="rId4">
-            <a:extLst>
-              <a:ext uri="{28A0092B-C50C-407E-A947-70E740481C1C}">
-                <a14:useLocalDpi xmlns:a14="http://schemas.microsoft.com/office/drawing/2010/main" val="0"/>
-              </a:ext>
-            </a:extLst>
-          </a:blip>
-          <a:srcRect l="4432" t="447" r="74716" b="91172"/>
-          <a:stretch/>
-        </p:blipFill>
-        <p:spPr>
-          <a:xfrm>
-            <a:off x="1039702" y="17942"/>
-            <a:ext cx="2542309" cy="408709"/>
-          </a:xfrm>
-          <a:prstGeom prst="rect">
-            <a:avLst/>
-          </a:prstGeom>
-        </p:spPr>
-      </p:pic>
-      <p:sp>
-        <p:nvSpPr>
-          <p:cNvPr id="15" name="Rectangle 14">
-            <a:extLst>
-              <a:ext uri="{FF2B5EF4-FFF2-40B4-BE49-F238E27FC236}">
-                <a16:creationId xmlns:a16="http://schemas.microsoft.com/office/drawing/2014/main" id="{ACE869D7-7F0A-4583-8DC5-9ED0C0F7548B}"/>
+                <a16:creationId xmlns:a16="http://schemas.microsoft.com/office/drawing/2014/main" id="{52942BBA-8D57-4922-8289-993B31EDD69B}"/>
               </a:ext>
             </a:extLst>
           </p:cNvPr>
@@ -16881,8 +16352,8 @@
         </p:nvSpPr>
         <p:spPr>
           <a:xfrm>
-            <a:off x="70056" y="78207"/>
-            <a:ext cx="445317" cy="408709"/>
+            <a:off x="839584" y="1986165"/>
+            <a:ext cx="623455" cy="139622"/>
           </a:xfrm>
           <a:prstGeom prst="rect">
             <a:avLst/>
@@ -16918,22 +16389,24 @@
           <a:p>
             <a:pPr algn="ctr"/>
             <a:r>
-              <a:rPr lang="en-US" b="1" dirty="0">
+              <a:rPr lang="en-US" dirty="0">
                 <a:solidFill>
-                  <a:schemeClr val="tx1"/>
+                  <a:sysClr val="windowText" lastClr="000000"/>
                 </a:solidFill>
+                <a:latin typeface="Cambria Math" panose="02040503050406030204" pitchFamily="18" charset="0"/>
+                <a:ea typeface="Cambria Math" panose="02040503050406030204" pitchFamily="18" charset="0"/>
               </a:rPr>
-              <a:t>A)</a:t>
+              <a:t>40</a:t>
             </a:r>
           </a:p>
         </p:txBody>
       </p:sp>
       <p:sp>
         <p:nvSpPr>
-          <p:cNvPr id="17" name="Rectangle 16">
+          <p:cNvPr id="18" name="Rectangle 17">
             <a:extLst>
               <a:ext uri="{FF2B5EF4-FFF2-40B4-BE49-F238E27FC236}">
-                <a16:creationId xmlns:a16="http://schemas.microsoft.com/office/drawing/2014/main" id="{CB0A29A4-455C-4EDD-B813-7E5F38E14554}"/>
+                <a16:creationId xmlns:a16="http://schemas.microsoft.com/office/drawing/2014/main" id="{708984B2-4897-437B-9E27-89917280BCA5}"/>
               </a:ext>
             </a:extLst>
           </p:cNvPr>
@@ -16942,8 +16415,8 @@
         </p:nvSpPr>
         <p:spPr>
           <a:xfrm>
-            <a:off x="1579553" y="3812220"/>
-            <a:ext cx="9626138" cy="250918"/>
+            <a:off x="839584" y="2779736"/>
+            <a:ext cx="623455" cy="139622"/>
           </a:xfrm>
           <a:prstGeom prst="rect">
             <a:avLst/>
@@ -16979,16 +16452,1532 @@
           <a:p>
             <a:pPr algn="ctr"/>
             <a:r>
-              <a:rPr lang="en-US" sz="1600" dirty="0">
+              <a:rPr lang="en-US" dirty="0">
                 <a:solidFill>
-                  <a:schemeClr val="tx1"/>
+                  <a:sysClr val="windowText" lastClr="000000"/>
                 </a:solidFill>
+                <a:latin typeface="Cambria Math" panose="02040503050406030204" pitchFamily="18" charset="0"/>
+                <a:ea typeface="Cambria Math" panose="02040503050406030204" pitchFamily="18" charset="0"/>
               </a:rPr>
-              <a:t>Time (years)</a:t>
+              <a:t>30</a:t>
             </a:r>
           </a:p>
         </p:txBody>
       </p:sp>
+      <p:sp>
+        <p:nvSpPr>
+          <p:cNvPr id="19" name="Rectangle 18">
+            <a:extLst>
+              <a:ext uri="{FF2B5EF4-FFF2-40B4-BE49-F238E27FC236}">
+                <a16:creationId xmlns:a16="http://schemas.microsoft.com/office/drawing/2014/main" id="{98AC456C-B95A-4934-9810-BDA2ED684D27}"/>
+              </a:ext>
+            </a:extLst>
+          </p:cNvPr>
+          <p:cNvSpPr/>
+          <p:nvPr/>
+        </p:nvSpPr>
+        <p:spPr>
+          <a:xfrm>
+            <a:off x="839584" y="3561413"/>
+            <a:ext cx="623455" cy="139622"/>
+          </a:xfrm>
+          <a:prstGeom prst="rect">
+            <a:avLst/>
+          </a:prstGeom>
+          <a:solidFill>
+            <a:schemeClr val="bg1"/>
+          </a:solidFill>
+          <a:ln>
+            <a:solidFill>
+              <a:schemeClr val="bg1"/>
+            </a:solidFill>
+          </a:ln>
+        </p:spPr>
+        <p:style>
+          <a:lnRef idx="2">
+            <a:schemeClr val="accent1">
+              <a:shade val="50000"/>
+            </a:schemeClr>
+          </a:lnRef>
+          <a:fillRef idx="1">
+            <a:schemeClr val="accent1"/>
+          </a:fillRef>
+          <a:effectRef idx="0">
+            <a:schemeClr val="accent1"/>
+          </a:effectRef>
+          <a:fontRef idx="minor">
+            <a:schemeClr val="lt1"/>
+          </a:fontRef>
+        </p:style>
+        <p:txBody>
+          <a:bodyPr rtlCol="0" anchor="ctr"/>
+          <a:lstStyle/>
+          <a:p>
+            <a:pPr algn="ctr"/>
+            <a:r>
+              <a:rPr lang="en-US" dirty="0">
+                <a:solidFill>
+                  <a:sysClr val="windowText" lastClr="000000"/>
+                </a:solidFill>
+                <a:latin typeface="Cambria Math" panose="02040503050406030204" pitchFamily="18" charset="0"/>
+                <a:ea typeface="Cambria Math" panose="02040503050406030204" pitchFamily="18" charset="0"/>
+              </a:rPr>
+              <a:t>20</a:t>
+            </a:r>
+          </a:p>
+        </p:txBody>
+      </p:sp>
+      <p:sp>
+        <p:nvSpPr>
+          <p:cNvPr id="20" name="Rectangle 19">
+            <a:extLst>
+              <a:ext uri="{FF2B5EF4-FFF2-40B4-BE49-F238E27FC236}">
+                <a16:creationId xmlns:a16="http://schemas.microsoft.com/office/drawing/2014/main" id="{27DAC576-0E96-4C93-9DA1-FE7E509BED8D}"/>
+              </a:ext>
+            </a:extLst>
+          </p:cNvPr>
+          <p:cNvSpPr/>
+          <p:nvPr/>
+        </p:nvSpPr>
+        <p:spPr>
+          <a:xfrm>
+            <a:off x="839584" y="4360607"/>
+            <a:ext cx="623455" cy="139622"/>
+          </a:xfrm>
+          <a:prstGeom prst="rect">
+            <a:avLst/>
+          </a:prstGeom>
+          <a:solidFill>
+            <a:schemeClr val="bg1"/>
+          </a:solidFill>
+          <a:ln>
+            <a:solidFill>
+              <a:schemeClr val="bg1"/>
+            </a:solidFill>
+          </a:ln>
+        </p:spPr>
+        <p:style>
+          <a:lnRef idx="2">
+            <a:schemeClr val="accent1">
+              <a:shade val="50000"/>
+            </a:schemeClr>
+          </a:lnRef>
+          <a:fillRef idx="1">
+            <a:schemeClr val="accent1"/>
+          </a:fillRef>
+          <a:effectRef idx="0">
+            <a:schemeClr val="accent1"/>
+          </a:effectRef>
+          <a:fontRef idx="minor">
+            <a:schemeClr val="lt1"/>
+          </a:fontRef>
+        </p:style>
+        <p:txBody>
+          <a:bodyPr rtlCol="0" anchor="ctr"/>
+          <a:lstStyle/>
+          <a:p>
+            <a:pPr algn="ctr"/>
+            <a:r>
+              <a:rPr lang="en-US" dirty="0">
+                <a:solidFill>
+                  <a:sysClr val="windowText" lastClr="000000"/>
+                </a:solidFill>
+                <a:latin typeface="Cambria Math" panose="02040503050406030204" pitchFamily="18" charset="0"/>
+                <a:ea typeface="Cambria Math" panose="02040503050406030204" pitchFamily="18" charset="0"/>
+              </a:rPr>
+              <a:t>10</a:t>
+            </a:r>
+          </a:p>
+        </p:txBody>
+      </p:sp>
+      <p:sp>
+        <p:nvSpPr>
+          <p:cNvPr id="21" name="Rectangle 20">
+            <a:extLst>
+              <a:ext uri="{FF2B5EF4-FFF2-40B4-BE49-F238E27FC236}">
+                <a16:creationId xmlns:a16="http://schemas.microsoft.com/office/drawing/2014/main" id="{24FDF6A7-2E3F-40B3-B9D9-C6678583BE89}"/>
+              </a:ext>
+            </a:extLst>
+          </p:cNvPr>
+          <p:cNvSpPr/>
+          <p:nvPr/>
+        </p:nvSpPr>
+        <p:spPr>
+          <a:xfrm>
+            <a:off x="839584" y="5147685"/>
+            <a:ext cx="623455" cy="139622"/>
+          </a:xfrm>
+          <a:prstGeom prst="rect">
+            <a:avLst/>
+          </a:prstGeom>
+          <a:solidFill>
+            <a:schemeClr val="bg1"/>
+          </a:solidFill>
+          <a:ln>
+            <a:solidFill>
+              <a:schemeClr val="bg1"/>
+            </a:solidFill>
+          </a:ln>
+        </p:spPr>
+        <p:style>
+          <a:lnRef idx="2">
+            <a:schemeClr val="accent1">
+              <a:shade val="50000"/>
+            </a:schemeClr>
+          </a:lnRef>
+          <a:fillRef idx="1">
+            <a:schemeClr val="accent1"/>
+          </a:fillRef>
+          <a:effectRef idx="0">
+            <a:schemeClr val="accent1"/>
+          </a:effectRef>
+          <a:fontRef idx="minor">
+            <a:schemeClr val="lt1"/>
+          </a:fontRef>
+        </p:style>
+        <p:txBody>
+          <a:bodyPr rtlCol="0" anchor="ctr"/>
+          <a:lstStyle/>
+          <a:p>
+            <a:pPr algn="ctr"/>
+            <a:r>
+              <a:rPr lang="en-US" dirty="0">
+                <a:solidFill>
+                  <a:sysClr val="windowText" lastClr="000000"/>
+                </a:solidFill>
+                <a:latin typeface="Cambria Math" panose="02040503050406030204" pitchFamily="18" charset="0"/>
+                <a:ea typeface="Cambria Math" panose="02040503050406030204" pitchFamily="18" charset="0"/>
+              </a:rPr>
+              <a:t>0</a:t>
+            </a:r>
+          </a:p>
+        </p:txBody>
+      </p:sp>
+      <p:pic>
+        <p:nvPicPr>
+          <p:cNvPr id="15" name="Picture 14" descr="Chart, box and whisker chart&#10;&#10;Description automatically generated">
+            <a:extLst>
+              <a:ext uri="{FF2B5EF4-FFF2-40B4-BE49-F238E27FC236}">
+                <a16:creationId xmlns:a16="http://schemas.microsoft.com/office/drawing/2014/main" id="{BA0889BD-783E-4A81-A738-8CC476A15B1E}"/>
+              </a:ext>
+            </a:extLst>
+          </p:cNvPr>
+          <p:cNvPicPr>
+            <a:picLocks noChangeAspect="1"/>
+          </p:cNvPicPr>
+          <p:nvPr/>
+        </p:nvPicPr>
+        <p:blipFill rotWithShape="1">
+          <a:blip r:embed="rId2">
+            <a:extLst>
+              <a:ext uri="{28A0092B-C50C-407E-A947-70E740481C1C}">
+                <a14:useLocalDpi xmlns:a14="http://schemas.microsoft.com/office/drawing/2010/main" val="0"/>
+              </a:ext>
+            </a:extLst>
+          </a:blip>
+          <a:srcRect l="2761" t="8622" r="9463" b="8213"/>
+          <a:stretch/>
+        </p:blipFill>
+        <p:spPr>
+          <a:xfrm>
+            <a:off x="1288472" y="1329082"/>
+            <a:ext cx="14065672" cy="3997992"/>
+          </a:xfrm>
+          <a:prstGeom prst="rect">
+            <a:avLst/>
+          </a:prstGeom>
+        </p:spPr>
+      </p:pic>
+      <p:grpSp>
+        <p:nvGrpSpPr>
+          <p:cNvPr id="29" name="Group 28">
+            <a:extLst>
+              <a:ext uri="{FF2B5EF4-FFF2-40B4-BE49-F238E27FC236}">
+                <a16:creationId xmlns:a16="http://schemas.microsoft.com/office/drawing/2014/main" id="{E892EFD8-9F0C-410E-B958-CD8E3AEEBCF4}"/>
+              </a:ext>
+            </a:extLst>
+          </p:cNvPr>
+          <p:cNvGrpSpPr/>
+          <p:nvPr/>
+        </p:nvGrpSpPr>
+        <p:grpSpPr>
+          <a:xfrm>
+            <a:off x="1404663" y="5292243"/>
+            <a:ext cx="3285531" cy="213286"/>
+            <a:chOff x="1404663" y="5322992"/>
+            <a:chExt cx="3285531" cy="213286"/>
+          </a:xfrm>
+        </p:grpSpPr>
+        <p:sp>
+          <p:nvSpPr>
+            <p:cNvPr id="22" name="Rectangle 21">
+              <a:extLst>
+                <a:ext uri="{FF2B5EF4-FFF2-40B4-BE49-F238E27FC236}">
+                  <a16:creationId xmlns:a16="http://schemas.microsoft.com/office/drawing/2014/main" id="{048E6CBE-EE2A-45D0-9098-9B79DEB8BC55}"/>
+                </a:ext>
+              </a:extLst>
+            </p:cNvPr>
+            <p:cNvSpPr/>
+            <p:nvPr/>
+          </p:nvSpPr>
+          <p:spPr>
+            <a:xfrm>
+              <a:off x="1404663" y="5322992"/>
+              <a:ext cx="1152505" cy="213286"/>
+            </a:xfrm>
+            <a:prstGeom prst="rect">
+              <a:avLst/>
+            </a:prstGeom>
+            <a:solidFill>
+              <a:schemeClr val="bg1"/>
+            </a:solidFill>
+            <a:ln>
+              <a:solidFill>
+                <a:schemeClr val="bg1"/>
+              </a:solidFill>
+            </a:ln>
+          </p:spPr>
+          <p:style>
+            <a:lnRef idx="2">
+              <a:schemeClr val="accent1">
+                <a:shade val="50000"/>
+              </a:schemeClr>
+            </a:lnRef>
+            <a:fillRef idx="1">
+              <a:schemeClr val="accent1"/>
+            </a:fillRef>
+            <a:effectRef idx="0">
+              <a:schemeClr val="accent1"/>
+            </a:effectRef>
+            <a:fontRef idx="minor">
+              <a:schemeClr val="lt1"/>
+            </a:fontRef>
+          </p:style>
+          <p:txBody>
+            <a:bodyPr rtlCol="0" anchor="ctr"/>
+            <a:lstStyle/>
+            <a:p>
+              <a:pPr algn="ctr"/>
+              <a:r>
+                <a:rPr lang="en-US" sz="1600" dirty="0">
+                  <a:solidFill>
+                    <a:sysClr val="windowText" lastClr="000000"/>
+                  </a:solidFill>
+                  <a:latin typeface="Cambria Math" panose="02040503050406030204" pitchFamily="18" charset="0"/>
+                  <a:ea typeface="Cambria Math" panose="02040503050406030204" pitchFamily="18" charset="0"/>
+                </a:rPr>
+                <a:t>Bleaching</a:t>
+              </a:r>
+            </a:p>
+          </p:txBody>
+        </p:sp>
+        <p:sp>
+          <p:nvSpPr>
+            <p:cNvPr id="23" name="Rectangle 22">
+              <a:extLst>
+                <a:ext uri="{FF2B5EF4-FFF2-40B4-BE49-F238E27FC236}">
+                  <a16:creationId xmlns:a16="http://schemas.microsoft.com/office/drawing/2014/main" id="{62D5C911-D8AE-4699-90A0-5E6F1DA55DEC}"/>
+                </a:ext>
+              </a:extLst>
+            </p:cNvPr>
+            <p:cNvSpPr/>
+            <p:nvPr/>
+          </p:nvSpPr>
+          <p:spPr>
+            <a:xfrm>
+              <a:off x="2522633" y="5332687"/>
+              <a:ext cx="1047732" cy="193896"/>
+            </a:xfrm>
+            <a:prstGeom prst="rect">
+              <a:avLst/>
+            </a:prstGeom>
+            <a:solidFill>
+              <a:schemeClr val="bg1"/>
+            </a:solidFill>
+            <a:ln>
+              <a:solidFill>
+                <a:schemeClr val="bg1"/>
+              </a:solidFill>
+            </a:ln>
+          </p:spPr>
+          <p:style>
+            <a:lnRef idx="2">
+              <a:schemeClr val="accent1">
+                <a:shade val="50000"/>
+              </a:schemeClr>
+            </a:lnRef>
+            <a:fillRef idx="1">
+              <a:schemeClr val="accent1"/>
+            </a:fillRef>
+            <a:effectRef idx="0">
+              <a:schemeClr val="accent1"/>
+            </a:effectRef>
+            <a:fontRef idx="minor">
+              <a:schemeClr val="lt1"/>
+            </a:fontRef>
+          </p:style>
+          <p:txBody>
+            <a:bodyPr rtlCol="0" anchor="ctr"/>
+            <a:lstStyle/>
+            <a:p>
+              <a:pPr algn="ctr"/>
+              <a:r>
+                <a:rPr lang="en-US" sz="1600" dirty="0">
+                  <a:solidFill>
+                    <a:sysClr val="windowText" lastClr="000000"/>
+                  </a:solidFill>
+                  <a:latin typeface="Cambria Math" panose="02040503050406030204" pitchFamily="18" charset="0"/>
+                  <a:ea typeface="Cambria Math" panose="02040503050406030204" pitchFamily="18" charset="0"/>
+                </a:rPr>
+                <a:t>Disease</a:t>
+              </a:r>
+            </a:p>
+          </p:txBody>
+        </p:sp>
+        <p:sp>
+          <p:nvSpPr>
+            <p:cNvPr id="24" name="Rectangle 23">
+              <a:extLst>
+                <a:ext uri="{FF2B5EF4-FFF2-40B4-BE49-F238E27FC236}">
+                  <a16:creationId xmlns:a16="http://schemas.microsoft.com/office/drawing/2014/main" id="{7F4F3DA0-133F-4587-B767-315C2AAF2D07}"/>
+                </a:ext>
+              </a:extLst>
+            </p:cNvPr>
+            <p:cNvSpPr/>
+            <p:nvPr/>
+          </p:nvSpPr>
+          <p:spPr>
+            <a:xfrm>
+              <a:off x="3537689" y="5322992"/>
+              <a:ext cx="1152505" cy="213286"/>
+            </a:xfrm>
+            <a:prstGeom prst="rect">
+              <a:avLst/>
+            </a:prstGeom>
+            <a:solidFill>
+              <a:schemeClr val="bg1"/>
+            </a:solidFill>
+            <a:ln>
+              <a:solidFill>
+                <a:schemeClr val="bg1"/>
+              </a:solidFill>
+            </a:ln>
+          </p:spPr>
+          <p:style>
+            <a:lnRef idx="2">
+              <a:schemeClr val="accent1">
+                <a:shade val="50000"/>
+              </a:schemeClr>
+            </a:lnRef>
+            <a:fillRef idx="1">
+              <a:schemeClr val="accent1"/>
+            </a:fillRef>
+            <a:effectRef idx="0">
+              <a:schemeClr val="accent1"/>
+            </a:effectRef>
+            <a:fontRef idx="minor">
+              <a:schemeClr val="lt1"/>
+            </a:fontRef>
+          </p:style>
+          <p:txBody>
+            <a:bodyPr rtlCol="0" anchor="ctr"/>
+            <a:lstStyle/>
+            <a:p>
+              <a:pPr algn="ctr"/>
+              <a:r>
+                <a:rPr lang="en-US" sz="1600" dirty="0">
+                  <a:solidFill>
+                    <a:sysClr val="windowText" lastClr="000000"/>
+                  </a:solidFill>
+                  <a:latin typeface="Cambria Math" panose="02040503050406030204" pitchFamily="18" charset="0"/>
+                  <a:ea typeface="Cambria Math" panose="02040503050406030204" pitchFamily="18" charset="0"/>
+                </a:rPr>
+                <a:t>Hurricane</a:t>
+              </a:r>
+            </a:p>
+          </p:txBody>
+        </p:sp>
+      </p:grpSp>
+      <p:grpSp>
+        <p:nvGrpSpPr>
+          <p:cNvPr id="28" name="Group 27">
+            <a:extLst>
+              <a:ext uri="{FF2B5EF4-FFF2-40B4-BE49-F238E27FC236}">
+                <a16:creationId xmlns:a16="http://schemas.microsoft.com/office/drawing/2014/main" id="{3C4D4EBC-B239-44D0-8D4F-225B4BC4319B}"/>
+              </a:ext>
+            </a:extLst>
+          </p:cNvPr>
+          <p:cNvGrpSpPr/>
+          <p:nvPr/>
+        </p:nvGrpSpPr>
+        <p:grpSpPr>
+          <a:xfrm>
+            <a:off x="4898724" y="5292243"/>
+            <a:ext cx="3285531" cy="213286"/>
+            <a:chOff x="3868885" y="5797406"/>
+            <a:chExt cx="3285531" cy="213286"/>
+          </a:xfrm>
+        </p:grpSpPr>
+        <p:sp>
+          <p:nvSpPr>
+            <p:cNvPr id="25" name="Rectangle 24">
+              <a:extLst>
+                <a:ext uri="{FF2B5EF4-FFF2-40B4-BE49-F238E27FC236}">
+                  <a16:creationId xmlns:a16="http://schemas.microsoft.com/office/drawing/2014/main" id="{4DABD4D2-AA21-4CE4-860A-D38819935123}"/>
+                </a:ext>
+              </a:extLst>
+            </p:cNvPr>
+            <p:cNvSpPr/>
+            <p:nvPr/>
+          </p:nvSpPr>
+          <p:spPr>
+            <a:xfrm>
+              <a:off x="3868885" y="5797406"/>
+              <a:ext cx="1152505" cy="213286"/>
+            </a:xfrm>
+            <a:prstGeom prst="rect">
+              <a:avLst/>
+            </a:prstGeom>
+            <a:solidFill>
+              <a:schemeClr val="bg1"/>
+            </a:solidFill>
+            <a:ln>
+              <a:solidFill>
+                <a:schemeClr val="bg1"/>
+              </a:solidFill>
+            </a:ln>
+          </p:spPr>
+          <p:style>
+            <a:lnRef idx="2">
+              <a:schemeClr val="accent1">
+                <a:shade val="50000"/>
+              </a:schemeClr>
+            </a:lnRef>
+            <a:fillRef idx="1">
+              <a:schemeClr val="accent1"/>
+            </a:fillRef>
+            <a:effectRef idx="0">
+              <a:schemeClr val="accent1"/>
+            </a:effectRef>
+            <a:fontRef idx="minor">
+              <a:schemeClr val="lt1"/>
+            </a:fontRef>
+          </p:style>
+          <p:txBody>
+            <a:bodyPr rtlCol="0" anchor="ctr"/>
+            <a:lstStyle/>
+            <a:p>
+              <a:pPr algn="ctr"/>
+              <a:r>
+                <a:rPr lang="en-US" sz="1600" dirty="0">
+                  <a:solidFill>
+                    <a:sysClr val="windowText" lastClr="000000"/>
+                  </a:solidFill>
+                  <a:latin typeface="Cambria Math" panose="02040503050406030204" pitchFamily="18" charset="0"/>
+                  <a:ea typeface="Cambria Math" panose="02040503050406030204" pitchFamily="18" charset="0"/>
+                </a:rPr>
+                <a:t>Bleaching</a:t>
+              </a:r>
+            </a:p>
+          </p:txBody>
+        </p:sp>
+        <p:sp>
+          <p:nvSpPr>
+            <p:cNvPr id="26" name="Rectangle 25">
+              <a:extLst>
+                <a:ext uri="{FF2B5EF4-FFF2-40B4-BE49-F238E27FC236}">
+                  <a16:creationId xmlns:a16="http://schemas.microsoft.com/office/drawing/2014/main" id="{A1A152F4-3B50-43C6-8675-E279EBB78E08}"/>
+                </a:ext>
+              </a:extLst>
+            </p:cNvPr>
+            <p:cNvSpPr/>
+            <p:nvPr/>
+          </p:nvSpPr>
+          <p:spPr>
+            <a:xfrm>
+              <a:off x="4986855" y="5807101"/>
+              <a:ext cx="1047732" cy="193896"/>
+            </a:xfrm>
+            <a:prstGeom prst="rect">
+              <a:avLst/>
+            </a:prstGeom>
+            <a:solidFill>
+              <a:schemeClr val="bg1"/>
+            </a:solidFill>
+            <a:ln>
+              <a:solidFill>
+                <a:schemeClr val="bg1"/>
+              </a:solidFill>
+            </a:ln>
+          </p:spPr>
+          <p:style>
+            <a:lnRef idx="2">
+              <a:schemeClr val="accent1">
+                <a:shade val="50000"/>
+              </a:schemeClr>
+            </a:lnRef>
+            <a:fillRef idx="1">
+              <a:schemeClr val="accent1"/>
+            </a:fillRef>
+            <a:effectRef idx="0">
+              <a:schemeClr val="accent1"/>
+            </a:effectRef>
+            <a:fontRef idx="minor">
+              <a:schemeClr val="lt1"/>
+            </a:fontRef>
+          </p:style>
+          <p:txBody>
+            <a:bodyPr rtlCol="0" anchor="ctr"/>
+            <a:lstStyle/>
+            <a:p>
+              <a:pPr algn="ctr"/>
+              <a:r>
+                <a:rPr lang="en-US" sz="1600" dirty="0">
+                  <a:solidFill>
+                    <a:sysClr val="windowText" lastClr="000000"/>
+                  </a:solidFill>
+                  <a:latin typeface="Cambria Math" panose="02040503050406030204" pitchFamily="18" charset="0"/>
+                  <a:ea typeface="Cambria Math" panose="02040503050406030204" pitchFamily="18" charset="0"/>
+                </a:rPr>
+                <a:t>Disease</a:t>
+              </a:r>
+            </a:p>
+          </p:txBody>
+        </p:sp>
+        <p:sp>
+          <p:nvSpPr>
+            <p:cNvPr id="27" name="Rectangle 26">
+              <a:extLst>
+                <a:ext uri="{FF2B5EF4-FFF2-40B4-BE49-F238E27FC236}">
+                  <a16:creationId xmlns:a16="http://schemas.microsoft.com/office/drawing/2014/main" id="{99C4354B-3B45-4DEC-BFE4-BFB3F99946D8}"/>
+                </a:ext>
+              </a:extLst>
+            </p:cNvPr>
+            <p:cNvSpPr/>
+            <p:nvPr/>
+          </p:nvSpPr>
+          <p:spPr>
+            <a:xfrm>
+              <a:off x="6001911" y="5797406"/>
+              <a:ext cx="1152505" cy="213286"/>
+            </a:xfrm>
+            <a:prstGeom prst="rect">
+              <a:avLst/>
+            </a:prstGeom>
+            <a:solidFill>
+              <a:schemeClr val="bg1"/>
+            </a:solidFill>
+            <a:ln>
+              <a:solidFill>
+                <a:schemeClr val="bg1"/>
+              </a:solidFill>
+            </a:ln>
+          </p:spPr>
+          <p:style>
+            <a:lnRef idx="2">
+              <a:schemeClr val="accent1">
+                <a:shade val="50000"/>
+              </a:schemeClr>
+            </a:lnRef>
+            <a:fillRef idx="1">
+              <a:schemeClr val="accent1"/>
+            </a:fillRef>
+            <a:effectRef idx="0">
+              <a:schemeClr val="accent1"/>
+            </a:effectRef>
+            <a:fontRef idx="minor">
+              <a:schemeClr val="lt1"/>
+            </a:fontRef>
+          </p:style>
+          <p:txBody>
+            <a:bodyPr rtlCol="0" anchor="ctr"/>
+            <a:lstStyle/>
+            <a:p>
+              <a:pPr algn="ctr"/>
+              <a:r>
+                <a:rPr lang="en-US" sz="1600" dirty="0">
+                  <a:solidFill>
+                    <a:sysClr val="windowText" lastClr="000000"/>
+                  </a:solidFill>
+                  <a:latin typeface="Cambria Math" panose="02040503050406030204" pitchFamily="18" charset="0"/>
+                  <a:ea typeface="Cambria Math" panose="02040503050406030204" pitchFamily="18" charset="0"/>
+                </a:rPr>
+                <a:t>Hurricane</a:t>
+              </a:r>
+            </a:p>
+          </p:txBody>
+        </p:sp>
+      </p:grpSp>
+      <p:grpSp>
+        <p:nvGrpSpPr>
+          <p:cNvPr id="30" name="Group 29">
+            <a:extLst>
+              <a:ext uri="{FF2B5EF4-FFF2-40B4-BE49-F238E27FC236}">
+                <a16:creationId xmlns:a16="http://schemas.microsoft.com/office/drawing/2014/main" id="{70BBC21D-2EE3-406B-B498-F7C2AB949DCA}"/>
+              </a:ext>
+            </a:extLst>
+          </p:cNvPr>
+          <p:cNvGrpSpPr/>
+          <p:nvPr/>
+        </p:nvGrpSpPr>
+        <p:grpSpPr>
+          <a:xfrm>
+            <a:off x="8300446" y="5292243"/>
+            <a:ext cx="3285531" cy="213286"/>
+            <a:chOff x="3868885" y="5797406"/>
+            <a:chExt cx="3285531" cy="213286"/>
+          </a:xfrm>
+        </p:grpSpPr>
+        <p:sp>
+          <p:nvSpPr>
+            <p:cNvPr id="31" name="Rectangle 30">
+              <a:extLst>
+                <a:ext uri="{FF2B5EF4-FFF2-40B4-BE49-F238E27FC236}">
+                  <a16:creationId xmlns:a16="http://schemas.microsoft.com/office/drawing/2014/main" id="{8AC474B7-DDE7-4D0D-8E09-CF175F2BB332}"/>
+                </a:ext>
+              </a:extLst>
+            </p:cNvPr>
+            <p:cNvSpPr/>
+            <p:nvPr/>
+          </p:nvSpPr>
+          <p:spPr>
+            <a:xfrm>
+              <a:off x="3868885" y="5797406"/>
+              <a:ext cx="1152505" cy="213286"/>
+            </a:xfrm>
+            <a:prstGeom prst="rect">
+              <a:avLst/>
+            </a:prstGeom>
+            <a:solidFill>
+              <a:schemeClr val="bg1"/>
+            </a:solidFill>
+            <a:ln>
+              <a:solidFill>
+                <a:schemeClr val="bg1"/>
+              </a:solidFill>
+            </a:ln>
+          </p:spPr>
+          <p:style>
+            <a:lnRef idx="2">
+              <a:schemeClr val="accent1">
+                <a:shade val="50000"/>
+              </a:schemeClr>
+            </a:lnRef>
+            <a:fillRef idx="1">
+              <a:schemeClr val="accent1"/>
+            </a:fillRef>
+            <a:effectRef idx="0">
+              <a:schemeClr val="accent1"/>
+            </a:effectRef>
+            <a:fontRef idx="minor">
+              <a:schemeClr val="lt1"/>
+            </a:fontRef>
+          </p:style>
+          <p:txBody>
+            <a:bodyPr rtlCol="0" anchor="ctr"/>
+            <a:lstStyle/>
+            <a:p>
+              <a:pPr algn="ctr"/>
+              <a:r>
+                <a:rPr lang="en-US" sz="1600" dirty="0">
+                  <a:solidFill>
+                    <a:sysClr val="windowText" lastClr="000000"/>
+                  </a:solidFill>
+                  <a:latin typeface="Cambria Math" panose="02040503050406030204" pitchFamily="18" charset="0"/>
+                  <a:ea typeface="Cambria Math" panose="02040503050406030204" pitchFamily="18" charset="0"/>
+                </a:rPr>
+                <a:t>Bleaching</a:t>
+              </a:r>
+            </a:p>
+          </p:txBody>
+        </p:sp>
+        <p:sp>
+          <p:nvSpPr>
+            <p:cNvPr id="32" name="Rectangle 31">
+              <a:extLst>
+                <a:ext uri="{FF2B5EF4-FFF2-40B4-BE49-F238E27FC236}">
+                  <a16:creationId xmlns:a16="http://schemas.microsoft.com/office/drawing/2014/main" id="{F76CD71C-8049-4528-9FA2-20C5206BD74B}"/>
+                </a:ext>
+              </a:extLst>
+            </p:cNvPr>
+            <p:cNvSpPr/>
+            <p:nvPr/>
+          </p:nvSpPr>
+          <p:spPr>
+            <a:xfrm>
+              <a:off x="4986855" y="5807101"/>
+              <a:ext cx="1047732" cy="193896"/>
+            </a:xfrm>
+            <a:prstGeom prst="rect">
+              <a:avLst/>
+            </a:prstGeom>
+            <a:solidFill>
+              <a:schemeClr val="bg1"/>
+            </a:solidFill>
+            <a:ln>
+              <a:solidFill>
+                <a:schemeClr val="bg1"/>
+              </a:solidFill>
+            </a:ln>
+          </p:spPr>
+          <p:style>
+            <a:lnRef idx="2">
+              <a:schemeClr val="accent1">
+                <a:shade val="50000"/>
+              </a:schemeClr>
+            </a:lnRef>
+            <a:fillRef idx="1">
+              <a:schemeClr val="accent1"/>
+            </a:fillRef>
+            <a:effectRef idx="0">
+              <a:schemeClr val="accent1"/>
+            </a:effectRef>
+            <a:fontRef idx="minor">
+              <a:schemeClr val="lt1"/>
+            </a:fontRef>
+          </p:style>
+          <p:txBody>
+            <a:bodyPr rtlCol="0" anchor="ctr"/>
+            <a:lstStyle/>
+            <a:p>
+              <a:pPr algn="ctr"/>
+              <a:r>
+                <a:rPr lang="en-US" sz="1600" dirty="0">
+                  <a:solidFill>
+                    <a:sysClr val="windowText" lastClr="000000"/>
+                  </a:solidFill>
+                  <a:latin typeface="Cambria Math" panose="02040503050406030204" pitchFamily="18" charset="0"/>
+                  <a:ea typeface="Cambria Math" panose="02040503050406030204" pitchFamily="18" charset="0"/>
+                </a:rPr>
+                <a:t>Disease</a:t>
+              </a:r>
+            </a:p>
+          </p:txBody>
+        </p:sp>
+        <p:sp>
+          <p:nvSpPr>
+            <p:cNvPr id="33" name="Rectangle 32">
+              <a:extLst>
+                <a:ext uri="{FF2B5EF4-FFF2-40B4-BE49-F238E27FC236}">
+                  <a16:creationId xmlns:a16="http://schemas.microsoft.com/office/drawing/2014/main" id="{FB4A3734-FD02-4318-B292-054C6D59F8FA}"/>
+                </a:ext>
+              </a:extLst>
+            </p:cNvPr>
+            <p:cNvSpPr/>
+            <p:nvPr/>
+          </p:nvSpPr>
+          <p:spPr>
+            <a:xfrm>
+              <a:off x="6001911" y="5797406"/>
+              <a:ext cx="1152505" cy="213286"/>
+            </a:xfrm>
+            <a:prstGeom prst="rect">
+              <a:avLst/>
+            </a:prstGeom>
+            <a:solidFill>
+              <a:schemeClr val="bg1"/>
+            </a:solidFill>
+            <a:ln>
+              <a:solidFill>
+                <a:schemeClr val="bg1"/>
+              </a:solidFill>
+            </a:ln>
+          </p:spPr>
+          <p:style>
+            <a:lnRef idx="2">
+              <a:schemeClr val="accent1">
+                <a:shade val="50000"/>
+              </a:schemeClr>
+            </a:lnRef>
+            <a:fillRef idx="1">
+              <a:schemeClr val="accent1"/>
+            </a:fillRef>
+            <a:effectRef idx="0">
+              <a:schemeClr val="accent1"/>
+            </a:effectRef>
+            <a:fontRef idx="minor">
+              <a:schemeClr val="lt1"/>
+            </a:fontRef>
+          </p:style>
+          <p:txBody>
+            <a:bodyPr rtlCol="0" anchor="ctr"/>
+            <a:lstStyle/>
+            <a:p>
+              <a:pPr algn="ctr"/>
+              <a:r>
+                <a:rPr lang="en-US" sz="1600" dirty="0">
+                  <a:solidFill>
+                    <a:sysClr val="windowText" lastClr="000000"/>
+                  </a:solidFill>
+                  <a:latin typeface="Cambria Math" panose="02040503050406030204" pitchFamily="18" charset="0"/>
+                  <a:ea typeface="Cambria Math" panose="02040503050406030204" pitchFamily="18" charset="0"/>
+                </a:rPr>
+                <a:t>Hurricane</a:t>
+              </a:r>
+            </a:p>
+          </p:txBody>
+        </p:sp>
+      </p:grpSp>
+      <p:grpSp>
+        <p:nvGrpSpPr>
+          <p:cNvPr id="34" name="Group 33">
+            <a:extLst>
+              <a:ext uri="{FF2B5EF4-FFF2-40B4-BE49-F238E27FC236}">
+                <a16:creationId xmlns:a16="http://schemas.microsoft.com/office/drawing/2014/main" id="{93B1AF38-E25D-4931-A00B-E7EC3A20573F}"/>
+              </a:ext>
+            </a:extLst>
+          </p:cNvPr>
+          <p:cNvGrpSpPr/>
+          <p:nvPr/>
+        </p:nvGrpSpPr>
+        <p:grpSpPr>
+          <a:xfrm>
+            <a:off x="11881407" y="5292243"/>
+            <a:ext cx="3285531" cy="213286"/>
+            <a:chOff x="3868885" y="5797406"/>
+            <a:chExt cx="3285531" cy="213286"/>
+          </a:xfrm>
+        </p:grpSpPr>
+        <p:sp>
+          <p:nvSpPr>
+            <p:cNvPr id="35" name="Rectangle 34">
+              <a:extLst>
+                <a:ext uri="{FF2B5EF4-FFF2-40B4-BE49-F238E27FC236}">
+                  <a16:creationId xmlns:a16="http://schemas.microsoft.com/office/drawing/2014/main" id="{C6F4539D-E554-4513-94FD-CF8170E46233}"/>
+                </a:ext>
+              </a:extLst>
+            </p:cNvPr>
+            <p:cNvSpPr/>
+            <p:nvPr/>
+          </p:nvSpPr>
+          <p:spPr>
+            <a:xfrm>
+              <a:off x="3868885" y="5797406"/>
+              <a:ext cx="1152505" cy="213286"/>
+            </a:xfrm>
+            <a:prstGeom prst="rect">
+              <a:avLst/>
+            </a:prstGeom>
+            <a:solidFill>
+              <a:schemeClr val="bg1"/>
+            </a:solidFill>
+            <a:ln>
+              <a:solidFill>
+                <a:schemeClr val="bg1"/>
+              </a:solidFill>
+            </a:ln>
+          </p:spPr>
+          <p:style>
+            <a:lnRef idx="2">
+              <a:schemeClr val="accent1">
+                <a:shade val="50000"/>
+              </a:schemeClr>
+            </a:lnRef>
+            <a:fillRef idx="1">
+              <a:schemeClr val="accent1"/>
+            </a:fillRef>
+            <a:effectRef idx="0">
+              <a:schemeClr val="accent1"/>
+            </a:effectRef>
+            <a:fontRef idx="minor">
+              <a:schemeClr val="lt1"/>
+            </a:fontRef>
+          </p:style>
+          <p:txBody>
+            <a:bodyPr rtlCol="0" anchor="ctr"/>
+            <a:lstStyle/>
+            <a:p>
+              <a:pPr algn="ctr"/>
+              <a:r>
+                <a:rPr lang="en-US" sz="1600" dirty="0">
+                  <a:solidFill>
+                    <a:sysClr val="windowText" lastClr="000000"/>
+                  </a:solidFill>
+                  <a:latin typeface="Cambria Math" panose="02040503050406030204" pitchFamily="18" charset="0"/>
+                  <a:ea typeface="Cambria Math" panose="02040503050406030204" pitchFamily="18" charset="0"/>
+                </a:rPr>
+                <a:t>Bleaching</a:t>
+              </a:r>
+            </a:p>
+          </p:txBody>
+        </p:sp>
+        <p:sp>
+          <p:nvSpPr>
+            <p:cNvPr id="36" name="Rectangle 35">
+              <a:extLst>
+                <a:ext uri="{FF2B5EF4-FFF2-40B4-BE49-F238E27FC236}">
+                  <a16:creationId xmlns:a16="http://schemas.microsoft.com/office/drawing/2014/main" id="{B56651C8-573B-4F63-9D0F-83877580B246}"/>
+                </a:ext>
+              </a:extLst>
+            </p:cNvPr>
+            <p:cNvSpPr/>
+            <p:nvPr/>
+          </p:nvSpPr>
+          <p:spPr>
+            <a:xfrm>
+              <a:off x="4986855" y="5807101"/>
+              <a:ext cx="1047732" cy="193896"/>
+            </a:xfrm>
+            <a:prstGeom prst="rect">
+              <a:avLst/>
+            </a:prstGeom>
+            <a:solidFill>
+              <a:schemeClr val="bg1"/>
+            </a:solidFill>
+            <a:ln>
+              <a:solidFill>
+                <a:schemeClr val="bg1"/>
+              </a:solidFill>
+            </a:ln>
+          </p:spPr>
+          <p:style>
+            <a:lnRef idx="2">
+              <a:schemeClr val="accent1">
+                <a:shade val="50000"/>
+              </a:schemeClr>
+            </a:lnRef>
+            <a:fillRef idx="1">
+              <a:schemeClr val="accent1"/>
+            </a:fillRef>
+            <a:effectRef idx="0">
+              <a:schemeClr val="accent1"/>
+            </a:effectRef>
+            <a:fontRef idx="minor">
+              <a:schemeClr val="lt1"/>
+            </a:fontRef>
+          </p:style>
+          <p:txBody>
+            <a:bodyPr rtlCol="0" anchor="ctr"/>
+            <a:lstStyle/>
+            <a:p>
+              <a:pPr algn="ctr"/>
+              <a:r>
+                <a:rPr lang="en-US" sz="1600" dirty="0">
+                  <a:solidFill>
+                    <a:sysClr val="windowText" lastClr="000000"/>
+                  </a:solidFill>
+                  <a:latin typeface="Cambria Math" panose="02040503050406030204" pitchFamily="18" charset="0"/>
+                  <a:ea typeface="Cambria Math" panose="02040503050406030204" pitchFamily="18" charset="0"/>
+                </a:rPr>
+                <a:t>Disease</a:t>
+              </a:r>
+            </a:p>
+          </p:txBody>
+        </p:sp>
+        <p:sp>
+          <p:nvSpPr>
+            <p:cNvPr id="37" name="Rectangle 36">
+              <a:extLst>
+                <a:ext uri="{FF2B5EF4-FFF2-40B4-BE49-F238E27FC236}">
+                  <a16:creationId xmlns:a16="http://schemas.microsoft.com/office/drawing/2014/main" id="{8BCDFF94-1E2C-43BA-A2A8-C96CDC155026}"/>
+                </a:ext>
+              </a:extLst>
+            </p:cNvPr>
+            <p:cNvSpPr/>
+            <p:nvPr/>
+          </p:nvSpPr>
+          <p:spPr>
+            <a:xfrm>
+              <a:off x="6001911" y="5797406"/>
+              <a:ext cx="1152505" cy="213286"/>
+            </a:xfrm>
+            <a:prstGeom prst="rect">
+              <a:avLst/>
+            </a:prstGeom>
+            <a:solidFill>
+              <a:schemeClr val="bg1"/>
+            </a:solidFill>
+            <a:ln>
+              <a:solidFill>
+                <a:schemeClr val="bg1"/>
+              </a:solidFill>
+            </a:ln>
+          </p:spPr>
+          <p:style>
+            <a:lnRef idx="2">
+              <a:schemeClr val="accent1">
+                <a:shade val="50000"/>
+              </a:schemeClr>
+            </a:lnRef>
+            <a:fillRef idx="1">
+              <a:schemeClr val="accent1"/>
+            </a:fillRef>
+            <a:effectRef idx="0">
+              <a:schemeClr val="accent1"/>
+            </a:effectRef>
+            <a:fontRef idx="minor">
+              <a:schemeClr val="lt1"/>
+            </a:fontRef>
+          </p:style>
+          <p:txBody>
+            <a:bodyPr rtlCol="0" anchor="ctr"/>
+            <a:lstStyle/>
+            <a:p>
+              <a:pPr algn="ctr"/>
+              <a:r>
+                <a:rPr lang="en-US" sz="1600" dirty="0">
+                  <a:solidFill>
+                    <a:sysClr val="windowText" lastClr="000000"/>
+                  </a:solidFill>
+                  <a:latin typeface="Cambria Math" panose="02040503050406030204" pitchFamily="18" charset="0"/>
+                  <a:ea typeface="Cambria Math" panose="02040503050406030204" pitchFamily="18" charset="0"/>
+                </a:rPr>
+                <a:t>Hurricane</a:t>
+              </a:r>
+            </a:p>
+          </p:txBody>
+        </p:sp>
+      </p:grpSp>
+      <p:sp>
+        <p:nvSpPr>
+          <p:cNvPr id="16" name="Rectangle 15">
+            <a:extLst>
+              <a:ext uri="{FF2B5EF4-FFF2-40B4-BE49-F238E27FC236}">
+                <a16:creationId xmlns:a16="http://schemas.microsoft.com/office/drawing/2014/main" id="{D1085874-7F1E-4EAB-BBD6-101B9E0DC875}"/>
+              </a:ext>
+            </a:extLst>
+          </p:cNvPr>
+          <p:cNvSpPr/>
+          <p:nvPr/>
+        </p:nvSpPr>
+        <p:spPr>
+          <a:xfrm rot="16200000">
+            <a:off x="-804325" y="3120260"/>
+            <a:ext cx="3140153" cy="415636"/>
+          </a:xfrm>
+          <a:prstGeom prst="rect">
+            <a:avLst/>
+          </a:prstGeom>
+          <a:solidFill>
+            <a:schemeClr val="bg1"/>
+          </a:solidFill>
+          <a:ln>
+            <a:solidFill>
+              <a:schemeClr val="bg1"/>
+            </a:solidFill>
+          </a:ln>
+        </p:spPr>
+        <p:style>
+          <a:lnRef idx="2">
+            <a:schemeClr val="accent1">
+              <a:shade val="50000"/>
+            </a:schemeClr>
+          </a:lnRef>
+          <a:fillRef idx="1">
+            <a:schemeClr val="accent1"/>
+          </a:fillRef>
+          <a:effectRef idx="0">
+            <a:schemeClr val="accent1"/>
+          </a:effectRef>
+          <a:fontRef idx="minor">
+            <a:schemeClr val="lt1"/>
+          </a:fontRef>
+        </p:style>
+        <p:txBody>
+          <a:bodyPr rtlCol="0" anchor="ctr"/>
+          <a:lstStyle/>
+          <a:p>
+            <a:pPr algn="ctr"/>
+            <a:r>
+              <a:rPr lang="en-US" dirty="0">
+                <a:solidFill>
+                  <a:sysClr val="windowText" lastClr="000000"/>
+                </a:solidFill>
+                <a:latin typeface="Cambria Math" panose="02040503050406030204" pitchFamily="18" charset="0"/>
+                <a:ea typeface="Cambria Math" panose="02040503050406030204" pitchFamily="18" charset="0"/>
+              </a:rPr>
+              <a:t>Recovery Time (years)</a:t>
+            </a:r>
+          </a:p>
+        </p:txBody>
+      </p:sp>
+      <p:grpSp>
+        <p:nvGrpSpPr>
+          <p:cNvPr id="46" name="Group 45">
+            <a:extLst>
+              <a:ext uri="{FF2B5EF4-FFF2-40B4-BE49-F238E27FC236}">
+                <a16:creationId xmlns:a16="http://schemas.microsoft.com/office/drawing/2014/main" id="{527A40B0-2BB5-4968-B01E-1C3F7E86F78E}"/>
+              </a:ext>
+            </a:extLst>
+          </p:cNvPr>
+          <p:cNvGrpSpPr/>
+          <p:nvPr/>
+        </p:nvGrpSpPr>
+        <p:grpSpPr>
+          <a:xfrm>
+            <a:off x="1288472" y="225287"/>
+            <a:ext cx="1619530" cy="604906"/>
+            <a:chOff x="1288472" y="225287"/>
+            <a:chExt cx="1619530" cy="604906"/>
+          </a:xfrm>
+        </p:grpSpPr>
+        <p:sp>
+          <p:nvSpPr>
+            <p:cNvPr id="41" name="Rectangle 40">
+              <a:extLst>
+                <a:ext uri="{FF2B5EF4-FFF2-40B4-BE49-F238E27FC236}">
+                  <a16:creationId xmlns:a16="http://schemas.microsoft.com/office/drawing/2014/main" id="{5177378E-2AF2-4611-92F5-B70B2B1CFDCE}"/>
+                </a:ext>
+              </a:extLst>
+            </p:cNvPr>
+            <p:cNvSpPr/>
+            <p:nvPr/>
+          </p:nvSpPr>
+          <p:spPr>
+            <a:xfrm>
+              <a:off x="1755497" y="426835"/>
+              <a:ext cx="1152505" cy="213286"/>
+            </a:xfrm>
+            <a:prstGeom prst="rect">
+              <a:avLst/>
+            </a:prstGeom>
+            <a:solidFill>
+              <a:schemeClr val="bg1"/>
+            </a:solidFill>
+            <a:ln>
+              <a:solidFill>
+                <a:schemeClr val="bg1"/>
+              </a:solidFill>
+            </a:ln>
+          </p:spPr>
+          <p:style>
+            <a:lnRef idx="2">
+              <a:schemeClr val="accent1">
+                <a:shade val="50000"/>
+              </a:schemeClr>
+            </a:lnRef>
+            <a:fillRef idx="1">
+              <a:schemeClr val="accent1"/>
+            </a:fillRef>
+            <a:effectRef idx="0">
+              <a:schemeClr val="accent1"/>
+            </a:effectRef>
+            <a:fontRef idx="minor">
+              <a:schemeClr val="lt1"/>
+            </a:fontRef>
+          </p:style>
+          <p:txBody>
+            <a:bodyPr rtlCol="0" anchor="ctr"/>
+            <a:lstStyle/>
+            <a:p>
+              <a:pPr algn="ctr"/>
+              <a:r>
+                <a:rPr lang="en-US" sz="1600" dirty="0">
+                  <a:solidFill>
+                    <a:sysClr val="windowText" lastClr="000000"/>
+                  </a:solidFill>
+                  <a:latin typeface="Cambria Math" panose="02040503050406030204" pitchFamily="18" charset="0"/>
+                  <a:ea typeface="Cambria Math" panose="02040503050406030204" pitchFamily="18" charset="0"/>
+                </a:rPr>
+                <a:t>Bleaching</a:t>
+              </a:r>
+            </a:p>
+          </p:txBody>
+        </p:sp>
+        <p:pic>
+          <p:nvPicPr>
+            <p:cNvPr id="39" name="Picture 38" descr="Chart, box and whisker chart&#10;&#10;Description automatically generated">
+              <a:extLst>
+                <a:ext uri="{FF2B5EF4-FFF2-40B4-BE49-F238E27FC236}">
+                  <a16:creationId xmlns:a16="http://schemas.microsoft.com/office/drawing/2014/main" id="{71E030D4-F244-4982-974B-CBB2CDAAA92A}"/>
+                </a:ext>
+              </a:extLst>
+            </p:cNvPr>
+            <p:cNvPicPr>
+              <a:picLocks noChangeAspect="1"/>
+            </p:cNvPicPr>
+            <p:nvPr/>
+          </p:nvPicPr>
+          <p:blipFill rotWithShape="1">
+            <a:blip r:embed="rId2">
+              <a:extLst>
+                <a:ext uri="{28A0092B-C50C-407E-A947-70E740481C1C}">
+                  <a14:useLocalDpi xmlns:a14="http://schemas.microsoft.com/office/drawing/2010/main" val="0"/>
+                </a:ext>
+              </a:extLst>
+            </a:blip>
+            <a:srcRect l="91142" t="42949" r="7272" b="51836"/>
+            <a:stretch/>
+          </p:blipFill>
+          <p:spPr>
+            <a:xfrm>
+              <a:off x="1288472" y="225287"/>
+              <a:ext cx="613215" cy="604906"/>
+            </a:xfrm>
+            <a:prstGeom prst="rect">
+              <a:avLst/>
+            </a:prstGeom>
+          </p:spPr>
+        </p:pic>
+      </p:grpSp>
+      <p:grpSp>
+        <p:nvGrpSpPr>
+          <p:cNvPr id="48" name="Group 47">
+            <a:extLst>
+              <a:ext uri="{FF2B5EF4-FFF2-40B4-BE49-F238E27FC236}">
+                <a16:creationId xmlns:a16="http://schemas.microsoft.com/office/drawing/2014/main" id="{A5C1DFC5-20FF-49B6-ACCC-691EF7640E9E}"/>
+              </a:ext>
+            </a:extLst>
+          </p:cNvPr>
+          <p:cNvGrpSpPr/>
+          <p:nvPr/>
+        </p:nvGrpSpPr>
+        <p:grpSpPr>
+          <a:xfrm>
+            <a:off x="3303635" y="291548"/>
+            <a:ext cx="1620612" cy="538645"/>
+            <a:chOff x="4176719" y="291548"/>
+            <a:chExt cx="1620612" cy="538645"/>
+          </a:xfrm>
+        </p:grpSpPr>
+        <p:sp>
+          <p:nvSpPr>
+            <p:cNvPr id="42" name="Rectangle 41">
+              <a:extLst>
+                <a:ext uri="{FF2B5EF4-FFF2-40B4-BE49-F238E27FC236}">
+                  <a16:creationId xmlns:a16="http://schemas.microsoft.com/office/drawing/2014/main" id="{3FF19980-9B84-4343-BE42-302AE429D0B4}"/>
+                </a:ext>
+              </a:extLst>
+            </p:cNvPr>
+            <p:cNvSpPr/>
+            <p:nvPr/>
+          </p:nvSpPr>
+          <p:spPr>
+            <a:xfrm>
+              <a:off x="4749599" y="457463"/>
+              <a:ext cx="1047732" cy="193896"/>
+            </a:xfrm>
+            <a:prstGeom prst="rect">
+              <a:avLst/>
+            </a:prstGeom>
+            <a:solidFill>
+              <a:schemeClr val="bg1"/>
+            </a:solidFill>
+            <a:ln>
+              <a:solidFill>
+                <a:schemeClr val="bg1"/>
+              </a:solidFill>
+            </a:ln>
+          </p:spPr>
+          <p:style>
+            <a:lnRef idx="2">
+              <a:schemeClr val="accent1">
+                <a:shade val="50000"/>
+              </a:schemeClr>
+            </a:lnRef>
+            <a:fillRef idx="1">
+              <a:schemeClr val="accent1"/>
+            </a:fillRef>
+            <a:effectRef idx="0">
+              <a:schemeClr val="accent1"/>
+            </a:effectRef>
+            <a:fontRef idx="minor">
+              <a:schemeClr val="lt1"/>
+            </a:fontRef>
+          </p:style>
+          <p:txBody>
+            <a:bodyPr rtlCol="0" anchor="ctr"/>
+            <a:lstStyle/>
+            <a:p>
+              <a:pPr algn="ctr"/>
+              <a:r>
+                <a:rPr lang="en-US" sz="1600" dirty="0">
+                  <a:solidFill>
+                    <a:sysClr val="windowText" lastClr="000000"/>
+                  </a:solidFill>
+                  <a:latin typeface="Cambria Math" panose="02040503050406030204" pitchFamily="18" charset="0"/>
+                  <a:ea typeface="Cambria Math" panose="02040503050406030204" pitchFamily="18" charset="0"/>
+                </a:rPr>
+                <a:t>Disease</a:t>
+              </a:r>
+            </a:p>
+          </p:txBody>
+        </p:sp>
+        <p:pic>
+          <p:nvPicPr>
+            <p:cNvPr id="44" name="Picture 43" descr="Chart, box and whisker chart&#10;&#10;Description automatically generated">
+              <a:extLst>
+                <a:ext uri="{FF2B5EF4-FFF2-40B4-BE49-F238E27FC236}">
+                  <a16:creationId xmlns:a16="http://schemas.microsoft.com/office/drawing/2014/main" id="{AE40BDA9-F8B4-46C4-A342-71241C231779}"/>
+                </a:ext>
+              </a:extLst>
+            </p:cNvPr>
+            <p:cNvPicPr>
+              <a:picLocks noChangeAspect="1"/>
+            </p:cNvPicPr>
+            <p:nvPr/>
+          </p:nvPicPr>
+          <p:blipFill rotWithShape="1">
+            <a:blip r:embed="rId2">
+              <a:extLst>
+                <a:ext uri="{28A0092B-C50C-407E-A947-70E740481C1C}">
+                  <a14:useLocalDpi xmlns:a14="http://schemas.microsoft.com/office/drawing/2010/main" val="0"/>
+                </a:ext>
+              </a:extLst>
+            </a:blip>
+            <a:srcRect l="90721" t="48621" r="7341" b="46736"/>
+            <a:stretch/>
+          </p:blipFill>
+          <p:spPr>
+            <a:xfrm>
+              <a:off x="4176719" y="291548"/>
+              <a:ext cx="749450" cy="538645"/>
+            </a:xfrm>
+            <a:prstGeom prst="rect">
+              <a:avLst/>
+            </a:prstGeom>
+          </p:spPr>
+        </p:pic>
+      </p:grpSp>
+      <p:grpSp>
+        <p:nvGrpSpPr>
+          <p:cNvPr id="47" name="Group 46">
+            <a:extLst>
+              <a:ext uri="{FF2B5EF4-FFF2-40B4-BE49-F238E27FC236}">
+                <a16:creationId xmlns:a16="http://schemas.microsoft.com/office/drawing/2014/main" id="{3F2173E9-0D74-4103-8910-4388757E2C78}"/>
+              </a:ext>
+            </a:extLst>
+          </p:cNvPr>
+          <p:cNvGrpSpPr/>
+          <p:nvPr/>
+        </p:nvGrpSpPr>
+        <p:grpSpPr>
+          <a:xfrm>
+            <a:off x="5333245" y="256069"/>
+            <a:ext cx="1787791" cy="609601"/>
+            <a:chOff x="5770851" y="265940"/>
+            <a:chExt cx="1787791" cy="609601"/>
+          </a:xfrm>
+        </p:grpSpPr>
+        <p:sp>
+          <p:nvSpPr>
+            <p:cNvPr id="43" name="Rectangle 42">
+              <a:extLst>
+                <a:ext uri="{FF2B5EF4-FFF2-40B4-BE49-F238E27FC236}">
+                  <a16:creationId xmlns:a16="http://schemas.microsoft.com/office/drawing/2014/main" id="{D3B9ACA1-CA12-4FC5-A01A-D2F8C180E164}"/>
+                </a:ext>
+              </a:extLst>
+            </p:cNvPr>
+            <p:cNvSpPr/>
+            <p:nvPr/>
+          </p:nvSpPr>
+          <p:spPr>
+            <a:xfrm>
+              <a:off x="6406137" y="447695"/>
+              <a:ext cx="1152505" cy="213286"/>
+            </a:xfrm>
+            <a:prstGeom prst="rect">
+              <a:avLst/>
+            </a:prstGeom>
+            <a:solidFill>
+              <a:schemeClr val="bg1"/>
+            </a:solidFill>
+            <a:ln>
+              <a:solidFill>
+                <a:schemeClr val="bg1"/>
+              </a:solidFill>
+            </a:ln>
+          </p:spPr>
+          <p:style>
+            <a:lnRef idx="2">
+              <a:schemeClr val="accent1">
+                <a:shade val="50000"/>
+              </a:schemeClr>
+            </a:lnRef>
+            <a:fillRef idx="1">
+              <a:schemeClr val="accent1"/>
+            </a:fillRef>
+            <a:effectRef idx="0">
+              <a:schemeClr val="accent1"/>
+            </a:effectRef>
+            <a:fontRef idx="minor">
+              <a:schemeClr val="lt1"/>
+            </a:fontRef>
+          </p:style>
+          <p:txBody>
+            <a:bodyPr rtlCol="0" anchor="ctr"/>
+            <a:lstStyle/>
+            <a:p>
+              <a:pPr algn="ctr"/>
+              <a:r>
+                <a:rPr lang="en-US" sz="1600" dirty="0">
+                  <a:solidFill>
+                    <a:sysClr val="windowText" lastClr="000000"/>
+                  </a:solidFill>
+                  <a:latin typeface="Cambria Math" panose="02040503050406030204" pitchFamily="18" charset="0"/>
+                  <a:ea typeface="Cambria Math" panose="02040503050406030204" pitchFamily="18" charset="0"/>
+                </a:rPr>
+                <a:t>Hurricane</a:t>
+              </a:r>
+            </a:p>
+          </p:txBody>
+        </p:sp>
+        <p:pic>
+          <p:nvPicPr>
+            <p:cNvPr id="45" name="Picture 44" descr="Chart, box and whisker chart&#10;&#10;Description automatically generated">
+              <a:extLst>
+                <a:ext uri="{FF2B5EF4-FFF2-40B4-BE49-F238E27FC236}">
+                  <a16:creationId xmlns:a16="http://schemas.microsoft.com/office/drawing/2014/main" id="{A2D22836-C9C8-4248-B8F2-69317391B646}"/>
+                </a:ext>
+              </a:extLst>
+            </p:cNvPr>
+            <p:cNvPicPr>
+              <a:picLocks noChangeAspect="1"/>
+            </p:cNvPicPr>
+            <p:nvPr/>
+          </p:nvPicPr>
+          <p:blipFill rotWithShape="1">
+            <a:blip r:embed="rId2">
+              <a:extLst>
+                <a:ext uri="{28A0092B-C50C-407E-A947-70E740481C1C}">
+                  <a14:useLocalDpi xmlns:a14="http://schemas.microsoft.com/office/drawing/2010/main" val="0"/>
+                </a:ext>
+              </a:extLst>
+            </a:blip>
+            <a:srcRect l="90721" t="53704" r="7288" b="41042"/>
+            <a:stretch/>
+          </p:blipFill>
+          <p:spPr>
+            <a:xfrm>
+              <a:off x="5770851" y="265940"/>
+              <a:ext cx="769709" cy="609601"/>
+            </a:xfrm>
+            <a:prstGeom prst="rect">
+              <a:avLst/>
+            </a:prstGeom>
+          </p:spPr>
+        </p:pic>
+      </p:grpSp>
+    </p:spTree>
+    <p:extLst>
+      <p:ext uri="{BB962C8B-B14F-4D97-AF65-F5344CB8AC3E}">
+        <p14:creationId xmlns:p14="http://schemas.microsoft.com/office/powerpoint/2010/main" val="749053936"/>
+      </p:ext>
+    </p:extLst>
+  </p:cSld>
+  <p:clrMapOvr>
+    <a:masterClrMapping/>
+  </p:clrMapOvr>
+</p:sld>
+</file>
+
+<file path=ppt/slides/slide9.xml><?xml version="1.0" encoding="utf-8"?>
+<p:sld xmlns:a="http://schemas.openxmlformats.org/drawingml/2006/main" xmlns:r="http://schemas.openxmlformats.org/officeDocument/2006/relationships" xmlns:p="http://schemas.openxmlformats.org/presentationml/2006/main">
+  <p:cSld>
+    <p:spTree>
+      <p:nvGrpSpPr>
+        <p:cNvPr id="1" name=""/>
+        <p:cNvGrpSpPr/>
+        <p:nvPr/>
+      </p:nvGrpSpPr>
+      <p:grpSpPr>
+        <a:xfrm>
+          <a:off x="0" y="0"/>
+          <a:ext cx="0" cy="0"/>
+          <a:chOff x="0" y="0"/>
+          <a:chExt cx="0" cy="0"/>
+        </a:xfrm>
+      </p:grpSpPr>
       <p:sp>
         <p:nvSpPr>
           <p:cNvPr id="18" name="Rectangle 17">
@@ -17003,7 +17992,7 @@
         </p:nvSpPr>
         <p:spPr>
           <a:xfrm>
-            <a:off x="7365740" y="3626732"/>
+            <a:off x="8352049" y="-2547306"/>
             <a:ext cx="515389" cy="271549"/>
           </a:xfrm>
           <a:prstGeom prst="rect">
@@ -17064,7 +18053,7 @@
         </p:nvSpPr>
         <p:spPr>
           <a:xfrm>
-            <a:off x="8576735" y="3626732"/>
+            <a:off x="9563044" y="-2547306"/>
             <a:ext cx="515389" cy="271549"/>
           </a:xfrm>
           <a:prstGeom prst="rect">
@@ -17125,7 +18114,7 @@
         </p:nvSpPr>
         <p:spPr>
           <a:xfrm>
-            <a:off x="9176430" y="3626732"/>
+            <a:off x="10162739" y="-2547306"/>
             <a:ext cx="515389" cy="271549"/>
           </a:xfrm>
           <a:prstGeom prst="rect">
@@ -17186,7 +18175,7 @@
         </p:nvSpPr>
         <p:spPr>
           <a:xfrm>
-            <a:off x="7970955" y="3626732"/>
+            <a:off x="8957264" y="-2547306"/>
             <a:ext cx="515389" cy="271549"/>
           </a:xfrm>
           <a:prstGeom prst="rect">
@@ -17233,6 +18222,779 @@
           </a:p>
         </p:txBody>
       </p:sp>
+      <p:grpSp>
+        <p:nvGrpSpPr>
+          <p:cNvPr id="51" name="Group 50">
+            <a:extLst>
+              <a:ext uri="{FF2B5EF4-FFF2-40B4-BE49-F238E27FC236}">
+                <a16:creationId xmlns:a16="http://schemas.microsoft.com/office/drawing/2014/main" id="{71928526-78C9-43F8-9C33-9E4DF42A1369}"/>
+              </a:ext>
+            </a:extLst>
+          </p:cNvPr>
+          <p:cNvGrpSpPr/>
+          <p:nvPr/>
+        </p:nvGrpSpPr>
+        <p:grpSpPr>
+          <a:xfrm>
+            <a:off x="-320672" y="22479"/>
+            <a:ext cx="12907529" cy="7354201"/>
+            <a:chOff x="-320672" y="22479"/>
+            <a:chExt cx="12907529" cy="7354201"/>
+          </a:xfrm>
+        </p:grpSpPr>
+        <p:sp>
+          <p:nvSpPr>
+            <p:cNvPr id="15" name="Rectangle 14">
+              <a:extLst>
+                <a:ext uri="{FF2B5EF4-FFF2-40B4-BE49-F238E27FC236}">
+                  <a16:creationId xmlns:a16="http://schemas.microsoft.com/office/drawing/2014/main" id="{ACE869D7-7F0A-4583-8DC5-9ED0C0F7548B}"/>
+                </a:ext>
+              </a:extLst>
+            </p:cNvPr>
+            <p:cNvSpPr/>
+            <p:nvPr/>
+          </p:nvSpPr>
+          <p:spPr>
+            <a:xfrm>
+              <a:off x="-249082" y="22479"/>
+              <a:ext cx="445317" cy="408709"/>
+            </a:xfrm>
+            <a:prstGeom prst="rect">
+              <a:avLst/>
+            </a:prstGeom>
+            <a:solidFill>
+              <a:schemeClr val="bg1"/>
+            </a:solidFill>
+            <a:ln>
+              <a:solidFill>
+                <a:schemeClr val="bg1"/>
+              </a:solidFill>
+            </a:ln>
+          </p:spPr>
+          <p:style>
+            <a:lnRef idx="2">
+              <a:schemeClr val="accent1">
+                <a:shade val="50000"/>
+              </a:schemeClr>
+            </a:lnRef>
+            <a:fillRef idx="1">
+              <a:schemeClr val="accent1"/>
+            </a:fillRef>
+            <a:effectRef idx="0">
+              <a:schemeClr val="accent1"/>
+            </a:effectRef>
+            <a:fontRef idx="minor">
+              <a:schemeClr val="lt1"/>
+            </a:fontRef>
+          </p:style>
+          <p:txBody>
+            <a:bodyPr rtlCol="0" anchor="ctr"/>
+            <a:lstStyle/>
+            <a:p>
+              <a:pPr algn="ctr"/>
+              <a:r>
+                <a:rPr lang="en-US" b="1" dirty="0">
+                  <a:solidFill>
+                    <a:schemeClr val="tx1"/>
+                  </a:solidFill>
+                  <a:latin typeface="Cambria Math" panose="02040503050406030204" pitchFamily="18" charset="0"/>
+                  <a:ea typeface="Cambria Math" panose="02040503050406030204" pitchFamily="18" charset="0"/>
+                </a:rPr>
+                <a:t>A)</a:t>
+              </a:r>
+            </a:p>
+          </p:txBody>
+        </p:sp>
+        <p:pic>
+          <p:nvPicPr>
+            <p:cNvPr id="34" name="Picture 33" descr="A picture containing chart&#10;&#10;Description automatically generated">
+              <a:extLst>
+                <a:ext uri="{FF2B5EF4-FFF2-40B4-BE49-F238E27FC236}">
+                  <a16:creationId xmlns:a16="http://schemas.microsoft.com/office/drawing/2014/main" id="{F41DD94A-494E-41AF-B6D0-BFE045E87883}"/>
+                </a:ext>
+              </a:extLst>
+            </p:cNvPr>
+            <p:cNvPicPr>
+              <a:picLocks noChangeAspect="1"/>
+            </p:cNvPicPr>
+            <p:nvPr/>
+          </p:nvPicPr>
+          <p:blipFill>
+            <a:blip r:embed="rId3">
+              <a:extLst>
+                <a:ext uri="{28A0092B-C50C-407E-A947-70E740481C1C}">
+                  <a14:useLocalDpi xmlns:a14="http://schemas.microsoft.com/office/drawing/2010/main" val="0"/>
+                </a:ext>
+              </a:extLst>
+            </a:blip>
+            <a:stretch>
+              <a:fillRect/>
+            </a:stretch>
+          </p:blipFill>
+          <p:spPr>
+            <a:xfrm>
+              <a:off x="-98013" y="455800"/>
+              <a:ext cx="3339808" cy="3075348"/>
+            </a:xfrm>
+            <a:prstGeom prst="rect">
+              <a:avLst/>
+            </a:prstGeom>
+          </p:spPr>
+        </p:pic>
+        <p:pic>
+          <p:nvPicPr>
+            <p:cNvPr id="38" name="Picture 37" descr="A picture containing diagram&#10;&#10;Description automatically generated">
+              <a:extLst>
+                <a:ext uri="{FF2B5EF4-FFF2-40B4-BE49-F238E27FC236}">
+                  <a16:creationId xmlns:a16="http://schemas.microsoft.com/office/drawing/2014/main" id="{AF6798B5-3E16-4F74-9F33-46CE8135FD1F}"/>
+                </a:ext>
+              </a:extLst>
+            </p:cNvPr>
+            <p:cNvPicPr>
+              <a:picLocks noChangeAspect="1"/>
+            </p:cNvPicPr>
+            <p:nvPr/>
+          </p:nvPicPr>
+          <p:blipFill>
+            <a:blip r:embed="rId4">
+              <a:extLst>
+                <a:ext uri="{28A0092B-C50C-407E-A947-70E740481C1C}">
+                  <a14:useLocalDpi xmlns:a14="http://schemas.microsoft.com/office/drawing/2010/main" val="0"/>
+                </a:ext>
+              </a:extLst>
+            </a:blip>
+            <a:stretch>
+              <a:fillRect/>
+            </a:stretch>
+          </p:blipFill>
+          <p:spPr>
+            <a:xfrm>
+              <a:off x="3021916" y="426175"/>
+              <a:ext cx="3340931" cy="3134598"/>
+            </a:xfrm>
+            <a:prstGeom prst="rect">
+              <a:avLst/>
+            </a:prstGeom>
+          </p:spPr>
+        </p:pic>
+        <p:pic>
+          <p:nvPicPr>
+            <p:cNvPr id="40" name="Picture 39" descr="A picture containing chart&#10;&#10;Description automatically generated">
+              <a:extLst>
+                <a:ext uri="{FF2B5EF4-FFF2-40B4-BE49-F238E27FC236}">
+                  <a16:creationId xmlns:a16="http://schemas.microsoft.com/office/drawing/2014/main" id="{772385FB-8949-425F-813C-67F7BD8E4D15}"/>
+                </a:ext>
+              </a:extLst>
+            </p:cNvPr>
+            <p:cNvPicPr>
+              <a:picLocks noChangeAspect="1"/>
+            </p:cNvPicPr>
+            <p:nvPr/>
+          </p:nvPicPr>
+          <p:blipFill>
+            <a:blip r:embed="rId5">
+              <a:extLst>
+                <a:ext uri="{28A0092B-C50C-407E-A947-70E740481C1C}">
+                  <a14:useLocalDpi xmlns:a14="http://schemas.microsoft.com/office/drawing/2010/main" val="0"/>
+                </a:ext>
+              </a:extLst>
+            </a:blip>
+            <a:stretch>
+              <a:fillRect/>
+            </a:stretch>
+          </p:blipFill>
+          <p:spPr>
+            <a:xfrm>
+              <a:off x="6061558" y="414240"/>
+              <a:ext cx="3340929" cy="3158468"/>
+            </a:xfrm>
+            <a:prstGeom prst="rect">
+              <a:avLst/>
+            </a:prstGeom>
+          </p:spPr>
+        </p:pic>
+        <p:pic>
+          <p:nvPicPr>
+            <p:cNvPr id="42" name="Picture 41" descr="Chart, box and whisker chart&#10;&#10;Description automatically generated">
+              <a:extLst>
+                <a:ext uri="{FF2B5EF4-FFF2-40B4-BE49-F238E27FC236}">
+                  <a16:creationId xmlns:a16="http://schemas.microsoft.com/office/drawing/2014/main" id="{D193F982-EED0-46D5-8741-794834434DEB}"/>
+                </a:ext>
+              </a:extLst>
+            </p:cNvPr>
+            <p:cNvPicPr>
+              <a:picLocks noChangeAspect="1"/>
+            </p:cNvPicPr>
+            <p:nvPr/>
+          </p:nvPicPr>
+          <p:blipFill>
+            <a:blip r:embed="rId6">
+              <a:extLst>
+                <a:ext uri="{28A0092B-C50C-407E-A947-70E740481C1C}">
+                  <a14:useLocalDpi xmlns:a14="http://schemas.microsoft.com/office/drawing/2010/main" val="0"/>
+                </a:ext>
+              </a:extLst>
+            </a:blip>
+            <a:stretch>
+              <a:fillRect/>
+            </a:stretch>
+          </p:blipFill>
+          <p:spPr>
+            <a:xfrm>
+              <a:off x="-247109" y="3636043"/>
+              <a:ext cx="12833966" cy="3740637"/>
+            </a:xfrm>
+            <a:prstGeom prst="rect">
+              <a:avLst/>
+            </a:prstGeom>
+          </p:spPr>
+        </p:pic>
+        <p:pic>
+          <p:nvPicPr>
+            <p:cNvPr id="36" name="Picture 35" descr="A picture containing chart&#10;&#10;Description automatically generated">
+              <a:extLst>
+                <a:ext uri="{FF2B5EF4-FFF2-40B4-BE49-F238E27FC236}">
+                  <a16:creationId xmlns:a16="http://schemas.microsoft.com/office/drawing/2014/main" id="{ECA3A87E-073C-4ED7-B5EF-F40D9BA7CFB2}"/>
+                </a:ext>
+              </a:extLst>
+            </p:cNvPr>
+            <p:cNvPicPr>
+              <a:picLocks noChangeAspect="1"/>
+            </p:cNvPicPr>
+            <p:nvPr/>
+          </p:nvPicPr>
+          <p:blipFill>
+            <a:blip r:embed="rId7">
+              <a:extLst>
+                <a:ext uri="{28A0092B-C50C-407E-A947-70E740481C1C}">
+                  <a14:useLocalDpi xmlns:a14="http://schemas.microsoft.com/office/drawing/2010/main" val="0"/>
+                </a:ext>
+              </a:extLst>
+            </a:blip>
+            <a:stretch>
+              <a:fillRect/>
+            </a:stretch>
+          </p:blipFill>
+          <p:spPr>
+            <a:xfrm>
+              <a:off x="9164246" y="402208"/>
+              <a:ext cx="3340930" cy="3182533"/>
+            </a:xfrm>
+            <a:prstGeom prst="rect">
+              <a:avLst/>
+            </a:prstGeom>
+          </p:spPr>
+        </p:pic>
+        <p:sp>
+          <p:nvSpPr>
+            <p:cNvPr id="17" name="Rectangle 16">
+              <a:extLst>
+                <a:ext uri="{FF2B5EF4-FFF2-40B4-BE49-F238E27FC236}">
+                  <a16:creationId xmlns:a16="http://schemas.microsoft.com/office/drawing/2014/main" id="{CB0A29A4-455C-4EDD-B813-7E5F38E14554}"/>
+                </a:ext>
+              </a:extLst>
+            </p:cNvPr>
+            <p:cNvSpPr/>
+            <p:nvPr/>
+          </p:nvSpPr>
+          <p:spPr>
+            <a:xfrm>
+              <a:off x="1571891" y="3450127"/>
+              <a:ext cx="9626138" cy="250918"/>
+            </a:xfrm>
+            <a:prstGeom prst="rect">
+              <a:avLst/>
+            </a:prstGeom>
+            <a:solidFill>
+              <a:schemeClr val="bg1"/>
+            </a:solidFill>
+            <a:ln>
+              <a:solidFill>
+                <a:schemeClr val="bg1"/>
+              </a:solidFill>
+            </a:ln>
+          </p:spPr>
+          <p:style>
+            <a:lnRef idx="2">
+              <a:schemeClr val="accent1">
+                <a:shade val="50000"/>
+              </a:schemeClr>
+            </a:lnRef>
+            <a:fillRef idx="1">
+              <a:schemeClr val="accent1"/>
+            </a:fillRef>
+            <a:effectRef idx="0">
+              <a:schemeClr val="accent1"/>
+            </a:effectRef>
+            <a:fontRef idx="minor">
+              <a:schemeClr val="lt1"/>
+            </a:fontRef>
+          </p:style>
+          <p:txBody>
+            <a:bodyPr rtlCol="0" anchor="ctr"/>
+            <a:lstStyle/>
+            <a:p>
+              <a:pPr algn="ctr"/>
+              <a:r>
+                <a:rPr lang="en-US" sz="1600" dirty="0">
+                  <a:solidFill>
+                    <a:schemeClr val="tx1"/>
+                  </a:solidFill>
+                  <a:latin typeface="Cambria Math" panose="02040503050406030204" pitchFamily="18" charset="0"/>
+                  <a:ea typeface="Cambria Math" panose="02040503050406030204" pitchFamily="18" charset="0"/>
+                </a:rPr>
+                <a:t>Time (years)</a:t>
+              </a:r>
+            </a:p>
+          </p:txBody>
+        </p:sp>
+        <p:sp>
+          <p:nvSpPr>
+            <p:cNvPr id="29" name="Rectangle 28">
+              <a:extLst>
+                <a:ext uri="{FF2B5EF4-FFF2-40B4-BE49-F238E27FC236}">
+                  <a16:creationId xmlns:a16="http://schemas.microsoft.com/office/drawing/2014/main" id="{8AA50BB7-8CAA-483D-87B7-D5FCD3EACF6F}"/>
+                </a:ext>
+              </a:extLst>
+            </p:cNvPr>
+            <p:cNvSpPr/>
+            <p:nvPr/>
+          </p:nvSpPr>
+          <p:spPr>
+            <a:xfrm>
+              <a:off x="770227" y="65157"/>
+              <a:ext cx="2549237" cy="357019"/>
+            </a:xfrm>
+            <a:prstGeom prst="rect">
+              <a:avLst/>
+            </a:prstGeom>
+            <a:solidFill>
+              <a:schemeClr val="bg1"/>
+            </a:solidFill>
+            <a:ln w="38100">
+              <a:solidFill>
+                <a:schemeClr val="tx1"/>
+              </a:solidFill>
+            </a:ln>
+          </p:spPr>
+          <p:style>
+            <a:lnRef idx="2">
+              <a:schemeClr val="accent1">
+                <a:shade val="50000"/>
+              </a:schemeClr>
+            </a:lnRef>
+            <a:fillRef idx="1">
+              <a:schemeClr val="accent1"/>
+            </a:fillRef>
+            <a:effectRef idx="0">
+              <a:schemeClr val="accent1"/>
+            </a:effectRef>
+            <a:fontRef idx="minor">
+              <a:schemeClr val="lt1"/>
+            </a:fontRef>
+          </p:style>
+          <p:txBody>
+            <a:bodyPr rtlCol="0" anchor="ctr"/>
+            <a:lstStyle/>
+            <a:p>
+              <a:pPr algn="ctr"/>
+              <a:r>
+                <a:rPr lang="en-US" sz="1400" dirty="0">
+                  <a:solidFill>
+                    <a:schemeClr val="tx1"/>
+                  </a:solidFill>
+                  <a:latin typeface="Cambria Math" panose="02040503050406030204" pitchFamily="18" charset="0"/>
+                  <a:ea typeface="Cambria Math" panose="02040503050406030204" pitchFamily="18" charset="0"/>
+                  <a:cs typeface="Aparajita" panose="02020603050405020304" pitchFamily="18" charset="0"/>
+                </a:rPr>
+                <a:t>Benthic Complexity</a:t>
+              </a:r>
+            </a:p>
+          </p:txBody>
+        </p:sp>
+        <p:sp>
+          <p:nvSpPr>
+            <p:cNvPr id="30" name="Rectangle 29">
+              <a:extLst>
+                <a:ext uri="{FF2B5EF4-FFF2-40B4-BE49-F238E27FC236}">
+                  <a16:creationId xmlns:a16="http://schemas.microsoft.com/office/drawing/2014/main" id="{278EB293-C495-4736-895B-AC8E34C5AFE9}"/>
+                </a:ext>
+              </a:extLst>
+            </p:cNvPr>
+            <p:cNvSpPr/>
+            <p:nvPr/>
+          </p:nvSpPr>
+          <p:spPr>
+            <a:xfrm>
+              <a:off x="3813610" y="65157"/>
+              <a:ext cx="2549237" cy="357019"/>
+            </a:xfrm>
+            <a:prstGeom prst="rect">
+              <a:avLst/>
+            </a:prstGeom>
+            <a:solidFill>
+              <a:schemeClr val="bg1"/>
+            </a:solidFill>
+            <a:ln w="38100">
+              <a:solidFill>
+                <a:schemeClr val="tx1"/>
+              </a:solidFill>
+            </a:ln>
+          </p:spPr>
+          <p:style>
+            <a:lnRef idx="2">
+              <a:schemeClr val="accent1">
+                <a:shade val="50000"/>
+              </a:schemeClr>
+            </a:lnRef>
+            <a:fillRef idx="1">
+              <a:schemeClr val="accent1"/>
+            </a:fillRef>
+            <a:effectRef idx="0">
+              <a:schemeClr val="accent1"/>
+            </a:effectRef>
+            <a:fontRef idx="minor">
+              <a:schemeClr val="lt1"/>
+            </a:fontRef>
+          </p:style>
+          <p:txBody>
+            <a:bodyPr rtlCol="0" anchor="ctr"/>
+            <a:lstStyle/>
+            <a:p>
+              <a:pPr algn="ctr"/>
+              <a:r>
+                <a:rPr lang="en-US" sz="1400" dirty="0">
+                  <a:solidFill>
+                    <a:schemeClr val="tx1"/>
+                  </a:solidFill>
+                  <a:latin typeface="Cambria Math" panose="02040503050406030204" pitchFamily="18" charset="0"/>
+                  <a:ea typeface="Cambria Math" panose="02040503050406030204" pitchFamily="18" charset="0"/>
+                  <a:cs typeface="Aparajita" panose="02020603050405020304" pitchFamily="18" charset="0"/>
+                </a:rPr>
+                <a:t>Fish Biomass</a:t>
+              </a:r>
+            </a:p>
+          </p:txBody>
+        </p:sp>
+        <p:sp>
+          <p:nvSpPr>
+            <p:cNvPr id="31" name="Rectangle 30">
+              <a:extLst>
+                <a:ext uri="{FF2B5EF4-FFF2-40B4-BE49-F238E27FC236}">
+                  <a16:creationId xmlns:a16="http://schemas.microsoft.com/office/drawing/2014/main" id="{49C61DDC-2001-4BD9-A6D0-AB5C575076BC}"/>
+                </a:ext>
+              </a:extLst>
+            </p:cNvPr>
+            <p:cNvSpPr/>
+            <p:nvPr/>
+          </p:nvSpPr>
+          <p:spPr>
+            <a:xfrm>
+              <a:off x="6791573" y="65157"/>
+              <a:ext cx="2549237" cy="357019"/>
+            </a:xfrm>
+            <a:prstGeom prst="rect">
+              <a:avLst/>
+            </a:prstGeom>
+            <a:solidFill>
+              <a:schemeClr val="bg1"/>
+            </a:solidFill>
+            <a:ln w="38100">
+              <a:solidFill>
+                <a:schemeClr val="tx1"/>
+              </a:solidFill>
+            </a:ln>
+          </p:spPr>
+          <p:style>
+            <a:lnRef idx="2">
+              <a:schemeClr val="accent1">
+                <a:shade val="50000"/>
+              </a:schemeClr>
+            </a:lnRef>
+            <a:fillRef idx="1">
+              <a:schemeClr val="accent1"/>
+            </a:fillRef>
+            <a:effectRef idx="0">
+              <a:schemeClr val="accent1"/>
+            </a:effectRef>
+            <a:fontRef idx="minor">
+              <a:schemeClr val="lt1"/>
+            </a:fontRef>
+          </p:style>
+          <p:txBody>
+            <a:bodyPr rtlCol="0" anchor="ctr"/>
+            <a:lstStyle/>
+            <a:p>
+              <a:pPr algn="ctr"/>
+              <a:r>
+                <a:rPr lang="en-US" sz="1400" dirty="0">
+                  <a:solidFill>
+                    <a:schemeClr val="tx1"/>
+                  </a:solidFill>
+                  <a:latin typeface="Cambria Math" panose="02040503050406030204" pitchFamily="18" charset="0"/>
+                  <a:ea typeface="Cambria Math" panose="02040503050406030204" pitchFamily="18" charset="0"/>
+                  <a:cs typeface="Aparajita" panose="02020603050405020304" pitchFamily="18" charset="0"/>
+                </a:rPr>
+                <a:t>Harvest Biomass</a:t>
+              </a:r>
+            </a:p>
+          </p:txBody>
+        </p:sp>
+        <p:sp>
+          <p:nvSpPr>
+            <p:cNvPr id="32" name="Rectangle 31">
+              <a:extLst>
+                <a:ext uri="{FF2B5EF4-FFF2-40B4-BE49-F238E27FC236}">
+                  <a16:creationId xmlns:a16="http://schemas.microsoft.com/office/drawing/2014/main" id="{0F0BC00E-56B0-4194-899D-61F94BD733EE}"/>
+                </a:ext>
+              </a:extLst>
+            </p:cNvPr>
+            <p:cNvSpPr/>
+            <p:nvPr/>
+          </p:nvSpPr>
+          <p:spPr>
+            <a:xfrm>
+              <a:off x="9748358" y="65157"/>
+              <a:ext cx="2549237" cy="357019"/>
+            </a:xfrm>
+            <a:prstGeom prst="rect">
+              <a:avLst/>
+            </a:prstGeom>
+            <a:solidFill>
+              <a:schemeClr val="bg1"/>
+            </a:solidFill>
+            <a:ln w="38100">
+              <a:solidFill>
+                <a:schemeClr val="tx1"/>
+              </a:solidFill>
+            </a:ln>
+          </p:spPr>
+          <p:style>
+            <a:lnRef idx="2">
+              <a:schemeClr val="accent1">
+                <a:shade val="50000"/>
+              </a:schemeClr>
+            </a:lnRef>
+            <a:fillRef idx="1">
+              <a:schemeClr val="accent1"/>
+            </a:fillRef>
+            <a:effectRef idx="0">
+              <a:schemeClr val="accent1"/>
+            </a:effectRef>
+            <a:fontRef idx="minor">
+              <a:schemeClr val="lt1"/>
+            </a:fontRef>
+          </p:style>
+          <p:txBody>
+            <a:bodyPr rtlCol="0" anchor="ctr"/>
+            <a:lstStyle/>
+            <a:p>
+              <a:pPr algn="ctr"/>
+              <a:r>
+                <a:rPr lang="en-US" sz="1400" dirty="0">
+                  <a:solidFill>
+                    <a:schemeClr val="tx1"/>
+                  </a:solidFill>
+                  <a:latin typeface="Cambria Math" panose="02040503050406030204" pitchFamily="18" charset="0"/>
+                  <a:ea typeface="Cambria Math" panose="02040503050406030204" pitchFamily="18" charset="0"/>
+                  <a:cs typeface="Aparajita" panose="02020603050405020304" pitchFamily="18" charset="0"/>
+                </a:rPr>
+                <a:t>Coral Population Growth Rate</a:t>
+              </a:r>
+            </a:p>
+          </p:txBody>
+        </p:sp>
+        <p:sp>
+          <p:nvSpPr>
+            <p:cNvPr id="43" name="Rectangle 42">
+              <a:extLst>
+                <a:ext uri="{FF2B5EF4-FFF2-40B4-BE49-F238E27FC236}">
+                  <a16:creationId xmlns:a16="http://schemas.microsoft.com/office/drawing/2014/main" id="{495A783D-BF5F-4F25-948A-799E278FE252}"/>
+                </a:ext>
+              </a:extLst>
+            </p:cNvPr>
+            <p:cNvSpPr/>
+            <p:nvPr/>
+          </p:nvSpPr>
+          <p:spPr>
+            <a:xfrm>
+              <a:off x="-320672" y="3450127"/>
+              <a:ext cx="445317" cy="408709"/>
+            </a:xfrm>
+            <a:prstGeom prst="rect">
+              <a:avLst/>
+            </a:prstGeom>
+            <a:solidFill>
+              <a:schemeClr val="bg1"/>
+            </a:solidFill>
+            <a:ln>
+              <a:solidFill>
+                <a:schemeClr val="bg1"/>
+              </a:solidFill>
+            </a:ln>
+          </p:spPr>
+          <p:style>
+            <a:lnRef idx="2">
+              <a:schemeClr val="accent1">
+                <a:shade val="50000"/>
+              </a:schemeClr>
+            </a:lnRef>
+            <a:fillRef idx="1">
+              <a:schemeClr val="accent1"/>
+            </a:fillRef>
+            <a:effectRef idx="0">
+              <a:schemeClr val="accent1"/>
+            </a:effectRef>
+            <a:fontRef idx="minor">
+              <a:schemeClr val="lt1"/>
+            </a:fontRef>
+          </p:style>
+          <p:txBody>
+            <a:bodyPr rtlCol="0" anchor="ctr"/>
+            <a:lstStyle/>
+            <a:p>
+              <a:pPr algn="ctr"/>
+              <a:r>
+                <a:rPr lang="en-US" b="1" dirty="0">
+                  <a:solidFill>
+                    <a:schemeClr val="tx1"/>
+                  </a:solidFill>
+                  <a:latin typeface="Cambria Math" panose="02040503050406030204" pitchFamily="18" charset="0"/>
+                  <a:ea typeface="Cambria Math" panose="02040503050406030204" pitchFamily="18" charset="0"/>
+                </a:rPr>
+                <a:t>B)</a:t>
+              </a:r>
+            </a:p>
+          </p:txBody>
+        </p:sp>
+        <p:grpSp>
+          <p:nvGrpSpPr>
+            <p:cNvPr id="50" name="Group 49">
+              <a:extLst>
+                <a:ext uri="{FF2B5EF4-FFF2-40B4-BE49-F238E27FC236}">
+                  <a16:creationId xmlns:a16="http://schemas.microsoft.com/office/drawing/2014/main" id="{5D1656AE-46B1-40B9-8777-79C826307B8D}"/>
+                </a:ext>
+              </a:extLst>
+            </p:cNvPr>
+            <p:cNvGrpSpPr/>
+            <p:nvPr/>
+          </p:nvGrpSpPr>
+          <p:grpSpPr>
+            <a:xfrm>
+              <a:off x="643062" y="3733766"/>
+              <a:ext cx="3156684" cy="445834"/>
+              <a:chOff x="786130" y="3864390"/>
+              <a:chExt cx="3156684" cy="445834"/>
+            </a:xfrm>
+          </p:grpSpPr>
+          <p:pic>
+            <p:nvPicPr>
+              <p:cNvPr id="47" name="Picture 46" descr="A picture containing rectangle&#10;&#10;Description automatically generated">
+                <a:extLst>
+                  <a:ext uri="{FF2B5EF4-FFF2-40B4-BE49-F238E27FC236}">
+                    <a16:creationId xmlns:a16="http://schemas.microsoft.com/office/drawing/2014/main" id="{FB810B08-4DA9-4D76-A704-BA6A4B28F220}"/>
+                  </a:ext>
+                </a:extLst>
+              </p:cNvPr>
+              <p:cNvPicPr>
+                <a:picLocks noChangeAspect="1"/>
+              </p:cNvPicPr>
+              <p:nvPr/>
+            </p:nvPicPr>
+            <p:blipFill>
+              <a:blip r:embed="rId8">
+                <a:extLst>
+                  <a:ext uri="{28A0092B-C50C-407E-A947-70E740481C1C}">
+                    <a14:useLocalDpi xmlns:a14="http://schemas.microsoft.com/office/drawing/2010/main" val="0"/>
+                  </a:ext>
+                </a:extLst>
+              </a:blip>
+              <a:stretch>
+                <a:fillRect/>
+              </a:stretch>
+            </p:blipFill>
+            <p:spPr>
+              <a:xfrm>
+                <a:off x="2696114" y="3886961"/>
+                <a:ext cx="1246700" cy="423263"/>
+              </a:xfrm>
+              <a:prstGeom prst="rect">
+                <a:avLst/>
+              </a:prstGeom>
+            </p:spPr>
+          </p:pic>
+          <p:pic>
+            <p:nvPicPr>
+              <p:cNvPr id="45" name="Picture 44" descr="Graphical user interface&#10;&#10;Description automatically generated">
+                <a:extLst>
+                  <a:ext uri="{FF2B5EF4-FFF2-40B4-BE49-F238E27FC236}">
+                    <a16:creationId xmlns:a16="http://schemas.microsoft.com/office/drawing/2014/main" id="{70451366-E4FF-4C22-B247-05281189C483}"/>
+                  </a:ext>
+                </a:extLst>
+              </p:cNvPr>
+              <p:cNvPicPr>
+                <a:picLocks noChangeAspect="1"/>
+              </p:cNvPicPr>
+              <p:nvPr/>
+            </p:nvPicPr>
+            <p:blipFill rotWithShape="1">
+              <a:blip r:embed="rId9">
+                <a:extLst>
+                  <a:ext uri="{28A0092B-C50C-407E-A947-70E740481C1C}">
+                    <a14:useLocalDpi xmlns:a14="http://schemas.microsoft.com/office/drawing/2010/main" val="0"/>
+                  </a:ext>
+                </a:extLst>
+              </a:blip>
+              <a:srcRect r="9011"/>
+              <a:stretch/>
+            </p:blipFill>
+            <p:spPr>
+              <a:xfrm>
+                <a:off x="1765653" y="3898630"/>
+                <a:ext cx="1026536" cy="374148"/>
+              </a:xfrm>
+              <a:prstGeom prst="rect">
+                <a:avLst/>
+              </a:prstGeom>
+            </p:spPr>
+          </p:pic>
+          <p:pic>
+            <p:nvPicPr>
+              <p:cNvPr id="49" name="Picture 48" descr="A picture containing graphical user interface&#10;&#10;Description automatically generated">
+                <a:extLst>
+                  <a:ext uri="{FF2B5EF4-FFF2-40B4-BE49-F238E27FC236}">
+                    <a16:creationId xmlns:a16="http://schemas.microsoft.com/office/drawing/2014/main" id="{C58052A8-3F59-4240-8BFF-72A078F8A7FC}"/>
+                  </a:ext>
+                </a:extLst>
+              </p:cNvPr>
+              <p:cNvPicPr>
+                <a:picLocks noChangeAspect="1"/>
+              </p:cNvPicPr>
+              <p:nvPr/>
+            </p:nvPicPr>
+            <p:blipFill rotWithShape="1">
+              <a:blip r:embed="rId10">
+                <a:extLst>
+                  <a:ext uri="{28A0092B-C50C-407E-A947-70E740481C1C}">
+                    <a14:useLocalDpi xmlns:a14="http://schemas.microsoft.com/office/drawing/2010/main" val="0"/>
+                  </a:ext>
+                </a:extLst>
+              </a:blip>
+              <a:srcRect r="8902"/>
+              <a:stretch/>
+            </p:blipFill>
+            <p:spPr>
+              <a:xfrm>
+                <a:off x="786130" y="3864390"/>
+                <a:ext cx="1062628" cy="435191"/>
+              </a:xfrm>
+              <a:prstGeom prst="rect">
+                <a:avLst/>
+              </a:prstGeom>
+            </p:spPr>
+          </p:pic>
+        </p:grpSp>
+      </p:grpSp>
     </p:spTree>
     <p:extLst>
       <p:ext uri="{BB962C8B-B14F-4D97-AF65-F5344CB8AC3E}">

--- a/output/Figures/Figs.pptx
+++ b/output/Figures/Figs.pptx
@@ -7191,42 +7191,135 @@
           <a:chExt cx="0" cy="0"/>
         </a:xfrm>
       </p:grpSpPr>
-      <p:pic>
-        <p:nvPicPr>
-          <p:cNvPr id="5" name="Picture 4" descr="A picture containing graphical user interface&#10;&#10;Description automatically generated">
+      <p:grpSp>
+        <p:nvGrpSpPr>
+          <p:cNvPr id="19" name="Group 18">
             <a:extLst>
               <a:ext uri="{FF2B5EF4-FFF2-40B4-BE49-F238E27FC236}">
-                <a16:creationId xmlns:a16="http://schemas.microsoft.com/office/drawing/2014/main" id="{0802BABA-268C-4768-8047-E3D9D5A96889}"/>
+                <a16:creationId xmlns:a16="http://schemas.microsoft.com/office/drawing/2014/main" id="{75C76A88-32B9-4F98-AAF0-203EE57D8B43}"/>
               </a:ext>
             </a:extLst>
           </p:cNvPr>
-          <p:cNvPicPr>
-            <a:picLocks noChangeAspect="1"/>
-          </p:cNvPicPr>
+          <p:cNvGrpSpPr/>
           <p:nvPr/>
-        </p:nvPicPr>
-        <p:blipFill>
-          <a:blip r:embed="rId3">
-            <a:extLst>
-              <a:ext uri="{28A0092B-C50C-407E-A947-70E740481C1C}">
-                <a14:useLocalDpi xmlns:a14="http://schemas.microsoft.com/office/drawing/2010/main" val="0"/>
-              </a:ext>
-            </a:extLst>
-          </a:blip>
-          <a:stretch>
-            <a:fillRect/>
-          </a:stretch>
-        </p:blipFill>
-        <p:spPr>
+        </p:nvGrpSpPr>
+        <p:grpSpPr>
           <a:xfrm>
-            <a:off x="5757760" y="5386753"/>
-            <a:ext cx="1756732" cy="1778915"/>
+            <a:off x="835571" y="-175677"/>
+            <a:ext cx="2672349" cy="7096415"/>
+            <a:chOff x="835571" y="-175677"/>
+            <a:chExt cx="2672349" cy="7096415"/>
           </a:xfrm>
-          <a:prstGeom prst="rect">
-            <a:avLst/>
-          </a:prstGeom>
-        </p:spPr>
-      </p:pic>
+        </p:grpSpPr>
+        <p:pic>
+          <p:nvPicPr>
+            <p:cNvPr id="16" name="Picture 15">
+              <a:extLst>
+                <a:ext uri="{FF2B5EF4-FFF2-40B4-BE49-F238E27FC236}">
+                  <a16:creationId xmlns:a16="http://schemas.microsoft.com/office/drawing/2014/main" id="{DC85A05D-716A-4680-B82D-AD2E70F3FD60}"/>
+                </a:ext>
+              </a:extLst>
+            </p:cNvPr>
+            <p:cNvPicPr>
+              <a:picLocks noChangeAspect="1"/>
+            </p:cNvPicPr>
+            <p:nvPr/>
+          </p:nvPicPr>
+          <p:blipFill>
+            <a:blip r:embed="rId3">
+              <a:extLst>
+                <a:ext uri="{28A0092B-C50C-407E-A947-70E740481C1C}">
+                  <a14:useLocalDpi xmlns:a14="http://schemas.microsoft.com/office/drawing/2010/main" val="0"/>
+                </a:ext>
+              </a:extLst>
+            </a:blip>
+            <a:stretch>
+              <a:fillRect/>
+            </a:stretch>
+          </p:blipFill>
+          <p:spPr>
+            <a:xfrm>
+              <a:off x="835571" y="-175677"/>
+              <a:ext cx="2643270" cy="2121339"/>
+            </a:xfrm>
+            <a:prstGeom prst="rect">
+              <a:avLst/>
+            </a:prstGeom>
+          </p:spPr>
+        </p:pic>
+        <p:pic>
+          <p:nvPicPr>
+            <p:cNvPr id="18" name="Picture 17">
+              <a:extLst>
+                <a:ext uri="{FF2B5EF4-FFF2-40B4-BE49-F238E27FC236}">
+                  <a16:creationId xmlns:a16="http://schemas.microsoft.com/office/drawing/2014/main" id="{C2183F7F-A47B-47E8-B14D-4F3FC704D206}"/>
+                </a:ext>
+              </a:extLst>
+            </p:cNvPr>
+            <p:cNvPicPr>
+              <a:picLocks noChangeAspect="1"/>
+            </p:cNvPicPr>
+            <p:nvPr/>
+          </p:nvPicPr>
+          <p:blipFill>
+            <a:blip r:embed="rId4">
+              <a:extLst>
+                <a:ext uri="{28A0092B-C50C-407E-A947-70E740481C1C}">
+                  <a14:useLocalDpi xmlns:a14="http://schemas.microsoft.com/office/drawing/2010/main" val="0"/>
+                </a:ext>
+              </a:extLst>
+            </a:blip>
+            <a:stretch>
+              <a:fillRect/>
+            </a:stretch>
+          </p:blipFill>
+          <p:spPr>
+            <a:xfrm>
+              <a:off x="836141" y="4051223"/>
+              <a:ext cx="2671779" cy="2869515"/>
+            </a:xfrm>
+            <a:prstGeom prst="rect">
+              <a:avLst/>
+            </a:prstGeom>
+          </p:spPr>
+        </p:pic>
+        <p:pic>
+          <p:nvPicPr>
+            <p:cNvPr id="8" name="Picture 7" descr="Chart&#10;&#10;Description automatically generated">
+              <a:extLst>
+                <a:ext uri="{FF2B5EF4-FFF2-40B4-BE49-F238E27FC236}">
+                  <a16:creationId xmlns:a16="http://schemas.microsoft.com/office/drawing/2014/main" id="{3EF448BD-6DB9-415F-AE23-9C3A65DF8796}"/>
+                </a:ext>
+              </a:extLst>
+            </p:cNvPr>
+            <p:cNvPicPr>
+              <a:picLocks noChangeAspect="1"/>
+            </p:cNvPicPr>
+            <p:nvPr/>
+          </p:nvPicPr>
+          <p:blipFill>
+            <a:blip r:embed="rId5">
+              <a:extLst>
+                <a:ext uri="{28A0092B-C50C-407E-A947-70E740481C1C}">
+                  <a14:useLocalDpi xmlns:a14="http://schemas.microsoft.com/office/drawing/2010/main" val="0"/>
+                </a:ext>
+              </a:extLst>
+            </a:blip>
+            <a:stretch>
+              <a:fillRect/>
+            </a:stretch>
+          </p:blipFill>
+          <p:spPr>
+            <a:xfrm>
+              <a:off x="855184" y="1961952"/>
+              <a:ext cx="2547484" cy="2061947"/>
+            </a:xfrm>
+            <a:prstGeom prst="rect">
+              <a:avLst/>
+            </a:prstGeom>
+          </p:spPr>
+        </p:pic>
+      </p:grpSp>
     </p:spTree>
     <p:extLst>
       <p:ext uri="{BB962C8B-B14F-4D97-AF65-F5344CB8AC3E}">
@@ -17765,10 +17858,10 @@
       </p:grpSpPr>
       <p:grpSp>
         <p:nvGrpSpPr>
-          <p:cNvPr id="7" name="Group 6">
+          <p:cNvPr id="2" name="Group 1">
             <a:extLst>
               <a:ext uri="{FF2B5EF4-FFF2-40B4-BE49-F238E27FC236}">
-                <a16:creationId xmlns:a16="http://schemas.microsoft.com/office/drawing/2014/main" id="{5FE1956A-FF99-4F03-AC7C-9607AAAE453D}"/>
+                <a16:creationId xmlns:a16="http://schemas.microsoft.com/office/drawing/2014/main" id="{30E30C4F-8DCA-4693-B7AD-984449BA9D20}"/>
               </a:ext>
             </a:extLst>
           </p:cNvPr>
@@ -17777,18 +17870,18 @@
         </p:nvGrpSpPr>
         <p:grpSpPr>
           <a:xfrm>
-            <a:off x="265090" y="478971"/>
-            <a:ext cx="7831396" cy="5769676"/>
-            <a:chOff x="265090" y="478971"/>
-            <a:chExt cx="7831396" cy="5769676"/>
+            <a:off x="265090" y="-46892"/>
+            <a:ext cx="7831396" cy="6295539"/>
+            <a:chOff x="265090" y="-46892"/>
+            <a:chExt cx="7831396" cy="6295539"/>
           </a:xfrm>
         </p:grpSpPr>
         <p:grpSp>
           <p:nvGrpSpPr>
-            <p:cNvPr id="4" name="Group 3">
+            <p:cNvPr id="31" name="Group 30">
               <a:extLst>
                 <a:ext uri="{FF2B5EF4-FFF2-40B4-BE49-F238E27FC236}">
-                  <a16:creationId xmlns:a16="http://schemas.microsoft.com/office/drawing/2014/main" id="{83AF2093-62B0-443B-B781-CFFA48E5E94F}"/>
+                  <a16:creationId xmlns:a16="http://schemas.microsoft.com/office/drawing/2014/main" id="{4C68A637-9471-415C-8DB9-183DA247449A}"/>
                 </a:ext>
               </a:extLst>
             </p:cNvPr>
@@ -17799,1080 +17892,772 @@
             <a:xfrm>
               <a:off x="265090" y="478971"/>
               <a:ext cx="7831396" cy="5769676"/>
-              <a:chOff x="265090" y="478971"/>
+              <a:chOff x="1580934" y="122131"/>
               <a:chExt cx="7831396" cy="5769676"/>
             </a:xfrm>
           </p:grpSpPr>
-          <p:grpSp>
-            <p:nvGrpSpPr>
-              <p:cNvPr id="31" name="Group 30">
+          <p:sp>
+            <p:nvSpPr>
+              <p:cNvPr id="13" name="Rectangle 12">
                 <a:extLst>
                   <a:ext uri="{FF2B5EF4-FFF2-40B4-BE49-F238E27FC236}">
-                    <a16:creationId xmlns:a16="http://schemas.microsoft.com/office/drawing/2014/main" id="{4C68A637-9471-415C-8DB9-183DA247449A}"/>
+                    <a16:creationId xmlns:a16="http://schemas.microsoft.com/office/drawing/2014/main" id="{C7C30BCB-7F4F-4A36-B777-3E45C003BDAA}"/>
                   </a:ext>
                 </a:extLst>
               </p:cNvPr>
-              <p:cNvGrpSpPr/>
+              <p:cNvSpPr/>
               <p:nvPr/>
-            </p:nvGrpSpPr>
-            <p:grpSpPr>
+            </p:nvSpPr>
+            <p:spPr>
               <a:xfrm>
-                <a:off x="265090" y="478971"/>
-                <a:ext cx="7831396" cy="5769676"/>
-                <a:chOff x="1580934" y="122131"/>
-                <a:chExt cx="7831396" cy="5769676"/>
+                <a:off x="2094935" y="5388489"/>
+                <a:ext cx="468411" cy="176269"/>
               </a:xfrm>
-            </p:grpSpPr>
-            <p:sp>
-              <p:nvSpPr>
-                <p:cNvPr id="13" name="Rectangle 12">
-                  <a:extLst>
-                    <a:ext uri="{FF2B5EF4-FFF2-40B4-BE49-F238E27FC236}">
-                      <a16:creationId xmlns:a16="http://schemas.microsoft.com/office/drawing/2014/main" id="{C7C30BCB-7F4F-4A36-B777-3E45C003BDAA}"/>
-                    </a:ext>
-                  </a:extLst>
-                </p:cNvPr>
-                <p:cNvSpPr/>
-                <p:nvPr/>
-              </p:nvSpPr>
-              <p:spPr>
-                <a:xfrm>
-                  <a:off x="2094935" y="5388489"/>
-                  <a:ext cx="468411" cy="176269"/>
-                </a:xfrm>
-                <a:prstGeom prst="rect">
-                  <a:avLst/>
-                </a:prstGeom>
+              <a:prstGeom prst="rect">
+                <a:avLst/>
+              </a:prstGeom>
+              <a:solidFill>
+                <a:schemeClr val="bg1"/>
+              </a:solidFill>
+              <a:ln>
                 <a:solidFill>
                   <a:schemeClr val="bg1"/>
                 </a:solidFill>
-                <a:ln>
-                  <a:solidFill>
-                    <a:schemeClr val="bg1"/>
-                  </a:solidFill>
-                </a:ln>
-              </p:spPr>
-              <p:style>
-                <a:lnRef idx="2">
-                  <a:schemeClr val="accent1">
-                    <a:shade val="50000"/>
-                  </a:schemeClr>
-                </a:lnRef>
-                <a:fillRef idx="1">
-                  <a:schemeClr val="accent1"/>
-                </a:fillRef>
-                <a:effectRef idx="0">
-                  <a:schemeClr val="accent1"/>
-                </a:effectRef>
-                <a:fontRef idx="minor">
-                  <a:schemeClr val="lt1"/>
-                </a:fontRef>
-              </p:style>
-              <p:txBody>
-                <a:bodyPr rtlCol="0" anchor="ctr"/>
-                <a:lstStyle/>
-                <a:p>
-                  <a:pPr algn="ctr"/>
-                  <a:r>
-                    <a:rPr lang="en-US" sz="1600" dirty="0">
-                      <a:solidFill>
-                        <a:sysClr val="windowText" lastClr="000000"/>
-                      </a:solidFill>
-                      <a:latin typeface="Cambria Math" panose="02040503050406030204" pitchFamily="18" charset="0"/>
-                      <a:ea typeface="Cambria Math" panose="02040503050406030204" pitchFamily="18" charset="0"/>
-                    </a:rPr>
-                    <a:t>0</a:t>
-                  </a:r>
-                </a:p>
-              </p:txBody>
-            </p:sp>
-            <p:sp>
-              <p:nvSpPr>
-                <p:cNvPr id="14" name="Rectangle 13">
-                  <a:extLst>
-                    <a:ext uri="{FF2B5EF4-FFF2-40B4-BE49-F238E27FC236}">
-                      <a16:creationId xmlns:a16="http://schemas.microsoft.com/office/drawing/2014/main" id="{1D6AB13E-9675-46D9-B0E2-33B57E3972F6}"/>
-                    </a:ext>
-                  </a:extLst>
-                </p:cNvPr>
-                <p:cNvSpPr/>
-                <p:nvPr/>
-              </p:nvSpPr>
-              <p:spPr>
-                <a:xfrm>
-                  <a:off x="1996569" y="4847879"/>
-                  <a:ext cx="566777" cy="176269"/>
-                </a:xfrm>
-                <a:prstGeom prst="rect">
-                  <a:avLst/>
-                </a:prstGeom>
+              </a:ln>
+            </p:spPr>
+            <p:style>
+              <a:lnRef idx="2">
+                <a:schemeClr val="accent1">
+                  <a:shade val="50000"/>
+                </a:schemeClr>
+              </a:lnRef>
+              <a:fillRef idx="1">
+                <a:schemeClr val="accent1"/>
+              </a:fillRef>
+              <a:effectRef idx="0">
+                <a:schemeClr val="accent1"/>
+              </a:effectRef>
+              <a:fontRef idx="minor">
+                <a:schemeClr val="lt1"/>
+              </a:fontRef>
+            </p:style>
+            <p:txBody>
+              <a:bodyPr rtlCol="0" anchor="ctr"/>
+              <a:lstStyle/>
+              <a:p>
+                <a:pPr algn="ctr"/>
+                <a:r>
+                  <a:rPr lang="en-US" sz="1600" dirty="0">
+                    <a:solidFill>
+                      <a:sysClr val="windowText" lastClr="000000"/>
+                    </a:solidFill>
+                    <a:latin typeface="Cambria Math" panose="02040503050406030204" pitchFamily="18" charset="0"/>
+                    <a:ea typeface="Cambria Math" panose="02040503050406030204" pitchFamily="18" charset="0"/>
+                  </a:rPr>
+                  <a:t>0</a:t>
+                </a:r>
+              </a:p>
+            </p:txBody>
+          </p:sp>
+          <p:sp>
+            <p:nvSpPr>
+              <p:cNvPr id="14" name="Rectangle 13">
+                <a:extLst>
+                  <a:ext uri="{FF2B5EF4-FFF2-40B4-BE49-F238E27FC236}">
+                    <a16:creationId xmlns:a16="http://schemas.microsoft.com/office/drawing/2014/main" id="{1D6AB13E-9675-46D9-B0E2-33B57E3972F6}"/>
+                  </a:ext>
+                </a:extLst>
+              </p:cNvPr>
+              <p:cNvSpPr/>
+              <p:nvPr/>
+            </p:nvSpPr>
+            <p:spPr>
+              <a:xfrm>
+                <a:off x="1996569" y="4847879"/>
+                <a:ext cx="566777" cy="176269"/>
+              </a:xfrm>
+              <a:prstGeom prst="rect">
+                <a:avLst/>
+              </a:prstGeom>
+              <a:solidFill>
+                <a:schemeClr val="bg1"/>
+              </a:solidFill>
+              <a:ln>
                 <a:solidFill>
                   <a:schemeClr val="bg1"/>
                 </a:solidFill>
-                <a:ln>
-                  <a:solidFill>
-                    <a:schemeClr val="bg1"/>
-                  </a:solidFill>
-                </a:ln>
-              </p:spPr>
-              <p:style>
-                <a:lnRef idx="2">
-                  <a:schemeClr val="accent1">
-                    <a:shade val="50000"/>
-                  </a:schemeClr>
-                </a:lnRef>
-                <a:fillRef idx="1">
-                  <a:schemeClr val="accent1"/>
-                </a:fillRef>
-                <a:effectRef idx="0">
-                  <a:schemeClr val="accent1"/>
-                </a:effectRef>
-                <a:fontRef idx="minor">
-                  <a:schemeClr val="lt1"/>
-                </a:fontRef>
-              </p:style>
-              <p:txBody>
-                <a:bodyPr rtlCol="0" anchor="ctr"/>
-                <a:lstStyle/>
-                <a:p>
-                  <a:pPr algn="ctr"/>
-                  <a:r>
-                    <a:rPr lang="en-US" sz="1600" dirty="0">
-                      <a:solidFill>
-                        <a:sysClr val="windowText" lastClr="000000"/>
-                      </a:solidFill>
-                      <a:latin typeface="Cambria Math" panose="02040503050406030204" pitchFamily="18" charset="0"/>
-                      <a:ea typeface="Cambria Math" panose="02040503050406030204" pitchFamily="18" charset="0"/>
-                    </a:rPr>
-                    <a:t>0.06</a:t>
-                  </a:r>
-                </a:p>
-              </p:txBody>
-            </p:sp>
-            <p:sp>
-              <p:nvSpPr>
-                <p:cNvPr id="15" name="Rectangle 14">
-                  <a:extLst>
-                    <a:ext uri="{FF2B5EF4-FFF2-40B4-BE49-F238E27FC236}">
-                      <a16:creationId xmlns:a16="http://schemas.microsoft.com/office/drawing/2014/main" id="{4DE62A73-A061-47C1-B2CE-BB7DDF8B16C6}"/>
-                    </a:ext>
-                  </a:extLst>
-                </p:cNvPr>
-                <p:cNvSpPr/>
-                <p:nvPr/>
-              </p:nvSpPr>
-              <p:spPr>
-                <a:xfrm rot="16200000">
-                  <a:off x="218675" y="2799738"/>
-                  <a:ext cx="3140153" cy="415636"/>
-                </a:xfrm>
-                <a:prstGeom prst="rect">
-                  <a:avLst/>
-                </a:prstGeom>
+              </a:ln>
+            </p:spPr>
+            <p:style>
+              <a:lnRef idx="2">
+                <a:schemeClr val="accent1">
+                  <a:shade val="50000"/>
+                </a:schemeClr>
+              </a:lnRef>
+              <a:fillRef idx="1">
+                <a:schemeClr val="accent1"/>
+              </a:fillRef>
+              <a:effectRef idx="0">
+                <a:schemeClr val="accent1"/>
+              </a:effectRef>
+              <a:fontRef idx="minor">
+                <a:schemeClr val="lt1"/>
+              </a:fontRef>
+            </p:style>
+            <p:txBody>
+              <a:bodyPr rtlCol="0" anchor="ctr"/>
+              <a:lstStyle/>
+              <a:p>
+                <a:pPr algn="ctr"/>
+                <a:r>
+                  <a:rPr lang="en-US" sz="1600" dirty="0">
+                    <a:solidFill>
+                      <a:sysClr val="windowText" lastClr="000000"/>
+                    </a:solidFill>
+                    <a:latin typeface="Cambria Math" panose="02040503050406030204" pitchFamily="18" charset="0"/>
+                    <a:ea typeface="Cambria Math" panose="02040503050406030204" pitchFamily="18" charset="0"/>
+                  </a:rPr>
+                  <a:t>0.06</a:t>
+                </a:r>
+              </a:p>
+            </p:txBody>
+          </p:sp>
+          <p:sp>
+            <p:nvSpPr>
+              <p:cNvPr id="15" name="Rectangle 14">
+                <a:extLst>
+                  <a:ext uri="{FF2B5EF4-FFF2-40B4-BE49-F238E27FC236}">
+                    <a16:creationId xmlns:a16="http://schemas.microsoft.com/office/drawing/2014/main" id="{4DE62A73-A061-47C1-B2CE-BB7DDF8B16C6}"/>
+                  </a:ext>
+                </a:extLst>
+              </p:cNvPr>
+              <p:cNvSpPr/>
+              <p:nvPr/>
+            </p:nvSpPr>
+            <p:spPr>
+              <a:xfrm rot="16200000">
+                <a:off x="218675" y="2799738"/>
+                <a:ext cx="3140153" cy="415636"/>
+              </a:xfrm>
+              <a:prstGeom prst="rect">
+                <a:avLst/>
+              </a:prstGeom>
+              <a:solidFill>
+                <a:schemeClr val="bg1"/>
+              </a:solidFill>
+              <a:ln>
                 <a:solidFill>
                   <a:schemeClr val="bg1"/>
                 </a:solidFill>
-                <a:ln>
-                  <a:solidFill>
-                    <a:schemeClr val="bg1"/>
-                  </a:solidFill>
-                </a:ln>
-              </p:spPr>
-              <p:style>
-                <a:lnRef idx="2">
-                  <a:schemeClr val="accent1">
-                    <a:shade val="50000"/>
-                  </a:schemeClr>
-                </a:lnRef>
-                <a:fillRef idx="1">
-                  <a:schemeClr val="accent1"/>
-                </a:fillRef>
-                <a:effectRef idx="0">
-                  <a:schemeClr val="accent1"/>
-                </a:effectRef>
-                <a:fontRef idx="minor">
-                  <a:schemeClr val="lt1"/>
-                </a:fontRef>
-              </p:style>
-              <p:txBody>
-                <a:bodyPr rtlCol="0" anchor="ctr"/>
-                <a:lstStyle/>
-                <a:p>
-                  <a:pPr algn="ctr"/>
-                  <a:r>
-                    <a:rPr lang="en-US" dirty="0">
-                      <a:solidFill>
-                        <a:sysClr val="windowText" lastClr="000000"/>
-                      </a:solidFill>
-                      <a:latin typeface="Cambria Math" panose="02040503050406030204" pitchFamily="18" charset="0"/>
-                      <a:ea typeface="Cambria Math" panose="02040503050406030204" pitchFamily="18" charset="0"/>
-                    </a:rPr>
-                    <a:t>Fishing Pressure</a:t>
-                  </a:r>
-                </a:p>
-              </p:txBody>
-            </p:sp>
-            <p:sp>
-              <p:nvSpPr>
-                <p:cNvPr id="16" name="Rectangle 15">
-                  <a:extLst>
-                    <a:ext uri="{FF2B5EF4-FFF2-40B4-BE49-F238E27FC236}">
-                      <a16:creationId xmlns:a16="http://schemas.microsoft.com/office/drawing/2014/main" id="{AABB931F-02B6-4DB0-BD3D-390B863EC1D6}"/>
-                    </a:ext>
-                  </a:extLst>
-                </p:cNvPr>
-                <p:cNvSpPr/>
-                <p:nvPr/>
-              </p:nvSpPr>
-              <p:spPr>
-                <a:xfrm>
-                  <a:off x="1996569" y="4299100"/>
-                  <a:ext cx="566777" cy="176269"/>
-                </a:xfrm>
-                <a:prstGeom prst="rect">
-                  <a:avLst/>
-                </a:prstGeom>
+              </a:ln>
+            </p:spPr>
+            <p:style>
+              <a:lnRef idx="2">
+                <a:schemeClr val="accent1">
+                  <a:shade val="50000"/>
+                </a:schemeClr>
+              </a:lnRef>
+              <a:fillRef idx="1">
+                <a:schemeClr val="accent1"/>
+              </a:fillRef>
+              <a:effectRef idx="0">
+                <a:schemeClr val="accent1"/>
+              </a:effectRef>
+              <a:fontRef idx="minor">
+                <a:schemeClr val="lt1"/>
+              </a:fontRef>
+            </p:style>
+            <p:txBody>
+              <a:bodyPr rtlCol="0" anchor="ctr"/>
+              <a:lstStyle/>
+              <a:p>
+                <a:pPr algn="ctr"/>
+                <a:r>
+                  <a:rPr lang="en-US" dirty="0">
+                    <a:solidFill>
+                      <a:sysClr val="windowText" lastClr="000000"/>
+                    </a:solidFill>
+                    <a:latin typeface="Cambria Math" panose="02040503050406030204" pitchFamily="18" charset="0"/>
+                    <a:ea typeface="Cambria Math" panose="02040503050406030204" pitchFamily="18" charset="0"/>
+                  </a:rPr>
+                  <a:t>Fishing Pressure</a:t>
+                </a:r>
+              </a:p>
+            </p:txBody>
+          </p:sp>
+          <p:sp>
+            <p:nvSpPr>
+              <p:cNvPr id="16" name="Rectangle 15">
+                <a:extLst>
+                  <a:ext uri="{FF2B5EF4-FFF2-40B4-BE49-F238E27FC236}">
+                    <a16:creationId xmlns:a16="http://schemas.microsoft.com/office/drawing/2014/main" id="{AABB931F-02B6-4DB0-BD3D-390B863EC1D6}"/>
+                  </a:ext>
+                </a:extLst>
+              </p:cNvPr>
+              <p:cNvSpPr/>
+              <p:nvPr/>
+            </p:nvSpPr>
+            <p:spPr>
+              <a:xfrm>
+                <a:off x="1996569" y="4299100"/>
+                <a:ext cx="566777" cy="176269"/>
+              </a:xfrm>
+              <a:prstGeom prst="rect">
+                <a:avLst/>
+              </a:prstGeom>
+              <a:solidFill>
+                <a:schemeClr val="bg1"/>
+              </a:solidFill>
+              <a:ln>
                 <a:solidFill>
                   <a:schemeClr val="bg1"/>
                 </a:solidFill>
-                <a:ln>
-                  <a:solidFill>
-                    <a:schemeClr val="bg1"/>
-                  </a:solidFill>
-                </a:ln>
-              </p:spPr>
-              <p:style>
-                <a:lnRef idx="2">
-                  <a:schemeClr val="accent1">
-                    <a:shade val="50000"/>
-                  </a:schemeClr>
-                </a:lnRef>
-                <a:fillRef idx="1">
-                  <a:schemeClr val="accent1"/>
-                </a:fillRef>
-                <a:effectRef idx="0">
-                  <a:schemeClr val="accent1"/>
-                </a:effectRef>
-                <a:fontRef idx="minor">
-                  <a:schemeClr val="lt1"/>
-                </a:fontRef>
-              </p:style>
-              <p:txBody>
-                <a:bodyPr rtlCol="0" anchor="ctr"/>
-                <a:lstStyle/>
-                <a:p>
-                  <a:pPr algn="ctr"/>
-                  <a:r>
-                    <a:rPr lang="en-US" sz="1600" dirty="0">
-                      <a:solidFill>
-                        <a:sysClr val="windowText" lastClr="000000"/>
-                      </a:solidFill>
-                      <a:latin typeface="Cambria Math" panose="02040503050406030204" pitchFamily="18" charset="0"/>
-                      <a:ea typeface="Cambria Math" panose="02040503050406030204" pitchFamily="18" charset="0"/>
-                    </a:rPr>
-                    <a:t>0.11</a:t>
-                  </a:r>
-                </a:p>
-              </p:txBody>
-            </p:sp>
-            <p:sp>
-              <p:nvSpPr>
-                <p:cNvPr id="17" name="Rectangle 16">
-                  <a:extLst>
-                    <a:ext uri="{FF2B5EF4-FFF2-40B4-BE49-F238E27FC236}">
-                      <a16:creationId xmlns:a16="http://schemas.microsoft.com/office/drawing/2014/main" id="{DE960BB1-FB45-4084-9B51-ADF20C1E1CF7}"/>
-                    </a:ext>
-                  </a:extLst>
-                </p:cNvPr>
-                <p:cNvSpPr/>
-                <p:nvPr/>
-              </p:nvSpPr>
-              <p:spPr>
-                <a:xfrm>
-                  <a:off x="1996569" y="3757581"/>
-                  <a:ext cx="566777" cy="176269"/>
-                </a:xfrm>
-                <a:prstGeom prst="rect">
-                  <a:avLst/>
-                </a:prstGeom>
+              </a:ln>
+            </p:spPr>
+            <p:style>
+              <a:lnRef idx="2">
+                <a:schemeClr val="accent1">
+                  <a:shade val="50000"/>
+                </a:schemeClr>
+              </a:lnRef>
+              <a:fillRef idx="1">
+                <a:schemeClr val="accent1"/>
+              </a:fillRef>
+              <a:effectRef idx="0">
+                <a:schemeClr val="accent1"/>
+              </a:effectRef>
+              <a:fontRef idx="minor">
+                <a:schemeClr val="lt1"/>
+              </a:fontRef>
+            </p:style>
+            <p:txBody>
+              <a:bodyPr rtlCol="0" anchor="ctr"/>
+              <a:lstStyle/>
+              <a:p>
+                <a:pPr algn="ctr"/>
+                <a:r>
+                  <a:rPr lang="en-US" sz="1600" dirty="0">
+                    <a:solidFill>
+                      <a:sysClr val="windowText" lastClr="000000"/>
+                    </a:solidFill>
+                    <a:latin typeface="Cambria Math" panose="02040503050406030204" pitchFamily="18" charset="0"/>
+                    <a:ea typeface="Cambria Math" panose="02040503050406030204" pitchFamily="18" charset="0"/>
+                  </a:rPr>
+                  <a:t>0.11</a:t>
+                </a:r>
+              </a:p>
+            </p:txBody>
+          </p:sp>
+          <p:sp>
+            <p:nvSpPr>
+              <p:cNvPr id="17" name="Rectangle 16">
+                <a:extLst>
+                  <a:ext uri="{FF2B5EF4-FFF2-40B4-BE49-F238E27FC236}">
+                    <a16:creationId xmlns:a16="http://schemas.microsoft.com/office/drawing/2014/main" id="{DE960BB1-FB45-4084-9B51-ADF20C1E1CF7}"/>
+                  </a:ext>
+                </a:extLst>
+              </p:cNvPr>
+              <p:cNvSpPr/>
+              <p:nvPr/>
+            </p:nvSpPr>
+            <p:spPr>
+              <a:xfrm>
+                <a:off x="1996569" y="3757581"/>
+                <a:ext cx="566777" cy="176269"/>
+              </a:xfrm>
+              <a:prstGeom prst="rect">
+                <a:avLst/>
+              </a:prstGeom>
+              <a:solidFill>
+                <a:schemeClr val="bg1"/>
+              </a:solidFill>
+              <a:ln>
                 <a:solidFill>
                   <a:schemeClr val="bg1"/>
                 </a:solidFill>
-                <a:ln>
-                  <a:solidFill>
-                    <a:schemeClr val="bg1"/>
-                  </a:solidFill>
-                </a:ln>
-              </p:spPr>
-              <p:style>
-                <a:lnRef idx="2">
-                  <a:schemeClr val="accent1">
-                    <a:shade val="50000"/>
-                  </a:schemeClr>
-                </a:lnRef>
-                <a:fillRef idx="1">
-                  <a:schemeClr val="accent1"/>
-                </a:fillRef>
-                <a:effectRef idx="0">
-                  <a:schemeClr val="accent1"/>
-                </a:effectRef>
-                <a:fontRef idx="minor">
-                  <a:schemeClr val="lt1"/>
-                </a:fontRef>
-              </p:style>
-              <p:txBody>
-                <a:bodyPr rtlCol="0" anchor="ctr"/>
-                <a:lstStyle/>
-                <a:p>
-                  <a:pPr algn="ctr"/>
-                  <a:r>
-                    <a:rPr lang="en-US" sz="1600" dirty="0">
-                      <a:solidFill>
-                        <a:sysClr val="windowText" lastClr="000000"/>
-                      </a:solidFill>
-                      <a:latin typeface="Cambria Math" panose="02040503050406030204" pitchFamily="18" charset="0"/>
-                      <a:ea typeface="Cambria Math" panose="02040503050406030204" pitchFamily="18" charset="0"/>
-                    </a:rPr>
-                    <a:t>0.17</a:t>
-                  </a:r>
-                </a:p>
-              </p:txBody>
-            </p:sp>
-            <p:sp>
-              <p:nvSpPr>
-                <p:cNvPr id="18" name="Rectangle 17">
-                  <a:extLst>
-                    <a:ext uri="{FF2B5EF4-FFF2-40B4-BE49-F238E27FC236}">
-                      <a16:creationId xmlns:a16="http://schemas.microsoft.com/office/drawing/2014/main" id="{6EC9DFB4-D5D5-4948-BC3E-A1C700C02439}"/>
-                    </a:ext>
-                  </a:extLst>
-                </p:cNvPr>
-                <p:cNvSpPr/>
-                <p:nvPr/>
-              </p:nvSpPr>
-              <p:spPr>
-                <a:xfrm>
-                  <a:off x="1996569" y="3205889"/>
-                  <a:ext cx="566777" cy="176269"/>
-                </a:xfrm>
-                <a:prstGeom prst="rect">
-                  <a:avLst/>
-                </a:prstGeom>
+              </a:ln>
+            </p:spPr>
+            <p:style>
+              <a:lnRef idx="2">
+                <a:schemeClr val="accent1">
+                  <a:shade val="50000"/>
+                </a:schemeClr>
+              </a:lnRef>
+              <a:fillRef idx="1">
+                <a:schemeClr val="accent1"/>
+              </a:fillRef>
+              <a:effectRef idx="0">
+                <a:schemeClr val="accent1"/>
+              </a:effectRef>
+              <a:fontRef idx="minor">
+                <a:schemeClr val="lt1"/>
+              </a:fontRef>
+            </p:style>
+            <p:txBody>
+              <a:bodyPr rtlCol="0" anchor="ctr"/>
+              <a:lstStyle/>
+              <a:p>
+                <a:pPr algn="ctr"/>
+                <a:r>
+                  <a:rPr lang="en-US" sz="1600" dirty="0">
+                    <a:solidFill>
+                      <a:sysClr val="windowText" lastClr="000000"/>
+                    </a:solidFill>
+                    <a:latin typeface="Cambria Math" panose="02040503050406030204" pitchFamily="18" charset="0"/>
+                    <a:ea typeface="Cambria Math" panose="02040503050406030204" pitchFamily="18" charset="0"/>
+                  </a:rPr>
+                  <a:t>0.17</a:t>
+                </a:r>
+              </a:p>
+            </p:txBody>
+          </p:sp>
+          <p:sp>
+            <p:nvSpPr>
+              <p:cNvPr id="18" name="Rectangle 17">
+                <a:extLst>
+                  <a:ext uri="{FF2B5EF4-FFF2-40B4-BE49-F238E27FC236}">
+                    <a16:creationId xmlns:a16="http://schemas.microsoft.com/office/drawing/2014/main" id="{6EC9DFB4-D5D5-4948-BC3E-A1C700C02439}"/>
+                  </a:ext>
+                </a:extLst>
+              </p:cNvPr>
+              <p:cNvSpPr/>
+              <p:nvPr/>
+            </p:nvSpPr>
+            <p:spPr>
+              <a:xfrm>
+                <a:off x="1996569" y="3205889"/>
+                <a:ext cx="566777" cy="176269"/>
+              </a:xfrm>
+              <a:prstGeom prst="rect">
+                <a:avLst/>
+              </a:prstGeom>
+              <a:solidFill>
+                <a:schemeClr val="bg1"/>
+              </a:solidFill>
+              <a:ln>
                 <a:solidFill>
                   <a:schemeClr val="bg1"/>
                 </a:solidFill>
-                <a:ln>
-                  <a:solidFill>
-                    <a:schemeClr val="bg1"/>
-                  </a:solidFill>
-                </a:ln>
-              </p:spPr>
-              <p:style>
-                <a:lnRef idx="2">
-                  <a:schemeClr val="accent1">
-                    <a:shade val="50000"/>
-                  </a:schemeClr>
-                </a:lnRef>
-                <a:fillRef idx="1">
-                  <a:schemeClr val="accent1"/>
-                </a:fillRef>
-                <a:effectRef idx="0">
-                  <a:schemeClr val="accent1"/>
-                </a:effectRef>
-                <a:fontRef idx="minor">
-                  <a:schemeClr val="lt1"/>
-                </a:fontRef>
-              </p:style>
-              <p:txBody>
-                <a:bodyPr rtlCol="0" anchor="ctr"/>
-                <a:lstStyle/>
-                <a:p>
-                  <a:pPr algn="ctr"/>
-                  <a:r>
-                    <a:rPr lang="en-US" sz="1600" dirty="0">
-                      <a:solidFill>
-                        <a:sysClr val="windowText" lastClr="000000"/>
-                      </a:solidFill>
-                      <a:latin typeface="Cambria Math" panose="02040503050406030204" pitchFamily="18" charset="0"/>
-                      <a:ea typeface="Cambria Math" panose="02040503050406030204" pitchFamily="18" charset="0"/>
-                    </a:rPr>
-                    <a:t>0.22</a:t>
-                  </a:r>
-                </a:p>
-              </p:txBody>
-            </p:sp>
-            <p:sp>
-              <p:nvSpPr>
-                <p:cNvPr id="19" name="Rectangle 18">
-                  <a:extLst>
-                    <a:ext uri="{FF2B5EF4-FFF2-40B4-BE49-F238E27FC236}">
-                      <a16:creationId xmlns:a16="http://schemas.microsoft.com/office/drawing/2014/main" id="{9AEA1CB6-937A-4AB7-AAFF-1F2F6A73FB8A}"/>
-                    </a:ext>
-                  </a:extLst>
-                </p:cNvPr>
-                <p:cNvSpPr/>
-                <p:nvPr/>
-              </p:nvSpPr>
-              <p:spPr>
-                <a:xfrm>
-                  <a:off x="1996569" y="2659442"/>
-                  <a:ext cx="566777" cy="176269"/>
-                </a:xfrm>
-                <a:prstGeom prst="rect">
-                  <a:avLst/>
-                </a:prstGeom>
+              </a:ln>
+            </p:spPr>
+            <p:style>
+              <a:lnRef idx="2">
+                <a:schemeClr val="accent1">
+                  <a:shade val="50000"/>
+                </a:schemeClr>
+              </a:lnRef>
+              <a:fillRef idx="1">
+                <a:schemeClr val="accent1"/>
+              </a:fillRef>
+              <a:effectRef idx="0">
+                <a:schemeClr val="accent1"/>
+              </a:effectRef>
+              <a:fontRef idx="minor">
+                <a:schemeClr val="lt1"/>
+              </a:fontRef>
+            </p:style>
+            <p:txBody>
+              <a:bodyPr rtlCol="0" anchor="ctr"/>
+              <a:lstStyle/>
+              <a:p>
+                <a:pPr algn="ctr"/>
+                <a:r>
+                  <a:rPr lang="en-US" sz="1600" dirty="0">
+                    <a:solidFill>
+                      <a:sysClr val="windowText" lastClr="000000"/>
+                    </a:solidFill>
+                    <a:latin typeface="Cambria Math" panose="02040503050406030204" pitchFamily="18" charset="0"/>
+                    <a:ea typeface="Cambria Math" panose="02040503050406030204" pitchFamily="18" charset="0"/>
+                  </a:rPr>
+                  <a:t>0.22</a:t>
+                </a:r>
+              </a:p>
+            </p:txBody>
+          </p:sp>
+          <p:sp>
+            <p:nvSpPr>
+              <p:cNvPr id="19" name="Rectangle 18">
+                <a:extLst>
+                  <a:ext uri="{FF2B5EF4-FFF2-40B4-BE49-F238E27FC236}">
+                    <a16:creationId xmlns:a16="http://schemas.microsoft.com/office/drawing/2014/main" id="{9AEA1CB6-937A-4AB7-AAFF-1F2F6A73FB8A}"/>
+                  </a:ext>
+                </a:extLst>
+              </p:cNvPr>
+              <p:cNvSpPr/>
+              <p:nvPr/>
+            </p:nvSpPr>
+            <p:spPr>
+              <a:xfrm>
+                <a:off x="1996569" y="2659442"/>
+                <a:ext cx="566777" cy="176269"/>
+              </a:xfrm>
+              <a:prstGeom prst="rect">
+                <a:avLst/>
+              </a:prstGeom>
+              <a:solidFill>
+                <a:schemeClr val="bg1"/>
+              </a:solidFill>
+              <a:ln>
                 <a:solidFill>
                   <a:schemeClr val="bg1"/>
                 </a:solidFill>
-                <a:ln>
-                  <a:solidFill>
-                    <a:schemeClr val="bg1"/>
-                  </a:solidFill>
-                </a:ln>
-              </p:spPr>
-              <p:style>
-                <a:lnRef idx="2">
-                  <a:schemeClr val="accent1">
-                    <a:shade val="50000"/>
-                  </a:schemeClr>
-                </a:lnRef>
-                <a:fillRef idx="1">
-                  <a:schemeClr val="accent1"/>
-                </a:fillRef>
-                <a:effectRef idx="0">
-                  <a:schemeClr val="accent1"/>
-                </a:effectRef>
-                <a:fontRef idx="minor">
-                  <a:schemeClr val="lt1"/>
-                </a:fontRef>
-              </p:style>
-              <p:txBody>
-                <a:bodyPr rtlCol="0" anchor="ctr"/>
-                <a:lstStyle/>
-                <a:p>
-                  <a:pPr algn="ctr"/>
-                  <a:r>
-                    <a:rPr lang="en-US" sz="1600" dirty="0">
-                      <a:solidFill>
-                        <a:sysClr val="windowText" lastClr="000000"/>
-                      </a:solidFill>
-                      <a:latin typeface="Cambria Math" panose="02040503050406030204" pitchFamily="18" charset="0"/>
-                      <a:ea typeface="Cambria Math" panose="02040503050406030204" pitchFamily="18" charset="0"/>
-                    </a:rPr>
-                    <a:t>0.28</a:t>
-                  </a:r>
-                </a:p>
-              </p:txBody>
-            </p:sp>
-            <p:sp>
-              <p:nvSpPr>
-                <p:cNvPr id="20" name="Rectangle 19">
-                  <a:extLst>
-                    <a:ext uri="{FF2B5EF4-FFF2-40B4-BE49-F238E27FC236}">
-                      <a16:creationId xmlns:a16="http://schemas.microsoft.com/office/drawing/2014/main" id="{910EC489-04FF-43A6-B6F6-8ADC6F232481}"/>
-                    </a:ext>
-                  </a:extLst>
-                </p:cNvPr>
-                <p:cNvSpPr/>
-                <p:nvPr/>
-              </p:nvSpPr>
-              <p:spPr>
-                <a:xfrm>
-                  <a:off x="1996569" y="2115302"/>
-                  <a:ext cx="566777" cy="176269"/>
-                </a:xfrm>
-                <a:prstGeom prst="rect">
-                  <a:avLst/>
-                </a:prstGeom>
+              </a:ln>
+            </p:spPr>
+            <p:style>
+              <a:lnRef idx="2">
+                <a:schemeClr val="accent1">
+                  <a:shade val="50000"/>
+                </a:schemeClr>
+              </a:lnRef>
+              <a:fillRef idx="1">
+                <a:schemeClr val="accent1"/>
+              </a:fillRef>
+              <a:effectRef idx="0">
+                <a:schemeClr val="accent1"/>
+              </a:effectRef>
+              <a:fontRef idx="minor">
+                <a:schemeClr val="lt1"/>
+              </a:fontRef>
+            </p:style>
+            <p:txBody>
+              <a:bodyPr rtlCol="0" anchor="ctr"/>
+              <a:lstStyle/>
+              <a:p>
+                <a:pPr algn="ctr"/>
+                <a:r>
+                  <a:rPr lang="en-US" sz="1600" dirty="0">
+                    <a:solidFill>
+                      <a:sysClr val="windowText" lastClr="000000"/>
+                    </a:solidFill>
+                    <a:latin typeface="Cambria Math" panose="02040503050406030204" pitchFamily="18" charset="0"/>
+                    <a:ea typeface="Cambria Math" panose="02040503050406030204" pitchFamily="18" charset="0"/>
+                  </a:rPr>
+                  <a:t>0.28</a:t>
+                </a:r>
+              </a:p>
+            </p:txBody>
+          </p:sp>
+          <p:sp>
+            <p:nvSpPr>
+              <p:cNvPr id="20" name="Rectangle 19">
+                <a:extLst>
+                  <a:ext uri="{FF2B5EF4-FFF2-40B4-BE49-F238E27FC236}">
+                    <a16:creationId xmlns:a16="http://schemas.microsoft.com/office/drawing/2014/main" id="{910EC489-04FF-43A6-B6F6-8ADC6F232481}"/>
+                  </a:ext>
+                </a:extLst>
+              </p:cNvPr>
+              <p:cNvSpPr/>
+              <p:nvPr/>
+            </p:nvSpPr>
+            <p:spPr>
+              <a:xfrm>
+                <a:off x="1996569" y="2115302"/>
+                <a:ext cx="566777" cy="176269"/>
+              </a:xfrm>
+              <a:prstGeom prst="rect">
+                <a:avLst/>
+              </a:prstGeom>
+              <a:solidFill>
+                <a:schemeClr val="bg1"/>
+              </a:solidFill>
+              <a:ln>
                 <a:solidFill>
                   <a:schemeClr val="bg1"/>
                 </a:solidFill>
-                <a:ln>
-                  <a:solidFill>
-                    <a:schemeClr val="bg1"/>
-                  </a:solidFill>
-                </a:ln>
-              </p:spPr>
-              <p:style>
-                <a:lnRef idx="2">
-                  <a:schemeClr val="accent1">
-                    <a:shade val="50000"/>
-                  </a:schemeClr>
-                </a:lnRef>
-                <a:fillRef idx="1">
-                  <a:schemeClr val="accent1"/>
-                </a:fillRef>
-                <a:effectRef idx="0">
-                  <a:schemeClr val="accent1"/>
-                </a:effectRef>
-                <a:fontRef idx="minor">
-                  <a:schemeClr val="lt1"/>
-                </a:fontRef>
-              </p:style>
-              <p:txBody>
-                <a:bodyPr rtlCol="0" anchor="ctr"/>
-                <a:lstStyle/>
-                <a:p>
-                  <a:pPr algn="ctr"/>
-                  <a:r>
-                    <a:rPr lang="en-US" sz="1600" dirty="0">
-                      <a:solidFill>
-                        <a:sysClr val="windowText" lastClr="000000"/>
-                      </a:solidFill>
-                      <a:latin typeface="Cambria Math" panose="02040503050406030204" pitchFamily="18" charset="0"/>
-                      <a:ea typeface="Cambria Math" panose="02040503050406030204" pitchFamily="18" charset="0"/>
-                    </a:rPr>
-                    <a:t>0.33</a:t>
-                  </a:r>
-                </a:p>
-              </p:txBody>
-            </p:sp>
-            <p:sp>
-              <p:nvSpPr>
-                <p:cNvPr id="21" name="Rectangle 20">
-                  <a:extLst>
-                    <a:ext uri="{FF2B5EF4-FFF2-40B4-BE49-F238E27FC236}">
-                      <a16:creationId xmlns:a16="http://schemas.microsoft.com/office/drawing/2014/main" id="{4A7D459D-92F2-42E2-91FC-16959B4AAA01}"/>
-                    </a:ext>
-                  </a:extLst>
-                </p:cNvPr>
-                <p:cNvSpPr/>
-                <p:nvPr/>
-              </p:nvSpPr>
-              <p:spPr>
-                <a:xfrm>
-                  <a:off x="1996569" y="1560924"/>
-                  <a:ext cx="566777" cy="176269"/>
-                </a:xfrm>
-                <a:prstGeom prst="rect">
-                  <a:avLst/>
-                </a:prstGeom>
+              </a:ln>
+            </p:spPr>
+            <p:style>
+              <a:lnRef idx="2">
+                <a:schemeClr val="accent1">
+                  <a:shade val="50000"/>
+                </a:schemeClr>
+              </a:lnRef>
+              <a:fillRef idx="1">
+                <a:schemeClr val="accent1"/>
+              </a:fillRef>
+              <a:effectRef idx="0">
+                <a:schemeClr val="accent1"/>
+              </a:effectRef>
+              <a:fontRef idx="minor">
+                <a:schemeClr val="lt1"/>
+              </a:fontRef>
+            </p:style>
+            <p:txBody>
+              <a:bodyPr rtlCol="0" anchor="ctr"/>
+              <a:lstStyle/>
+              <a:p>
+                <a:pPr algn="ctr"/>
+                <a:r>
+                  <a:rPr lang="en-US" sz="1600" dirty="0">
+                    <a:solidFill>
+                      <a:sysClr val="windowText" lastClr="000000"/>
+                    </a:solidFill>
+                    <a:latin typeface="Cambria Math" panose="02040503050406030204" pitchFamily="18" charset="0"/>
+                    <a:ea typeface="Cambria Math" panose="02040503050406030204" pitchFamily="18" charset="0"/>
+                  </a:rPr>
+                  <a:t>0.33</a:t>
+                </a:r>
+              </a:p>
+            </p:txBody>
+          </p:sp>
+          <p:sp>
+            <p:nvSpPr>
+              <p:cNvPr id="21" name="Rectangle 20">
+                <a:extLst>
+                  <a:ext uri="{FF2B5EF4-FFF2-40B4-BE49-F238E27FC236}">
+                    <a16:creationId xmlns:a16="http://schemas.microsoft.com/office/drawing/2014/main" id="{4A7D459D-92F2-42E2-91FC-16959B4AAA01}"/>
+                  </a:ext>
+                </a:extLst>
+              </p:cNvPr>
+              <p:cNvSpPr/>
+              <p:nvPr/>
+            </p:nvSpPr>
+            <p:spPr>
+              <a:xfrm>
+                <a:off x="1996569" y="1560924"/>
+                <a:ext cx="566777" cy="176269"/>
+              </a:xfrm>
+              <a:prstGeom prst="rect">
+                <a:avLst/>
+              </a:prstGeom>
+              <a:solidFill>
+                <a:schemeClr val="bg1"/>
+              </a:solidFill>
+              <a:ln>
                 <a:solidFill>
                   <a:schemeClr val="bg1"/>
                 </a:solidFill>
-                <a:ln>
-                  <a:solidFill>
-                    <a:schemeClr val="bg1"/>
-                  </a:solidFill>
-                </a:ln>
-              </p:spPr>
-              <p:style>
-                <a:lnRef idx="2">
-                  <a:schemeClr val="accent1">
-                    <a:shade val="50000"/>
-                  </a:schemeClr>
-                </a:lnRef>
-                <a:fillRef idx="1">
-                  <a:schemeClr val="accent1"/>
-                </a:fillRef>
-                <a:effectRef idx="0">
-                  <a:schemeClr val="accent1"/>
-                </a:effectRef>
-                <a:fontRef idx="minor">
-                  <a:schemeClr val="lt1"/>
-                </a:fontRef>
-              </p:style>
-              <p:txBody>
-                <a:bodyPr rtlCol="0" anchor="ctr"/>
-                <a:lstStyle/>
-                <a:p>
-                  <a:pPr algn="ctr"/>
-                  <a:r>
-                    <a:rPr lang="en-US" sz="1600" dirty="0">
-                      <a:solidFill>
-                        <a:sysClr val="windowText" lastClr="000000"/>
-                      </a:solidFill>
-                      <a:latin typeface="Cambria Math" panose="02040503050406030204" pitchFamily="18" charset="0"/>
-                      <a:ea typeface="Cambria Math" panose="02040503050406030204" pitchFamily="18" charset="0"/>
-                    </a:rPr>
-                    <a:t>0.39</a:t>
-                  </a:r>
-                </a:p>
-              </p:txBody>
-            </p:sp>
-            <p:sp>
-              <p:nvSpPr>
-                <p:cNvPr id="22" name="Rectangle 21">
-                  <a:extLst>
-                    <a:ext uri="{FF2B5EF4-FFF2-40B4-BE49-F238E27FC236}">
-                      <a16:creationId xmlns:a16="http://schemas.microsoft.com/office/drawing/2014/main" id="{4A113672-A677-4529-B439-3E3A19920C6A}"/>
-                    </a:ext>
-                  </a:extLst>
-                </p:cNvPr>
-                <p:cNvSpPr/>
-                <p:nvPr/>
-              </p:nvSpPr>
-              <p:spPr>
-                <a:xfrm>
-                  <a:off x="1996569" y="1014741"/>
-                  <a:ext cx="566777" cy="176269"/>
-                </a:xfrm>
-                <a:prstGeom prst="rect">
-                  <a:avLst/>
-                </a:prstGeom>
+              </a:ln>
+            </p:spPr>
+            <p:style>
+              <a:lnRef idx="2">
+                <a:schemeClr val="accent1">
+                  <a:shade val="50000"/>
+                </a:schemeClr>
+              </a:lnRef>
+              <a:fillRef idx="1">
+                <a:schemeClr val="accent1"/>
+              </a:fillRef>
+              <a:effectRef idx="0">
+                <a:schemeClr val="accent1"/>
+              </a:effectRef>
+              <a:fontRef idx="minor">
+                <a:schemeClr val="lt1"/>
+              </a:fontRef>
+            </p:style>
+            <p:txBody>
+              <a:bodyPr rtlCol="0" anchor="ctr"/>
+              <a:lstStyle/>
+              <a:p>
+                <a:pPr algn="ctr"/>
+                <a:r>
+                  <a:rPr lang="en-US" sz="1600" dirty="0">
+                    <a:solidFill>
+                      <a:sysClr val="windowText" lastClr="000000"/>
+                    </a:solidFill>
+                    <a:latin typeface="Cambria Math" panose="02040503050406030204" pitchFamily="18" charset="0"/>
+                    <a:ea typeface="Cambria Math" panose="02040503050406030204" pitchFamily="18" charset="0"/>
+                  </a:rPr>
+                  <a:t>0.39</a:t>
+                </a:r>
+              </a:p>
+            </p:txBody>
+          </p:sp>
+          <p:sp>
+            <p:nvSpPr>
+              <p:cNvPr id="22" name="Rectangle 21">
+                <a:extLst>
+                  <a:ext uri="{FF2B5EF4-FFF2-40B4-BE49-F238E27FC236}">
+                    <a16:creationId xmlns:a16="http://schemas.microsoft.com/office/drawing/2014/main" id="{4A113672-A677-4529-B439-3E3A19920C6A}"/>
+                  </a:ext>
+                </a:extLst>
+              </p:cNvPr>
+              <p:cNvSpPr/>
+              <p:nvPr/>
+            </p:nvSpPr>
+            <p:spPr>
+              <a:xfrm>
+                <a:off x="1996569" y="1014741"/>
+                <a:ext cx="566777" cy="176269"/>
+              </a:xfrm>
+              <a:prstGeom prst="rect">
+                <a:avLst/>
+              </a:prstGeom>
+              <a:solidFill>
+                <a:schemeClr val="bg1"/>
+              </a:solidFill>
+              <a:ln>
                 <a:solidFill>
                   <a:schemeClr val="bg1"/>
                 </a:solidFill>
-                <a:ln>
-                  <a:solidFill>
-                    <a:schemeClr val="bg1"/>
-                  </a:solidFill>
-                </a:ln>
-              </p:spPr>
-              <p:style>
-                <a:lnRef idx="2">
-                  <a:schemeClr val="accent1">
-                    <a:shade val="50000"/>
-                  </a:schemeClr>
-                </a:lnRef>
-                <a:fillRef idx="1">
-                  <a:schemeClr val="accent1"/>
-                </a:fillRef>
-                <a:effectRef idx="0">
-                  <a:schemeClr val="accent1"/>
-                </a:effectRef>
-                <a:fontRef idx="minor">
-                  <a:schemeClr val="lt1"/>
-                </a:fontRef>
-              </p:style>
-              <p:txBody>
-                <a:bodyPr rtlCol="0" anchor="ctr"/>
-                <a:lstStyle/>
-                <a:p>
-                  <a:pPr algn="ctr"/>
-                  <a:r>
-                    <a:rPr lang="en-US" sz="1600" dirty="0">
-                      <a:solidFill>
-                        <a:sysClr val="windowText" lastClr="000000"/>
-                      </a:solidFill>
-                      <a:latin typeface="Cambria Math" panose="02040503050406030204" pitchFamily="18" charset="0"/>
-                      <a:ea typeface="Cambria Math" panose="02040503050406030204" pitchFamily="18" charset="0"/>
-                    </a:rPr>
-                    <a:t>0.44</a:t>
-                  </a:r>
-                </a:p>
-              </p:txBody>
-            </p:sp>
-            <p:sp>
-              <p:nvSpPr>
-                <p:cNvPr id="23" name="Rectangle 22">
-                  <a:extLst>
-                    <a:ext uri="{FF2B5EF4-FFF2-40B4-BE49-F238E27FC236}">
-                      <a16:creationId xmlns:a16="http://schemas.microsoft.com/office/drawing/2014/main" id="{46A62C91-7FC3-40E7-8375-CEAC6C111610}"/>
-                    </a:ext>
-                  </a:extLst>
-                </p:cNvPr>
-                <p:cNvSpPr/>
-                <p:nvPr/>
-              </p:nvSpPr>
-              <p:spPr>
-                <a:xfrm>
-                  <a:off x="1996569" y="448314"/>
-                  <a:ext cx="566777" cy="176269"/>
-                </a:xfrm>
-                <a:prstGeom prst="rect">
-                  <a:avLst/>
-                </a:prstGeom>
+              </a:ln>
+            </p:spPr>
+            <p:style>
+              <a:lnRef idx="2">
+                <a:schemeClr val="accent1">
+                  <a:shade val="50000"/>
+                </a:schemeClr>
+              </a:lnRef>
+              <a:fillRef idx="1">
+                <a:schemeClr val="accent1"/>
+              </a:fillRef>
+              <a:effectRef idx="0">
+                <a:schemeClr val="accent1"/>
+              </a:effectRef>
+              <a:fontRef idx="minor">
+                <a:schemeClr val="lt1"/>
+              </a:fontRef>
+            </p:style>
+            <p:txBody>
+              <a:bodyPr rtlCol="0" anchor="ctr"/>
+              <a:lstStyle/>
+              <a:p>
+                <a:pPr algn="ctr"/>
+                <a:r>
+                  <a:rPr lang="en-US" sz="1600" dirty="0">
+                    <a:solidFill>
+                      <a:sysClr val="windowText" lastClr="000000"/>
+                    </a:solidFill>
+                    <a:latin typeface="Cambria Math" panose="02040503050406030204" pitchFamily="18" charset="0"/>
+                    <a:ea typeface="Cambria Math" panose="02040503050406030204" pitchFamily="18" charset="0"/>
+                  </a:rPr>
+                  <a:t>0.44</a:t>
+                </a:r>
+              </a:p>
+            </p:txBody>
+          </p:sp>
+          <p:sp>
+            <p:nvSpPr>
+              <p:cNvPr id="23" name="Rectangle 22">
+                <a:extLst>
+                  <a:ext uri="{FF2B5EF4-FFF2-40B4-BE49-F238E27FC236}">
+                    <a16:creationId xmlns:a16="http://schemas.microsoft.com/office/drawing/2014/main" id="{46A62C91-7FC3-40E7-8375-CEAC6C111610}"/>
+                  </a:ext>
+                </a:extLst>
+              </p:cNvPr>
+              <p:cNvSpPr/>
+              <p:nvPr/>
+            </p:nvSpPr>
+            <p:spPr>
+              <a:xfrm>
+                <a:off x="1996569" y="448314"/>
+                <a:ext cx="566777" cy="176269"/>
+              </a:xfrm>
+              <a:prstGeom prst="rect">
+                <a:avLst/>
+              </a:prstGeom>
+              <a:solidFill>
+                <a:schemeClr val="bg1"/>
+              </a:solidFill>
+              <a:ln>
                 <a:solidFill>
                   <a:schemeClr val="bg1"/>
                 </a:solidFill>
-                <a:ln>
-                  <a:solidFill>
-                    <a:schemeClr val="bg1"/>
-                  </a:solidFill>
-                </a:ln>
-              </p:spPr>
-              <p:style>
-                <a:lnRef idx="2">
-                  <a:schemeClr val="accent1">
-                    <a:shade val="50000"/>
-                  </a:schemeClr>
-                </a:lnRef>
-                <a:fillRef idx="1">
-                  <a:schemeClr val="accent1"/>
-                </a:fillRef>
-                <a:effectRef idx="0">
-                  <a:schemeClr val="accent1"/>
-                </a:effectRef>
-                <a:fontRef idx="minor">
-                  <a:schemeClr val="lt1"/>
-                </a:fontRef>
-              </p:style>
-              <p:txBody>
-                <a:bodyPr rtlCol="0" anchor="ctr"/>
-                <a:lstStyle/>
-                <a:p>
-                  <a:pPr algn="ctr"/>
-                  <a:r>
-                    <a:rPr lang="en-US" sz="1600" dirty="0">
-                      <a:solidFill>
-                        <a:sysClr val="windowText" lastClr="000000"/>
-                      </a:solidFill>
-                      <a:latin typeface="Cambria Math" panose="02040503050406030204" pitchFamily="18" charset="0"/>
-                      <a:ea typeface="Cambria Math" panose="02040503050406030204" pitchFamily="18" charset="0"/>
-                    </a:rPr>
-                    <a:t>0.5</a:t>
-                  </a:r>
-                </a:p>
-              </p:txBody>
-            </p:sp>
-            <p:sp>
-              <p:nvSpPr>
-                <p:cNvPr id="26" name="Rectangle 25">
-                  <a:extLst>
-                    <a:ext uri="{FF2B5EF4-FFF2-40B4-BE49-F238E27FC236}">
-                      <a16:creationId xmlns:a16="http://schemas.microsoft.com/office/drawing/2014/main" id="{E9452E25-EABE-4C71-B980-5213B69E28CA}"/>
-                    </a:ext>
-                  </a:extLst>
-                </p:cNvPr>
-                <p:cNvSpPr/>
-                <p:nvPr/>
-              </p:nvSpPr>
-              <p:spPr>
-                <a:xfrm>
-                  <a:off x="8671672" y="600714"/>
-                  <a:ext cx="566777" cy="176269"/>
-                </a:xfrm>
-                <a:prstGeom prst="rect">
-                  <a:avLst/>
-                </a:prstGeom>
+              </a:ln>
+            </p:spPr>
+            <p:style>
+              <a:lnRef idx="2">
+                <a:schemeClr val="accent1">
+                  <a:shade val="50000"/>
+                </a:schemeClr>
+              </a:lnRef>
+              <a:fillRef idx="1">
+                <a:schemeClr val="accent1"/>
+              </a:fillRef>
+              <a:effectRef idx="0">
+                <a:schemeClr val="accent1"/>
+              </a:effectRef>
+              <a:fontRef idx="minor">
+                <a:schemeClr val="lt1"/>
+              </a:fontRef>
+            </p:style>
+            <p:txBody>
+              <a:bodyPr rtlCol="0" anchor="ctr"/>
+              <a:lstStyle/>
+              <a:p>
+                <a:pPr algn="ctr"/>
+                <a:r>
+                  <a:rPr lang="en-US" sz="1600" dirty="0">
+                    <a:solidFill>
+                      <a:sysClr val="windowText" lastClr="000000"/>
+                    </a:solidFill>
+                    <a:latin typeface="Cambria Math" panose="02040503050406030204" pitchFamily="18" charset="0"/>
+                    <a:ea typeface="Cambria Math" panose="02040503050406030204" pitchFamily="18" charset="0"/>
+                  </a:rPr>
+                  <a:t>0.5</a:t>
+                </a:r>
+              </a:p>
+            </p:txBody>
+          </p:sp>
+          <p:sp>
+            <p:nvSpPr>
+              <p:cNvPr id="26" name="Rectangle 25">
+                <a:extLst>
+                  <a:ext uri="{FF2B5EF4-FFF2-40B4-BE49-F238E27FC236}">
+                    <a16:creationId xmlns:a16="http://schemas.microsoft.com/office/drawing/2014/main" id="{E9452E25-EABE-4C71-B980-5213B69E28CA}"/>
+                  </a:ext>
+                </a:extLst>
+              </p:cNvPr>
+              <p:cNvSpPr/>
+              <p:nvPr/>
+            </p:nvSpPr>
+            <p:spPr>
+              <a:xfrm>
+                <a:off x="8671672" y="600714"/>
+                <a:ext cx="566777" cy="176269"/>
+              </a:xfrm>
+              <a:prstGeom prst="rect">
+                <a:avLst/>
+              </a:prstGeom>
+              <a:solidFill>
+                <a:schemeClr val="bg1"/>
+              </a:solidFill>
+              <a:ln>
                 <a:solidFill>
                   <a:schemeClr val="bg1"/>
                 </a:solidFill>
-                <a:ln>
-                  <a:solidFill>
-                    <a:schemeClr val="bg1"/>
-                  </a:solidFill>
-                </a:ln>
-              </p:spPr>
-              <p:style>
-                <a:lnRef idx="2">
-                  <a:schemeClr val="accent1">
-                    <a:shade val="50000"/>
-                  </a:schemeClr>
-                </a:lnRef>
-                <a:fillRef idx="1">
-                  <a:schemeClr val="accent1"/>
-                </a:fillRef>
-                <a:effectRef idx="0">
-                  <a:schemeClr val="accent1"/>
-                </a:effectRef>
-                <a:fontRef idx="minor">
-                  <a:schemeClr val="lt1"/>
-                </a:fontRef>
-              </p:style>
-              <p:txBody>
-                <a:bodyPr rtlCol="0" anchor="ctr"/>
-                <a:lstStyle/>
-                <a:p>
-                  <a:pPr algn="ctr"/>
-                  <a:r>
-                    <a:rPr lang="en-US" sz="1600" dirty="0">
-                      <a:solidFill>
-                        <a:sysClr val="windowText" lastClr="000000"/>
-                      </a:solidFill>
-                      <a:latin typeface="Cambria Math" panose="02040503050406030204" pitchFamily="18" charset="0"/>
-                      <a:ea typeface="Cambria Math" panose="02040503050406030204" pitchFamily="18" charset="0"/>
-                    </a:rPr>
-                    <a:t>0.5</a:t>
-                  </a:r>
-                </a:p>
-              </p:txBody>
-            </p:sp>
-            <p:pic>
-              <p:nvPicPr>
-                <p:cNvPr id="25" name="Picture 24" descr="Shape&#10;&#10;Description automatically generated with medium confidence">
-                  <a:extLst>
-                    <a:ext uri="{FF2B5EF4-FFF2-40B4-BE49-F238E27FC236}">
-                      <a16:creationId xmlns:a16="http://schemas.microsoft.com/office/drawing/2014/main" id="{2FE655F5-A957-461C-A225-B2174C6CA235}"/>
-                    </a:ext>
-                  </a:extLst>
-                </p:cNvPr>
-                <p:cNvPicPr>
-                  <a:picLocks noChangeAspect="1"/>
-                </p:cNvPicPr>
-                <p:nvPr/>
-              </p:nvPicPr>
-              <p:blipFill rotWithShape="1">
-                <a:blip r:embed="rId3">
-                  <a:extLst>
-                    <a:ext uri="{28A0092B-C50C-407E-A947-70E740481C1C}">
-                      <a14:useLocalDpi xmlns:a14="http://schemas.microsoft.com/office/drawing/2010/main" val="0"/>
-                    </a:ext>
-                  </a:extLst>
-                </a:blip>
-                <a:srcRect l="11043" t="8449" b="16872"/>
-                <a:stretch/>
-              </p:blipFill>
-              <p:spPr>
-                <a:xfrm>
-                  <a:off x="2492476" y="122131"/>
-                  <a:ext cx="6872749" cy="5769676"/>
-                </a:xfrm>
-                <a:prstGeom prst="rect">
-                  <a:avLst/>
-                </a:prstGeom>
-              </p:spPr>
-            </p:pic>
-            <p:sp>
-              <p:nvSpPr>
-                <p:cNvPr id="27" name="Rectangle 26">
-                  <a:extLst>
-                    <a:ext uri="{FF2B5EF4-FFF2-40B4-BE49-F238E27FC236}">
-                      <a16:creationId xmlns:a16="http://schemas.microsoft.com/office/drawing/2014/main" id="{82748104-A162-4561-8FA5-807C8827AF13}"/>
-                    </a:ext>
-                  </a:extLst>
-                </p:cNvPr>
-                <p:cNvSpPr/>
-                <p:nvPr/>
-              </p:nvSpPr>
-              <p:spPr>
-                <a:xfrm>
-                  <a:off x="8845553" y="1562052"/>
-                  <a:ext cx="566777" cy="176269"/>
-                </a:xfrm>
-                <a:prstGeom prst="rect">
-                  <a:avLst/>
-                </a:prstGeom>
-                <a:solidFill>
-                  <a:schemeClr val="bg1"/>
-                </a:solidFill>
-                <a:ln>
-                  <a:solidFill>
-                    <a:schemeClr val="bg1"/>
-                  </a:solidFill>
-                </a:ln>
-              </p:spPr>
-              <p:style>
-                <a:lnRef idx="2">
-                  <a:schemeClr val="accent1">
-                    <a:shade val="50000"/>
-                  </a:schemeClr>
-                </a:lnRef>
-                <a:fillRef idx="1">
-                  <a:schemeClr val="accent1"/>
-                </a:fillRef>
-                <a:effectRef idx="0">
-                  <a:schemeClr val="accent1"/>
-                </a:effectRef>
-                <a:fontRef idx="minor">
-                  <a:schemeClr val="lt1"/>
-                </a:fontRef>
-              </p:style>
-              <p:txBody>
-                <a:bodyPr rtlCol="0" anchor="ctr"/>
-                <a:lstStyle/>
-                <a:p>
-                  <a:pPr algn="ctr"/>
-                  <a:r>
-                    <a:rPr lang="en-US" sz="1600" dirty="0">
-                      <a:solidFill>
-                        <a:sysClr val="windowText" lastClr="000000"/>
-                      </a:solidFill>
-                      <a:latin typeface="Cambria Math" panose="02040503050406030204" pitchFamily="18" charset="0"/>
-                      <a:ea typeface="Cambria Math" panose="02040503050406030204" pitchFamily="18" charset="0"/>
-                    </a:rPr>
-                    <a:t>10</a:t>
-                  </a:r>
-                </a:p>
-              </p:txBody>
-            </p:sp>
-            <p:sp>
-              <p:nvSpPr>
-                <p:cNvPr id="28" name="Rectangle 27">
-                  <a:extLst>
-                    <a:ext uri="{FF2B5EF4-FFF2-40B4-BE49-F238E27FC236}">
-                      <a16:creationId xmlns:a16="http://schemas.microsoft.com/office/drawing/2014/main" id="{9F8274C3-C68D-4DA3-8EC6-87B421511136}"/>
-                    </a:ext>
-                  </a:extLst>
-                </p:cNvPr>
-                <p:cNvSpPr/>
-                <p:nvPr/>
-              </p:nvSpPr>
-              <p:spPr>
-                <a:xfrm>
-                  <a:off x="8845553" y="2592455"/>
-                  <a:ext cx="566777" cy="176269"/>
-                </a:xfrm>
-                <a:prstGeom prst="rect">
-                  <a:avLst/>
-                </a:prstGeom>
-                <a:solidFill>
-                  <a:schemeClr val="bg1"/>
-                </a:solidFill>
-                <a:ln>
-                  <a:solidFill>
-                    <a:schemeClr val="bg1"/>
-                  </a:solidFill>
-                </a:ln>
-              </p:spPr>
-              <p:style>
-                <a:lnRef idx="2">
-                  <a:schemeClr val="accent1">
-                    <a:shade val="50000"/>
-                  </a:schemeClr>
-                </a:lnRef>
-                <a:fillRef idx="1">
-                  <a:schemeClr val="accent1"/>
-                </a:fillRef>
-                <a:effectRef idx="0">
-                  <a:schemeClr val="accent1"/>
-                </a:effectRef>
-                <a:fontRef idx="minor">
-                  <a:schemeClr val="lt1"/>
-                </a:fontRef>
-              </p:style>
-              <p:txBody>
-                <a:bodyPr rtlCol="0" anchor="ctr"/>
-                <a:lstStyle/>
-                <a:p>
-                  <a:pPr algn="ctr"/>
-                  <a:r>
-                    <a:rPr lang="en-US" sz="1600" dirty="0">
-                      <a:solidFill>
-                        <a:sysClr val="windowText" lastClr="000000"/>
-                      </a:solidFill>
-                      <a:latin typeface="Cambria Math" panose="02040503050406030204" pitchFamily="18" charset="0"/>
-                      <a:ea typeface="Cambria Math" panose="02040503050406030204" pitchFamily="18" charset="0"/>
-                    </a:rPr>
-                    <a:t>5</a:t>
-                  </a:r>
-                </a:p>
-              </p:txBody>
-            </p:sp>
-            <p:sp>
-              <p:nvSpPr>
-                <p:cNvPr id="29" name="Rectangle 28">
-                  <a:extLst>
-                    <a:ext uri="{FF2B5EF4-FFF2-40B4-BE49-F238E27FC236}">
-                      <a16:creationId xmlns:a16="http://schemas.microsoft.com/office/drawing/2014/main" id="{E2FDFF12-8F83-4889-97AF-C7E00E153FC9}"/>
-                    </a:ext>
-                  </a:extLst>
-                </p:cNvPr>
-                <p:cNvSpPr/>
-                <p:nvPr/>
-              </p:nvSpPr>
-              <p:spPr>
-                <a:xfrm>
-                  <a:off x="8845553" y="3620462"/>
-                  <a:ext cx="566777" cy="176269"/>
-                </a:xfrm>
-                <a:prstGeom prst="rect">
-                  <a:avLst/>
-                </a:prstGeom>
-                <a:solidFill>
-                  <a:schemeClr val="bg1"/>
-                </a:solidFill>
-                <a:ln>
-                  <a:solidFill>
-                    <a:schemeClr val="bg1"/>
-                  </a:solidFill>
-                </a:ln>
-              </p:spPr>
-              <p:style>
-                <a:lnRef idx="2">
-                  <a:schemeClr val="accent1">
-                    <a:shade val="50000"/>
-                  </a:schemeClr>
-                </a:lnRef>
-                <a:fillRef idx="1">
-                  <a:schemeClr val="accent1"/>
-                </a:fillRef>
-                <a:effectRef idx="0">
-                  <a:schemeClr val="accent1"/>
-                </a:effectRef>
-                <a:fontRef idx="minor">
-                  <a:schemeClr val="lt1"/>
-                </a:fontRef>
-              </p:style>
-              <p:txBody>
-                <a:bodyPr rtlCol="0" anchor="ctr"/>
-                <a:lstStyle/>
-                <a:p>
-                  <a:pPr algn="ctr"/>
-                  <a:r>
-                    <a:rPr lang="en-US" sz="1600" dirty="0">
-                      <a:solidFill>
-                        <a:sysClr val="windowText" lastClr="000000"/>
-                      </a:solidFill>
-                      <a:latin typeface="Cambria Math" panose="02040503050406030204" pitchFamily="18" charset="0"/>
-                      <a:ea typeface="Cambria Math" panose="02040503050406030204" pitchFamily="18" charset="0"/>
-                    </a:rPr>
-                    <a:t>0</a:t>
-                  </a:r>
-                </a:p>
-              </p:txBody>
-            </p:sp>
-            <p:sp>
-              <p:nvSpPr>
-                <p:cNvPr id="30" name="Rectangle 29">
-                  <a:extLst>
-                    <a:ext uri="{FF2B5EF4-FFF2-40B4-BE49-F238E27FC236}">
-                      <a16:creationId xmlns:a16="http://schemas.microsoft.com/office/drawing/2014/main" id="{C726B9B9-3C96-4808-933A-D19C64F5010B}"/>
-                    </a:ext>
-                  </a:extLst>
-                </p:cNvPr>
-                <p:cNvSpPr/>
-                <p:nvPr/>
-              </p:nvSpPr>
-              <p:spPr>
-                <a:xfrm>
-                  <a:off x="8845553" y="4642926"/>
-                  <a:ext cx="566777" cy="176269"/>
-                </a:xfrm>
-                <a:prstGeom prst="rect">
-                  <a:avLst/>
-                </a:prstGeom>
-                <a:solidFill>
-                  <a:schemeClr val="bg1"/>
-                </a:solidFill>
-                <a:ln>
-                  <a:solidFill>
-                    <a:schemeClr val="bg1"/>
-                  </a:solidFill>
-                </a:ln>
-              </p:spPr>
-              <p:style>
-                <a:lnRef idx="2">
-                  <a:schemeClr val="accent1">
-                    <a:shade val="50000"/>
-                  </a:schemeClr>
-                </a:lnRef>
-                <a:fillRef idx="1">
-                  <a:schemeClr val="accent1"/>
-                </a:fillRef>
-                <a:effectRef idx="0">
-                  <a:schemeClr val="accent1"/>
-                </a:effectRef>
-                <a:fontRef idx="minor">
-                  <a:schemeClr val="lt1"/>
-                </a:fontRef>
-              </p:style>
-              <p:txBody>
-                <a:bodyPr rtlCol="0" anchor="ctr"/>
-                <a:lstStyle/>
-                <a:p>
-                  <a:pPr algn="ctr"/>
-                  <a:r>
-                    <a:rPr lang="en-US" sz="1600" dirty="0">
-                      <a:solidFill>
-                        <a:sysClr val="windowText" lastClr="000000"/>
-                      </a:solidFill>
-                      <a:latin typeface="Cambria Math" panose="02040503050406030204" pitchFamily="18" charset="0"/>
-                      <a:ea typeface="Cambria Math" panose="02040503050406030204" pitchFamily="18" charset="0"/>
-                    </a:rPr>
-                    <a:t>-5</a:t>
-                  </a:r>
-                </a:p>
-              </p:txBody>
-            </p:sp>
-          </p:grpSp>
+              </a:ln>
+            </p:spPr>
+            <p:style>
+              <a:lnRef idx="2">
+                <a:schemeClr val="accent1">
+                  <a:shade val="50000"/>
+                </a:schemeClr>
+              </a:lnRef>
+              <a:fillRef idx="1">
+                <a:schemeClr val="accent1"/>
+              </a:fillRef>
+              <a:effectRef idx="0">
+                <a:schemeClr val="accent1"/>
+              </a:effectRef>
+              <a:fontRef idx="minor">
+                <a:schemeClr val="lt1"/>
+              </a:fontRef>
+            </p:style>
+            <p:txBody>
+              <a:bodyPr rtlCol="0" anchor="ctr"/>
+              <a:lstStyle/>
+              <a:p>
+                <a:pPr algn="ctr"/>
+                <a:r>
+                  <a:rPr lang="en-US" sz="1600" dirty="0">
+                    <a:solidFill>
+                      <a:sysClr val="windowText" lastClr="000000"/>
+                    </a:solidFill>
+                    <a:latin typeface="Cambria Math" panose="02040503050406030204" pitchFamily="18" charset="0"/>
+                    <a:ea typeface="Cambria Math" panose="02040503050406030204" pitchFamily="18" charset="0"/>
+                  </a:rPr>
+                  <a:t>0.5</a:t>
+                </a:r>
+              </a:p>
+            </p:txBody>
+          </p:sp>
           <p:pic>
             <p:nvPicPr>
-              <p:cNvPr id="3" name="Picture 2" descr="Shape&#10;&#10;Description automatically generated with medium confidence">
+              <p:cNvPr id="25" name="Picture 24" descr="Shape&#10;&#10;Description automatically generated with medium confidence">
                 <a:extLst>
                   <a:ext uri="{FF2B5EF4-FFF2-40B4-BE49-F238E27FC236}">
-                    <a16:creationId xmlns:a16="http://schemas.microsoft.com/office/drawing/2014/main" id="{5864E752-3CF2-47EA-8C7D-84B8A747B545}"/>
+                    <a16:creationId xmlns:a16="http://schemas.microsoft.com/office/drawing/2014/main" id="{2FE655F5-A957-461C-A225-B2174C6CA235}"/>
                   </a:ext>
                 </a:extLst>
               </p:cNvPr>
@@ -18882,62 +18667,340 @@
               <p:nvPr/>
             </p:nvPicPr>
             <p:blipFill rotWithShape="1">
-              <a:blip r:embed="rId4">
+              <a:blip r:embed="rId3">
                 <a:extLst>
                   <a:ext uri="{28A0092B-C50C-407E-A947-70E740481C1C}">
                     <a14:useLocalDpi xmlns:a14="http://schemas.microsoft.com/office/drawing/2010/main" val="0"/>
                   </a:ext>
                 </a:extLst>
               </a:blip>
-              <a:srcRect l="10647" t="9582" r="15506" b="17072"/>
+              <a:srcRect l="11043" t="8449" b="16872"/>
               <a:stretch/>
             </p:blipFill>
             <p:spPr>
               <a:xfrm>
-                <a:off x="1154464" y="573322"/>
-                <a:ext cx="5683290" cy="5644809"/>
+                <a:off x="2492476" y="122131"/>
+                <a:ext cx="6872749" cy="5769676"/>
               </a:xfrm>
               <a:prstGeom prst="rect">
                 <a:avLst/>
               </a:prstGeom>
             </p:spPr>
           </p:pic>
+          <p:sp>
+            <p:nvSpPr>
+              <p:cNvPr id="27" name="Rectangle 26">
+                <a:extLst>
+                  <a:ext uri="{FF2B5EF4-FFF2-40B4-BE49-F238E27FC236}">
+                    <a16:creationId xmlns:a16="http://schemas.microsoft.com/office/drawing/2014/main" id="{82748104-A162-4561-8FA5-807C8827AF13}"/>
+                  </a:ext>
+                </a:extLst>
+              </p:cNvPr>
+              <p:cNvSpPr/>
+              <p:nvPr/>
+            </p:nvSpPr>
+            <p:spPr>
+              <a:xfrm>
+                <a:off x="8845553" y="1562052"/>
+                <a:ext cx="566777" cy="176269"/>
+              </a:xfrm>
+              <a:prstGeom prst="rect">
+                <a:avLst/>
+              </a:prstGeom>
+              <a:solidFill>
+                <a:schemeClr val="bg1"/>
+              </a:solidFill>
+              <a:ln>
+                <a:solidFill>
+                  <a:schemeClr val="bg1"/>
+                </a:solidFill>
+              </a:ln>
+            </p:spPr>
+            <p:style>
+              <a:lnRef idx="2">
+                <a:schemeClr val="accent1">
+                  <a:shade val="50000"/>
+                </a:schemeClr>
+              </a:lnRef>
+              <a:fillRef idx="1">
+                <a:schemeClr val="accent1"/>
+              </a:fillRef>
+              <a:effectRef idx="0">
+                <a:schemeClr val="accent1"/>
+              </a:effectRef>
+              <a:fontRef idx="minor">
+                <a:schemeClr val="lt1"/>
+              </a:fontRef>
+            </p:style>
+            <p:txBody>
+              <a:bodyPr rtlCol="0" anchor="ctr"/>
+              <a:lstStyle/>
+              <a:p>
+                <a:pPr algn="ctr"/>
+                <a:r>
+                  <a:rPr lang="en-US" sz="1600" dirty="0">
+                    <a:solidFill>
+                      <a:sysClr val="windowText" lastClr="000000"/>
+                    </a:solidFill>
+                    <a:latin typeface="Cambria Math" panose="02040503050406030204" pitchFamily="18" charset="0"/>
+                    <a:ea typeface="Cambria Math" panose="02040503050406030204" pitchFamily="18" charset="0"/>
+                  </a:rPr>
+                  <a:t>10</a:t>
+                </a:r>
+              </a:p>
+            </p:txBody>
+          </p:sp>
+          <p:sp>
+            <p:nvSpPr>
+              <p:cNvPr id="28" name="Rectangle 27">
+                <a:extLst>
+                  <a:ext uri="{FF2B5EF4-FFF2-40B4-BE49-F238E27FC236}">
+                    <a16:creationId xmlns:a16="http://schemas.microsoft.com/office/drawing/2014/main" id="{9F8274C3-C68D-4DA3-8EC6-87B421511136}"/>
+                  </a:ext>
+                </a:extLst>
+              </p:cNvPr>
+              <p:cNvSpPr/>
+              <p:nvPr/>
+            </p:nvSpPr>
+            <p:spPr>
+              <a:xfrm>
+                <a:off x="8845553" y="2592455"/>
+                <a:ext cx="566777" cy="176269"/>
+              </a:xfrm>
+              <a:prstGeom prst="rect">
+                <a:avLst/>
+              </a:prstGeom>
+              <a:solidFill>
+                <a:schemeClr val="bg1"/>
+              </a:solidFill>
+              <a:ln>
+                <a:solidFill>
+                  <a:schemeClr val="bg1"/>
+                </a:solidFill>
+              </a:ln>
+            </p:spPr>
+            <p:style>
+              <a:lnRef idx="2">
+                <a:schemeClr val="accent1">
+                  <a:shade val="50000"/>
+                </a:schemeClr>
+              </a:lnRef>
+              <a:fillRef idx="1">
+                <a:schemeClr val="accent1"/>
+              </a:fillRef>
+              <a:effectRef idx="0">
+                <a:schemeClr val="accent1"/>
+              </a:effectRef>
+              <a:fontRef idx="minor">
+                <a:schemeClr val="lt1"/>
+              </a:fontRef>
+            </p:style>
+            <p:txBody>
+              <a:bodyPr rtlCol="0" anchor="ctr"/>
+              <a:lstStyle/>
+              <a:p>
+                <a:pPr algn="ctr"/>
+                <a:r>
+                  <a:rPr lang="en-US" sz="1600" dirty="0">
+                    <a:solidFill>
+                      <a:sysClr val="windowText" lastClr="000000"/>
+                    </a:solidFill>
+                    <a:latin typeface="Cambria Math" panose="02040503050406030204" pitchFamily="18" charset="0"/>
+                    <a:ea typeface="Cambria Math" panose="02040503050406030204" pitchFamily="18" charset="0"/>
+                  </a:rPr>
+                  <a:t>5</a:t>
+                </a:r>
+              </a:p>
+            </p:txBody>
+          </p:sp>
+          <p:sp>
+            <p:nvSpPr>
+              <p:cNvPr id="29" name="Rectangle 28">
+                <a:extLst>
+                  <a:ext uri="{FF2B5EF4-FFF2-40B4-BE49-F238E27FC236}">
+                    <a16:creationId xmlns:a16="http://schemas.microsoft.com/office/drawing/2014/main" id="{E2FDFF12-8F83-4889-97AF-C7E00E153FC9}"/>
+                  </a:ext>
+                </a:extLst>
+              </p:cNvPr>
+              <p:cNvSpPr/>
+              <p:nvPr/>
+            </p:nvSpPr>
+            <p:spPr>
+              <a:xfrm>
+                <a:off x="8845553" y="3620462"/>
+                <a:ext cx="566777" cy="176269"/>
+              </a:xfrm>
+              <a:prstGeom prst="rect">
+                <a:avLst/>
+              </a:prstGeom>
+              <a:solidFill>
+                <a:schemeClr val="bg1"/>
+              </a:solidFill>
+              <a:ln>
+                <a:solidFill>
+                  <a:schemeClr val="bg1"/>
+                </a:solidFill>
+              </a:ln>
+            </p:spPr>
+            <p:style>
+              <a:lnRef idx="2">
+                <a:schemeClr val="accent1">
+                  <a:shade val="50000"/>
+                </a:schemeClr>
+              </a:lnRef>
+              <a:fillRef idx="1">
+                <a:schemeClr val="accent1"/>
+              </a:fillRef>
+              <a:effectRef idx="0">
+                <a:schemeClr val="accent1"/>
+              </a:effectRef>
+              <a:fontRef idx="minor">
+                <a:schemeClr val="lt1"/>
+              </a:fontRef>
+            </p:style>
+            <p:txBody>
+              <a:bodyPr rtlCol="0" anchor="ctr"/>
+              <a:lstStyle/>
+              <a:p>
+                <a:pPr algn="ctr"/>
+                <a:r>
+                  <a:rPr lang="en-US" sz="1600" dirty="0">
+                    <a:solidFill>
+                      <a:sysClr val="windowText" lastClr="000000"/>
+                    </a:solidFill>
+                    <a:latin typeface="Cambria Math" panose="02040503050406030204" pitchFamily="18" charset="0"/>
+                    <a:ea typeface="Cambria Math" panose="02040503050406030204" pitchFamily="18" charset="0"/>
+                  </a:rPr>
+                  <a:t>0</a:t>
+                </a:r>
+              </a:p>
+            </p:txBody>
+          </p:sp>
+          <p:sp>
+            <p:nvSpPr>
+              <p:cNvPr id="30" name="Rectangle 29">
+                <a:extLst>
+                  <a:ext uri="{FF2B5EF4-FFF2-40B4-BE49-F238E27FC236}">
+                    <a16:creationId xmlns:a16="http://schemas.microsoft.com/office/drawing/2014/main" id="{C726B9B9-3C96-4808-933A-D19C64F5010B}"/>
+                  </a:ext>
+                </a:extLst>
+              </p:cNvPr>
+              <p:cNvSpPr/>
+              <p:nvPr/>
+            </p:nvSpPr>
+            <p:spPr>
+              <a:xfrm>
+                <a:off x="8845553" y="4642926"/>
+                <a:ext cx="566777" cy="176269"/>
+              </a:xfrm>
+              <a:prstGeom prst="rect">
+                <a:avLst/>
+              </a:prstGeom>
+              <a:solidFill>
+                <a:schemeClr val="bg1"/>
+              </a:solidFill>
+              <a:ln>
+                <a:solidFill>
+                  <a:schemeClr val="bg1"/>
+                </a:solidFill>
+              </a:ln>
+            </p:spPr>
+            <p:style>
+              <a:lnRef idx="2">
+                <a:schemeClr val="accent1">
+                  <a:shade val="50000"/>
+                </a:schemeClr>
+              </a:lnRef>
+              <a:fillRef idx="1">
+                <a:schemeClr val="accent1"/>
+              </a:fillRef>
+              <a:effectRef idx="0">
+                <a:schemeClr val="accent1"/>
+              </a:effectRef>
+              <a:fontRef idx="minor">
+                <a:schemeClr val="lt1"/>
+              </a:fontRef>
+            </p:style>
+            <p:txBody>
+              <a:bodyPr rtlCol="0" anchor="ctr"/>
+              <a:lstStyle/>
+              <a:p>
+                <a:pPr algn="ctr"/>
+                <a:r>
+                  <a:rPr lang="en-US" sz="1600" dirty="0">
+                    <a:solidFill>
+                      <a:sysClr val="windowText" lastClr="000000"/>
+                    </a:solidFill>
+                    <a:latin typeface="Cambria Math" panose="02040503050406030204" pitchFamily="18" charset="0"/>
+                    <a:ea typeface="Cambria Math" panose="02040503050406030204" pitchFamily="18" charset="0"/>
+                  </a:rPr>
+                  <a:t>-5</a:t>
+                </a:r>
+              </a:p>
+            </p:txBody>
+          </p:sp>
         </p:grpSp>
-        <p:pic>
-          <p:nvPicPr>
-            <p:cNvPr id="6" name="Picture 5" descr="Shape&#10;&#10;Description automatically generated with medium confidence">
+        <p:sp>
+          <p:nvSpPr>
+            <p:cNvPr id="24" name="Rectangle 23">
               <a:extLst>
                 <a:ext uri="{FF2B5EF4-FFF2-40B4-BE49-F238E27FC236}">
-                  <a16:creationId xmlns:a16="http://schemas.microsoft.com/office/drawing/2014/main" id="{324CB3E7-F1A7-43CF-BD2B-992CB0CAB4E9}"/>
+                  <a16:creationId xmlns:a16="http://schemas.microsoft.com/office/drawing/2014/main" id="{68176495-E67E-4F7F-BF3B-1048396982C4}"/>
                 </a:ext>
               </a:extLst>
             </p:cNvPr>
-            <p:cNvPicPr>
-              <a:picLocks noChangeAspect="1"/>
-            </p:cNvPicPr>
+            <p:cNvSpPr/>
             <p:nvPr/>
-          </p:nvPicPr>
-          <p:blipFill rotWithShape="1">
-            <a:blip r:embed="rId5">
-              <a:extLst>
-                <a:ext uri="{28A0092B-C50C-407E-A947-70E740481C1C}">
-                  <a14:useLocalDpi xmlns:a14="http://schemas.microsoft.com/office/drawing/2010/main" val="0"/>
-                </a:ext>
-              </a:extLst>
-            </a:blip>
-            <a:srcRect l="11204" t="8856" r="14846" b="17072"/>
-            <a:stretch/>
-          </p:blipFill>
+          </p:nvSpPr>
           <p:spPr>
             <a:xfrm>
-              <a:off x="1204320" y="526180"/>
-              <a:ext cx="5687989" cy="5697493"/>
+              <a:off x="1391138" y="-46892"/>
+              <a:ext cx="5314462" cy="603681"/>
             </a:xfrm>
             <a:prstGeom prst="rect">
               <a:avLst/>
             </a:prstGeom>
+            <a:solidFill>
+              <a:srgbClr val="81A1B1"/>
+            </a:solidFill>
+            <a:ln>
+              <a:noFill/>
+            </a:ln>
           </p:spPr>
-        </p:pic>
+          <p:style>
+            <a:lnRef idx="2">
+              <a:schemeClr val="accent1">
+                <a:shade val="50000"/>
+              </a:schemeClr>
+            </a:lnRef>
+            <a:fillRef idx="1">
+              <a:schemeClr val="accent1"/>
+            </a:fillRef>
+            <a:effectRef idx="0">
+              <a:schemeClr val="accent1"/>
+            </a:effectRef>
+            <a:fontRef idx="minor">
+              <a:schemeClr val="lt1"/>
+            </a:fontRef>
+          </p:style>
+          <p:txBody>
+            <a:bodyPr rtlCol="0" anchor="ctr"/>
+            <a:lstStyle/>
+            <a:p>
+              <a:pPr algn="ctr"/>
+              <a:r>
+                <a:rPr lang="en-US" dirty="0">
+                  <a:solidFill>
+                    <a:schemeClr val="tx1"/>
+                  </a:solidFill>
+                  <a:latin typeface="Cambria Math" panose="02040503050406030204" pitchFamily="18" charset="0"/>
+                  <a:ea typeface="Cambria Math" panose="02040503050406030204" pitchFamily="18" charset="0"/>
+                </a:rPr>
+                <a:t>Fish population slope over initial 20 years</a:t>
+              </a:r>
+            </a:p>
+          </p:txBody>
+        </p:sp>
       </p:grpSp>
     </p:spTree>
     <p:extLst>
